--- a/Slides/Lesson 11 Code Smells, Refactoring and Technical Debt.pptx
+++ b/Slides/Lesson 11 Code Smells, Refactoring and Technical Debt.pptx
@@ -17127,16 +17127,13 @@
             <a:pPr lvl="1"/>
             <a:r>
               <a:rPr lang="en-US" dirty="0"/>
-              <a:t>IDEs provide (usually) safe </a:t>
-            </a:r>
-            <a:r>
-              <a:rPr lang="en-US" dirty="0" err="1"/>
-              <a:t>refactorings</a:t>
-            </a:r>
-            <a:r>
-              <a:rPr lang="en-US" dirty="0"/>
-              <a:t>;</a:t>
-            </a:r>
+              <a:t>IDEs provide (usually) </a:t>
+            </a:r>
+            <a:r>
+              <a:rPr lang="en-US"/>
+              <a:t>safe refactoring;</a:t>
+            </a:r>
+            <a:endParaRPr lang="en-US" dirty="0"/>
           </a:p>
           <a:p>
             <a:pPr lvl="1"/>

--- a/Slides/Lesson 11 Code Smells, Refactoring and Technical Debt.pptx
+++ b/Slides/Lesson 11 Code Smells, Refactoring and Technical Debt.pptx
@@ -6,7 +6,7 @@
     <p:sldMasterId id="2147483662" r:id="rId2"/>
   </p:sldMasterIdLst>
   <p:notesMasterIdLst>
-    <p:notesMasterId r:id="rId26"/>
+    <p:notesMasterId r:id="rId27"/>
   </p:notesMasterIdLst>
   <p:sldIdLst>
     <p:sldId id="256" r:id="rId3"/>
@@ -27,11 +27,12 @@
     <p:sldId id="270" r:id="rId18"/>
     <p:sldId id="271" r:id="rId19"/>
     <p:sldId id="272" r:id="rId20"/>
-    <p:sldId id="409" r:id="rId21"/>
-    <p:sldId id="410" r:id="rId22"/>
-    <p:sldId id="407" r:id="rId23"/>
-    <p:sldId id="408" r:id="rId24"/>
-    <p:sldId id="376" r:id="rId25"/>
+    <p:sldId id="411" r:id="rId21"/>
+    <p:sldId id="409" r:id="rId22"/>
+    <p:sldId id="410" r:id="rId23"/>
+    <p:sldId id="407" r:id="rId24"/>
+    <p:sldId id="408" r:id="rId25"/>
+    <p:sldId id="376" r:id="rId26"/>
   </p:sldIdLst>
   <p:sldSz cx="13004800" cy="9753600"/>
   <p:notesSz cx="6858000" cy="9144000"/>
@@ -666,6 +667,33 @@
           <a:bodyPr/>
           <a:lstStyle/>
           <a:p>
+            <a:pPr marL="0" indent="0" defTabSz="584200">
+              <a:lnSpc>
+                <a:spcPct val="100000"/>
+              </a:lnSpc>
+              <a:buSzPct val="100000"/>
+              <a:buNone/>
+              <a:defRPr>
+                <a:latin typeface="Lucida Grande"/>
+                <a:ea typeface="Lucida Grande"/>
+                <a:cs typeface="Lucida Grande"/>
+                <a:sym typeface="Lucida Grande"/>
+              </a:defRPr>
+            </a:pPr>
+            <a:r>
+              <a:rPr dirty="0"/>
+              <a:t>some examples of widely used </a:t>
+            </a:r>
+            <a:r>
+              <a:rPr dirty="0" err="1"/>
+              <a:t>refactorings</a:t>
+            </a:r>
+            <a:r>
+              <a:rPr dirty="0"/>
+              <a:t> that are “local” in scope</a:t>
+            </a:r>
+          </a:p>
+          <a:p>
             <a:pPr marL="228600" indent="-228600" defTabSz="584200">
               <a:lnSpc>
                 <a:spcPct val="100000"/>
@@ -680,7 +708,8 @@
               </a:defRPr>
             </a:pPr>
             <a:r>
-              <a:t>some examples of widely used refactorings that are “local” in scope</a:t>
+              <a:rPr dirty="0"/>
+              <a:t>useful for restructuring methods</a:t>
             </a:r>
           </a:p>
           <a:p>
@@ -698,7 +727,8 @@
               </a:defRPr>
             </a:pPr>
             <a:r>
-              <a:t>useful for restructuring methods</a:t>
+              <a:rPr dirty="0"/>
+              <a:t>We already talked about bad names and duplicate code. We would fix these smells by applying refactoring rename and extract method, resp</a:t>
             </a:r>
           </a:p>
           <a:p>
@@ -716,7 +746,8 @@
               </a:defRPr>
             </a:pPr>
             <a:r>
-              <a:t>We already talked about bad names and duplicate code. We would fix these smells by applying refactoring rename and extract method, resp</a:t>
+              <a:rPr dirty="0"/>
+              <a:t>Inline method is inverse: when you want to go fold a method back into another</a:t>
             </a:r>
           </a:p>
           <a:p>
@@ -734,7 +765,8 @@
               </a:defRPr>
             </a:pPr>
             <a:r>
-              <a:t>Inline method is inverse: when you want to go fold a method back into another</a:t>
+              <a:rPr dirty="0"/>
+              <a:t>Extract local variable is like extract method, but what you might do with just an expression, so that a big expression can be more manageable</a:t>
             </a:r>
           </a:p>
           <a:p>
@@ -752,7 +784,8 @@
               </a:defRPr>
             </a:pPr>
             <a:r>
-              <a:t>Extract local variable is like extract method, but what you might do with just an expression, so that a big expression can be more manageable</a:t>
+              <a:rPr dirty="0"/>
+              <a:t>Again, inline local is the inverse: eliminating a local variable that is maybe superfluous</a:t>
             </a:r>
           </a:p>
           <a:p>
@@ -770,24 +803,7 @@
               </a:defRPr>
             </a:pPr>
             <a:r>
-              <a:t>Again, inline local is the inverse: eliminating a local variable that is maybe superfluous</a:t>
-            </a:r>
-          </a:p>
-          <a:p>
-            <a:pPr marL="228600" indent="-228600" defTabSz="584200">
-              <a:lnSpc>
-                <a:spcPct val="100000"/>
-              </a:lnSpc>
-              <a:buSzPct val="100000"/>
-              <a:buChar char="•"/>
-              <a:defRPr>
-                <a:latin typeface="Lucida Grande"/>
-                <a:ea typeface="Lucida Grande"/>
-                <a:cs typeface="Lucida Grande"/>
-                <a:sym typeface="Lucida Grande"/>
-              </a:defRPr>
-            </a:pPr>
-            <a:r>
+              <a:rPr dirty="0"/>
               <a:t>Change function declaration lets us adapt the order of parameters on a method</a:t>
             </a:r>
           </a:p>
@@ -806,6 +822,7 @@
               </a:defRPr>
             </a:pPr>
             <a:r>
+              <a:rPr dirty="0"/>
               <a:t>encapsulate a field replaces direct field accesses with getters/setters, and </a:t>
             </a:r>
           </a:p>
@@ -824,6 +841,7 @@
               </a:defRPr>
             </a:pPr>
             <a:r>
+              <a:rPr dirty="0"/>
               <a:t>Convert local to field creates a field with the specified scope to replace a local variable.</a:t>
             </a:r>
           </a:p>
@@ -842,7 +860,16 @@
               </a:defRPr>
             </a:pPr>
             <a:r>
-              <a:t>These are just a few of the hundreds of refactorings in Fowler’s book</a:t>
+              <a:rPr dirty="0"/>
+              <a:t>These are just a few of the hundreds of </a:t>
+            </a:r>
+            <a:r>
+              <a:rPr dirty="0" err="1"/>
+              <a:t>refactorings</a:t>
+            </a:r>
+            <a:r>
+              <a:rPr dirty="0"/>
+              <a:t> in Fowler’s book</a:t>
             </a:r>
           </a:p>
         </p:txBody>
@@ -1087,21 +1114,206 @@
           <a:lstStyle/>
           <a:p>
             <a:r>
+              <a:rPr lang="en-US" dirty="0"/>
+              <a:t>Ward Cunningham introduced the term “Technical Debt” in 1992 to communicate the delicate balance between speed and rework in pursuit of delivering functioning quality software. You can think of technical debt as an analogy with friction in mechanical devices; the more friction a device experiences due to wear and tear, lack of lubrication, or bad design, the harder it is to move the device, and the more energy you have to apply to get the original effect. At the same time, friction is a necessary condition of mechanical parts working together. You cannot eliminate it completely; you can only reduce its impact.</a:t>
+            </a:r>
+          </a:p>
+          <a:p>
+            <a:endParaRPr lang="en-US" dirty="0"/>
+          </a:p>
+          <a:p>
+            <a:r>
+              <a:rPr lang="en-US" dirty="0"/>
               <a:t>If programmers spend time “cleaning up the code”, then that’s less time spent implementing required functionality - and the schedule is slipping as it is!</a:t>
             </a:r>
           </a:p>
           <a:p>
-            <a:r>
+            <a:endParaRPr lang="en-US" dirty="0"/>
+          </a:p>
+          <a:p>
+            <a:r>
+              <a:rPr lang="en-US" dirty="0"/>
               <a:t>Refactoring can break code that previously worked</a:t>
             </a:r>
           </a:p>
           <a:p>
+            <a:endParaRPr lang="en-US" dirty="0"/>
+          </a:p>
+        </p:txBody>
+      </p:sp>
+    </p:spTree>
+    <p:extLst>
+      <p:ext uri="{BB962C8B-B14F-4D97-AF65-F5344CB8AC3E}">
+        <p14:creationId xmlns:p14="http://schemas.microsoft.com/office/powerpoint/2010/main" val="1801496249"/>
+      </p:ext>
+    </p:extLst>
+  </p:cSld>
+  <p:clrMapOvr>
+    <a:masterClrMapping/>
+  </p:clrMapOvr>
+</p:notes>
+</file>
+
+<file path=ppt/notesSlides/notesSlide14.xml><?xml version="1.0" encoding="utf-8"?>
+<p:notes xmlns:a="http://schemas.openxmlformats.org/drawingml/2006/main" xmlns:r="http://schemas.openxmlformats.org/officeDocument/2006/relationships" xmlns:p="http://schemas.openxmlformats.org/presentationml/2006/main">
+  <p:cSld>
+    <p:spTree>
+      <p:nvGrpSpPr>
+        <p:cNvPr id="1" name=""/>
+        <p:cNvGrpSpPr/>
+        <p:nvPr/>
+      </p:nvGrpSpPr>
+      <p:grpSpPr>
+        <a:xfrm>
+          <a:off x="0" y="0"/>
+          <a:ext cx="0" cy="0"/>
+          <a:chOff x="0" y="0"/>
+          <a:chExt cx="0" cy="0"/>
+        </a:xfrm>
+      </p:grpSpPr>
+      <p:sp>
+        <p:nvSpPr>
+          <p:cNvPr id="234" name="Shape 234"/>
+          <p:cNvSpPr>
+            <a:spLocks noGrp="1" noRot="1" noChangeAspect="1"/>
+          </p:cNvSpPr>
+          <p:nvPr>
+            <p:ph type="sldImg"/>
+          </p:nvPr>
+        </p:nvSpPr>
+        <p:spPr>
+          <a:prstGeom prst="rect">
+            <a:avLst/>
+          </a:prstGeom>
+        </p:spPr>
+        <p:txBody>
+          <a:bodyPr/>
+          <a:lstStyle/>
+          <a:p>
             <a:endParaRPr/>
           </a:p>
-          <a:p>
-            <a:r>
-              <a:t>Refactoring needs to be systematic, incremental, and safe</a:t>
-            </a:r>
+        </p:txBody>
+      </p:sp>
+      <p:sp>
+        <p:nvSpPr>
+          <p:cNvPr id="235" name="Shape 235"/>
+          <p:cNvSpPr>
+            <a:spLocks noGrp="1"/>
+          </p:cNvSpPr>
+          <p:nvPr>
+            <p:ph type="body" sz="quarter" idx="1"/>
+          </p:nvPr>
+        </p:nvSpPr>
+        <p:spPr>
+          <a:prstGeom prst="rect">
+            <a:avLst/>
+          </a:prstGeom>
+        </p:spPr>
+        <p:txBody>
+          <a:bodyPr/>
+          <a:lstStyle/>
+          <a:p>
+            <a:r>
+              <a:rPr lang="en-US" dirty="0"/>
+              <a:t>More details in this book: https://learning.oreilly.com/library/view/managing-technical-debt/9780135646052/ </a:t>
+            </a:r>
+          </a:p>
+          <a:p>
+            <a:pPr lvl="1">
+              <a:spcBef>
+                <a:spcPts val="1200"/>
+              </a:spcBef>
+            </a:pPr>
+            <a:r>
+              <a:rPr lang="en-US" sz="2400" b="1" dirty="0"/>
+              <a:t>Quick-and-Dirty if-then-else:</a:t>
+            </a:r>
+            <a:r>
+              <a:rPr lang="en-US" sz="2400" dirty="0"/>
+              <a:t> A quick and dirty solution for a smaller market might prompt the need for another larger change which can no longer be quick and dirty. Like adding support for one </a:t>
+            </a:r>
+            <a:r>
+              <a:rPr lang="en-US" sz="2400" dirty="0" err="1"/>
+              <a:t>langage</a:t>
+            </a:r>
+            <a:r>
+              <a:rPr lang="en-US" sz="2400" dirty="0"/>
+              <a:t> but then needing support for other languages.</a:t>
+            </a:r>
+          </a:p>
+          <a:p>
+            <a:pPr lvl="1">
+              <a:spcBef>
+                <a:spcPts val="1200"/>
+              </a:spcBef>
+            </a:pPr>
+            <a:r>
+              <a:rPr lang="en-US" sz="2400" b="1" dirty="0"/>
+              <a:t>Hitting the Wall:</a:t>
+            </a:r>
+            <a:r>
+              <a:rPr lang="en-US" sz="2400" dirty="0"/>
+              <a:t> when a company develops a lot of code for demos (with new and new features) without any plan for overall architecture, they will eventually hit a wall and the developers will no longer to able to do anything due to </a:t>
+            </a:r>
+            <a:r>
+              <a:rPr lang="en-US" sz="2000" dirty="0"/>
+              <a:t>scalability, data management, distribution of the system, and security issues</a:t>
+            </a:r>
+            <a:endParaRPr lang="en-US" sz="2400" dirty="0"/>
+          </a:p>
+          <a:p>
+            <a:pPr lvl="1">
+              <a:spcBef>
+                <a:spcPts val="1200"/>
+              </a:spcBef>
+            </a:pPr>
+            <a:r>
+              <a:rPr lang="en-US" sz="2400" b="1" dirty="0"/>
+              <a:t>Crumbling Under the Load</a:t>
+            </a:r>
+            <a:r>
+              <a:rPr lang="en-US" sz="2400" dirty="0"/>
+              <a:t>: there was no single cause of technical debt. There were hundreds of causes: code imperfections, tricks, and workarounds, compounded by no usable documentation and little automated testing. While the development team dreams of a complete rewrite, the economic situation does not allow delaying new releases or new products or abandoning support for older products.</a:t>
+            </a:r>
+          </a:p>
+          <a:p>
+            <a:pPr lvl="1">
+              <a:spcBef>
+                <a:spcPts val="1200"/>
+              </a:spcBef>
+            </a:pPr>
+            <a:r>
+              <a:rPr lang="en-US" sz="2400" b="1" dirty="0"/>
+              <a:t>Death by a Thousand Cuts</a:t>
+            </a:r>
+            <a:r>
+              <a:rPr lang="en-US" sz="2400" dirty="0"/>
+              <a:t>:  a pervasive lack of competence can result in many small, avoidable coding issues that are never caught. Lack of organizational competency—as in the case of this IT-service organization—easily activates a number of cascading effects. The unplanned and unmanaged hiring boom, the missed opportunity to enforce commonality across the products, and the limited testing all contributed to the accumulating technical debt.</a:t>
+            </a:r>
+          </a:p>
+          <a:p>
+            <a:pPr lvl="1">
+              <a:spcBef>
+                <a:spcPts val="1200"/>
+              </a:spcBef>
+            </a:pPr>
+            <a:r>
+              <a:rPr lang="en-US" sz="2400" b="1" dirty="0"/>
+              <a:t>Tactical Investment</a:t>
+            </a:r>
+            <a:r>
+              <a:rPr lang="en-US" sz="2400" dirty="0"/>
+              <a:t>: A small company started developing a web application for targeted users without exact requirement using “I’ll know it when I see it” philosophy. While developing a “minimum viable product” (MVP) with some core functionality and little underlying sophistication. Members of the company invested heavily in building the right infrastructure for a product that would be able to support millions of simultaneous users and adapt to dozens of situations and cities. </a:t>
+            </a:r>
+            <a:r>
+              <a:rPr lang="en-US" sz="2000" dirty="0"/>
+              <a:t>They were aware of the deliberate shortcuts they were taking and their consequences on future development and made it very clear to everyone, internal and external, that the shortcuts were temporary solutions so that no one would be tempted to keep them, painfully patched, as part of the permanent solution.</a:t>
+            </a:r>
+            <a:r>
+              <a:rPr lang="en-US" sz="2400" dirty="0"/>
+              <a:t> In this manner, taking on technical debt was a wise investment that paid off. The company repaid the “borrowed time,” but it could also have walked away from the project.</a:t>
+            </a:r>
+            <a:endParaRPr dirty="0"/>
           </a:p>
         </p:txBody>
       </p:sp>
@@ -1109,6 +1321,239 @@
     <p:extLst>
       <p:ext uri="{BB962C8B-B14F-4D97-AF65-F5344CB8AC3E}">
         <p14:creationId xmlns:p14="http://schemas.microsoft.com/office/powerpoint/2010/main" val="1769597273"/>
+      </p:ext>
+    </p:extLst>
+  </p:cSld>
+  <p:clrMapOvr>
+    <a:masterClrMapping/>
+  </p:clrMapOvr>
+</p:notes>
+</file>
+
+<file path=ppt/notesSlides/notesSlide15.xml><?xml version="1.0" encoding="utf-8"?>
+<p:notes xmlns:a="http://schemas.openxmlformats.org/drawingml/2006/main" xmlns:r="http://schemas.openxmlformats.org/officeDocument/2006/relationships" xmlns:p="http://schemas.openxmlformats.org/presentationml/2006/main">
+  <p:cSld>
+    <p:spTree>
+      <p:nvGrpSpPr>
+        <p:cNvPr id="1" name=""/>
+        <p:cNvGrpSpPr/>
+        <p:nvPr/>
+      </p:nvGrpSpPr>
+      <p:grpSpPr>
+        <a:xfrm>
+          <a:off x="0" y="0"/>
+          <a:ext cx="0" cy="0"/>
+          <a:chOff x="0" y="0"/>
+          <a:chExt cx="0" cy="0"/>
+        </a:xfrm>
+      </p:grpSpPr>
+      <p:sp>
+        <p:nvSpPr>
+          <p:cNvPr id="2" name="Slide Image Placeholder 1"/>
+          <p:cNvSpPr>
+            <a:spLocks noGrp="1" noRot="1" noChangeAspect="1"/>
+          </p:cNvSpPr>
+          <p:nvPr>
+            <p:ph type="sldImg"/>
+          </p:nvPr>
+        </p:nvSpPr>
+        <p:spPr/>
+      </p:sp>
+      <p:sp>
+        <p:nvSpPr>
+          <p:cNvPr id="3" name="Notes Placeholder 2"/>
+          <p:cNvSpPr>
+            <a:spLocks noGrp="1"/>
+          </p:cNvSpPr>
+          <p:nvPr>
+            <p:ph type="body" idx="1"/>
+          </p:nvPr>
+        </p:nvSpPr>
+        <p:spPr/>
+        <p:txBody>
+          <a:bodyPr/>
+          <a:lstStyle/>
+          <a:p>
+            <a:pPr marL="0" marR="0" lvl="0" indent="0" defTabSz="457200" eaLnBrk="1" fontAlgn="auto" latinLnBrk="0" hangingPunct="1">
+              <a:lnSpc>
+                <a:spcPct val="117999"/>
+              </a:lnSpc>
+              <a:spcBef>
+                <a:spcPts val="0"/>
+              </a:spcBef>
+              <a:spcAft>
+                <a:spcPts val="0"/>
+              </a:spcAft>
+              <a:buClrTx/>
+              <a:buSzTx/>
+              <a:buFontTx/>
+              <a:buNone/>
+              <a:tabLst/>
+              <a:defRPr/>
+            </a:pPr>
+            <a:r>
+              <a:rPr lang="en-US" dirty="0"/>
+              <a:t>Refactoring needs to be systematic, incremental, and safe</a:t>
+            </a:r>
+          </a:p>
+          <a:p>
+            <a:endParaRPr lang="en-US" dirty="0"/>
+          </a:p>
+        </p:txBody>
+      </p:sp>
+    </p:spTree>
+    <p:extLst>
+      <p:ext uri="{BB962C8B-B14F-4D97-AF65-F5344CB8AC3E}">
+        <p14:creationId xmlns:p14="http://schemas.microsoft.com/office/powerpoint/2010/main" val="1047769406"/>
+      </p:ext>
+    </p:extLst>
+  </p:cSld>
+  <p:clrMapOvr>
+    <a:masterClrMapping/>
+  </p:clrMapOvr>
+</p:notes>
+</file>
+
+<file path=ppt/notesSlides/notesSlide16.xml><?xml version="1.0" encoding="utf-8"?>
+<p:notes xmlns:a="http://schemas.openxmlformats.org/drawingml/2006/main" xmlns:r="http://schemas.openxmlformats.org/officeDocument/2006/relationships" xmlns:p="http://schemas.openxmlformats.org/presentationml/2006/main">
+  <p:cSld>
+    <p:spTree>
+      <p:nvGrpSpPr>
+        <p:cNvPr id="1" name=""/>
+        <p:cNvGrpSpPr/>
+        <p:nvPr/>
+      </p:nvGrpSpPr>
+      <p:grpSpPr>
+        <a:xfrm>
+          <a:off x="0" y="0"/>
+          <a:ext cx="0" cy="0"/>
+          <a:chOff x="0" y="0"/>
+          <a:chExt cx="0" cy="0"/>
+        </a:xfrm>
+      </p:grpSpPr>
+      <p:sp>
+        <p:nvSpPr>
+          <p:cNvPr id="2" name="Slide Image Placeholder 1"/>
+          <p:cNvSpPr>
+            <a:spLocks noGrp="1" noRot="1" noChangeAspect="1"/>
+          </p:cNvSpPr>
+          <p:nvPr>
+            <p:ph type="sldImg"/>
+          </p:nvPr>
+        </p:nvSpPr>
+        <p:spPr/>
+      </p:sp>
+      <p:sp>
+        <p:nvSpPr>
+          <p:cNvPr id="3" name="Notes Placeholder 2"/>
+          <p:cNvSpPr>
+            <a:spLocks noGrp="1"/>
+          </p:cNvSpPr>
+          <p:nvPr>
+            <p:ph type="body" idx="1"/>
+          </p:nvPr>
+        </p:nvSpPr>
+        <p:spPr/>
+        <p:txBody>
+          <a:bodyPr/>
+          <a:lstStyle/>
+          <a:p>
+            <a:r>
+              <a:rPr lang="en-US" dirty="0"/>
+              <a:t>&lt;read slide&gt;</a:t>
+            </a:r>
+          </a:p>
+        </p:txBody>
+      </p:sp>
+    </p:spTree>
+    <p:extLst>
+      <p:ext uri="{BB962C8B-B14F-4D97-AF65-F5344CB8AC3E}">
+        <p14:creationId xmlns:p14="http://schemas.microsoft.com/office/powerpoint/2010/main" val="997993415"/>
+      </p:ext>
+    </p:extLst>
+  </p:cSld>
+  <p:clrMapOvr>
+    <a:masterClrMapping/>
+  </p:clrMapOvr>
+</p:notes>
+</file>
+
+<file path=ppt/notesSlides/notesSlide17.xml><?xml version="1.0" encoding="utf-8"?>
+<p:notes xmlns:a="http://schemas.openxmlformats.org/drawingml/2006/main" xmlns:r="http://schemas.openxmlformats.org/officeDocument/2006/relationships" xmlns:p="http://schemas.openxmlformats.org/presentationml/2006/main">
+  <p:cSld>
+    <p:spTree>
+      <p:nvGrpSpPr>
+        <p:cNvPr id="1" name=""/>
+        <p:cNvGrpSpPr/>
+        <p:nvPr/>
+      </p:nvGrpSpPr>
+      <p:grpSpPr>
+        <a:xfrm>
+          <a:off x="0" y="0"/>
+          <a:ext cx="0" cy="0"/>
+          <a:chOff x="0" y="0"/>
+          <a:chExt cx="0" cy="0"/>
+        </a:xfrm>
+      </p:grpSpPr>
+      <p:sp>
+        <p:nvSpPr>
+          <p:cNvPr id="2" name="Slide Image Placeholder 1"/>
+          <p:cNvSpPr>
+            <a:spLocks noGrp="1" noRot="1" noChangeAspect="1"/>
+          </p:cNvSpPr>
+          <p:nvPr>
+            <p:ph type="sldImg"/>
+          </p:nvPr>
+        </p:nvSpPr>
+        <p:spPr/>
+      </p:sp>
+      <p:sp>
+        <p:nvSpPr>
+          <p:cNvPr id="3" name="Notes Placeholder 2"/>
+          <p:cNvSpPr>
+            <a:spLocks noGrp="1"/>
+          </p:cNvSpPr>
+          <p:nvPr>
+            <p:ph type="body" idx="1"/>
+          </p:nvPr>
+        </p:nvSpPr>
+        <p:spPr/>
+        <p:txBody>
+          <a:bodyPr/>
+          <a:lstStyle/>
+          <a:p>
+            <a:r>
+              <a:rPr lang="en-US" dirty="0"/>
+              <a:t>Possible Activity:</a:t>
+            </a:r>
+          </a:p>
+          <a:p>
+            <a:r>
+              <a:rPr lang="en-US" dirty="0"/>
+              <a:t>Review the project code-base and identify 3-5 possible refactoring candidates.</a:t>
+            </a:r>
+            <a:br>
+              <a:rPr lang="en-US" dirty="0"/>
+            </a:br>
+            <a:r>
+              <a:rPr lang="en-US" dirty="0"/>
+              <a:t>Identify Technical Debt and circumstances under which </a:t>
+            </a:r>
+            <a:r>
+              <a:rPr lang="en-US"/>
+              <a:t>it accrued </a:t>
+            </a:r>
+            <a:r>
+              <a:rPr lang="en-US" dirty="0"/>
+              <a:t>interest</a:t>
+            </a:r>
+          </a:p>
+        </p:txBody>
+      </p:sp>
+    </p:spTree>
+    <p:extLst>
+      <p:ext uri="{BB962C8B-B14F-4D97-AF65-F5344CB8AC3E}">
+        <p14:creationId xmlns:p14="http://schemas.microsoft.com/office/powerpoint/2010/main" val="16350504"/>
       </p:ext>
     </p:extLst>
   </p:cSld>
@@ -1339,6 +1784,7 @@
           <a:lstStyle/>
           <a:p>
             <a:r>
+              <a:rPr dirty="0"/>
               <a:t>also in the book:</a:t>
             </a:r>
           </a:p>
@@ -1348,6 +1794,7 @@
               <a:buChar char="•"/>
             </a:pPr>
             <a:r>
+              <a:rPr dirty="0"/>
               <a:t>UML diagrams to illustrate the situation before and after</a:t>
             </a:r>
           </a:p>
@@ -1357,8 +1804,28 @@
               <a:buChar char="•"/>
             </a:pPr>
             <a:r>
+              <a:rPr dirty="0"/>
               <a:t>examples of code before and after each refactoring</a:t>
             </a:r>
+            <a:endParaRPr lang="en-US" dirty="0"/>
+          </a:p>
+          <a:p>
+            <a:pPr marL="228600" indent="-228600">
+              <a:buSzPct val="100000"/>
+              <a:buChar char="•"/>
+            </a:pPr>
+            <a:endParaRPr lang="en-US" dirty="0"/>
+          </a:p>
+          <a:p>
+            <a:pPr marL="228600" indent="-228600">
+              <a:buSzPct val="100000"/>
+              <a:buChar char="•"/>
+            </a:pPr>
+            <a:r>
+              <a:rPr lang="en-US" dirty="0"/>
+              <a:t>https://learning.oreilly.com/library/view/refactoring-improving-the/9780134757681/ </a:t>
+            </a:r>
+            <a:endParaRPr dirty="0"/>
           </a:p>
         </p:txBody>
       </p:sp>
@@ -2665,7 +3132,7 @@
           <a:p>
             <a:fld id="{5D2A64DE-480B-420F-9649-4F8E696E08E0}" type="datetime1">
               <a:rPr lang="en-US" smtClean="0"/>
-              <a:t>4/1/2022</a:t>
+              <a:t>4/2/2022</a:t>
             </a:fld>
             <a:endParaRPr lang="en-US"/>
           </a:p>
@@ -2917,7 +3384,7 @@
           <a:p>
             <a:fld id="{07C7BFD4-467E-4EDE-93EA-052F5B39A4E5}" type="datetime1">
               <a:rPr lang="en-US" smtClean="0"/>
-              <a:t>4/1/2022</a:t>
+              <a:t>4/2/2022</a:t>
             </a:fld>
             <a:endParaRPr lang="en-US"/>
           </a:p>
@@ -3231,7 +3698,7 @@
           <a:p>
             <a:fld id="{A533CBE2-D5BE-47AC-ADC2-9CDFC1D0CF90}" type="datetime1">
               <a:rPr lang="en-US" smtClean="0"/>
-              <a:t>4/1/2022</a:t>
+              <a:t>4/2/2022</a:t>
             </a:fld>
             <a:endParaRPr lang="en-US"/>
           </a:p>
@@ -3534,7 +4001,7 @@
           <a:p>
             <a:fld id="{39B7EDB1-CE74-4951-85A2-0B01C2128E28}" type="datetime1">
               <a:rPr lang="en-US" smtClean="0"/>
-              <a:t>4/1/2022</a:t>
+              <a:t>4/2/2022</a:t>
             </a:fld>
             <a:endParaRPr lang="en-US"/>
           </a:p>
@@ -3983,7 +4450,7 @@
           <a:p>
             <a:fld id="{2BC7EB92-A5C2-4807-A9DC-9EDE6CBFB241}" type="datetime1">
               <a:rPr lang="en-US" smtClean="0"/>
-              <a:t>4/1/2022</a:t>
+              <a:t>4/2/2022</a:t>
             </a:fld>
             <a:endParaRPr lang="en-US"/>
           </a:p>
@@ -4130,7 +4597,7 @@
           <a:p>
             <a:fld id="{109E55A0-C911-4F03-82FC-7E5926047D46}" type="datetime1">
               <a:rPr lang="en-US" smtClean="0"/>
-              <a:t>4/1/2022</a:t>
+              <a:t>4/2/2022</a:t>
             </a:fld>
             <a:endParaRPr lang="en-US"/>
           </a:p>
@@ -4467,7 +4934,7 @@
           <a:p>
             <a:fld id="{2B7B7EE0-7771-4CD5-9B2B-3550753A54A1}" type="datetime1">
               <a:rPr lang="en-US" smtClean="0"/>
-              <a:t>4/1/2022</a:t>
+              <a:t>4/2/2022</a:t>
             </a:fld>
             <a:endParaRPr lang="en-US"/>
           </a:p>
@@ -4778,7 +5245,7 @@
           <a:p>
             <a:fld id="{F8B318B3-0E87-4416-A9B8-D891968C2727}" type="datetime1">
               <a:rPr lang="en-US" smtClean="0"/>
-              <a:t>4/1/2022</a:t>
+              <a:t>4/2/2022</a:t>
             </a:fld>
             <a:endParaRPr lang="en-US"/>
           </a:p>
@@ -5069,7 +5536,7 @@
           <a:p>
             <a:fld id="{EA476A42-A091-4468-A075-64A31BE59948}" type="datetime1">
               <a:rPr lang="en-US" smtClean="0"/>
-              <a:t>4/1/2022</a:t>
+              <a:t>4/2/2022</a:t>
             </a:fld>
             <a:endParaRPr lang="en-US"/>
           </a:p>
@@ -5267,7 +5734,7 @@
           <a:p>
             <a:fld id="{0D3616D0-8311-4107-9726-6B805E7D05BA}" type="datetime1">
               <a:rPr lang="en-US" smtClean="0"/>
-              <a:t>4/1/2022</a:t>
+              <a:t>4/2/2022</a:t>
             </a:fld>
             <a:endParaRPr lang="en-US"/>
           </a:p>
@@ -5475,7 +5942,7 @@
           <a:p>
             <a:fld id="{3BC2557A-5C88-417A-A763-5AC779462A5F}" type="datetime1">
               <a:rPr lang="en-US" smtClean="0"/>
-              <a:t>4/1/2022</a:t>
+              <a:t>4/2/2022</a:t>
             </a:fld>
             <a:endParaRPr lang="en-US"/>
           </a:p>
@@ -7146,7 +7613,7 @@
           </a:ln>
           <a:extLst>
             <a:ext uri="{C572A759-6A51-4108-AA02-DFA0A04FC94B}">
-              <ma14:wrappingTextBoxFlag xmlns="" xmlns:m="http://schemas.openxmlformats.org/officeDocument/2006/math" xmlns:a14="http://schemas.microsoft.com/office/drawing/2010/main" xmlns:ma14="http://schemas.microsoft.com/office/mac/drawingml/2011/main" val="1"/>
+              <ma14:wrappingTextBoxFlag xmlns:ma14="http://schemas.microsoft.com/office/mac/drawingml/2011/main" xmlns:a14="http://schemas.microsoft.com/office/drawing/2010/main" xmlns:m="http://schemas.openxmlformats.org/officeDocument/2006/math" xmlns="" val="1"/>
             </a:ext>
           </a:extLst>
         </p:spPr>
@@ -7185,7 +7652,7 @@
           </a:ln>
           <a:extLst>
             <a:ext uri="{C572A759-6A51-4108-AA02-DFA0A04FC94B}">
-              <ma14:wrappingTextBoxFlag xmlns="" xmlns:m="http://schemas.openxmlformats.org/officeDocument/2006/math" xmlns:a14="http://schemas.microsoft.com/office/drawing/2010/main" xmlns:ma14="http://schemas.microsoft.com/office/mac/drawingml/2011/main" val="1"/>
+              <ma14:wrappingTextBoxFlag xmlns:ma14="http://schemas.microsoft.com/office/mac/drawingml/2011/main" xmlns:a14="http://schemas.microsoft.com/office/drawing/2010/main" xmlns:m="http://schemas.openxmlformats.org/officeDocument/2006/math" xmlns="" val="1"/>
             </a:ext>
           </a:extLst>
         </p:spPr>
@@ -8162,7 +8629,7 @@
           <a:p>
             <a:fld id="{54D997E8-DDEE-43F1-8D9B-F8A1E11DE488}" type="datetime1">
               <a:rPr lang="en-US" smtClean="0"/>
-              <a:t>4/1/2022</a:t>
+              <a:t>4/2/2022</a:t>
             </a:fld>
             <a:endParaRPr lang="en-US"/>
           </a:p>
@@ -8701,7 +9168,7 @@
           </a:ln>
           <a:extLst>
             <a:ext uri="{C572A759-6A51-4108-AA02-DFA0A04FC94B}">
-              <ma14:wrappingTextBoxFlag xmlns="" xmlns:m="http://schemas.openxmlformats.org/officeDocument/2006/math" xmlns:a14="http://schemas.microsoft.com/office/drawing/2010/main" xmlns:ma14="http://schemas.microsoft.com/office/mac/drawingml/2011/main" val="1"/>
+              <ma14:wrappingTextBoxFlag xmlns:ma14="http://schemas.microsoft.com/office/mac/drawingml/2011/main" xmlns:a14="http://schemas.microsoft.com/office/drawing/2010/main" xmlns:m="http://schemas.openxmlformats.org/officeDocument/2006/math" xmlns="" val="1"/>
             </a:ext>
           </a:extLst>
         </p:spPr>
@@ -9086,7 +9553,7 @@
           </a:prstGeom>
           <a:extLst>
             <a:ext uri="{C572A759-6A51-4108-AA02-DFA0A04FC94B}">
-              <ma14:wrappingTextBoxFlag xmlns="" xmlns:m="http://schemas.openxmlformats.org/officeDocument/2006/math" xmlns:a14="http://schemas.microsoft.com/office/drawing/2010/main" xmlns:ma14="http://schemas.microsoft.com/office/mac/drawingml/2011/main" val="1"/>
+              <ma14:wrappingTextBoxFlag xmlns:ma14="http://schemas.microsoft.com/office/mac/drawingml/2011/main" xmlns:a14="http://schemas.microsoft.com/office/drawing/2010/main" xmlns:m="http://schemas.openxmlformats.org/officeDocument/2006/math" xmlns="" val="1"/>
             </a:ext>
           </a:extLst>
         </p:spPr>
@@ -9252,7 +9719,7 @@
           </a:prstGeom>
           <a:extLst>
             <a:ext uri="{C572A759-6A51-4108-AA02-DFA0A04FC94B}">
-              <ma14:wrappingTextBoxFlag xmlns="" xmlns:m="http://schemas.openxmlformats.org/officeDocument/2006/math" xmlns:a14="http://schemas.microsoft.com/office/drawing/2010/main" xmlns:ma14="http://schemas.microsoft.com/office/mac/drawingml/2011/main" val="1"/>
+              <ma14:wrappingTextBoxFlag xmlns:ma14="http://schemas.microsoft.com/office/mac/drawingml/2011/main" xmlns:a14="http://schemas.microsoft.com/office/drawing/2010/main" xmlns:m="http://schemas.openxmlformats.org/officeDocument/2006/math" xmlns="" val="1"/>
             </a:ext>
           </a:extLst>
         </p:spPr>
@@ -9287,7 +9754,7 @@
           </a:ln>
           <a:extLst>
             <a:ext uri="{C572A759-6A51-4108-AA02-DFA0A04FC94B}">
-              <ma14:wrappingTextBoxFlag xmlns="" xmlns:m="http://schemas.openxmlformats.org/officeDocument/2006/math" xmlns:a14="http://schemas.microsoft.com/office/drawing/2010/main" xmlns:ma14="http://schemas.microsoft.com/office/mac/drawingml/2011/main" val="1"/>
+              <ma14:wrappingTextBoxFlag xmlns:ma14="http://schemas.microsoft.com/office/mac/drawingml/2011/main" xmlns:a14="http://schemas.microsoft.com/office/drawing/2010/main" xmlns:m="http://schemas.openxmlformats.org/officeDocument/2006/math" xmlns="" val="1"/>
             </a:ext>
           </a:extLst>
         </p:spPr>
@@ -9352,7 +9819,7 @@
           </a:ln>
           <a:extLst>
             <a:ext uri="{C572A759-6A51-4108-AA02-DFA0A04FC94B}">
-              <ma14:wrappingTextBoxFlag xmlns="" xmlns:m="http://schemas.openxmlformats.org/officeDocument/2006/math" xmlns:a14="http://schemas.microsoft.com/office/drawing/2010/main" xmlns:ma14="http://schemas.microsoft.com/office/mac/drawingml/2011/main" val="1"/>
+              <ma14:wrappingTextBoxFlag xmlns:ma14="http://schemas.microsoft.com/office/mac/drawingml/2011/main" xmlns:a14="http://schemas.microsoft.com/office/drawing/2010/main" xmlns:m="http://schemas.openxmlformats.org/officeDocument/2006/math" xmlns="" val="1"/>
             </a:ext>
           </a:extLst>
         </p:spPr>
@@ -9439,7 +9906,7 @@
           </a:prstGeom>
           <a:extLst>
             <a:ext uri="{C572A759-6A51-4108-AA02-DFA0A04FC94B}">
-              <ma14:wrappingTextBoxFlag xmlns="" xmlns:m="http://schemas.openxmlformats.org/officeDocument/2006/math" xmlns:a14="http://schemas.microsoft.com/office/drawing/2010/main" xmlns:ma14="http://schemas.microsoft.com/office/mac/drawingml/2011/main" val="1"/>
+              <ma14:wrappingTextBoxFlag xmlns:ma14="http://schemas.microsoft.com/office/mac/drawingml/2011/main" xmlns:a14="http://schemas.microsoft.com/office/drawing/2010/main" xmlns:m="http://schemas.openxmlformats.org/officeDocument/2006/math" xmlns="" val="1"/>
             </a:ext>
           </a:extLst>
         </p:spPr>
@@ -9474,7 +9941,7 @@
           </a:ln>
           <a:extLst>
             <a:ext uri="{C572A759-6A51-4108-AA02-DFA0A04FC94B}">
-              <ma14:wrappingTextBoxFlag xmlns="" xmlns:m="http://schemas.openxmlformats.org/officeDocument/2006/math" xmlns:a14="http://schemas.microsoft.com/office/drawing/2010/main" xmlns:ma14="http://schemas.microsoft.com/office/mac/drawingml/2011/main" val="1"/>
+              <ma14:wrappingTextBoxFlag xmlns:ma14="http://schemas.microsoft.com/office/mac/drawingml/2011/main" xmlns:a14="http://schemas.microsoft.com/office/drawing/2010/main" xmlns:m="http://schemas.openxmlformats.org/officeDocument/2006/math" xmlns="" val="1"/>
             </a:ext>
           </a:extLst>
         </p:spPr>
@@ -9539,7 +10006,7 @@
           </a:ln>
           <a:extLst>
             <a:ext uri="{C572A759-6A51-4108-AA02-DFA0A04FC94B}">
-              <ma14:wrappingTextBoxFlag xmlns="" xmlns:m="http://schemas.openxmlformats.org/officeDocument/2006/math" xmlns:a14="http://schemas.microsoft.com/office/drawing/2010/main" xmlns:ma14="http://schemas.microsoft.com/office/mac/drawingml/2011/main" val="1"/>
+              <ma14:wrappingTextBoxFlag xmlns:ma14="http://schemas.microsoft.com/office/mac/drawingml/2011/main" xmlns:a14="http://schemas.microsoft.com/office/drawing/2010/main" xmlns:m="http://schemas.openxmlformats.org/officeDocument/2006/math" xmlns="" val="1"/>
             </a:ext>
           </a:extLst>
         </p:spPr>
@@ -9626,7 +10093,7 @@
           </a:prstGeom>
           <a:extLst>
             <a:ext uri="{C572A759-6A51-4108-AA02-DFA0A04FC94B}">
-              <ma14:wrappingTextBoxFlag xmlns="" xmlns:m="http://schemas.openxmlformats.org/officeDocument/2006/math" xmlns:a14="http://schemas.microsoft.com/office/drawing/2010/main" xmlns:ma14="http://schemas.microsoft.com/office/mac/drawingml/2011/main" val="1"/>
+              <ma14:wrappingTextBoxFlag xmlns:ma14="http://schemas.microsoft.com/office/mac/drawingml/2011/main" xmlns:a14="http://schemas.microsoft.com/office/drawing/2010/main" xmlns:m="http://schemas.openxmlformats.org/officeDocument/2006/math" xmlns="" val="1"/>
             </a:ext>
           </a:extLst>
         </p:spPr>
@@ -10064,7 +10531,7 @@
           </a:ln>
           <a:extLst>
             <a:ext uri="{C572A759-6A51-4108-AA02-DFA0A04FC94B}">
-              <ma14:wrappingTextBoxFlag xmlns="" xmlns:m="http://schemas.openxmlformats.org/officeDocument/2006/math" xmlns:a14="http://schemas.microsoft.com/office/drawing/2010/main" xmlns:ma14="http://schemas.microsoft.com/office/mac/drawingml/2011/main" val="1"/>
+              <ma14:wrappingTextBoxFlag xmlns:ma14="http://schemas.microsoft.com/office/mac/drawingml/2011/main" xmlns:a14="http://schemas.microsoft.com/office/drawing/2010/main" xmlns:m="http://schemas.openxmlformats.org/officeDocument/2006/math" xmlns="" val="1"/>
             </a:ext>
           </a:extLst>
         </p:spPr>
@@ -10099,7 +10566,7 @@
           </a:ln>
           <a:extLst>
             <a:ext uri="{C572A759-6A51-4108-AA02-DFA0A04FC94B}">
-              <ma14:wrappingTextBoxFlag xmlns="" xmlns:m="http://schemas.openxmlformats.org/officeDocument/2006/math" xmlns:a14="http://schemas.microsoft.com/office/drawing/2010/main" xmlns:ma14="http://schemas.microsoft.com/office/mac/drawingml/2011/main" val="1"/>
+              <ma14:wrappingTextBoxFlag xmlns:ma14="http://schemas.microsoft.com/office/mac/drawingml/2011/main" xmlns:a14="http://schemas.microsoft.com/office/drawing/2010/main" xmlns:m="http://schemas.openxmlformats.org/officeDocument/2006/math" xmlns="" val="1"/>
             </a:ext>
           </a:extLst>
         </p:spPr>
@@ -12141,8 +12608,291 @@
           </p:nvPr>
         </p:nvSpPr>
         <p:spPr>
+          <a:prstGeom prst="rect">
+            <a:avLst/>
+          </a:prstGeom>
+        </p:spPr>
+        <p:txBody>
+          <a:bodyPr/>
+          <a:lstStyle>
+            <a:lvl1pPr defTabSz="1369804">
+              <a:defRPr sz="4740" spc="-94"/>
+            </a:lvl1pPr>
+          </a:lstStyle>
+          <a:p>
+            <a:r>
+              <a:rPr lang="en-US" dirty="0"/>
+              <a:t>This leads us into Technical Debt</a:t>
+            </a:r>
+            <a:endParaRPr dirty="0"/>
+          </a:p>
+        </p:txBody>
+      </p:sp>
+      <p:sp>
+        <p:nvSpPr>
+          <p:cNvPr id="232" name="Slide Subtitle"/>
+          <p:cNvSpPr txBox="1">
+            <a:spLocks noGrp="1"/>
+          </p:cNvSpPr>
+          <p:nvPr>
+            <p:ph type="body" idx="21"/>
+          </p:nvPr>
+        </p:nvSpPr>
+        <p:spPr>
+          <a:prstGeom prst="rect">
+            <a:avLst/>
+          </a:prstGeom>
+        </p:spPr>
+        <p:txBody>
+          <a:bodyPr>
+            <a:normAutofit lnSpcReduction="10000"/>
+          </a:bodyPr>
+          <a:lstStyle/>
+          <a:p>
+            <a:endParaRPr/>
+          </a:p>
+        </p:txBody>
+      </p:sp>
+      <p:sp>
+        <p:nvSpPr>
+          <p:cNvPr id="233" name="Developer time is valuable: is this the best use of time today?…"/>
+          <p:cNvSpPr txBox="1">
+            <a:spLocks noGrp="1"/>
+          </p:cNvSpPr>
+          <p:nvPr>
+            <p:ph type="body" idx="1"/>
+          </p:nvPr>
+        </p:nvSpPr>
+        <p:spPr>
+          <a:prstGeom prst="rect">
+            <a:avLst/>
+          </a:prstGeom>
+        </p:spPr>
+        <p:txBody>
+          <a:bodyPr>
+            <a:normAutofit/>
+          </a:bodyPr>
+          <a:lstStyle/>
+          <a:p>
+            <a:r>
+              <a:rPr lang="en-US" dirty="0"/>
+              <a:t>Code smells and Refactoring are tightly coupled with Technical debt</a:t>
+            </a:r>
+          </a:p>
+          <a:p>
+            <a:r>
+              <a:rPr lang="en-US" dirty="0"/>
+              <a:t>In software-intensive systems, technical debt consists of </a:t>
+            </a:r>
+            <a:r>
+              <a:rPr lang="en-US" i="1" dirty="0"/>
+              <a:t>design or implementation </a:t>
+            </a:r>
+            <a:r>
+              <a:rPr lang="en-US" dirty="0"/>
+              <a:t>constructs that are expedient in the short term but that set up a technical context that can make a </a:t>
+            </a:r>
+            <a:r>
+              <a:rPr lang="en-US" i="1" dirty="0"/>
+              <a:t>future change</a:t>
+            </a:r>
+            <a:r>
+              <a:rPr lang="en-US" dirty="0"/>
+              <a:t> more costly or impossible. </a:t>
+            </a:r>
+          </a:p>
+        </p:txBody>
+      </p:sp>
+    </p:spTree>
+    <p:extLst>
+      <p:ext uri="{BB962C8B-B14F-4D97-AF65-F5344CB8AC3E}">
+        <p14:creationId xmlns:p14="http://schemas.microsoft.com/office/powerpoint/2010/main" val="3889615162"/>
+      </p:ext>
+    </p:extLst>
+  </p:cSld>
+  <p:clrMapOvr>
+    <a:masterClrMapping/>
+  </p:clrMapOvr>
+  <p:transition spd="med"/>
+</p:sld>
+</file>
+
+<file path=ppt/slides/slide2.xml><?xml version="1.0" encoding="utf-8"?>
+<p:sld xmlns:a="http://schemas.openxmlformats.org/drawingml/2006/main" xmlns:r="http://schemas.openxmlformats.org/officeDocument/2006/relationships" xmlns:p="http://schemas.openxmlformats.org/presentationml/2006/main">
+  <p:cSld>
+    <p:spTree>
+      <p:nvGrpSpPr>
+        <p:cNvPr id="1" name=""/>
+        <p:cNvGrpSpPr/>
+        <p:nvPr/>
+      </p:nvGrpSpPr>
+      <p:grpSpPr>
+        <a:xfrm>
+          <a:off x="0" y="0"/>
+          <a:ext cx="0" cy="0"/>
+          <a:chOff x="0" y="0"/>
+          <a:chExt cx="0" cy="0"/>
+        </a:xfrm>
+      </p:grpSpPr>
+      <p:sp>
+        <p:nvSpPr>
+          <p:cNvPr id="138" name="Learning Goals"/>
+          <p:cNvSpPr txBox="1">
+            <a:spLocks noGrp="1"/>
+          </p:cNvSpPr>
+          <p:nvPr>
+            <p:ph type="title"/>
+          </p:nvPr>
+        </p:nvSpPr>
+        <p:spPr>
+          <a:prstGeom prst="rect">
+            <a:avLst/>
+          </a:prstGeom>
+        </p:spPr>
+        <p:txBody>
+          <a:bodyPr/>
+          <a:lstStyle>
+            <a:lvl1pPr defTabSz="1369804">
+              <a:defRPr sz="4740" spc="-94"/>
+            </a:lvl1pPr>
+          </a:lstStyle>
+          <a:p>
+            <a:r>
+              <a:t>Learning Goals</a:t>
+            </a:r>
+          </a:p>
+        </p:txBody>
+      </p:sp>
+      <p:sp>
+        <p:nvSpPr>
+          <p:cNvPr id="139" name="By the end of this lesson, you should be able to…"/>
+          <p:cNvSpPr txBox="1">
+            <a:spLocks noGrp="1"/>
+          </p:cNvSpPr>
+          <p:nvPr>
+            <p:ph type="body" idx="21"/>
+          </p:nvPr>
+        </p:nvSpPr>
+        <p:spPr>
+          <a:prstGeom prst="rect">
+            <a:avLst/>
+          </a:prstGeom>
+          <a:extLst>
+            <a:ext uri="{C572A759-6A51-4108-AA02-DFA0A04FC94B}">
+              <ma14:wrappingTextBoxFlag xmlns:ma14="http://schemas.microsoft.com/office/mac/drawingml/2011/main" xmlns:a14="http://schemas.microsoft.com/office/drawing/2010/main" xmlns:m="http://schemas.openxmlformats.org/officeDocument/2006/math" xmlns="" val="1"/>
+            </a:ext>
+          </a:extLst>
+        </p:spPr>
+        <p:txBody>
+          <a:bodyPr>
+            <a:normAutofit lnSpcReduction="10000"/>
+          </a:bodyPr>
+          <a:lstStyle>
+            <a:lvl1pPr>
+              <a:defRPr>
+                <a:solidFill>
+                  <a:srgbClr val="005493"/>
+                </a:solidFill>
+              </a:defRPr>
+            </a:lvl1pPr>
+          </a:lstStyle>
+          <a:p>
+            <a:r>
+              <a:rPr dirty="0"/>
+              <a:t>By the end of this lesson, you should be able to…</a:t>
+            </a:r>
+          </a:p>
+        </p:txBody>
+      </p:sp>
+      <p:sp>
+        <p:nvSpPr>
+          <p:cNvPr id="140" name="Apply refactoring techniques to improve code quality…"/>
+          <p:cNvSpPr txBox="1">
+            <a:spLocks noGrp="1"/>
+          </p:cNvSpPr>
+          <p:nvPr>
+            <p:ph type="body" idx="1"/>
+          </p:nvPr>
+        </p:nvSpPr>
+        <p:spPr>
+          <a:prstGeom prst="rect">
+            <a:avLst/>
+          </a:prstGeom>
+        </p:spPr>
+        <p:txBody>
+          <a:bodyPr/>
+          <a:lstStyle/>
+          <a:p>
+            <a:pPr marL="514350" indent="-514350">
+              <a:buFont typeface="+mj-lt"/>
+              <a:buAutoNum type="arabicPeriod"/>
+            </a:pPr>
+            <a:r>
+              <a:rPr lang="en-US" dirty="0"/>
+              <a:t>Some common code “smells” (anti-patterns).</a:t>
+            </a:r>
+          </a:p>
+          <a:p>
+            <a:pPr marL="514350" indent="-514350">
+              <a:buFont typeface="+mj-lt"/>
+              <a:buAutoNum type="arabicPeriod"/>
+            </a:pPr>
+            <a:r>
+              <a:rPr lang="en-US" dirty="0"/>
+              <a:t>“Refactoring”: restructuring of code to improve structure.</a:t>
+            </a:r>
+          </a:p>
+          <a:p>
+            <a:pPr marL="514350" indent="-514350">
+              <a:buFont typeface="+mj-lt"/>
+              <a:buAutoNum type="arabicPeriod"/>
+            </a:pPr>
+            <a:r>
+              <a:rPr lang="en-US" dirty="0"/>
+              <a:t>“Technical Debt”: generalization covering all internal problems in a code-base.</a:t>
+            </a:r>
+          </a:p>
+        </p:txBody>
+      </p:sp>
+    </p:spTree>
+  </p:cSld>
+  <p:clrMapOvr>
+    <a:masterClrMapping/>
+  </p:clrMapOvr>
+  <p:transition spd="med"/>
+</p:sld>
+</file>
+
+<file path=ppt/slides/slide20.xml><?xml version="1.0" encoding="utf-8"?>
+<p:sld xmlns:a="http://schemas.openxmlformats.org/drawingml/2006/main" xmlns:r="http://schemas.openxmlformats.org/officeDocument/2006/relationships" xmlns:p="http://schemas.openxmlformats.org/presentationml/2006/main">
+  <p:cSld>
+    <p:spTree>
+      <p:nvGrpSpPr>
+        <p:cNvPr id="1" name=""/>
+        <p:cNvGrpSpPr/>
+        <p:nvPr/>
+      </p:nvGrpSpPr>
+      <p:grpSpPr>
+        <a:xfrm>
+          <a:off x="0" y="0"/>
+          <a:ext cx="0" cy="0"/>
+          <a:chOff x="0" y="0"/>
+          <a:chExt cx="0" cy="0"/>
+        </a:xfrm>
+      </p:grpSpPr>
+      <p:sp>
+        <p:nvSpPr>
+          <p:cNvPr id="231" name="Refactoring Risks"/>
+          <p:cNvSpPr txBox="1">
+            <a:spLocks noGrp="1"/>
+          </p:cNvSpPr>
+          <p:nvPr>
+            <p:ph type="title"/>
+          </p:nvPr>
+        </p:nvSpPr>
+        <p:spPr>
           <a:xfrm>
-            <a:off x="643466" y="1186771"/>
+            <a:off x="643466" y="759868"/>
             <a:ext cx="11717868" cy="1372516"/>
           </a:xfrm>
           <a:prstGeom prst="rect">
@@ -12161,7 +12911,7 @@
           <a:p>
             <a:r>
               <a:rPr lang="en-US" sz="4400" dirty="0"/>
-              <a:t>Technical Debt is Sum of Internal Problems in Project Codebase</a:t>
+              <a:t>Technical Debt is Internal but affects maintainability and evolvability</a:t>
             </a:r>
             <a:endParaRPr sz="4400" dirty="0"/>
           </a:p>
@@ -12179,8 +12929,8 @@
         </p:nvSpPr>
         <p:spPr>
           <a:xfrm>
-            <a:off x="643466" y="3485069"/>
-            <a:ext cx="6000191" cy="4403207"/>
+            <a:off x="643466" y="4441947"/>
+            <a:ext cx="6267687" cy="3751644"/>
           </a:xfrm>
           <a:prstGeom prst="rect">
             <a:avLst/>
@@ -12188,7 +12938,7 @@
         </p:spPr>
         <p:txBody>
           <a:bodyPr>
-            <a:normAutofit fontScale="92500" lnSpcReduction="20000"/>
+            <a:normAutofit/>
           </a:bodyPr>
           <a:lstStyle/>
           <a:p>
@@ -12198,74 +12948,63 @@
               </a:spcBef>
             </a:pPr>
             <a:r>
-              <a:rPr lang="en-US" dirty="0"/>
-              <a:t>Internal because they don’t show as user-visible failures.</a:t>
-            </a:r>
-          </a:p>
-          <a:p>
-            <a:pPr>
+              <a:rPr lang="en-US" sz="3200" dirty="0"/>
+              <a:t>Usual Scenarios:</a:t>
+            </a:r>
+          </a:p>
+          <a:p>
+            <a:pPr lvl="1">
               <a:spcBef>
                 <a:spcPts val="1200"/>
               </a:spcBef>
             </a:pPr>
             <a:r>
-              <a:rPr lang="en-US" dirty="0"/>
-              <a:t>Examples:</a:t>
-            </a:r>
-          </a:p>
-          <a:p>
-            <a:pPr>
+              <a:rPr lang="en-US" sz="3200" dirty="0"/>
+              <a:t>Quick-and-Dirty if-then-else;</a:t>
+            </a:r>
+          </a:p>
+          <a:p>
+            <a:pPr lvl="1">
               <a:spcBef>
                 <a:spcPts val="1200"/>
               </a:spcBef>
             </a:pPr>
             <a:r>
-              <a:rPr lang="en-US" dirty="0"/>
-              <a:t>Code Smells;</a:t>
-            </a:r>
-          </a:p>
-          <a:p>
-            <a:pPr>
+              <a:rPr lang="en-US" sz="3200" dirty="0"/>
+              <a:t>Hitting the Wall;</a:t>
+            </a:r>
+          </a:p>
+          <a:p>
+            <a:pPr lvl="1">
               <a:spcBef>
                 <a:spcPts val="1200"/>
               </a:spcBef>
             </a:pPr>
             <a:r>
-              <a:rPr lang="en-US" dirty="0"/>
-              <a:t>Missing tests;</a:t>
-            </a:r>
-          </a:p>
-          <a:p>
-            <a:pPr>
+              <a:rPr lang="en-US" sz="3200" dirty="0"/>
+              <a:t>Crumbling Under the Load;</a:t>
+            </a:r>
+          </a:p>
+          <a:p>
+            <a:pPr lvl="1">
               <a:spcBef>
                 <a:spcPts val="1200"/>
               </a:spcBef>
             </a:pPr>
             <a:r>
-              <a:rPr lang="en-US" dirty="0"/>
-              <a:t>Missing documentation;</a:t>
-            </a:r>
-          </a:p>
-          <a:p>
-            <a:pPr>
+              <a:rPr lang="en-US" sz="3200" dirty="0"/>
+              <a:t>Death by a Thousand Cuts;</a:t>
+            </a:r>
+          </a:p>
+          <a:p>
+            <a:pPr lvl="1">
               <a:spcBef>
                 <a:spcPts val="1200"/>
               </a:spcBef>
             </a:pPr>
             <a:r>
-              <a:rPr lang="en-US" dirty="0"/>
-              <a:t>Dependency on old versions of third-party systems;</a:t>
-            </a:r>
-          </a:p>
-          <a:p>
-            <a:pPr>
-              <a:spcBef>
-                <a:spcPts val="1200"/>
-              </a:spcBef>
-            </a:pPr>
-            <a:r>
-              <a:rPr lang="en-US" dirty="0"/>
-              <a:t>Inefficient and/or non-scalable algorithms.</a:t>
+              <a:rPr lang="en-US" sz="3200" dirty="0"/>
+              <a:t>Tactical Investment.</a:t>
             </a:r>
           </a:p>
         </p:txBody>
@@ -12301,7 +13040,7 @@
         </p:blipFill>
         <p:spPr bwMode="auto">
           <a:xfrm>
-            <a:off x="6643657" y="3485069"/>
+            <a:off x="6752145" y="3540636"/>
             <a:ext cx="5492813" cy="4641427"/>
           </a:xfrm>
           <a:prstGeom prst="rect">
@@ -12326,7 +13065,7 @@
         </p:nvSpPr>
         <p:spPr>
           <a:xfrm>
-            <a:off x="3500438" y="8080542"/>
+            <a:off x="4240331" y="8286942"/>
             <a:ext cx="2511814" cy="486287"/>
           </a:xfrm>
           <a:prstGeom prst="rect">
@@ -12375,6 +13114,286 @@
                 <a:latin typeface="Ink Free" panose="03080402000500000000" pitchFamily="66" charset="0"/>
               </a:rPr>
               <a:t>Not just code!</a:t>
+            </a:r>
+          </a:p>
+        </p:txBody>
+      </p:sp>
+      <p:sp>
+        <p:nvSpPr>
+          <p:cNvPr id="7" name="Developer time is valuable: is this the best use of time today?…">
+            <a:extLst>
+              <a:ext uri="{FF2B5EF4-FFF2-40B4-BE49-F238E27FC236}">
+                <a16:creationId xmlns:a16="http://schemas.microsoft.com/office/drawing/2014/main" id="{84421804-5DE3-46F0-8759-4CE204964E4D}"/>
+              </a:ext>
+            </a:extLst>
+          </p:cNvPr>
+          <p:cNvSpPr txBox="1">
+            <a:spLocks/>
+          </p:cNvSpPr>
+          <p:nvPr/>
+        </p:nvSpPr>
+        <p:spPr>
+          <a:xfrm>
+            <a:off x="643466" y="2400188"/>
+            <a:ext cx="11717868" cy="1691366"/>
+          </a:xfrm>
+          <a:prstGeom prst="rect">
+            <a:avLst/>
+          </a:prstGeom>
+          <a:ln w="3175">
+            <a:miter lim="400000"/>
+          </a:ln>
+          <a:extLst>
+            <a:ext uri="{C572A759-6A51-4108-AA02-DFA0A04FC94B}">
+              <ma14:wrappingTextBoxFlag xmlns:ma14="http://schemas.microsoft.com/office/mac/drawingml/2011/main" xmlns:a14="http://schemas.microsoft.com/office/drawing/2010/main" xmlns:m="http://schemas.openxmlformats.org/officeDocument/2006/math" xmlns="" val="1"/>
+            </a:ext>
+          </a:extLst>
+        </p:spPr>
+        <p:txBody>
+          <a:bodyPr lIns="27093" tIns="27093" rIns="27093" bIns="27093">
+            <a:normAutofit/>
+          </a:bodyPr>
+          <a:lstStyle>
+            <a:lvl1pPr marL="431800" marR="0" indent="-431800" algn="l" defTabSz="1733930" rtl="0" latinLnBrk="0">
+              <a:lnSpc>
+                <a:spcPct val="90000"/>
+              </a:lnSpc>
+              <a:spcBef>
+                <a:spcPts val="3200"/>
+              </a:spcBef>
+              <a:spcAft>
+                <a:spcPts val="0"/>
+              </a:spcAft>
+              <a:buClrTx/>
+              <a:buSzPct val="123000"/>
+              <a:buFontTx/>
+              <a:buChar char="•"/>
+              <a:tabLst/>
+              <a:defRPr sz="3400" b="0" i="0" u="none" strike="noStrike" cap="none" spc="0" baseline="0">
+                <a:solidFill>
+                  <a:srgbClr val="000000"/>
+                </a:solidFill>
+                <a:uFillTx/>
+                <a:latin typeface="+mn-lt"/>
+                <a:ea typeface="+mn-ea"/>
+                <a:cs typeface="+mn-cs"/>
+                <a:sym typeface="Helvetica Neue"/>
+              </a:defRPr>
+            </a:lvl1pPr>
+            <a:lvl2pPr marL="1041400" marR="0" indent="-431800" algn="l" defTabSz="1733930" rtl="0" latinLnBrk="0">
+              <a:lnSpc>
+                <a:spcPct val="90000"/>
+              </a:lnSpc>
+              <a:spcBef>
+                <a:spcPts val="3200"/>
+              </a:spcBef>
+              <a:spcAft>
+                <a:spcPts val="0"/>
+              </a:spcAft>
+              <a:buClrTx/>
+              <a:buSzPct val="123000"/>
+              <a:buFontTx/>
+              <a:buChar char="•"/>
+              <a:tabLst/>
+              <a:defRPr sz="3400" b="0" i="0" u="none" strike="noStrike" cap="none" spc="0" baseline="0">
+                <a:solidFill>
+                  <a:srgbClr val="000000"/>
+                </a:solidFill>
+                <a:uFillTx/>
+                <a:latin typeface="+mn-lt"/>
+                <a:ea typeface="+mn-ea"/>
+                <a:cs typeface="+mn-cs"/>
+                <a:sym typeface="Helvetica Neue"/>
+              </a:defRPr>
+            </a:lvl2pPr>
+            <a:lvl3pPr marL="1651000" marR="0" indent="-431800" algn="l" defTabSz="1733930" rtl="0" latinLnBrk="0">
+              <a:lnSpc>
+                <a:spcPct val="90000"/>
+              </a:lnSpc>
+              <a:spcBef>
+                <a:spcPts val="3200"/>
+              </a:spcBef>
+              <a:spcAft>
+                <a:spcPts val="0"/>
+              </a:spcAft>
+              <a:buClrTx/>
+              <a:buSzPct val="123000"/>
+              <a:buFontTx/>
+              <a:buChar char="•"/>
+              <a:tabLst/>
+              <a:defRPr sz="3400" b="0" i="0" u="none" strike="noStrike" cap="none" spc="0" baseline="0">
+                <a:solidFill>
+                  <a:srgbClr val="000000"/>
+                </a:solidFill>
+                <a:uFillTx/>
+                <a:latin typeface="+mn-lt"/>
+                <a:ea typeface="+mn-ea"/>
+                <a:cs typeface="+mn-cs"/>
+                <a:sym typeface="Helvetica Neue"/>
+              </a:defRPr>
+            </a:lvl3pPr>
+            <a:lvl4pPr marL="2260600" marR="0" indent="-431800" algn="l" defTabSz="1733930" rtl="0" latinLnBrk="0">
+              <a:lnSpc>
+                <a:spcPct val="90000"/>
+              </a:lnSpc>
+              <a:spcBef>
+                <a:spcPts val="3200"/>
+              </a:spcBef>
+              <a:spcAft>
+                <a:spcPts val="0"/>
+              </a:spcAft>
+              <a:buClrTx/>
+              <a:buSzPct val="123000"/>
+              <a:buFontTx/>
+              <a:buChar char="•"/>
+              <a:tabLst/>
+              <a:defRPr sz="3400" b="0" i="0" u="none" strike="noStrike" cap="none" spc="0" baseline="0">
+                <a:solidFill>
+                  <a:srgbClr val="000000"/>
+                </a:solidFill>
+                <a:uFillTx/>
+                <a:latin typeface="+mn-lt"/>
+                <a:ea typeface="+mn-ea"/>
+                <a:cs typeface="+mn-cs"/>
+                <a:sym typeface="Helvetica Neue"/>
+              </a:defRPr>
+            </a:lvl4pPr>
+            <a:lvl5pPr marL="2870200" marR="0" indent="-431800" algn="l" defTabSz="1733930" rtl="0" latinLnBrk="0">
+              <a:lnSpc>
+                <a:spcPct val="90000"/>
+              </a:lnSpc>
+              <a:spcBef>
+                <a:spcPts val="3200"/>
+              </a:spcBef>
+              <a:spcAft>
+                <a:spcPts val="0"/>
+              </a:spcAft>
+              <a:buClrTx/>
+              <a:buSzPct val="123000"/>
+              <a:buFontTx/>
+              <a:buChar char="•"/>
+              <a:tabLst/>
+              <a:defRPr sz="3400" b="0" i="0" u="none" strike="noStrike" cap="none" spc="0" baseline="0">
+                <a:solidFill>
+                  <a:srgbClr val="000000"/>
+                </a:solidFill>
+                <a:uFillTx/>
+                <a:latin typeface="+mn-lt"/>
+                <a:ea typeface="+mn-ea"/>
+                <a:cs typeface="+mn-cs"/>
+                <a:sym typeface="Helvetica Neue"/>
+              </a:defRPr>
+            </a:lvl5pPr>
+            <a:lvl6pPr marL="0" marR="0" indent="2286000" algn="l" defTabSz="587022" rtl="0" latinLnBrk="0">
+              <a:lnSpc>
+                <a:spcPct val="100000"/>
+              </a:lnSpc>
+              <a:spcBef>
+                <a:spcPts val="0"/>
+              </a:spcBef>
+              <a:spcAft>
+                <a:spcPts val="0"/>
+              </a:spcAft>
+              <a:buClrTx/>
+              <a:buSzTx/>
+              <a:buFontTx/>
+              <a:buNone/>
+              <a:tabLst/>
+              <a:defRPr sz="3800" b="1" i="0" u="none" strike="noStrike" cap="none" spc="0" baseline="0">
+                <a:solidFill>
+                  <a:srgbClr val="000000"/>
+                </a:solidFill>
+                <a:uFillTx/>
+                <a:latin typeface="+mn-lt"/>
+                <a:ea typeface="+mn-ea"/>
+                <a:cs typeface="+mn-cs"/>
+                <a:sym typeface="Helvetica Neue"/>
+              </a:defRPr>
+            </a:lvl6pPr>
+            <a:lvl7pPr marL="0" marR="0" indent="2743200" algn="l" defTabSz="587022" rtl="0" latinLnBrk="0">
+              <a:lnSpc>
+                <a:spcPct val="100000"/>
+              </a:lnSpc>
+              <a:spcBef>
+                <a:spcPts val="0"/>
+              </a:spcBef>
+              <a:spcAft>
+                <a:spcPts val="0"/>
+              </a:spcAft>
+              <a:buClrTx/>
+              <a:buSzTx/>
+              <a:buFontTx/>
+              <a:buNone/>
+              <a:tabLst/>
+              <a:defRPr sz="3800" b="1" i="0" u="none" strike="noStrike" cap="none" spc="0" baseline="0">
+                <a:solidFill>
+                  <a:srgbClr val="000000"/>
+                </a:solidFill>
+                <a:uFillTx/>
+                <a:latin typeface="+mn-lt"/>
+                <a:ea typeface="+mn-ea"/>
+                <a:cs typeface="+mn-cs"/>
+                <a:sym typeface="Helvetica Neue"/>
+              </a:defRPr>
+            </a:lvl7pPr>
+            <a:lvl8pPr marL="0" marR="0" indent="3200400" algn="l" defTabSz="587022" rtl="0" latinLnBrk="0">
+              <a:lnSpc>
+                <a:spcPct val="100000"/>
+              </a:lnSpc>
+              <a:spcBef>
+                <a:spcPts val="0"/>
+              </a:spcBef>
+              <a:spcAft>
+                <a:spcPts val="0"/>
+              </a:spcAft>
+              <a:buClrTx/>
+              <a:buSzTx/>
+              <a:buFontTx/>
+              <a:buNone/>
+              <a:tabLst/>
+              <a:defRPr sz="3800" b="1" i="0" u="none" strike="noStrike" cap="none" spc="0" baseline="0">
+                <a:solidFill>
+                  <a:srgbClr val="000000"/>
+                </a:solidFill>
+                <a:uFillTx/>
+                <a:latin typeface="+mn-lt"/>
+                <a:ea typeface="+mn-ea"/>
+                <a:cs typeface="+mn-cs"/>
+                <a:sym typeface="Helvetica Neue"/>
+              </a:defRPr>
+            </a:lvl8pPr>
+            <a:lvl9pPr marL="0" marR="0" indent="3657600" algn="l" defTabSz="587022" rtl="0" latinLnBrk="0">
+              <a:lnSpc>
+                <a:spcPct val="100000"/>
+              </a:lnSpc>
+              <a:spcBef>
+                <a:spcPts val="0"/>
+              </a:spcBef>
+              <a:spcAft>
+                <a:spcPts val="0"/>
+              </a:spcAft>
+              <a:buClrTx/>
+              <a:buSzTx/>
+              <a:buFontTx/>
+              <a:buNone/>
+              <a:tabLst/>
+              <a:defRPr sz="3800" b="1" i="0" u="none" strike="noStrike" cap="none" spc="0" baseline="0">
+                <a:solidFill>
+                  <a:srgbClr val="000000"/>
+                </a:solidFill>
+                <a:uFillTx/>
+                <a:latin typeface="+mn-lt"/>
+                <a:ea typeface="+mn-ea"/>
+                <a:cs typeface="+mn-cs"/>
+                <a:sym typeface="Helvetica Neue"/>
+              </a:defRPr>
+            </a:lvl9pPr>
+          </a:lstStyle>
+          <a:p>
+            <a:pPr hangingPunct="1"/>
+            <a:r>
+              <a:rPr lang="en-US" dirty="0"/>
+              <a:t>Technical debt is a contingent liability whose impact is limited to internal system qualities—­primarily, but not only, maintainability and evolvability.</a:t>
             </a:r>
           </a:p>
         </p:txBody>
@@ -12479,7 +13498,7 @@
 </p:sld>
 </file>
 
-<file path=ppt/slides/slide2.xml><?xml version="1.0" encoding="utf-8"?>
+<file path=ppt/slides/slide21.xml><?xml version="1.0" encoding="utf-8"?>
 <p:sld xmlns:a="http://schemas.openxmlformats.org/drawingml/2006/main" xmlns:r="http://schemas.openxmlformats.org/officeDocument/2006/relationships" xmlns:p="http://schemas.openxmlformats.org/presentationml/2006/main">
   <p:cSld>
     <p:spTree>
@@ -12498,152 +13517,6 @@
       </p:grpSpPr>
       <p:sp>
         <p:nvSpPr>
-          <p:cNvPr id="138" name="Learning Goals"/>
-          <p:cNvSpPr txBox="1">
-            <a:spLocks noGrp="1"/>
-          </p:cNvSpPr>
-          <p:nvPr>
-            <p:ph type="title"/>
-          </p:nvPr>
-        </p:nvSpPr>
-        <p:spPr>
-          <a:prstGeom prst="rect">
-            <a:avLst/>
-          </a:prstGeom>
-        </p:spPr>
-        <p:txBody>
-          <a:bodyPr/>
-          <a:lstStyle>
-            <a:lvl1pPr defTabSz="1369804">
-              <a:defRPr sz="4740" spc="-94"/>
-            </a:lvl1pPr>
-          </a:lstStyle>
-          <a:p>
-            <a:r>
-              <a:t>Learning Goals</a:t>
-            </a:r>
-          </a:p>
-        </p:txBody>
-      </p:sp>
-      <p:sp>
-        <p:nvSpPr>
-          <p:cNvPr id="139" name="By the end of this lesson, you should be able to…"/>
-          <p:cNvSpPr txBox="1">
-            <a:spLocks noGrp="1"/>
-          </p:cNvSpPr>
-          <p:nvPr>
-            <p:ph type="body" idx="21"/>
-          </p:nvPr>
-        </p:nvSpPr>
-        <p:spPr>
-          <a:prstGeom prst="rect">
-            <a:avLst/>
-          </a:prstGeom>
-          <a:extLst>
-            <a:ext uri="{C572A759-6A51-4108-AA02-DFA0A04FC94B}">
-              <ma14:wrappingTextBoxFlag xmlns="" xmlns:m="http://schemas.openxmlformats.org/officeDocument/2006/math" xmlns:a14="http://schemas.microsoft.com/office/drawing/2010/main" xmlns:ma14="http://schemas.microsoft.com/office/mac/drawingml/2011/main" val="1"/>
-            </a:ext>
-          </a:extLst>
-        </p:spPr>
-        <p:txBody>
-          <a:bodyPr>
-            <a:normAutofit lnSpcReduction="10000"/>
-          </a:bodyPr>
-          <a:lstStyle>
-            <a:lvl1pPr>
-              <a:defRPr>
-                <a:solidFill>
-                  <a:srgbClr val="005493"/>
-                </a:solidFill>
-              </a:defRPr>
-            </a:lvl1pPr>
-          </a:lstStyle>
-          <a:p>
-            <a:r>
-              <a:rPr dirty="0"/>
-              <a:t>By the end of this lesson, you should be able to…</a:t>
-            </a:r>
-          </a:p>
-        </p:txBody>
-      </p:sp>
-      <p:sp>
-        <p:nvSpPr>
-          <p:cNvPr id="140" name="Apply refactoring techniques to improve code quality…"/>
-          <p:cNvSpPr txBox="1">
-            <a:spLocks noGrp="1"/>
-          </p:cNvSpPr>
-          <p:nvPr>
-            <p:ph type="body" idx="1"/>
-          </p:nvPr>
-        </p:nvSpPr>
-        <p:spPr>
-          <a:prstGeom prst="rect">
-            <a:avLst/>
-          </a:prstGeom>
-        </p:spPr>
-        <p:txBody>
-          <a:bodyPr/>
-          <a:lstStyle/>
-          <a:p>
-            <a:pPr marL="514350" indent="-514350">
-              <a:buFont typeface="+mj-lt"/>
-              <a:buAutoNum type="arabicPeriod"/>
-            </a:pPr>
-            <a:r>
-              <a:rPr lang="en-US" dirty="0"/>
-              <a:t>Some common code “smells” (anti-patterns).</a:t>
-            </a:r>
-          </a:p>
-          <a:p>
-            <a:pPr marL="514350" indent="-514350">
-              <a:buFont typeface="+mj-lt"/>
-              <a:buAutoNum type="arabicPeriod"/>
-            </a:pPr>
-            <a:r>
-              <a:rPr lang="en-US" dirty="0"/>
-              <a:t>“Refactoring”: restructuring of code to improve structure.</a:t>
-            </a:r>
-          </a:p>
-          <a:p>
-            <a:pPr marL="514350" indent="-514350">
-              <a:buFont typeface="+mj-lt"/>
-              <a:buAutoNum type="arabicPeriod"/>
-            </a:pPr>
-            <a:r>
-              <a:rPr lang="en-US" dirty="0"/>
-              <a:t>“Technical Debt”: generalization covering all internal problems in a code-base.</a:t>
-            </a:r>
-          </a:p>
-        </p:txBody>
-      </p:sp>
-    </p:spTree>
-  </p:cSld>
-  <p:clrMapOvr>
-    <a:masterClrMapping/>
-  </p:clrMapOvr>
-  <p:transition spd="med"/>
-</p:sld>
-</file>
-
-<file path=ppt/slides/slide20.xml><?xml version="1.0" encoding="utf-8"?>
-<p:sld xmlns:a="http://schemas.openxmlformats.org/drawingml/2006/main" xmlns:r="http://schemas.openxmlformats.org/officeDocument/2006/relationships" xmlns:p="http://schemas.openxmlformats.org/presentationml/2006/main">
-  <p:cSld>
-    <p:spTree>
-      <p:nvGrpSpPr>
-        <p:cNvPr id="1" name=""/>
-        <p:cNvGrpSpPr/>
-        <p:nvPr/>
-      </p:nvGrpSpPr>
-      <p:grpSpPr>
-        <a:xfrm>
-          <a:off x="0" y="0"/>
-          <a:ext cx="0" cy="0"/>
-          <a:chOff x="0" y="0"/>
-          <a:chExt cx="0" cy="0"/>
-        </a:xfrm>
-      </p:grpSpPr>
-      <p:sp>
-        <p:nvSpPr>
           <p:cNvPr id="3" name="Text Placeholder 2">
             <a:extLst>
               <a:ext uri="{FF2B5EF4-FFF2-40B4-BE49-F238E27FC236}">
@@ -12660,11 +13533,13 @@
         </p:nvSpPr>
         <p:spPr/>
         <p:txBody>
-          <a:bodyPr/>
+          <a:bodyPr>
+            <a:normAutofit/>
+          </a:bodyPr>
           <a:lstStyle/>
           <a:p>
             <a:r>
-              <a:rPr lang="en-US" dirty="0"/>
+              <a:rPr lang="en-US" sz="3200" dirty="0"/>
               <a:t>Example of Debt</a:t>
             </a:r>
           </a:p>
@@ -12688,40 +13563,42 @@
         </p:nvSpPr>
         <p:spPr/>
         <p:txBody>
-          <a:bodyPr/>
+          <a:bodyPr>
+            <a:normAutofit/>
+          </a:bodyPr>
           <a:lstStyle/>
           <a:p>
             <a:pPr fontAlgn="base"/>
             <a:r>
-              <a:rPr lang="en-US" dirty="0"/>
+              <a:rPr lang="en-US" sz="3200" dirty="0"/>
               <a:t>Code Smells;</a:t>
             </a:r>
           </a:p>
           <a:p>
             <a:pPr fontAlgn="base"/>
             <a:r>
-              <a:rPr lang="en-US" dirty="0"/>
+              <a:rPr lang="en-US" sz="3200" dirty="0"/>
               <a:t>Missing tests;</a:t>
             </a:r>
           </a:p>
           <a:p>
             <a:pPr fontAlgn="base"/>
             <a:r>
-              <a:rPr lang="en-US" dirty="0"/>
+              <a:rPr lang="en-US" sz="3200" dirty="0"/>
               <a:t>Missing documentation;</a:t>
             </a:r>
           </a:p>
           <a:p>
             <a:pPr fontAlgn="base"/>
             <a:r>
-              <a:rPr lang="en-US" dirty="0"/>
+              <a:rPr lang="en-US" sz="3200" dirty="0"/>
               <a:t>Dependency on old versions of third-party systems;</a:t>
             </a:r>
           </a:p>
           <a:p>
             <a:pPr fontAlgn="base"/>
             <a:r>
-              <a:rPr lang="en-US" dirty="0"/>
+              <a:rPr lang="en-US" sz="3200" dirty="0"/>
               <a:t>Inefficient and/or non-scalable algorithms.</a:t>
             </a:r>
           </a:p>
@@ -12745,11 +13622,13 @@
         </p:nvSpPr>
         <p:spPr/>
         <p:txBody>
-          <a:bodyPr/>
+          <a:bodyPr>
+            <a:normAutofit/>
+          </a:bodyPr>
           <a:lstStyle/>
           <a:p>
             <a:r>
-              <a:rPr lang="en-US" dirty="0"/>
+              <a:rPr lang="en-US" sz="3200" dirty="0"/>
               <a:t>Example of Cost</a:t>
             </a:r>
           </a:p>
@@ -12773,35 +13652,37 @@
         </p:nvSpPr>
         <p:spPr/>
         <p:txBody>
-          <a:bodyPr/>
+          <a:bodyPr>
+            <a:normAutofit/>
+          </a:bodyPr>
           <a:lstStyle/>
           <a:p>
             <a:r>
-              <a:rPr lang="en-US" dirty="0"/>
+              <a:rPr lang="en-US" sz="3200" dirty="0"/>
               <a:t>“Smelly” code is less flexible;</a:t>
             </a:r>
           </a:p>
           <a:p>
             <a:r>
-              <a:rPr lang="en-US" dirty="0"/>
+              <a:rPr lang="en-US" sz="3200" dirty="0"/>
               <a:t>Need to revert breaking change;</a:t>
             </a:r>
           </a:p>
           <a:p>
             <a:r>
-              <a:rPr lang="en-US" dirty="0"/>
+              <a:rPr lang="en-US" sz="3200" dirty="0"/>
               <a:t>Can’t figure out how to use;</a:t>
             </a:r>
           </a:p>
           <a:p>
             <a:r>
-              <a:rPr lang="en-US" dirty="0"/>
+              <a:rPr lang="en-US" sz="3200" dirty="0"/>
               <a:t>May have take over maintenance of old system;</a:t>
             </a:r>
           </a:p>
           <a:p>
             <a:r>
-              <a:rPr lang="en-US" dirty="0"/>
+              <a:rPr lang="en-US" sz="3200" dirty="0"/>
               <a:t>Lose potential customers.</a:t>
             </a:r>
           </a:p>
@@ -12839,7 +13720,7 @@
                 <a:latin typeface="Calibri" panose="020F0502020204030204"/>
               </a:rPr>
               <a:pPr defTabSz="975390" hangingPunct="1"/>
-              <a:t>20</a:t>
+              <a:t>21</a:t>
             </a:fld>
             <a:endParaRPr lang="en-US" kern="1200">
               <a:solidFill>
@@ -12879,7 +13760,7 @@
           </a:ln>
           <a:extLst>
             <a:ext uri="{C572A759-6A51-4108-AA02-DFA0A04FC94B}">
-              <ma14:wrappingTextBoxFlag xmlns="" xmlns:m="http://schemas.openxmlformats.org/officeDocument/2006/math" xmlns:a14="http://schemas.microsoft.com/office/drawing/2010/main" xmlns:ma14="http://schemas.microsoft.com/office/mac/drawingml/2011/main" val="1"/>
+              <ma14:wrappingTextBoxFlag xmlns:ma14="http://schemas.microsoft.com/office/mac/drawingml/2011/main" xmlns:a14="http://schemas.microsoft.com/office/drawing/2010/main" xmlns:m="http://schemas.openxmlformats.org/officeDocument/2006/math" xmlns="" val="1"/>
             </a:ext>
           </a:extLst>
         </p:spPr>
@@ -13445,7 +14326,7 @@
 </p:sld>
 </file>
 
-<file path=ppt/slides/slide21.xml><?xml version="1.0" encoding="utf-8"?>
+<file path=ppt/slides/slide22.xml><?xml version="1.0" encoding="utf-8"?>
 <p:sld xmlns:a="http://schemas.openxmlformats.org/drawingml/2006/main" xmlns:r="http://schemas.openxmlformats.org/officeDocument/2006/relationships" xmlns:p="http://schemas.openxmlformats.org/presentationml/2006/main">
   <p:cSld>
     <p:spTree>
@@ -13478,66 +14359,73 @@
             <p:ph idx="1"/>
           </p:nvPr>
         </p:nvSpPr>
-        <p:spPr/>
-        <p:txBody>
-          <a:bodyPr/>
+        <p:spPr>
+          <a:xfrm>
+            <a:off x="894080" y="2133561"/>
+            <a:ext cx="10931127" cy="6188570"/>
+          </a:xfrm>
+        </p:spPr>
+        <p:txBody>
+          <a:bodyPr>
+            <a:normAutofit/>
+          </a:bodyPr>
           <a:lstStyle/>
           <a:p>
             <a:r>
-              <a:rPr lang="en-US" dirty="0"/>
+              <a:rPr lang="en-US" sz="3600" dirty="0"/>
               <a:t>Prototyping:</a:t>
             </a:r>
           </a:p>
           <a:p>
             <a:pPr lvl="1"/>
             <a:r>
-              <a:rPr lang="en-US" dirty="0"/>
+              <a:rPr lang="en-US" sz="3200" dirty="0"/>
               <a:t>If code will be discarded, or drastically rewritten, don’t waste time perfecting it.</a:t>
             </a:r>
           </a:p>
           <a:p>
             <a:r>
-              <a:rPr lang="en-US" dirty="0"/>
+              <a:rPr lang="en-US" sz="3600" dirty="0"/>
               <a:t>Getting a product out the door:</a:t>
             </a:r>
           </a:p>
           <a:p>
             <a:pPr lvl="1"/>
             <a:r>
-              <a:rPr lang="en-US" dirty="0"/>
+              <a:rPr lang="en-US" sz="3200" dirty="0"/>
               <a:t>Time is often crucial in a competitive environment.</a:t>
             </a:r>
           </a:p>
           <a:p>
             <a:r>
-              <a:rPr lang="en-US" dirty="0"/>
+              <a:rPr lang="en-US" sz="3600" dirty="0"/>
               <a:t>Fixing a critical failure:</a:t>
             </a:r>
           </a:p>
           <a:p>
             <a:pPr lvl="1"/>
             <a:r>
-              <a:rPr lang="en-US" dirty="0"/>
+              <a:rPr lang="en-US" sz="3200" dirty="0"/>
               <a:t>People are waiting.</a:t>
             </a:r>
           </a:p>
           <a:p>
             <a:r>
-              <a:rPr lang="en-US" dirty="0"/>
+              <a:rPr lang="en-US" sz="3600" dirty="0"/>
               <a:t>Maybe a simple algorithm is good enough:</a:t>
             </a:r>
           </a:p>
           <a:p>
             <a:pPr lvl="1"/>
             <a:r>
-              <a:rPr lang="en-US" dirty="0"/>
+              <a:rPr lang="en-US" sz="3200" dirty="0"/>
               <a:t>“Premature optimization is the root of all evil”</a:t>
             </a:r>
           </a:p>
           <a:p>
             <a:pPr lvl="2"/>
             <a:r>
-              <a:rPr lang="en-US" dirty="0"/>
+              <a:rPr lang="en-US" sz="2800" dirty="0"/>
               <a:t>Tony Hoare, Donald Knuth</a:t>
             </a:r>
           </a:p>
@@ -13575,7 +14463,7 @@
                 <a:latin typeface="Calibri" panose="020F0502020204030204"/>
               </a:rPr>
               <a:pPr defTabSz="975390" hangingPunct="1"/>
-              <a:t>21</a:t>
+              <a:t>22</a:t>
             </a:fld>
             <a:endParaRPr lang="en-US" kern="1200">
               <a:solidFill>
@@ -13615,7 +14503,7 @@
           </a:ln>
           <a:extLst>
             <a:ext uri="{C572A759-6A51-4108-AA02-DFA0A04FC94B}">
-              <ma14:wrappingTextBoxFlag xmlns="" xmlns:m="http://schemas.openxmlformats.org/officeDocument/2006/math" xmlns:a14="http://schemas.microsoft.com/office/drawing/2010/main" xmlns:ma14="http://schemas.microsoft.com/office/mac/drawingml/2011/main" val="1"/>
+              <ma14:wrappingTextBoxFlag xmlns:ma14="http://schemas.microsoft.com/office/mac/drawingml/2011/main" xmlns:a14="http://schemas.microsoft.com/office/drawing/2010/main" xmlns:m="http://schemas.openxmlformats.org/officeDocument/2006/math" xmlns="" val="1"/>
             </a:ext>
           </a:extLst>
         </p:spPr>
@@ -13906,7 +14794,7 @@
 </p:sld>
 </file>
 
-<file path=ppt/slides/slide22.xml><?xml version="1.0" encoding="utf-8"?>
+<file path=ppt/slides/slide23.xml><?xml version="1.0" encoding="utf-8"?>
 <p:sld xmlns:a="http://schemas.openxmlformats.org/drawingml/2006/main" xmlns:r="http://schemas.openxmlformats.org/officeDocument/2006/relationships" xmlns:p="http://schemas.openxmlformats.org/presentationml/2006/main">
   <p:cSld>
     <p:spTree>
@@ -14067,7 +14955,7 @@
                 <a:latin typeface="Calibri" panose="020F0502020204030204"/>
               </a:rPr>
               <a:pPr defTabSz="975390" hangingPunct="1"/>
-              <a:t>22</a:t>
+              <a:t>23</a:t>
             </a:fld>
             <a:endParaRPr lang="en-US" kern="1200">
               <a:solidFill>
@@ -14596,7 +15484,7 @@
           </a:ln>
           <a:extLst>
             <a:ext uri="{C572A759-6A51-4108-AA02-DFA0A04FC94B}">
-              <ma14:wrappingTextBoxFlag xmlns="" xmlns:m="http://schemas.openxmlformats.org/officeDocument/2006/math" xmlns:a14="http://schemas.microsoft.com/office/drawing/2010/main" xmlns:ma14="http://schemas.microsoft.com/office/mac/drawingml/2011/main" val="1"/>
+              <ma14:wrappingTextBoxFlag xmlns:ma14="http://schemas.microsoft.com/office/mac/drawingml/2011/main" xmlns:a14="http://schemas.microsoft.com/office/drawing/2010/main" xmlns:m="http://schemas.openxmlformats.org/officeDocument/2006/math" xmlns="" val="1"/>
             </a:ext>
           </a:extLst>
         </p:spPr>
@@ -14887,7 +15775,7 @@
 </p:sld>
 </file>
 
-<file path=ppt/slides/slide23.xml><?xml version="1.0" encoding="utf-8"?>
+<file path=ppt/slides/slide24.xml><?xml version="1.0" encoding="utf-8"?>
 <p:sld xmlns:a="http://schemas.openxmlformats.org/drawingml/2006/main" xmlns:r="http://schemas.openxmlformats.org/officeDocument/2006/relationships" xmlns:p="http://schemas.openxmlformats.org/presentationml/2006/main">
   <p:cSld>
     <p:spTree>
@@ -15038,7 +15926,7 @@
                 <a:latin typeface="Calibri" panose="020F0502020204030204"/>
               </a:rPr>
               <a:pPr defTabSz="975390" hangingPunct="1"/>
-              <a:t>23</a:t>
+              <a:t>24</a:t>
             </a:fld>
             <a:endParaRPr lang="en-US" kern="1200">
               <a:solidFill>
@@ -15398,7 +16286,7 @@
             </a:r>
           </a:p>
           <a:p>
-            <a:pPr marL="393192" indent="-393192" defTabSz="1491179">
+            <a:pPr marL="1002792" lvl="1" indent="-393192" defTabSz="1491179">
               <a:spcBef>
                 <a:spcPts val="800"/>
               </a:spcBef>
@@ -15416,7 +16304,7 @@
             </a:r>
           </a:p>
           <a:p>
-            <a:pPr marL="393192" indent="-393192" defTabSz="1491179">
+            <a:pPr marL="1002792" lvl="1" indent="-393192" defTabSz="1491179">
               <a:spcBef>
                 <a:spcPts val="800"/>
               </a:spcBef>
@@ -15434,7 +16322,7 @@
             </a:r>
           </a:p>
           <a:p>
-            <a:pPr marL="393192" indent="-393192" defTabSz="1491179">
+            <a:pPr marL="1002792" lvl="1" indent="-393192" defTabSz="1491179">
               <a:spcBef>
                 <a:spcPts val="800"/>
               </a:spcBef>
@@ -15452,7 +16340,7 @@
             </a:r>
           </a:p>
           <a:p>
-            <a:pPr marL="393192" indent="-393192" defTabSz="1491179">
+            <a:pPr marL="1002792" lvl="1" indent="-393192" defTabSz="1491179">
               <a:spcBef>
                 <a:spcPts val="800"/>
               </a:spcBef>
@@ -15602,6 +16490,7 @@
               <a:defRPr sz="2937"/>
             </a:pPr>
             <a:r>
+              <a:rPr dirty="0"/>
               <a:t>refactoring is something good programmers have always done</a:t>
             </a:r>
           </a:p>
@@ -15614,6 +16503,7 @@
               <a:defRPr sz="2937"/>
             </a:pPr>
             <a:r>
+              <a:rPr dirty="0"/>
               <a:t>Opdyke’s PhD thesis (1990): refactoring tools for Smalltalk</a:t>
             </a:r>
           </a:p>
@@ -15626,8 +16516,19 @@
               <a:defRPr sz="2937"/>
             </a:pPr>
             <a:r>
+              <a:rPr dirty="0"/>
               <a:t>popularized by various agile development methodologies</a:t>
             </a:r>
+          </a:p>
+          <a:p>
+            <a:pPr marL="0" indent="0" defTabSz="1543197">
+              <a:spcBef>
+                <a:spcPts val="800"/>
+              </a:spcBef>
+              <a:buNone/>
+              <a:defRPr sz="2937"/>
+            </a:pPr>
+            <a:endParaRPr dirty="0"/>
           </a:p>
           <a:p>
             <a:pPr marL="406908" indent="-406908" defTabSz="1543197">
@@ -15636,25 +16537,8 @@
               </a:spcBef>
               <a:defRPr sz="2937"/>
             </a:pPr>
-            <a:endParaRPr/>
-          </a:p>
-          <a:p>
-            <a:pPr marL="406908" indent="-406908" defTabSz="1543197">
-              <a:spcBef>
-                <a:spcPts val="800"/>
-              </a:spcBef>
-              <a:defRPr sz="2937"/>
-            </a:pPr>
-            <a:endParaRPr/>
-          </a:p>
-          <a:p>
-            <a:pPr marL="406908" indent="-406908" defTabSz="1543197">
-              <a:spcBef>
-                <a:spcPts val="800"/>
-              </a:spcBef>
-              <a:defRPr sz="2937"/>
-            </a:pPr>
-            <a:r>
+            <a:r>
+              <a:rPr dirty="0"/>
               <a:t>especially popular in the context of object-oriented languages</a:t>
             </a:r>
           </a:p>
@@ -15667,6 +16551,7 @@
               <a:defRPr sz="2937"/>
             </a:pPr>
             <a:r>
+              <a:rPr dirty="0"/>
               <a:t>OO features are well-suited to make designs flexible &amp; reusable </a:t>
             </a:r>
           </a:p>
@@ -15679,6 +16564,7 @@
               <a:defRPr sz="2937"/>
             </a:pPr>
             <a:r>
+              <a:rPr dirty="0"/>
               <a:t>but refactoring is not specific to OO</a:t>
             </a:r>
           </a:p>
@@ -15755,7 +16641,7 @@
           </a:prstGeom>
           <a:extLst>
             <a:ext uri="{C572A759-6A51-4108-AA02-DFA0A04FC94B}">
-              <ma14:wrappingTextBoxFlag xmlns="" xmlns:m="http://schemas.openxmlformats.org/officeDocument/2006/math" xmlns:a14="http://schemas.microsoft.com/office/drawing/2010/main" xmlns:ma14="http://schemas.microsoft.com/office/mac/drawingml/2011/main" val="1"/>
+              <ma14:wrappingTextBoxFlag xmlns:ma14="http://schemas.microsoft.com/office/mac/drawingml/2011/main" xmlns:a14="http://schemas.microsoft.com/office/drawing/2010/main" xmlns:m="http://schemas.openxmlformats.org/officeDocument/2006/math" xmlns="" val="1"/>
             </a:ext>
           </a:extLst>
         </p:spPr>
@@ -15813,7 +16699,7 @@
           </a:ln>
           <a:extLst>
             <a:ext uri="{C572A759-6A51-4108-AA02-DFA0A04FC94B}">
-              <ma14:wrappingTextBoxFlag xmlns="" xmlns:m="http://schemas.openxmlformats.org/officeDocument/2006/math" xmlns:a14="http://schemas.microsoft.com/office/drawing/2010/main" xmlns:ma14="http://schemas.microsoft.com/office/mac/drawingml/2011/main" val="1"/>
+              <ma14:wrappingTextBoxFlag xmlns:ma14="http://schemas.microsoft.com/office/mac/drawingml/2011/main" xmlns:a14="http://schemas.microsoft.com/office/drawing/2010/main" xmlns:m="http://schemas.openxmlformats.org/officeDocument/2006/math" xmlns="" val="1"/>
             </a:ext>
           </a:extLst>
         </p:spPr>
@@ -16365,7 +17251,7 @@
           </a:prstGeom>
           <a:extLst>
             <a:ext uri="{C572A759-6A51-4108-AA02-DFA0A04FC94B}">
-              <ma14:wrappingTextBoxFlag xmlns="" xmlns:m="http://schemas.openxmlformats.org/officeDocument/2006/math" xmlns:a14="http://schemas.microsoft.com/office/drawing/2010/main" xmlns:ma14="http://schemas.microsoft.com/office/mac/drawingml/2011/main" val="1"/>
+              <ma14:wrappingTextBoxFlag xmlns:ma14="http://schemas.microsoft.com/office/mac/drawingml/2011/main" xmlns:a14="http://schemas.microsoft.com/office/drawing/2010/main" xmlns:m="http://schemas.openxmlformats.org/officeDocument/2006/math" xmlns="" val="1"/>
             </a:ext>
           </a:extLst>
         </p:spPr>
@@ -16400,7 +17286,7 @@
           </a:ln>
           <a:extLst>
             <a:ext uri="{C572A759-6A51-4108-AA02-DFA0A04FC94B}">
-              <ma14:wrappingTextBoxFlag xmlns="" xmlns:m="http://schemas.openxmlformats.org/officeDocument/2006/math" xmlns:a14="http://schemas.microsoft.com/office/drawing/2010/main" xmlns:ma14="http://schemas.microsoft.com/office/mac/drawingml/2011/main" val="1"/>
+              <ma14:wrappingTextBoxFlag xmlns:ma14="http://schemas.microsoft.com/office/mac/drawingml/2011/main" xmlns:a14="http://schemas.microsoft.com/office/drawing/2010/main" xmlns:m="http://schemas.openxmlformats.org/officeDocument/2006/math" xmlns="" val="1"/>
             </a:ext>
           </a:extLst>
         </p:spPr>
@@ -16588,7 +17474,7 @@
           </a:ln>
           <a:extLst>
             <a:ext uri="{C572A759-6A51-4108-AA02-DFA0A04FC94B}">
-              <ma14:wrappingTextBoxFlag xmlns="" xmlns:m="http://schemas.openxmlformats.org/officeDocument/2006/math" xmlns:a14="http://schemas.microsoft.com/office/drawing/2010/main" xmlns:ma14="http://schemas.microsoft.com/office/mac/drawingml/2011/main" val="1"/>
+              <ma14:wrappingTextBoxFlag xmlns:ma14="http://schemas.microsoft.com/office/mac/drawingml/2011/main" xmlns:a14="http://schemas.microsoft.com/office/drawing/2010/main" xmlns:m="http://schemas.openxmlformats.org/officeDocument/2006/math" xmlns="" val="1"/>
             </a:ext>
           </a:extLst>
         </p:spPr>
@@ -16760,7 +17646,7 @@
           </a:ln>
           <a:extLst>
             <a:ext uri="{C572A759-6A51-4108-AA02-DFA0A04FC94B}">
-              <ma14:wrappingTextBoxFlag xmlns="" xmlns:m="http://schemas.openxmlformats.org/officeDocument/2006/math" xmlns:a14="http://schemas.microsoft.com/office/drawing/2010/main" xmlns:ma14="http://schemas.microsoft.com/office/mac/drawingml/2011/main" val="1"/>
+              <ma14:wrappingTextBoxFlag xmlns:ma14="http://schemas.microsoft.com/office/mac/drawingml/2011/main" xmlns:a14="http://schemas.microsoft.com/office/drawing/2010/main" xmlns:m="http://schemas.openxmlformats.org/officeDocument/2006/math" xmlns="" val="1"/>
             </a:ext>
           </a:extLst>
         </p:spPr>
@@ -16803,7 +17689,7 @@
           </a:ln>
           <a:extLst>
             <a:ext uri="{C572A759-6A51-4108-AA02-DFA0A04FC94B}">
-              <ma14:wrappingTextBoxFlag xmlns="" xmlns:m="http://schemas.openxmlformats.org/officeDocument/2006/math" xmlns:a14="http://schemas.microsoft.com/office/drawing/2010/main" xmlns:ma14="http://schemas.microsoft.com/office/mac/drawingml/2011/main" val="1"/>
+              <ma14:wrappingTextBoxFlag xmlns:ma14="http://schemas.microsoft.com/office/mac/drawingml/2011/main" xmlns:a14="http://schemas.microsoft.com/office/drawing/2010/main" xmlns:m="http://schemas.openxmlformats.org/officeDocument/2006/math" xmlns="" val="1"/>
             </a:ext>
           </a:extLst>
         </p:spPr>

--- a/Slides/Lesson 11 Code Smells, Refactoring and Technical Debt.pptx
+++ b/Slides/Lesson 11 Code Smells, Refactoring and Technical Debt.pptx
@@ -34,7 +34,7 @@
     <p:sldId id="408" r:id="rId25"/>
     <p:sldId id="376" r:id="rId26"/>
   </p:sldIdLst>
-  <p:sldSz cx="13004800" cy="9753600"/>
+  <p:sldSz cx="17340263" cy="9753600"/>
   <p:notesSz cx="6858000" cy="9144000"/>
   <p:defaultTextStyle>
     <a:defPPr marL="0" marR="0" indent="0" algn="l" defTabSz="914400" rtl="0" fontAlgn="auto" latinLnBrk="1" hangingPunct="0">
@@ -376,8 +376,8 @@
         </p:nvSpPr>
         <p:spPr>
           <a:xfrm>
-            <a:off x="1143000" y="685800"/>
-            <a:ext cx="4572000" cy="3429000"/>
+            <a:off x="381000" y="685800"/>
+            <a:ext cx="6096000" cy="3429000"/>
           </a:xfrm>
           <a:prstGeom prst="rect">
             <a:avLst/>
@@ -553,6 +553,10 @@
           </p:nvPr>
         </p:nvSpPr>
         <p:spPr>
+          <a:xfrm>
+            <a:off x="381000" y="685800"/>
+            <a:ext cx="6096000" cy="3429000"/>
+          </a:xfrm>
           <a:prstGeom prst="rect">
             <a:avLst/>
           </a:prstGeom>
@@ -636,6 +640,10 @@
           </p:nvPr>
         </p:nvSpPr>
         <p:spPr>
+          <a:xfrm>
+            <a:off x="381000" y="685800"/>
+            <a:ext cx="6096000" cy="3429000"/>
+          </a:xfrm>
           <a:prstGeom prst="rect">
             <a:avLst/>
           </a:prstGeom>
@@ -910,6 +918,10 @@
           </p:nvPr>
         </p:nvSpPr>
         <p:spPr>
+          <a:xfrm>
+            <a:off x="381000" y="685800"/>
+            <a:ext cx="6096000" cy="3429000"/>
+          </a:xfrm>
           <a:prstGeom prst="rect">
             <a:avLst/>
           </a:prstGeom>
@@ -996,6 +1008,10 @@
           </p:nvPr>
         </p:nvSpPr>
         <p:spPr>
+          <a:xfrm>
+            <a:off x="381000" y="685800"/>
+            <a:ext cx="6096000" cy="3429000"/>
+          </a:xfrm>
           <a:prstGeom prst="rect">
             <a:avLst/>
           </a:prstGeom>
@@ -1082,6 +1098,10 @@
           </p:nvPr>
         </p:nvSpPr>
         <p:spPr>
+          <a:xfrm>
+            <a:off x="381000" y="685800"/>
+            <a:ext cx="6096000" cy="3429000"/>
+          </a:xfrm>
           <a:prstGeom prst="rect">
             <a:avLst/>
           </a:prstGeom>
@@ -1182,6 +1202,10 @@
           </p:nvPr>
         </p:nvSpPr>
         <p:spPr>
+          <a:xfrm>
+            <a:off x="381000" y="685800"/>
+            <a:ext cx="6096000" cy="3429000"/>
+          </a:xfrm>
           <a:prstGeom prst="rect">
             <a:avLst/>
           </a:prstGeom>
@@ -1357,7 +1381,12 @@
             <p:ph type="sldImg"/>
           </p:nvPr>
         </p:nvSpPr>
-        <p:spPr/>
+        <p:spPr>
+          <a:xfrm>
+            <a:off x="381000" y="685800"/>
+            <a:ext cx="6096000" cy="3429000"/>
+          </a:xfrm>
+        </p:spPr>
       </p:sp>
       <p:sp>
         <p:nvSpPr>
@@ -1441,7 +1470,12 @@
             <p:ph type="sldImg"/>
           </p:nvPr>
         </p:nvSpPr>
-        <p:spPr/>
+        <p:spPr>
+          <a:xfrm>
+            <a:off x="381000" y="685800"/>
+            <a:ext cx="6096000" cy="3429000"/>
+          </a:xfrm>
+        </p:spPr>
       </p:sp>
       <p:sp>
         <p:nvSpPr>
@@ -1505,7 +1539,12 @@
             <p:ph type="sldImg"/>
           </p:nvPr>
         </p:nvSpPr>
-        <p:spPr/>
+        <p:spPr>
+          <a:xfrm>
+            <a:off x="381000" y="685800"/>
+            <a:ext cx="6096000" cy="3429000"/>
+          </a:xfrm>
+        </p:spPr>
       </p:sp>
       <p:sp>
         <p:nvSpPr>
@@ -1591,6 +1630,10 @@
           </p:nvPr>
         </p:nvSpPr>
         <p:spPr>
+          <a:xfrm>
+            <a:off x="381000" y="685800"/>
+            <a:ext cx="6096000" cy="3429000"/>
+          </a:xfrm>
           <a:prstGeom prst="rect">
             <a:avLst/>
           </a:prstGeom>
@@ -1679,6 +1722,10 @@
           </p:nvPr>
         </p:nvSpPr>
         <p:spPr>
+          <a:xfrm>
+            <a:off x="381000" y="685800"/>
+            <a:ext cx="6096000" cy="3429000"/>
+          </a:xfrm>
           <a:prstGeom prst="rect">
             <a:avLst/>
           </a:prstGeom>
@@ -1752,6 +1799,10 @@
           </p:nvPr>
         </p:nvSpPr>
         <p:spPr>
+          <a:xfrm>
+            <a:off x="381000" y="685800"/>
+            <a:ext cx="6096000" cy="3429000"/>
+          </a:xfrm>
           <a:prstGeom prst="rect">
             <a:avLst/>
           </a:prstGeom>
@@ -1865,6 +1916,10 @@
           </p:nvPr>
         </p:nvSpPr>
         <p:spPr>
+          <a:xfrm>
+            <a:off x="381000" y="685800"/>
+            <a:ext cx="6096000" cy="3429000"/>
+          </a:xfrm>
           <a:prstGeom prst="rect">
             <a:avLst/>
           </a:prstGeom>
@@ -1938,6 +1993,10 @@
           </p:nvPr>
         </p:nvSpPr>
         <p:spPr>
+          <a:xfrm>
+            <a:off x="381000" y="685800"/>
+            <a:ext cx="6096000" cy="3429000"/>
+          </a:xfrm>
           <a:prstGeom prst="rect">
             <a:avLst/>
           </a:prstGeom>
@@ -2096,6 +2155,10 @@
           </p:nvPr>
         </p:nvSpPr>
         <p:spPr>
+          <a:xfrm>
+            <a:off x="381000" y="685800"/>
+            <a:ext cx="6096000" cy="3429000"/>
+          </a:xfrm>
           <a:prstGeom prst="rect">
             <a:avLst/>
           </a:prstGeom>
@@ -2230,6 +2293,10 @@
           </p:nvPr>
         </p:nvSpPr>
         <p:spPr>
+          <a:xfrm>
+            <a:off x="381000" y="685800"/>
+            <a:ext cx="6096000" cy="3429000"/>
+          </a:xfrm>
           <a:prstGeom prst="rect">
             <a:avLst/>
           </a:prstGeom>
@@ -2314,6 +2381,10 @@
           </p:nvPr>
         </p:nvSpPr>
         <p:spPr>
+          <a:xfrm>
+            <a:off x="381000" y="685800"/>
+            <a:ext cx="6096000" cy="3429000"/>
+          </a:xfrm>
           <a:prstGeom prst="rect">
             <a:avLst/>
           </a:prstGeom>
@@ -2388,8 +2459,8 @@
         </p:nvSpPr>
         <p:spPr>
           <a:xfrm>
-            <a:off x="640714" y="7544460"/>
-            <a:ext cx="11717870" cy="339723"/>
+            <a:off x="854311" y="7544473"/>
+            <a:ext cx="15624304" cy="339723"/>
           </a:xfrm>
           <a:prstGeom prst="rect">
             <a:avLst/>
@@ -2398,8 +2469,8 @@
         <p:txBody>
           <a:bodyPr lIns="24383" tIns="24383" rIns="24383" bIns="24383"/>
           <a:lstStyle>
-            <a:lvl1pPr defTabSz="487228">
-              <a:defRPr sz="1992"/>
+            <a:lvl1pPr defTabSz="649767">
+              <a:defRPr sz="2656"/>
             </a:lvl1pPr>
           </a:lstStyle>
           <a:p>
@@ -2539,8 +2610,8 @@
         </p:nvSpPr>
         <p:spPr>
           <a:xfrm>
-            <a:off x="1296013" y="6912775"/>
-            <a:ext cx="10773362" cy="339723"/>
+            <a:off x="1728070" y="6912788"/>
+            <a:ext cx="14364921" cy="339723"/>
           </a:xfrm>
           <a:prstGeom prst="rect">
             <a:avLst/>
@@ -2549,8 +2620,8 @@
         <p:txBody>
           <a:bodyPr lIns="24383" tIns="24383" rIns="24383" bIns="24383"/>
           <a:lstStyle>
-            <a:lvl1pPr defTabSz="487228">
-              <a:defRPr sz="1992"/>
+            <a:lvl1pPr defTabSz="649767">
+              <a:defRPr sz="2656"/>
             </a:lvl1pPr>
           </a:lstStyle>
           <a:p>
@@ -2572,8 +2643,8 @@
         </p:nvSpPr>
         <p:spPr>
           <a:xfrm>
-            <a:off x="935425" y="3853792"/>
-            <a:ext cx="11133950" cy="2046016"/>
+            <a:off x="1247272" y="3853792"/>
+            <a:ext cx="14845720" cy="2046016"/>
           </a:xfrm>
           <a:prstGeom prst="rect">
             <a:avLst/>
@@ -2582,55 +2653,55 @@
         <p:txBody>
           <a:bodyPr/>
           <a:lstStyle>
-            <a:lvl1pPr marL="454345" indent="-334151" defTabSz="1733930">
+            <a:lvl1pPr marL="605916" indent="-445625" defTabSz="2312370">
               <a:lnSpc>
                 <a:spcPct val="90000"/>
               </a:lnSpc>
-              <a:defRPr sz="6000" b="0" spc="-119">
+              <a:defRPr sz="8000" b="0" spc="-159">
                 <a:latin typeface="Helvetica Neue Medium"/>
                 <a:ea typeface="Helvetica Neue Medium"/>
                 <a:cs typeface="Helvetica Neue Medium"/>
                 <a:sym typeface="Helvetica Neue Medium"/>
               </a:defRPr>
             </a:lvl1pPr>
-            <a:lvl2pPr marL="454345" indent="123048" defTabSz="1733930">
+            <a:lvl2pPr marL="605916" indent="164096" defTabSz="2312370">
               <a:lnSpc>
                 <a:spcPct val="90000"/>
               </a:lnSpc>
-              <a:defRPr sz="6000" b="0" spc="-119">
+              <a:defRPr sz="8000" b="0" spc="-159">
                 <a:latin typeface="Helvetica Neue Medium"/>
                 <a:ea typeface="Helvetica Neue Medium"/>
                 <a:cs typeface="Helvetica Neue Medium"/>
                 <a:sym typeface="Helvetica Neue Medium"/>
               </a:defRPr>
             </a:lvl2pPr>
-            <a:lvl3pPr marL="454345" indent="580248" defTabSz="1733930">
+            <a:lvl3pPr marL="605916" indent="773819" defTabSz="2312370">
               <a:lnSpc>
                 <a:spcPct val="90000"/>
               </a:lnSpc>
-              <a:defRPr sz="6000" b="0" spc="-119">
+              <a:defRPr sz="8000" b="0" spc="-159">
                 <a:latin typeface="Helvetica Neue Medium"/>
                 <a:ea typeface="Helvetica Neue Medium"/>
                 <a:cs typeface="Helvetica Neue Medium"/>
                 <a:sym typeface="Helvetica Neue Medium"/>
               </a:defRPr>
             </a:lvl3pPr>
-            <a:lvl4pPr marL="454345" indent="1037448" defTabSz="1733930">
+            <a:lvl4pPr marL="605916" indent="1383541" defTabSz="2312370">
               <a:lnSpc>
                 <a:spcPct val="90000"/>
               </a:lnSpc>
-              <a:defRPr sz="6000" b="0" spc="-119">
+              <a:defRPr sz="8000" b="0" spc="-159">
                 <a:latin typeface="Helvetica Neue Medium"/>
                 <a:ea typeface="Helvetica Neue Medium"/>
                 <a:cs typeface="Helvetica Neue Medium"/>
                 <a:sym typeface="Helvetica Neue Medium"/>
               </a:defRPr>
             </a:lvl4pPr>
-            <a:lvl5pPr marL="454345" indent="1494648" defTabSz="1733930">
+            <a:lvl5pPr marL="605916" indent="1993264" defTabSz="2312370">
               <a:lnSpc>
                 <a:spcPct val="90000"/>
               </a:lnSpc>
-              <a:defRPr sz="6000" b="0" spc="-119">
+              <a:defRPr sz="8000" b="0" spc="-159">
                 <a:latin typeface="Helvetica Neue Medium"/>
                 <a:ea typeface="Helvetica Neue Medium"/>
                 <a:cs typeface="Helvetica Neue Medium"/>
@@ -2725,8 +2796,8 @@
         </p:nvSpPr>
         <p:spPr>
           <a:xfrm>
-            <a:off x="8405707" y="1761066"/>
-            <a:ext cx="3967520" cy="3173162"/>
+            <a:off x="11207952" y="1761066"/>
+            <a:ext cx="5290188" cy="3173162"/>
           </a:xfrm>
           <a:prstGeom prst="rect">
             <a:avLst/>
@@ -2754,8 +2825,8 @@
         </p:nvSpPr>
         <p:spPr>
           <a:xfrm>
-            <a:off x="7200053" y="3340946"/>
-            <a:ext cx="5567681" cy="6480097"/>
+            <a:off x="9600373" y="3340959"/>
+            <a:ext cx="7423801" cy="6480097"/>
           </a:xfrm>
           <a:prstGeom prst="rect">
             <a:avLst/>
@@ -2783,8 +2854,8 @@
         </p:nvSpPr>
         <p:spPr>
           <a:xfrm>
-            <a:off x="-74508" y="1483359"/>
-            <a:ext cx="8859522" cy="6644641"/>
+            <a:off x="-99347" y="1483372"/>
+            <a:ext cx="11813057" cy="6644641"/>
           </a:xfrm>
           <a:prstGeom prst="rect">
             <a:avLst/>
@@ -2864,8 +2935,8 @@
         </p:nvSpPr>
         <p:spPr>
           <a:xfrm>
-            <a:off x="-711201" y="-1727201"/>
-            <a:ext cx="14427201" cy="11541762"/>
+            <a:off x="-948297" y="-1727201"/>
+            <a:ext cx="19236856" cy="11541762"/>
           </a:xfrm>
           <a:prstGeom prst="rect">
             <a:avLst/>
@@ -3011,8 +3082,8 @@
         </p:nvSpPr>
         <p:spPr>
           <a:xfrm>
-            <a:off x="575211" y="946009"/>
-            <a:ext cx="11535508" cy="3395698"/>
+            <a:off x="766973" y="946009"/>
+            <a:ext cx="15381147" cy="3395698"/>
           </a:xfrm>
         </p:spPr>
         <p:txBody>
@@ -3021,7 +3092,7 @@
           </a:bodyPr>
           <a:lstStyle>
             <a:lvl1pPr algn="l">
-              <a:defRPr sz="3413"/>
+              <a:defRPr sz="4551"/>
             </a:lvl1pPr>
           </a:lstStyle>
           <a:p>
@@ -3051,8 +3122,8 @@
         </p:nvSpPr>
         <p:spPr>
           <a:xfrm>
-            <a:off x="575211" y="4604911"/>
-            <a:ext cx="10803989" cy="2354862"/>
+            <a:off x="766980" y="4604911"/>
+            <a:ext cx="14405759" cy="2354862"/>
           </a:xfrm>
         </p:spPr>
         <p:txBody>
@@ -3062,42 +3133,42 @@
           <a:lstStyle>
             <a:lvl1pPr marL="0" indent="0" algn="l">
               <a:buNone/>
-              <a:defRPr sz="2987">
+              <a:defRPr sz="3983">
                 <a:latin typeface="Verdana" panose="020B0604030504040204" pitchFamily="34" charset="0"/>
                 <a:ea typeface="Verdana" panose="020B0604030504040204" pitchFamily="34" charset="0"/>
               </a:defRPr>
             </a:lvl1pPr>
-            <a:lvl2pPr marL="487695" indent="0" algn="ctr">
+            <a:lvl2pPr marL="650391" indent="0" algn="ctr">
               <a:buNone/>
-              <a:defRPr sz="2133"/>
+              <a:defRPr sz="2844"/>
             </a:lvl2pPr>
-            <a:lvl3pPr marL="975390" indent="0" algn="ctr">
+            <a:lvl3pPr marL="1300781" indent="0" algn="ctr">
               <a:buNone/>
-              <a:defRPr sz="1920"/>
+              <a:defRPr sz="2560"/>
             </a:lvl3pPr>
-            <a:lvl4pPr marL="1463086" indent="0" algn="ctr">
+            <a:lvl4pPr marL="1951172" indent="0" algn="ctr">
               <a:buNone/>
-              <a:defRPr sz="1707"/>
+              <a:defRPr sz="2276"/>
             </a:lvl4pPr>
-            <a:lvl5pPr marL="1950781" indent="0" algn="ctr">
+            <a:lvl5pPr marL="2601561" indent="0" algn="ctr">
               <a:buNone/>
-              <a:defRPr sz="1707"/>
+              <a:defRPr sz="2276"/>
             </a:lvl5pPr>
-            <a:lvl6pPr marL="2438476" indent="0" algn="ctr">
+            <a:lvl6pPr marL="3251952" indent="0" algn="ctr">
               <a:buNone/>
-              <a:defRPr sz="1707"/>
+              <a:defRPr sz="2276"/>
             </a:lvl6pPr>
-            <a:lvl7pPr marL="2926171" indent="0" algn="ctr">
+            <a:lvl7pPr marL="3902342" indent="0" algn="ctr">
               <a:buNone/>
-              <a:defRPr sz="1707"/>
+              <a:defRPr sz="2276"/>
             </a:lvl7pPr>
-            <a:lvl8pPr marL="3413867" indent="0" algn="ctr">
+            <a:lvl8pPr marL="4552734" indent="0" algn="ctr">
               <a:buNone/>
-              <a:defRPr sz="1707"/>
+              <a:defRPr sz="2276"/>
             </a:lvl8pPr>
-            <a:lvl9pPr marL="3901562" indent="0" algn="ctr">
+            <a:lvl9pPr marL="5203123" indent="0" algn="ctr">
               <a:buNone/>
-              <a:defRPr sz="1707"/>
+              <a:defRPr sz="2276"/>
             </a:lvl9pPr>
           </a:lstStyle>
           <a:p>
@@ -3132,7 +3203,7 @@
           <a:p>
             <a:fld id="{5D2A64DE-480B-420F-9649-4F8E696E08E0}" type="datetime1">
               <a:rPr lang="en-US" smtClean="0"/>
-              <a:t>4/2/2022</a:t>
+              <a:t>4/3/2022</a:t>
             </a:fld>
             <a:endParaRPr lang="en-US"/>
           </a:p>
@@ -3206,8 +3277,8 @@
         </p:nvCxnSpPr>
         <p:spPr>
           <a:xfrm>
-            <a:off x="575211" y="4345994"/>
-            <a:ext cx="11535508" cy="0"/>
+            <a:off x="766973" y="4345994"/>
+            <a:ext cx="15381147" cy="0"/>
           </a:xfrm>
           <a:prstGeom prst="line">
             <a:avLst/>
@@ -3276,8 +3347,8 @@
         </p:nvSpPr>
         <p:spPr>
           <a:xfrm>
-            <a:off x="894080" y="25963"/>
-            <a:ext cx="11216640" cy="1885245"/>
+            <a:off x="1192143" y="25969"/>
+            <a:ext cx="14955977" cy="1885245"/>
           </a:xfrm>
         </p:spPr>
         <p:txBody>
@@ -3286,7 +3357,7 @@
           </a:bodyPr>
           <a:lstStyle>
             <a:lvl1pPr>
-              <a:defRPr sz="3840"/>
+              <a:defRPr sz="5120"/>
             </a:lvl1pPr>
           </a:lstStyle>
           <a:p>
@@ -3316,8 +3387,8 @@
         </p:nvSpPr>
         <p:spPr>
           <a:xfrm>
-            <a:off x="894080" y="2133561"/>
-            <a:ext cx="8413169" cy="6188570"/>
+            <a:off x="1192152" y="2133561"/>
+            <a:ext cx="11217901" cy="6188570"/>
           </a:xfrm>
         </p:spPr>
         <p:txBody>
@@ -3384,7 +3455,7 @@
           <a:p>
             <a:fld id="{07C7BFD4-467E-4EDE-93EA-052F5B39A4E5}" type="datetime1">
               <a:rPr lang="en-US" smtClean="0"/>
-              <a:t>4/2/2022</a:t>
+              <a:t>4/3/2022</a:t>
             </a:fld>
             <a:endParaRPr lang="en-US"/>
           </a:p>
@@ -3458,8 +3529,8 @@
         </p:nvCxnSpPr>
         <p:spPr>
           <a:xfrm>
-            <a:off x="894080" y="2032438"/>
-            <a:ext cx="11216640" cy="0"/>
+            <a:off x="1192143" y="2032438"/>
+            <a:ext cx="14955977" cy="0"/>
           </a:xfrm>
           <a:prstGeom prst="line">
             <a:avLst/>
@@ -3528,8 +3599,8 @@
         </p:nvSpPr>
         <p:spPr>
           <a:xfrm>
-            <a:off x="887307" y="2431628"/>
-            <a:ext cx="11216640" cy="4057226"/>
+            <a:off x="1183112" y="2431628"/>
+            <a:ext cx="14955977" cy="4057226"/>
           </a:xfrm>
         </p:spPr>
         <p:txBody>
@@ -3538,7 +3609,7 @@
           </a:bodyPr>
           <a:lstStyle>
             <a:lvl1pPr>
-              <a:defRPr sz="4693"/>
+              <a:defRPr sz="6259"/>
             </a:lvl1pPr>
           </a:lstStyle>
           <a:p>
@@ -3568,14 +3639,34 @@
         </p:nvSpPr>
         <p:spPr>
           <a:xfrm>
-            <a:off x="887307" y="6527237"/>
-            <a:ext cx="11216640" cy="2133599"/>
+            <a:off x="1183112" y="6527247"/>
+            <a:ext cx="14955977" cy="2133599"/>
           </a:xfrm>
         </p:spPr>
         <p:txBody>
           <a:bodyPr/>
           <a:lstStyle>
             <a:lvl1pPr marL="0" indent="0">
+              <a:buNone/>
+              <a:defRPr sz="3415">
+                <a:solidFill>
+                  <a:schemeClr val="tx1">
+                    <a:tint val="75000"/>
+                  </a:schemeClr>
+                </a:solidFill>
+              </a:defRPr>
+            </a:lvl1pPr>
+            <a:lvl2pPr marL="650391" indent="0">
+              <a:buNone/>
+              <a:defRPr sz="2844">
+                <a:solidFill>
+                  <a:schemeClr val="tx1">
+                    <a:tint val="75000"/>
+                  </a:schemeClr>
+                </a:solidFill>
+              </a:defRPr>
+            </a:lvl2pPr>
+            <a:lvl3pPr marL="1300781" indent="0">
               <a:buNone/>
               <a:defRPr sz="2560">
                 <a:solidFill>
@@ -3584,30 +3675,10 @@
                   </a:schemeClr>
                 </a:solidFill>
               </a:defRPr>
-            </a:lvl1pPr>
-            <a:lvl2pPr marL="487695" indent="0">
+            </a:lvl3pPr>
+            <a:lvl4pPr marL="1951172" indent="0">
               <a:buNone/>
-              <a:defRPr sz="2133">
-                <a:solidFill>
-                  <a:schemeClr val="tx1">
-                    <a:tint val="75000"/>
-                  </a:schemeClr>
-                </a:solidFill>
-              </a:defRPr>
-            </a:lvl2pPr>
-            <a:lvl3pPr marL="975390" indent="0">
-              <a:buNone/>
-              <a:defRPr sz="1920">
-                <a:solidFill>
-                  <a:schemeClr val="tx1">
-                    <a:tint val="75000"/>
-                  </a:schemeClr>
-                </a:solidFill>
-              </a:defRPr>
-            </a:lvl3pPr>
-            <a:lvl4pPr marL="1463086" indent="0">
-              <a:buNone/>
-              <a:defRPr sz="1707">
+              <a:defRPr sz="2276">
                 <a:solidFill>
                   <a:schemeClr val="tx1">
                     <a:tint val="75000"/>
@@ -3615,9 +3686,9 @@
                 </a:solidFill>
               </a:defRPr>
             </a:lvl4pPr>
-            <a:lvl5pPr marL="1950781" indent="0">
+            <a:lvl5pPr marL="2601561" indent="0">
               <a:buNone/>
-              <a:defRPr sz="1707">
+              <a:defRPr sz="2276">
                 <a:solidFill>
                   <a:schemeClr val="tx1">
                     <a:tint val="75000"/>
@@ -3625,9 +3696,9 @@
                 </a:solidFill>
               </a:defRPr>
             </a:lvl5pPr>
-            <a:lvl6pPr marL="2438476" indent="0">
+            <a:lvl6pPr marL="3251952" indent="0">
               <a:buNone/>
-              <a:defRPr sz="1707">
+              <a:defRPr sz="2276">
                 <a:solidFill>
                   <a:schemeClr val="tx1">
                     <a:tint val="75000"/>
@@ -3635,9 +3706,9 @@
                 </a:solidFill>
               </a:defRPr>
             </a:lvl6pPr>
-            <a:lvl7pPr marL="2926171" indent="0">
+            <a:lvl7pPr marL="3902342" indent="0">
               <a:buNone/>
-              <a:defRPr sz="1707">
+              <a:defRPr sz="2276">
                 <a:solidFill>
                   <a:schemeClr val="tx1">
                     <a:tint val="75000"/>
@@ -3645,9 +3716,9 @@
                 </a:solidFill>
               </a:defRPr>
             </a:lvl7pPr>
-            <a:lvl8pPr marL="3413867" indent="0">
+            <a:lvl8pPr marL="4552734" indent="0">
               <a:buNone/>
-              <a:defRPr sz="1707">
+              <a:defRPr sz="2276">
                 <a:solidFill>
                   <a:schemeClr val="tx1">
                     <a:tint val="75000"/>
@@ -3655,9 +3726,9 @@
                 </a:solidFill>
               </a:defRPr>
             </a:lvl8pPr>
-            <a:lvl9pPr marL="3901562" indent="0">
+            <a:lvl9pPr marL="5203123" indent="0">
               <a:buNone/>
-              <a:defRPr sz="1707">
+              <a:defRPr sz="2276">
                 <a:solidFill>
                   <a:schemeClr val="tx1">
                     <a:tint val="75000"/>
@@ -3698,7 +3769,7 @@
           <a:p>
             <a:fld id="{A533CBE2-D5BE-47AC-ADC2-9CDFC1D0CF90}" type="datetime1">
               <a:rPr lang="en-US" smtClean="0"/>
-              <a:t>4/2/2022</a:t>
+              <a:t>4/3/2022</a:t>
             </a:fld>
             <a:endParaRPr lang="en-US"/>
           </a:p>
@@ -3772,8 +3843,8 @@
         </p:nvCxnSpPr>
         <p:spPr>
           <a:xfrm>
-            <a:off x="887307" y="6488853"/>
-            <a:ext cx="11223413" cy="0"/>
+            <a:off x="1183114" y="6488853"/>
+            <a:ext cx="14965008" cy="0"/>
           </a:xfrm>
           <a:prstGeom prst="line">
             <a:avLst/>
@@ -3871,8 +3942,8 @@
         </p:nvSpPr>
         <p:spPr>
           <a:xfrm>
-            <a:off x="894080" y="2596444"/>
-            <a:ext cx="5527040" cy="6188570"/>
+            <a:off x="1192143" y="2596444"/>
+            <a:ext cx="7369612" cy="6188570"/>
           </a:xfrm>
         </p:spPr>
         <p:txBody>
@@ -3934,8 +4005,8 @@
         </p:nvSpPr>
         <p:spPr>
           <a:xfrm>
-            <a:off x="6583680" y="2596444"/>
-            <a:ext cx="5527040" cy="6188570"/>
+            <a:off x="8778508" y="2596444"/>
+            <a:ext cx="7369612" cy="6188570"/>
           </a:xfrm>
         </p:spPr>
         <p:txBody>
@@ -4001,7 +4072,7 @@
           <a:p>
             <a:fld id="{39B7EDB1-CE74-4951-85A2-0B01C2128E28}" type="datetime1">
               <a:rPr lang="en-US" smtClean="0"/>
-              <a:t>4/2/2022</a:t>
+              <a:t>4/3/2022</a:t>
             </a:fld>
             <a:endParaRPr lang="en-US"/>
           </a:p>
@@ -4075,8 +4146,8 @@
         </p:nvCxnSpPr>
         <p:spPr>
           <a:xfrm>
-            <a:off x="894080" y="2404534"/>
-            <a:ext cx="11216640" cy="0"/>
+            <a:off x="1192143" y="2404534"/>
+            <a:ext cx="14955977" cy="0"/>
           </a:xfrm>
           <a:prstGeom prst="line">
             <a:avLst/>
@@ -4145,8 +4216,8 @@
         </p:nvSpPr>
         <p:spPr>
           <a:xfrm>
-            <a:off x="895774" y="519290"/>
-            <a:ext cx="11216640" cy="1885245"/>
+            <a:off x="1194403" y="519303"/>
+            <a:ext cx="14955977" cy="1885245"/>
           </a:xfrm>
         </p:spPr>
         <p:txBody>
@@ -4179,8 +4250,8 @@
         </p:nvSpPr>
         <p:spPr>
           <a:xfrm>
-            <a:off x="895775" y="2390987"/>
-            <a:ext cx="5501639" cy="1171786"/>
+            <a:off x="1194412" y="2390987"/>
+            <a:ext cx="7335743" cy="1171786"/>
           </a:xfrm>
         </p:spPr>
         <p:txBody>
@@ -4188,39 +4259,39 @@
           <a:lstStyle>
             <a:lvl1pPr marL="0" indent="0">
               <a:buNone/>
+              <a:defRPr sz="3415" b="1"/>
+            </a:lvl1pPr>
+            <a:lvl2pPr marL="650391" indent="0">
+              <a:buNone/>
+              <a:defRPr sz="2844" b="1"/>
+            </a:lvl2pPr>
+            <a:lvl3pPr marL="1300781" indent="0">
+              <a:buNone/>
               <a:defRPr sz="2560" b="1"/>
-            </a:lvl1pPr>
-            <a:lvl2pPr marL="487695" indent="0">
+            </a:lvl3pPr>
+            <a:lvl4pPr marL="1951172" indent="0">
               <a:buNone/>
-              <a:defRPr sz="2133" b="1"/>
-            </a:lvl2pPr>
-            <a:lvl3pPr marL="975390" indent="0">
+              <a:defRPr sz="2276" b="1"/>
+            </a:lvl4pPr>
+            <a:lvl5pPr marL="2601561" indent="0">
               <a:buNone/>
-              <a:defRPr sz="1920" b="1"/>
-            </a:lvl3pPr>
-            <a:lvl4pPr marL="1463086" indent="0">
+              <a:defRPr sz="2276" b="1"/>
+            </a:lvl5pPr>
+            <a:lvl6pPr marL="3251952" indent="0">
               <a:buNone/>
-              <a:defRPr sz="1707" b="1"/>
-            </a:lvl4pPr>
-            <a:lvl5pPr marL="1950781" indent="0">
+              <a:defRPr sz="2276" b="1"/>
+            </a:lvl6pPr>
+            <a:lvl7pPr marL="3902342" indent="0">
               <a:buNone/>
-              <a:defRPr sz="1707" b="1"/>
-            </a:lvl5pPr>
-            <a:lvl6pPr marL="2438476" indent="0">
+              <a:defRPr sz="2276" b="1"/>
+            </a:lvl7pPr>
+            <a:lvl8pPr marL="4552734" indent="0">
               <a:buNone/>
-              <a:defRPr sz="1707" b="1"/>
-            </a:lvl6pPr>
-            <a:lvl7pPr marL="2926171" indent="0">
+              <a:defRPr sz="2276" b="1"/>
+            </a:lvl8pPr>
+            <a:lvl9pPr marL="5203123" indent="0">
               <a:buNone/>
-              <a:defRPr sz="1707" b="1"/>
-            </a:lvl7pPr>
-            <a:lvl8pPr marL="3413867" indent="0">
-              <a:buNone/>
-              <a:defRPr sz="1707" b="1"/>
-            </a:lvl8pPr>
-            <a:lvl9pPr marL="3901562" indent="0">
-              <a:buNone/>
-              <a:defRPr sz="1707" b="1"/>
+              <a:defRPr sz="2276" b="1"/>
             </a:lvl9pPr>
           </a:lstStyle>
           <a:p>
@@ -4250,8 +4321,8 @@
         </p:nvSpPr>
         <p:spPr>
           <a:xfrm>
-            <a:off x="895775" y="3562773"/>
-            <a:ext cx="5501639" cy="5240303"/>
+            <a:off x="1194412" y="3562778"/>
+            <a:ext cx="7335743" cy="5240303"/>
           </a:xfrm>
         </p:spPr>
         <p:txBody>
@@ -4312,8 +4383,8 @@
         </p:nvSpPr>
         <p:spPr>
           <a:xfrm>
-            <a:off x="6583680" y="2390987"/>
-            <a:ext cx="5528734" cy="1171786"/>
+            <a:off x="8778508" y="2390987"/>
+            <a:ext cx="7371871" cy="1171786"/>
           </a:xfrm>
         </p:spPr>
         <p:txBody>
@@ -4321,39 +4392,39 @@
           <a:lstStyle>
             <a:lvl1pPr marL="0" indent="0">
               <a:buNone/>
+              <a:defRPr sz="3415" b="1"/>
+            </a:lvl1pPr>
+            <a:lvl2pPr marL="650391" indent="0">
+              <a:buNone/>
+              <a:defRPr sz="2844" b="1"/>
+            </a:lvl2pPr>
+            <a:lvl3pPr marL="1300781" indent="0">
+              <a:buNone/>
               <a:defRPr sz="2560" b="1"/>
-            </a:lvl1pPr>
-            <a:lvl2pPr marL="487695" indent="0">
+            </a:lvl3pPr>
+            <a:lvl4pPr marL="1951172" indent="0">
               <a:buNone/>
-              <a:defRPr sz="2133" b="1"/>
-            </a:lvl2pPr>
-            <a:lvl3pPr marL="975390" indent="0">
+              <a:defRPr sz="2276" b="1"/>
+            </a:lvl4pPr>
+            <a:lvl5pPr marL="2601561" indent="0">
               <a:buNone/>
-              <a:defRPr sz="1920" b="1"/>
-            </a:lvl3pPr>
-            <a:lvl4pPr marL="1463086" indent="0">
+              <a:defRPr sz="2276" b="1"/>
+            </a:lvl5pPr>
+            <a:lvl6pPr marL="3251952" indent="0">
               <a:buNone/>
-              <a:defRPr sz="1707" b="1"/>
-            </a:lvl4pPr>
-            <a:lvl5pPr marL="1950781" indent="0">
+              <a:defRPr sz="2276" b="1"/>
+            </a:lvl6pPr>
+            <a:lvl7pPr marL="3902342" indent="0">
               <a:buNone/>
-              <a:defRPr sz="1707" b="1"/>
-            </a:lvl5pPr>
-            <a:lvl6pPr marL="2438476" indent="0">
+              <a:defRPr sz="2276" b="1"/>
+            </a:lvl7pPr>
+            <a:lvl8pPr marL="4552734" indent="0">
               <a:buNone/>
-              <a:defRPr sz="1707" b="1"/>
-            </a:lvl6pPr>
-            <a:lvl7pPr marL="2926171" indent="0">
+              <a:defRPr sz="2276" b="1"/>
+            </a:lvl8pPr>
+            <a:lvl9pPr marL="5203123" indent="0">
               <a:buNone/>
-              <a:defRPr sz="1707" b="1"/>
-            </a:lvl7pPr>
-            <a:lvl8pPr marL="3413867" indent="0">
-              <a:buNone/>
-              <a:defRPr sz="1707" b="1"/>
-            </a:lvl8pPr>
-            <a:lvl9pPr marL="3901562" indent="0">
-              <a:buNone/>
-              <a:defRPr sz="1707" b="1"/>
+              <a:defRPr sz="2276" b="1"/>
             </a:lvl9pPr>
           </a:lstStyle>
           <a:p>
@@ -4383,8 +4454,8 @@
         </p:nvSpPr>
         <p:spPr>
           <a:xfrm>
-            <a:off x="6583680" y="3562773"/>
-            <a:ext cx="5528734" cy="5240303"/>
+            <a:off x="8778508" y="3562778"/>
+            <a:ext cx="7371871" cy="5240303"/>
           </a:xfrm>
         </p:spPr>
         <p:txBody>
@@ -4450,7 +4521,7 @@
           <a:p>
             <a:fld id="{2BC7EB92-A5C2-4807-A9DC-9EDE6CBFB241}" type="datetime1">
               <a:rPr lang="en-US" smtClean="0"/>
-              <a:t>4/2/2022</a:t>
+              <a:t>4/3/2022</a:t>
             </a:fld>
             <a:endParaRPr lang="en-US"/>
           </a:p>
@@ -4558,8 +4629,8 @@
         </p:nvSpPr>
         <p:spPr>
           <a:xfrm>
-            <a:off x="894080" y="1"/>
-            <a:ext cx="11216640" cy="1885245"/>
+            <a:off x="1192143" y="14"/>
+            <a:ext cx="14955977" cy="1885245"/>
           </a:xfrm>
         </p:spPr>
         <p:txBody>
@@ -4597,7 +4668,7 @@
           <a:p>
             <a:fld id="{109E55A0-C911-4F03-82FC-7E5926047D46}" type="datetime1">
               <a:rPr lang="en-US" smtClean="0"/>
-              <a:t>4/2/2022</a:t>
+              <a:t>4/3/2022</a:t>
             </a:fld>
             <a:endParaRPr lang="en-US"/>
           </a:p>
@@ -4671,8 +4742,8 @@
         </p:nvCxnSpPr>
         <p:spPr>
           <a:xfrm>
-            <a:off x="894080" y="1885245"/>
-            <a:ext cx="11216640" cy="0"/>
+            <a:off x="1192143" y="1885245"/>
+            <a:ext cx="14955977" cy="0"/>
           </a:xfrm>
           <a:prstGeom prst="line">
             <a:avLst/>
@@ -4735,8 +4806,8 @@
         </p:nvSpPr>
         <p:spPr>
           <a:xfrm>
-            <a:off x="-616374" y="528319"/>
-            <a:ext cx="14264642" cy="8543433"/>
+            <a:off x="-821857" y="528332"/>
+            <a:ext cx="19020104" cy="8543433"/>
           </a:xfrm>
           <a:prstGeom prst="rect">
             <a:avLst/>
@@ -4764,8 +4835,8 @@
         </p:nvSpPr>
         <p:spPr>
           <a:xfrm>
-            <a:off x="643466" y="5019040"/>
-            <a:ext cx="11717868" cy="2479041"/>
+            <a:off x="857981" y="5019053"/>
+            <a:ext cx="15624301" cy="2479041"/>
           </a:xfrm>
           <a:prstGeom prst="rect">
             <a:avLst/>
@@ -4793,8 +4864,8 @@
         </p:nvSpPr>
         <p:spPr>
           <a:xfrm>
-            <a:off x="644101" y="1809140"/>
-            <a:ext cx="11716599" cy="339722"/>
+            <a:off x="858836" y="1809140"/>
+            <a:ext cx="15622609" cy="339722"/>
           </a:xfrm>
           <a:prstGeom prst="rect">
             <a:avLst/>
@@ -4803,8 +4874,8 @@
         <p:txBody>
           <a:bodyPr lIns="24383" tIns="24383" rIns="24383" bIns="24383"/>
           <a:lstStyle>
-            <a:lvl1pPr defTabSz="487228">
-              <a:defRPr sz="1992"/>
+            <a:lvl1pPr defTabSz="649767">
+              <a:defRPr sz="2656"/>
             </a:lvl1pPr>
           </a:lstStyle>
           <a:p>
@@ -4826,8 +4897,8 @@
         </p:nvSpPr>
         <p:spPr>
           <a:xfrm>
-            <a:off x="643466" y="7411152"/>
-            <a:ext cx="11717868" cy="595708"/>
+            <a:off x="857981" y="7411152"/>
+            <a:ext cx="15624301" cy="595708"/>
           </a:xfrm>
           <a:prstGeom prst="rect">
             <a:avLst/>
@@ -4934,7 +5005,7 @@
           <a:p>
             <a:fld id="{2B7B7EE0-7771-4CD5-9B2B-3550753A54A1}" type="datetime1">
               <a:rPr lang="en-US" smtClean="0"/>
-              <a:t>4/2/2022</a:t>
+              <a:t>4/3/2022</a:t>
             </a:fld>
             <a:endParaRPr lang="en-US"/>
           </a:p>
@@ -5042,15 +5113,15 @@
         </p:nvSpPr>
         <p:spPr>
           <a:xfrm>
-            <a:off x="895774" y="650240"/>
-            <a:ext cx="4194386" cy="2275840"/>
+            <a:off x="1194402" y="650240"/>
+            <a:ext cx="5592685" cy="2275840"/>
           </a:xfrm>
         </p:spPr>
         <p:txBody>
           <a:bodyPr anchor="b"/>
           <a:lstStyle>
             <a:lvl1pPr>
-              <a:defRPr sz="3413"/>
+              <a:defRPr sz="4551"/>
             </a:lvl1pPr>
           </a:lstStyle>
           <a:p>
@@ -5079,39 +5150,39 @@
         </p:nvSpPr>
         <p:spPr>
           <a:xfrm>
-            <a:off x="5528734" y="1404338"/>
-            <a:ext cx="6583680" cy="6931378"/>
+            <a:off x="7371871" y="1404338"/>
+            <a:ext cx="8778508" cy="6931378"/>
           </a:xfrm>
         </p:spPr>
         <p:txBody>
           <a:bodyPr/>
           <a:lstStyle>
             <a:lvl1pPr>
-              <a:defRPr sz="3413"/>
+              <a:defRPr sz="4551"/>
             </a:lvl1pPr>
             <a:lvl2pPr>
-              <a:defRPr sz="2987"/>
+              <a:defRPr sz="3983"/>
             </a:lvl2pPr>
             <a:lvl3pPr>
-              <a:defRPr sz="2560"/>
+              <a:defRPr sz="3415"/>
             </a:lvl3pPr>
             <a:lvl4pPr>
-              <a:defRPr sz="2133"/>
+              <a:defRPr sz="2844"/>
             </a:lvl4pPr>
             <a:lvl5pPr>
-              <a:defRPr sz="2133"/>
+              <a:defRPr sz="2844"/>
             </a:lvl5pPr>
             <a:lvl6pPr>
-              <a:defRPr sz="2133"/>
+              <a:defRPr sz="2844"/>
             </a:lvl6pPr>
             <a:lvl7pPr>
-              <a:defRPr sz="2133"/>
+              <a:defRPr sz="2844"/>
             </a:lvl7pPr>
             <a:lvl8pPr>
-              <a:defRPr sz="2133"/>
+              <a:defRPr sz="2844"/>
             </a:lvl8pPr>
             <a:lvl9pPr>
-              <a:defRPr sz="2133"/>
+              <a:defRPr sz="2844"/>
             </a:lvl9pPr>
           </a:lstStyle>
           <a:p>
@@ -5169,8 +5240,8 @@
         </p:nvSpPr>
         <p:spPr>
           <a:xfrm>
-            <a:off x="895774" y="2926080"/>
-            <a:ext cx="4194386" cy="5420925"/>
+            <a:off x="1194402" y="2926085"/>
+            <a:ext cx="5592685" cy="5420925"/>
           </a:xfrm>
         </p:spPr>
         <p:txBody>
@@ -5178,39 +5249,39 @@
           <a:lstStyle>
             <a:lvl1pPr marL="0" indent="0">
               <a:buNone/>
+              <a:defRPr sz="2276"/>
+            </a:lvl1pPr>
+            <a:lvl2pPr marL="650391" indent="0">
+              <a:buNone/>
+              <a:defRPr sz="1991"/>
+            </a:lvl2pPr>
+            <a:lvl3pPr marL="1300781" indent="0">
+              <a:buNone/>
               <a:defRPr sz="1707"/>
-            </a:lvl1pPr>
-            <a:lvl2pPr marL="487695" indent="0">
+            </a:lvl3pPr>
+            <a:lvl4pPr marL="1951172" indent="0">
               <a:buNone/>
-              <a:defRPr sz="1493"/>
-            </a:lvl2pPr>
-            <a:lvl3pPr marL="975390" indent="0">
+              <a:defRPr sz="1423"/>
+            </a:lvl4pPr>
+            <a:lvl5pPr marL="2601561" indent="0">
               <a:buNone/>
-              <a:defRPr sz="1280"/>
-            </a:lvl3pPr>
-            <a:lvl4pPr marL="1463086" indent="0">
+              <a:defRPr sz="1423"/>
+            </a:lvl5pPr>
+            <a:lvl6pPr marL="3251952" indent="0">
               <a:buNone/>
-              <a:defRPr sz="1067"/>
-            </a:lvl4pPr>
-            <a:lvl5pPr marL="1950781" indent="0">
+              <a:defRPr sz="1423"/>
+            </a:lvl6pPr>
+            <a:lvl7pPr marL="3902342" indent="0">
               <a:buNone/>
-              <a:defRPr sz="1067"/>
-            </a:lvl5pPr>
-            <a:lvl6pPr marL="2438476" indent="0">
+              <a:defRPr sz="1423"/>
+            </a:lvl7pPr>
+            <a:lvl8pPr marL="4552734" indent="0">
               <a:buNone/>
-              <a:defRPr sz="1067"/>
-            </a:lvl6pPr>
-            <a:lvl7pPr marL="2926171" indent="0">
+              <a:defRPr sz="1423"/>
+            </a:lvl8pPr>
+            <a:lvl9pPr marL="5203123" indent="0">
               <a:buNone/>
-              <a:defRPr sz="1067"/>
-            </a:lvl7pPr>
-            <a:lvl8pPr marL="3413867" indent="0">
-              <a:buNone/>
-              <a:defRPr sz="1067"/>
-            </a:lvl8pPr>
-            <a:lvl9pPr marL="3901562" indent="0">
-              <a:buNone/>
-              <a:defRPr sz="1067"/>
+              <a:defRPr sz="1423"/>
             </a:lvl9pPr>
           </a:lstStyle>
           <a:p>
@@ -5245,7 +5316,7 @@
           <a:p>
             <a:fld id="{F8B318B3-0E87-4416-A9B8-D891968C2727}" type="datetime1">
               <a:rPr lang="en-US" smtClean="0"/>
-              <a:t>4/2/2022</a:t>
+              <a:t>4/3/2022</a:t>
             </a:fld>
             <a:endParaRPr lang="en-US"/>
           </a:p>
@@ -5353,15 +5424,15 @@
         </p:nvSpPr>
         <p:spPr>
           <a:xfrm>
-            <a:off x="895774" y="650240"/>
-            <a:ext cx="4194386" cy="2275840"/>
+            <a:off x="1194402" y="650240"/>
+            <a:ext cx="5592685" cy="2275840"/>
           </a:xfrm>
         </p:spPr>
         <p:txBody>
           <a:bodyPr anchor="b"/>
           <a:lstStyle>
             <a:lvl1pPr>
-              <a:defRPr sz="3413"/>
+              <a:defRPr sz="4551"/>
             </a:lvl1pPr>
           </a:lstStyle>
           <a:p>
@@ -5390,8 +5461,8 @@
         </p:nvSpPr>
         <p:spPr>
           <a:xfrm>
-            <a:off x="5528734" y="1404338"/>
-            <a:ext cx="6583680" cy="6931378"/>
+            <a:off x="7371871" y="1404338"/>
+            <a:ext cx="8778508" cy="6931378"/>
           </a:xfrm>
         </p:spPr>
         <p:txBody>
@@ -5399,39 +5470,39 @@
           <a:lstStyle>
             <a:lvl1pPr marL="0" indent="0">
               <a:buNone/>
-              <a:defRPr sz="3413"/>
+              <a:defRPr sz="4551"/>
             </a:lvl1pPr>
-            <a:lvl2pPr marL="487695" indent="0">
+            <a:lvl2pPr marL="650391" indent="0">
               <a:buNone/>
-              <a:defRPr sz="2987"/>
+              <a:defRPr sz="3983"/>
             </a:lvl2pPr>
-            <a:lvl3pPr marL="975390" indent="0">
+            <a:lvl3pPr marL="1300781" indent="0">
               <a:buNone/>
-              <a:defRPr sz="2560"/>
+              <a:defRPr sz="3415"/>
             </a:lvl3pPr>
-            <a:lvl4pPr marL="1463086" indent="0">
+            <a:lvl4pPr marL="1951172" indent="0">
               <a:buNone/>
-              <a:defRPr sz="2133"/>
+              <a:defRPr sz="2844"/>
             </a:lvl4pPr>
-            <a:lvl5pPr marL="1950781" indent="0">
+            <a:lvl5pPr marL="2601561" indent="0">
               <a:buNone/>
-              <a:defRPr sz="2133"/>
+              <a:defRPr sz="2844"/>
             </a:lvl5pPr>
-            <a:lvl6pPr marL="2438476" indent="0">
+            <a:lvl6pPr marL="3251952" indent="0">
               <a:buNone/>
-              <a:defRPr sz="2133"/>
+              <a:defRPr sz="2844"/>
             </a:lvl6pPr>
-            <a:lvl7pPr marL="2926171" indent="0">
+            <a:lvl7pPr marL="3902342" indent="0">
               <a:buNone/>
-              <a:defRPr sz="2133"/>
+              <a:defRPr sz="2844"/>
             </a:lvl7pPr>
-            <a:lvl8pPr marL="3413867" indent="0">
+            <a:lvl8pPr marL="4552734" indent="0">
               <a:buNone/>
-              <a:defRPr sz="2133"/>
+              <a:defRPr sz="2844"/>
             </a:lvl8pPr>
-            <a:lvl9pPr marL="3901562" indent="0">
+            <a:lvl9pPr marL="5203123" indent="0">
               <a:buNone/>
-              <a:defRPr sz="2133"/>
+              <a:defRPr sz="2844"/>
             </a:lvl9pPr>
           </a:lstStyle>
           <a:p>
@@ -5460,8 +5531,8 @@
         </p:nvSpPr>
         <p:spPr>
           <a:xfrm>
-            <a:off x="895774" y="2926080"/>
-            <a:ext cx="4194386" cy="5420925"/>
+            <a:off x="1194402" y="2926085"/>
+            <a:ext cx="5592685" cy="5420925"/>
           </a:xfrm>
         </p:spPr>
         <p:txBody>
@@ -5469,39 +5540,39 @@
           <a:lstStyle>
             <a:lvl1pPr marL="0" indent="0">
               <a:buNone/>
+              <a:defRPr sz="2276"/>
+            </a:lvl1pPr>
+            <a:lvl2pPr marL="650391" indent="0">
+              <a:buNone/>
+              <a:defRPr sz="1991"/>
+            </a:lvl2pPr>
+            <a:lvl3pPr marL="1300781" indent="0">
+              <a:buNone/>
               <a:defRPr sz="1707"/>
-            </a:lvl1pPr>
-            <a:lvl2pPr marL="487695" indent="0">
+            </a:lvl3pPr>
+            <a:lvl4pPr marL="1951172" indent="0">
               <a:buNone/>
-              <a:defRPr sz="1493"/>
-            </a:lvl2pPr>
-            <a:lvl3pPr marL="975390" indent="0">
+              <a:defRPr sz="1423"/>
+            </a:lvl4pPr>
+            <a:lvl5pPr marL="2601561" indent="0">
               <a:buNone/>
-              <a:defRPr sz="1280"/>
-            </a:lvl3pPr>
-            <a:lvl4pPr marL="1463086" indent="0">
+              <a:defRPr sz="1423"/>
+            </a:lvl5pPr>
+            <a:lvl6pPr marL="3251952" indent="0">
               <a:buNone/>
-              <a:defRPr sz="1067"/>
-            </a:lvl4pPr>
-            <a:lvl5pPr marL="1950781" indent="0">
+              <a:defRPr sz="1423"/>
+            </a:lvl6pPr>
+            <a:lvl7pPr marL="3902342" indent="0">
               <a:buNone/>
-              <a:defRPr sz="1067"/>
-            </a:lvl5pPr>
-            <a:lvl6pPr marL="2438476" indent="0">
+              <a:defRPr sz="1423"/>
+            </a:lvl7pPr>
+            <a:lvl8pPr marL="4552734" indent="0">
               <a:buNone/>
-              <a:defRPr sz="1067"/>
-            </a:lvl6pPr>
-            <a:lvl7pPr marL="2926171" indent="0">
+              <a:defRPr sz="1423"/>
+            </a:lvl8pPr>
+            <a:lvl9pPr marL="5203123" indent="0">
               <a:buNone/>
-              <a:defRPr sz="1067"/>
-            </a:lvl7pPr>
-            <a:lvl8pPr marL="3413867" indent="0">
-              <a:buNone/>
-              <a:defRPr sz="1067"/>
-            </a:lvl8pPr>
-            <a:lvl9pPr marL="3901562" indent="0">
-              <a:buNone/>
-              <a:defRPr sz="1067"/>
+              <a:defRPr sz="1423"/>
             </a:lvl9pPr>
           </a:lstStyle>
           <a:p>
@@ -5536,7 +5607,7 @@
           <a:p>
             <a:fld id="{EA476A42-A091-4468-A075-64A31BE59948}" type="datetime1">
               <a:rPr lang="en-US" smtClean="0"/>
-              <a:t>4/2/2022</a:t>
+              <a:t>4/3/2022</a:t>
             </a:fld>
             <a:endParaRPr lang="en-US"/>
           </a:p>
@@ -5734,7 +5805,7 @@
           <a:p>
             <a:fld id="{0D3616D0-8311-4107-9726-6B805E7D05BA}" type="datetime1">
               <a:rPr lang="en-US" smtClean="0"/>
-              <a:t>4/2/2022</a:t>
+              <a:t>4/3/2022</a:t>
             </a:fld>
             <a:endParaRPr lang="en-US"/>
           </a:p>
@@ -5842,8 +5913,8 @@
         </p:nvSpPr>
         <p:spPr>
           <a:xfrm>
-            <a:off x="9306560" y="519289"/>
-            <a:ext cx="2804160" cy="8265725"/>
+            <a:off x="12409126" y="519302"/>
+            <a:ext cx="3738994" cy="8265725"/>
           </a:xfrm>
         </p:spPr>
         <p:txBody>
@@ -5875,8 +5946,8 @@
         </p:nvSpPr>
         <p:spPr>
           <a:xfrm>
-            <a:off x="894080" y="519289"/>
-            <a:ext cx="8249920" cy="8265725"/>
+            <a:off x="1192143" y="519302"/>
+            <a:ext cx="11000229" cy="8265725"/>
           </a:xfrm>
         </p:spPr>
         <p:txBody>
@@ -5942,7 +6013,7 @@
           <a:p>
             <a:fld id="{3BC2557A-5C88-417A-A763-5AC779462A5F}" type="datetime1">
               <a:rPr lang="en-US" smtClean="0"/>
-              <a:t>4/2/2022</a:t>
+              <a:t>4/3/2022</a:t>
             </a:fld>
             <a:endParaRPr lang="en-US"/>
           </a:p>
@@ -6079,8 +6150,8 @@
         </p:nvSpPr>
         <p:spPr>
           <a:xfrm>
-            <a:off x="16477184" y="9109687"/>
-            <a:ext cx="296947" cy="389915"/>
+            <a:off x="21970259" y="9109700"/>
+            <a:ext cx="395941" cy="389915"/>
           </a:xfrm>
           <a:prstGeom prst="rect">
             <a:avLst/>
@@ -6090,12 +6161,12 @@
           <a:bodyPr/>
           <a:lstStyle/>
           <a:p>
-            <a:pPr defTabSz="584226">
+            <a:pPr defTabSz="779126">
               <a:defRPr/>
             </a:pPr>
             <a:fld id="{86CB4B4D-7CA3-9044-876B-883B54F8677D}" type="slidenum">
               <a:rPr lang="en-US" smtClean="0"/>
-              <a:pPr defTabSz="584226">
+              <a:pPr defTabSz="779126">
                 <a:defRPr/>
               </a:pPr>
               <a:t>‹#›</a:t>
@@ -6182,8 +6253,8 @@
         </p:nvSpPr>
         <p:spPr>
           <a:xfrm>
-            <a:off x="571502" y="2222500"/>
-            <a:ext cx="9372295" cy="6667500"/>
+            <a:off x="762035" y="2222500"/>
+            <a:ext cx="12496775" cy="6667500"/>
           </a:xfrm>
           <a:prstGeom prst="rect">
             <a:avLst/>
@@ -6192,16 +6263,16 @@
         <p:txBody>
           <a:bodyPr/>
           <a:lstStyle>
-            <a:lvl1pPr marL="274319" indent="-274319">
+            <a:lvl1pPr marL="365833" indent="-365833">
               <a:defRPr>
                 <a:solidFill>
                   <a:schemeClr val="tx1"/>
                 </a:solidFill>
               </a:defRPr>
             </a:lvl1pPr>
-            <a:lvl2pPr marL="548638" indent="-274319">
+            <a:lvl2pPr marL="731663" indent="-365833">
               <a:spcBef>
-                <a:spcPts val="1200"/>
+                <a:spcPts val="1600"/>
               </a:spcBef>
               <a:defRPr>
                 <a:solidFill>
@@ -6209,31 +6280,31 @@
                 </a:solidFill>
               </a:defRPr>
             </a:lvl2pPr>
-            <a:lvl3pPr marL="754377" indent="-274319">
+            <a:lvl3pPr marL="1006038" indent="-365833">
               <a:spcBef>
-                <a:spcPts val="599"/>
+                <a:spcPts val="799"/>
               </a:spcBef>
-              <a:defRPr sz="3000">
+              <a:defRPr sz="4000">
                 <a:solidFill>
                   <a:schemeClr val="tx1"/>
                 </a:solidFill>
               </a:defRPr>
             </a:lvl3pPr>
-            <a:lvl4pPr marL="960115" indent="-274319">
+            <a:lvl4pPr marL="1280409" indent="-365833">
               <a:spcBef>
                 <a:spcPts val="0"/>
               </a:spcBef>
-              <a:defRPr sz="3000">
+              <a:defRPr sz="4000">
                 <a:solidFill>
                   <a:schemeClr val="tx1"/>
                 </a:solidFill>
               </a:defRPr>
             </a:lvl4pPr>
-            <a:lvl5pPr marL="1165855" indent="-274319">
+            <a:lvl5pPr marL="1554784" indent="-365833">
               <a:spcBef>
                 <a:spcPts val="0"/>
               </a:spcBef>
-              <a:defRPr sz="3000">
+              <a:defRPr sz="4000">
                 <a:solidFill>
                   <a:schemeClr val="tx1"/>
                 </a:solidFill>
@@ -6290,8 +6361,8 @@
         </p:nvSpPr>
         <p:spPr>
           <a:xfrm>
-            <a:off x="16477184" y="9109687"/>
-            <a:ext cx="296947" cy="389915"/>
+            <a:off x="21970259" y="9109700"/>
+            <a:ext cx="395941" cy="389915"/>
           </a:xfrm>
           <a:prstGeom prst="rect">
             <a:avLst/>
@@ -6301,12 +6372,12 @@
           <a:bodyPr/>
           <a:lstStyle/>
           <a:p>
-            <a:pPr defTabSz="584226">
+            <a:pPr defTabSz="779126">
               <a:defRPr/>
             </a:pPr>
             <a:fld id="{86CB4B4D-7CA3-9044-876B-883B54F8677D}" type="slidenum">
               <a:rPr lang="en-US" smtClean="0"/>
-              <a:pPr defTabSz="584226">
+              <a:pPr defTabSz="779126">
                 <a:defRPr/>
               </a:pPr>
               <a:t>‹#›</a:t>
@@ -6358,8 +6429,8 @@
         </p:nvSpPr>
         <p:spPr>
           <a:xfrm>
-            <a:off x="5852159" y="1110826"/>
-            <a:ext cx="6477248" cy="7538721"/>
+            <a:off x="7803117" y="1110832"/>
+            <a:ext cx="8636594" cy="7538721"/>
           </a:xfrm>
           <a:prstGeom prst="rect">
             <a:avLst/>
@@ -6387,8 +6458,8 @@
         </p:nvSpPr>
         <p:spPr>
           <a:xfrm>
-            <a:off x="643466" y="1896533"/>
-            <a:ext cx="5215468" cy="3137213"/>
+            <a:off x="857981" y="1896534"/>
+            <a:ext cx="6954170" cy="3137213"/>
           </a:xfrm>
           <a:prstGeom prst="rect">
             <a:avLst/>
@@ -6398,7 +6469,7 @@
           <a:bodyPr/>
           <a:lstStyle>
             <a:lvl1pPr>
-              <a:defRPr sz="6000" spc="-119"/>
+              <a:defRPr sz="8000" spc="-159"/>
             </a:lvl1pPr>
           </a:lstStyle>
           <a:p>
@@ -6420,8 +6491,8 @@
         </p:nvSpPr>
         <p:spPr>
           <a:xfrm>
-            <a:off x="643466" y="4984841"/>
-            <a:ext cx="5215468" cy="2872226"/>
+            <a:off x="857981" y="4984841"/>
+            <a:ext cx="6954170" cy="2872226"/>
           </a:xfrm>
           <a:prstGeom prst="rect">
             <a:avLst/>
@@ -6465,8 +6536,8 @@
         </p:nvSpPr>
         <p:spPr>
           <a:xfrm>
-            <a:off x="6380889" y="8170057"/>
-            <a:ext cx="236357" cy="227721"/>
+            <a:off x="8512503" y="8096852"/>
+            <a:ext cx="306387" cy="300936"/>
           </a:xfrm>
           <a:prstGeom prst="rect">
             <a:avLst/>
@@ -6521,8 +6592,8 @@
         </p:nvSpPr>
         <p:spPr>
           <a:xfrm>
-            <a:off x="643466" y="1794933"/>
-            <a:ext cx="11717868" cy="764354"/>
+            <a:off x="857981" y="1794933"/>
+            <a:ext cx="15624301" cy="764354"/>
           </a:xfrm>
           <a:prstGeom prst="rect">
             <a:avLst/>
@@ -6532,7 +6603,7 @@
           <a:bodyPr anchor="t"/>
           <a:lstStyle>
             <a:lvl1pPr>
-              <a:defRPr sz="6000" spc="-119"/>
+              <a:defRPr sz="8000" spc="-159"/>
             </a:lvl1pPr>
           </a:lstStyle>
           <a:p>
@@ -6554,8 +6625,8 @@
         </p:nvSpPr>
         <p:spPr>
           <a:xfrm>
-            <a:off x="643466" y="2484779"/>
-            <a:ext cx="11717868" cy="498550"/>
+            <a:off x="857981" y="2484779"/>
+            <a:ext cx="15624301" cy="498550"/>
           </a:xfrm>
           <a:prstGeom prst="rect">
             <a:avLst/>
@@ -6564,8 +6635,8 @@
         <p:txBody>
           <a:bodyPr lIns="24383" tIns="24383" rIns="24383" bIns="24383"/>
           <a:lstStyle>
-            <a:lvl1pPr defTabSz="457877">
-              <a:defRPr sz="2964">
+            <a:lvl1pPr defTabSz="610625">
+              <a:defRPr sz="3952">
                 <a:solidFill>
                   <a:srgbClr val="005493"/>
                 </a:solidFill>
@@ -6591,8 +6662,8 @@
         </p:nvSpPr>
         <p:spPr>
           <a:xfrm>
-            <a:off x="643466" y="3485069"/>
-            <a:ext cx="11717868" cy="4403207"/>
+            <a:off x="857981" y="3485081"/>
+            <a:ext cx="15624301" cy="4403207"/>
           </a:xfrm>
           <a:prstGeom prst="rect">
             <a:avLst/>
@@ -6601,60 +6672,60 @@
         <p:txBody>
           <a:bodyPr/>
           <a:lstStyle>
-            <a:lvl1pPr marL="431800" indent="-431800" defTabSz="1733930">
+            <a:lvl1pPr marL="575847" indent="-575847" defTabSz="2312370">
               <a:lnSpc>
                 <a:spcPct val="90000"/>
               </a:lnSpc>
               <a:spcBef>
-                <a:spcPts val="3200"/>
+                <a:spcPts val="4267"/>
               </a:spcBef>
               <a:buSzPct val="123000"/>
               <a:buChar char="•"/>
-              <a:defRPr sz="3400" b="0"/>
+              <a:defRPr sz="4535" b="0"/>
             </a:lvl1pPr>
-            <a:lvl2pPr marL="1041400" indent="-431800" defTabSz="1733930">
+            <a:lvl2pPr marL="1388811" indent="-575847" defTabSz="2312370">
               <a:lnSpc>
                 <a:spcPct val="90000"/>
               </a:lnSpc>
               <a:spcBef>
-                <a:spcPts val="3200"/>
+                <a:spcPts val="4267"/>
               </a:spcBef>
               <a:buSzPct val="123000"/>
               <a:buChar char="•"/>
-              <a:defRPr sz="3400" b="0"/>
+              <a:defRPr sz="4535" b="0"/>
             </a:lvl2pPr>
-            <a:lvl3pPr marL="1651000" indent="-431800" defTabSz="1733930">
+            <a:lvl3pPr marL="2201773" indent="-575847" defTabSz="2312370">
               <a:lnSpc>
                 <a:spcPct val="90000"/>
               </a:lnSpc>
               <a:spcBef>
-                <a:spcPts val="3200"/>
+                <a:spcPts val="4267"/>
               </a:spcBef>
               <a:buSzPct val="123000"/>
               <a:buChar char="•"/>
-              <a:defRPr sz="3400" b="0"/>
+              <a:defRPr sz="4535" b="0"/>
             </a:lvl3pPr>
-            <a:lvl4pPr marL="2260600" indent="-431800" defTabSz="1733930">
+            <a:lvl4pPr marL="3014736" indent="-575847" defTabSz="2312370">
               <a:lnSpc>
                 <a:spcPct val="90000"/>
               </a:lnSpc>
               <a:spcBef>
-                <a:spcPts val="3200"/>
+                <a:spcPts val="4267"/>
               </a:spcBef>
               <a:buSzPct val="123000"/>
               <a:buChar char="•"/>
-              <a:defRPr sz="3400" b="0"/>
+              <a:defRPr sz="4535" b="0"/>
             </a:lvl4pPr>
-            <a:lvl5pPr marL="2870200" indent="-431800" defTabSz="1733930">
+            <a:lvl5pPr marL="3827701" indent="-575847" defTabSz="2312370">
               <a:lnSpc>
                 <a:spcPct val="90000"/>
               </a:lnSpc>
               <a:spcBef>
-                <a:spcPts val="3200"/>
+                <a:spcPts val="4267"/>
               </a:spcBef>
               <a:buSzPct val="123000"/>
               <a:buChar char="•"/>
-              <a:defRPr sz="3400" b="0"/>
+              <a:defRPr sz="4535" b="0"/>
             </a:lvl5pPr>
           </a:lstStyle>
           <a:p>
@@ -6744,8 +6815,8 @@
         </p:nvSpPr>
         <p:spPr>
           <a:xfrm>
-            <a:off x="643466" y="2484779"/>
-            <a:ext cx="5215468" cy="498550"/>
+            <a:off x="857981" y="2484779"/>
+            <a:ext cx="6954170" cy="498550"/>
           </a:xfrm>
           <a:prstGeom prst="rect">
             <a:avLst/>
@@ -6754,8 +6825,8 @@
         <p:txBody>
           <a:bodyPr lIns="24383" tIns="24383" rIns="24383" bIns="24383"/>
           <a:lstStyle>
-            <a:lvl1pPr defTabSz="457877">
-              <a:defRPr sz="2964"/>
+            <a:lvl1pPr defTabSz="610625">
+              <a:defRPr sz="3952"/>
             </a:lvl1pPr>
           </a:lstStyle>
           <a:p>
@@ -6777,8 +6848,8 @@
         </p:nvSpPr>
         <p:spPr>
           <a:xfrm>
-            <a:off x="643466" y="3485069"/>
-            <a:ext cx="5215468" cy="4403536"/>
+            <a:off x="857981" y="3485069"/>
+            <a:ext cx="6954170" cy="4403536"/>
           </a:xfrm>
           <a:prstGeom prst="rect">
             <a:avLst/>
@@ -6787,60 +6858,60 @@
         <p:txBody>
           <a:bodyPr/>
           <a:lstStyle>
-            <a:lvl1pPr marL="431800" indent="-431800" defTabSz="1733930">
+            <a:lvl1pPr marL="575847" indent="-575847" defTabSz="2312370">
               <a:lnSpc>
                 <a:spcPct val="90000"/>
               </a:lnSpc>
               <a:spcBef>
-                <a:spcPts val="3200"/>
+                <a:spcPts val="4267"/>
               </a:spcBef>
               <a:buSzPct val="123000"/>
               <a:buChar char="•"/>
-              <a:defRPr sz="3400" b="0"/>
+              <a:defRPr sz="4535" b="0"/>
             </a:lvl1pPr>
-            <a:lvl2pPr marL="1041400" indent="-431800" defTabSz="1733930">
+            <a:lvl2pPr marL="1388811" indent="-575847" defTabSz="2312370">
               <a:lnSpc>
                 <a:spcPct val="90000"/>
               </a:lnSpc>
               <a:spcBef>
-                <a:spcPts val="3200"/>
+                <a:spcPts val="4267"/>
               </a:spcBef>
               <a:buSzPct val="123000"/>
               <a:buChar char="•"/>
-              <a:defRPr sz="3400" b="0"/>
+              <a:defRPr sz="4535" b="0"/>
             </a:lvl2pPr>
-            <a:lvl3pPr marL="1651000" indent="-431800" defTabSz="1733930">
+            <a:lvl3pPr marL="2201773" indent="-575847" defTabSz="2312370">
               <a:lnSpc>
                 <a:spcPct val="90000"/>
               </a:lnSpc>
               <a:spcBef>
-                <a:spcPts val="3200"/>
+                <a:spcPts val="4267"/>
               </a:spcBef>
               <a:buSzPct val="123000"/>
               <a:buChar char="•"/>
-              <a:defRPr sz="3400" b="0"/>
+              <a:defRPr sz="4535" b="0"/>
             </a:lvl3pPr>
-            <a:lvl4pPr marL="2260600" indent="-431800" defTabSz="1733930">
+            <a:lvl4pPr marL="3014736" indent="-575847" defTabSz="2312370">
               <a:lnSpc>
                 <a:spcPct val="90000"/>
               </a:lnSpc>
               <a:spcBef>
-                <a:spcPts val="3200"/>
+                <a:spcPts val="4267"/>
               </a:spcBef>
               <a:buSzPct val="123000"/>
               <a:buChar char="•"/>
-              <a:defRPr sz="3400" b="0"/>
+              <a:defRPr sz="4535" b="0"/>
             </a:lvl4pPr>
-            <a:lvl5pPr marL="2870200" indent="-431800" defTabSz="1733930">
+            <a:lvl5pPr marL="3827701" indent="-575847" defTabSz="2312370">
               <a:lnSpc>
                 <a:spcPct val="90000"/>
               </a:lnSpc>
               <a:spcBef>
-                <a:spcPts val="3200"/>
+                <a:spcPts val="4267"/>
               </a:spcBef>
               <a:buSzPct val="123000"/>
               <a:buChar char="•"/>
-              <a:defRPr sz="3400" b="0"/>
+              <a:defRPr sz="4535" b="0"/>
             </a:lvl5pPr>
           </a:lstStyle>
           <a:p>
@@ -6878,8 +6949,8 @@
         </p:nvSpPr>
         <p:spPr>
           <a:xfrm>
-            <a:off x="6502400" y="1001991"/>
-            <a:ext cx="5822333" cy="7763111"/>
+            <a:off x="8670132" y="1001995"/>
+            <a:ext cx="7763348" cy="7763111"/>
           </a:xfrm>
           <a:prstGeom prst="rect">
             <a:avLst/>
@@ -6907,8 +6978,8 @@
         </p:nvSpPr>
         <p:spPr>
           <a:xfrm>
-            <a:off x="643466" y="1794933"/>
-            <a:ext cx="5215468" cy="765387"/>
+            <a:off x="857981" y="1794946"/>
+            <a:ext cx="6954170" cy="765387"/>
           </a:xfrm>
           <a:prstGeom prst="rect">
             <a:avLst/>
@@ -6918,7 +6989,7 @@
           <a:bodyPr anchor="t"/>
           <a:lstStyle>
             <a:lvl1pPr>
-              <a:defRPr sz="6000" spc="-119"/>
+              <a:defRPr sz="8000" spc="-159"/>
             </a:lvl1pPr>
           </a:lstStyle>
           <a:p>
@@ -6992,8 +7063,8 @@
         </p:nvSpPr>
         <p:spPr>
           <a:xfrm>
-            <a:off x="643464" y="3637279"/>
-            <a:ext cx="11717870" cy="2479042"/>
+            <a:off x="857978" y="3637279"/>
+            <a:ext cx="15624304" cy="2479042"/>
           </a:xfrm>
           <a:prstGeom prst="rect">
             <a:avLst/>
@@ -7030,8 +7101,8 @@
         </p:nvSpPr>
         <p:spPr>
           <a:xfrm>
-            <a:off x="6380889" y="8170057"/>
-            <a:ext cx="236357" cy="227721"/>
+            <a:off x="8512503" y="8096852"/>
+            <a:ext cx="306387" cy="300936"/>
           </a:xfrm>
           <a:prstGeom prst="rect">
             <a:avLst/>
@@ -7086,8 +7157,8 @@
         </p:nvSpPr>
         <p:spPr>
           <a:xfrm>
-            <a:off x="643466" y="1794933"/>
-            <a:ext cx="11717868" cy="765387"/>
+            <a:off x="857981" y="1794946"/>
+            <a:ext cx="15624301" cy="765387"/>
           </a:xfrm>
           <a:prstGeom prst="rect">
             <a:avLst/>
@@ -7097,7 +7168,7 @@
           <a:bodyPr anchor="t"/>
           <a:lstStyle>
             <a:lvl1pPr>
-              <a:defRPr sz="6000" spc="-119"/>
+              <a:defRPr sz="8000" spc="-159"/>
             </a:lvl1pPr>
           </a:lstStyle>
           <a:p>
@@ -7119,8 +7190,8 @@
         </p:nvSpPr>
         <p:spPr>
           <a:xfrm>
-            <a:off x="643466" y="2484779"/>
-            <a:ext cx="11717868" cy="498550"/>
+            <a:off x="857981" y="2484779"/>
+            <a:ext cx="15624301" cy="498550"/>
           </a:xfrm>
           <a:prstGeom prst="rect">
             <a:avLst/>
@@ -7129,8 +7200,8 @@
         <p:txBody>
           <a:bodyPr lIns="24383" tIns="24383" rIns="24383" bIns="24383"/>
           <a:lstStyle>
-            <a:lvl1pPr defTabSz="457877">
-              <a:defRPr sz="2964"/>
+            <a:lvl1pPr defTabSz="610625">
+              <a:defRPr sz="3952"/>
             </a:lvl1pPr>
           </a:lstStyle>
           <a:p>
@@ -7152,8 +7223,8 @@
         </p:nvSpPr>
         <p:spPr>
           <a:xfrm>
-            <a:off x="643466" y="3485069"/>
-            <a:ext cx="11717868" cy="4403207"/>
+            <a:off x="857981" y="3485081"/>
+            <a:ext cx="15624301" cy="4403207"/>
           </a:xfrm>
           <a:prstGeom prst="rect">
             <a:avLst/>
@@ -7164,33 +7235,33 @@
           <a:lstStyle>
             <a:lvl1pPr>
               <a:spcBef>
-                <a:spcPts val="1200"/>
+                <a:spcPts val="1600"/>
               </a:spcBef>
-              <a:defRPr b="0" spc="-38"/>
+              <a:defRPr b="0" spc="-51"/>
             </a:lvl1pPr>
             <a:lvl2pPr>
               <a:spcBef>
-                <a:spcPts val="1200"/>
+                <a:spcPts val="1600"/>
               </a:spcBef>
-              <a:defRPr b="0" spc="-38"/>
+              <a:defRPr b="0" spc="-51"/>
             </a:lvl2pPr>
             <a:lvl3pPr>
               <a:spcBef>
-                <a:spcPts val="1200"/>
+                <a:spcPts val="1600"/>
               </a:spcBef>
-              <a:defRPr b="0" spc="-38"/>
+              <a:defRPr b="0" spc="-51"/>
             </a:lvl3pPr>
             <a:lvl4pPr>
               <a:spcBef>
-                <a:spcPts val="1200"/>
+                <a:spcPts val="1600"/>
               </a:spcBef>
-              <a:defRPr b="0" spc="-38"/>
+              <a:defRPr b="0" spc="-51"/>
             </a:lvl4pPr>
             <a:lvl5pPr>
               <a:spcBef>
-                <a:spcPts val="1200"/>
+                <a:spcPts val="1600"/>
               </a:spcBef>
-              <a:defRPr b="0" spc="-38"/>
+              <a:defRPr b="0" spc="-51"/>
             </a:lvl5pPr>
           </a:lstStyle>
           <a:p>
@@ -7280,8 +7351,8 @@
         </p:nvSpPr>
         <p:spPr>
           <a:xfrm>
-            <a:off x="643466" y="3843649"/>
-            <a:ext cx="11717868" cy="2066302"/>
+            <a:off x="857981" y="3843649"/>
+            <a:ext cx="15624301" cy="2066302"/>
           </a:xfrm>
           <a:prstGeom prst="rect">
             <a:avLst/>
@@ -7290,55 +7361,55 @@
         <p:txBody>
           <a:bodyPr anchor="ctr"/>
           <a:lstStyle>
-            <a:lvl1pPr algn="ctr" defTabSz="1733930">
+            <a:lvl1pPr algn="ctr" defTabSz="2312370">
               <a:lnSpc>
                 <a:spcPct val="80000"/>
               </a:lnSpc>
-              <a:defRPr sz="8200" b="0" spc="-164">
+              <a:defRPr sz="10935" b="0" spc="-219">
                 <a:latin typeface="Helvetica Neue Medium"/>
                 <a:ea typeface="Helvetica Neue Medium"/>
                 <a:cs typeface="Helvetica Neue Medium"/>
                 <a:sym typeface="Helvetica Neue Medium"/>
               </a:defRPr>
             </a:lvl1pPr>
-            <a:lvl2pPr algn="ctr" defTabSz="1733930">
+            <a:lvl2pPr algn="ctr" defTabSz="2312370">
               <a:lnSpc>
                 <a:spcPct val="80000"/>
               </a:lnSpc>
-              <a:defRPr sz="8200" b="0" spc="-164">
+              <a:defRPr sz="10935" b="0" spc="-219">
                 <a:latin typeface="Helvetica Neue Medium"/>
                 <a:ea typeface="Helvetica Neue Medium"/>
                 <a:cs typeface="Helvetica Neue Medium"/>
                 <a:sym typeface="Helvetica Neue Medium"/>
               </a:defRPr>
             </a:lvl2pPr>
-            <a:lvl3pPr algn="ctr" defTabSz="1733930">
+            <a:lvl3pPr algn="ctr" defTabSz="2312370">
               <a:lnSpc>
                 <a:spcPct val="80000"/>
               </a:lnSpc>
-              <a:defRPr sz="8200" b="0" spc="-164">
+              <a:defRPr sz="10935" b="0" spc="-219">
                 <a:latin typeface="Helvetica Neue Medium"/>
                 <a:ea typeface="Helvetica Neue Medium"/>
                 <a:cs typeface="Helvetica Neue Medium"/>
                 <a:sym typeface="Helvetica Neue Medium"/>
               </a:defRPr>
             </a:lvl3pPr>
-            <a:lvl4pPr algn="ctr" defTabSz="1733930">
+            <a:lvl4pPr algn="ctr" defTabSz="2312370">
               <a:lnSpc>
                 <a:spcPct val="80000"/>
               </a:lnSpc>
-              <a:defRPr sz="8200" b="0" spc="-164">
+              <a:defRPr sz="10935" b="0" spc="-219">
                 <a:latin typeface="Helvetica Neue Medium"/>
                 <a:ea typeface="Helvetica Neue Medium"/>
                 <a:cs typeface="Helvetica Neue Medium"/>
                 <a:sym typeface="Helvetica Neue Medium"/>
               </a:defRPr>
             </a:lvl4pPr>
-            <a:lvl5pPr algn="ctr" defTabSz="1733930">
+            <a:lvl5pPr algn="ctr" defTabSz="2312370">
               <a:lnSpc>
                 <a:spcPct val="80000"/>
               </a:lnSpc>
-              <a:defRPr sz="8200" b="0" spc="-164">
+              <a:defRPr sz="10935" b="0" spc="-219">
                 <a:latin typeface="Helvetica Neue Medium"/>
                 <a:ea typeface="Helvetica Neue Medium"/>
                 <a:cs typeface="Helvetica Neue Medium"/>
@@ -7433,8 +7504,8 @@
         </p:nvSpPr>
         <p:spPr>
           <a:xfrm>
-            <a:off x="643466" y="1793027"/>
-            <a:ext cx="11717868" cy="3862179"/>
+            <a:off x="857981" y="1793029"/>
+            <a:ext cx="15624301" cy="3862179"/>
           </a:xfrm>
           <a:prstGeom prst="rect">
             <a:avLst/>
@@ -7443,35 +7514,35 @@
         <p:txBody>
           <a:bodyPr anchor="b"/>
           <a:lstStyle>
-            <a:lvl1pPr algn="ctr" defTabSz="1733930">
+            <a:lvl1pPr algn="ctr" defTabSz="2312370">
               <a:lnSpc>
                 <a:spcPct val="80000"/>
               </a:lnSpc>
-              <a:defRPr sz="17600" spc="-176"/>
+              <a:defRPr sz="23472" spc="-235"/>
             </a:lvl1pPr>
-            <a:lvl2pPr algn="ctr" defTabSz="1733930">
+            <a:lvl2pPr algn="ctr" defTabSz="2312370">
               <a:lnSpc>
                 <a:spcPct val="80000"/>
               </a:lnSpc>
-              <a:defRPr sz="17600" spc="-176"/>
+              <a:defRPr sz="23472" spc="-235"/>
             </a:lvl2pPr>
-            <a:lvl3pPr algn="ctr" defTabSz="1733930">
+            <a:lvl3pPr algn="ctr" defTabSz="2312370">
               <a:lnSpc>
                 <a:spcPct val="80000"/>
               </a:lnSpc>
-              <a:defRPr sz="17600" spc="-176"/>
+              <a:defRPr sz="23472" spc="-235"/>
             </a:lvl3pPr>
-            <a:lvl4pPr algn="ctr" defTabSz="1733930">
+            <a:lvl4pPr algn="ctr" defTabSz="2312370">
               <a:lnSpc>
                 <a:spcPct val="80000"/>
               </a:lnSpc>
-              <a:defRPr sz="17600" spc="-176"/>
+              <a:defRPr sz="23472" spc="-235"/>
             </a:lvl4pPr>
-            <a:lvl5pPr algn="ctr" defTabSz="1733930">
+            <a:lvl5pPr algn="ctr" defTabSz="2312370">
               <a:lnSpc>
                 <a:spcPct val="80000"/>
               </a:lnSpc>
-              <a:defRPr sz="17600" spc="-176"/>
+              <a:defRPr sz="23472" spc="-235"/>
             </a:lvl5pPr>
           </a:lstStyle>
           <a:p>
@@ -7509,8 +7580,8 @@
         </p:nvSpPr>
         <p:spPr>
           <a:xfrm>
-            <a:off x="643466" y="5625696"/>
-            <a:ext cx="11717868" cy="498550"/>
+            <a:off x="857981" y="5625696"/>
+            <a:ext cx="15624301" cy="498550"/>
           </a:xfrm>
           <a:prstGeom prst="rect">
             <a:avLst/>
@@ -7519,8 +7590,8 @@
         <p:txBody>
           <a:bodyPr lIns="24383" tIns="24383" rIns="24383" bIns="24383"/>
           <a:lstStyle>
-            <a:lvl1pPr algn="ctr" defTabSz="457877">
-              <a:defRPr sz="2964"/>
+            <a:lvl1pPr algn="ctr" defTabSz="610625">
+              <a:defRPr sz="3952"/>
             </a:lvl1pPr>
           </a:lstStyle>
           <a:p>
@@ -7602,8 +7673,8 @@
         </p:nvSpPr>
         <p:spPr>
           <a:xfrm>
-            <a:off x="643464" y="2592528"/>
-            <a:ext cx="11717870" cy="2479041"/>
+            <a:off x="857978" y="2592541"/>
+            <a:ext cx="15624304" cy="2479041"/>
           </a:xfrm>
           <a:prstGeom prst="rect">
             <a:avLst/>
@@ -7613,7 +7684,7 @@
           </a:ln>
           <a:extLst>
             <a:ext uri="{C572A759-6A51-4108-AA02-DFA0A04FC94B}">
-              <ma14:wrappingTextBoxFlag xmlns:ma14="http://schemas.microsoft.com/office/mac/drawingml/2011/main" xmlns:a14="http://schemas.microsoft.com/office/drawing/2010/main" xmlns:m="http://schemas.openxmlformats.org/officeDocument/2006/math" xmlns="" val="1"/>
+              <ma14:wrappingTextBoxFlag xmlns="" xmlns:m="http://schemas.openxmlformats.org/officeDocument/2006/math" xmlns:a14="http://schemas.microsoft.com/office/drawing/2010/main" xmlns:ma14="http://schemas.microsoft.com/office/mac/drawingml/2011/main" val="1"/>
             </a:ext>
           </a:extLst>
         </p:spPr>
@@ -7641,8 +7712,8 @@
         </p:nvSpPr>
         <p:spPr>
           <a:xfrm>
-            <a:off x="640715" y="5071568"/>
-            <a:ext cx="11717868" cy="1016001"/>
+            <a:off x="854313" y="5071571"/>
+            <a:ext cx="15624301" cy="1016001"/>
           </a:xfrm>
           <a:prstGeom prst="rect">
             <a:avLst/>
@@ -7652,7 +7723,7 @@
           </a:ln>
           <a:extLst>
             <a:ext uri="{C572A759-6A51-4108-AA02-DFA0A04FC94B}">
-              <ma14:wrappingTextBoxFlag xmlns:ma14="http://schemas.microsoft.com/office/mac/drawingml/2011/main" xmlns:a14="http://schemas.microsoft.com/office/drawing/2010/main" xmlns:m="http://schemas.openxmlformats.org/officeDocument/2006/math" xmlns="" val="1"/>
+              <ma14:wrappingTextBoxFlag xmlns="" xmlns:m="http://schemas.openxmlformats.org/officeDocument/2006/math" xmlns:a14="http://schemas.microsoft.com/office/drawing/2010/main" xmlns:ma14="http://schemas.microsoft.com/office/mac/drawingml/2011/main" val="1"/>
             </a:ext>
           </a:extLst>
         </p:spPr>
@@ -7696,8 +7767,8 @@
         </p:nvSpPr>
         <p:spPr>
           <a:xfrm>
-            <a:off x="6380889" y="8167799"/>
-            <a:ext cx="236357" cy="227721"/>
+            <a:off x="8512503" y="8094594"/>
+            <a:ext cx="306387" cy="300936"/>
           </a:xfrm>
           <a:prstGeom prst="rect">
             <a:avLst/>
@@ -7711,8 +7782,8 @@
             <a:spAutoFit/>
           </a:bodyPr>
           <a:lstStyle>
-            <a:lvl1pPr defTabSz="415431">
-              <a:defRPr sz="1200">
+            <a:lvl1pPr defTabSz="554020">
+              <a:defRPr sz="1600">
                 <a:solidFill>
                   <a:srgbClr val="000000"/>
                 </a:solidFill>
@@ -7748,7 +7819,7 @@
   <p:transition spd="med"/>
   <p:txStyles>
     <p:titleStyle>
-      <a:lvl1pPr marL="0" marR="0" indent="0" algn="l" defTabSz="1733930" rtl="0" latinLnBrk="0">
+      <a:lvl1pPr marL="0" marR="0" indent="0" algn="l" defTabSz="2312370" rtl="0" latinLnBrk="0">
         <a:lnSpc>
           <a:spcPct val="80000"/>
         </a:lnSpc>
@@ -7763,7 +7834,7 @@
         <a:buFontTx/>
         <a:buNone/>
         <a:tabLst/>
-        <a:defRPr sz="8200" b="1" i="0" u="none" strike="noStrike" cap="none" spc="-164" baseline="0">
+        <a:defRPr sz="10935" b="1" i="0" u="none" strike="noStrike" cap="none" spc="-219" baseline="0">
           <a:solidFill>
             <a:srgbClr val="000000"/>
           </a:solidFill>
@@ -7774,7 +7845,7 @@
           <a:sym typeface="Helvetica Neue"/>
         </a:defRPr>
       </a:lvl1pPr>
-      <a:lvl2pPr marL="0" marR="0" indent="457200" algn="l" defTabSz="1733930" rtl="0" latinLnBrk="0">
+      <a:lvl2pPr marL="0" marR="0" indent="609722" algn="l" defTabSz="2312370" rtl="0" latinLnBrk="0">
         <a:lnSpc>
           <a:spcPct val="80000"/>
         </a:lnSpc>
@@ -7789,7 +7860,7 @@
         <a:buFontTx/>
         <a:buNone/>
         <a:tabLst/>
-        <a:defRPr sz="8200" b="1" i="0" u="none" strike="noStrike" cap="none" spc="-164" baseline="0">
+        <a:defRPr sz="10935" b="1" i="0" u="none" strike="noStrike" cap="none" spc="-219" baseline="0">
           <a:solidFill>
             <a:srgbClr val="000000"/>
           </a:solidFill>
@@ -7800,7 +7871,7 @@
           <a:sym typeface="Helvetica Neue"/>
         </a:defRPr>
       </a:lvl2pPr>
-      <a:lvl3pPr marL="0" marR="0" indent="914400" algn="l" defTabSz="1733930" rtl="0" latinLnBrk="0">
+      <a:lvl3pPr marL="0" marR="0" indent="1219445" algn="l" defTabSz="2312370" rtl="0" latinLnBrk="0">
         <a:lnSpc>
           <a:spcPct val="80000"/>
         </a:lnSpc>
@@ -7815,7 +7886,7 @@
         <a:buFontTx/>
         <a:buNone/>
         <a:tabLst/>
-        <a:defRPr sz="8200" b="1" i="0" u="none" strike="noStrike" cap="none" spc="-164" baseline="0">
+        <a:defRPr sz="10935" b="1" i="0" u="none" strike="noStrike" cap="none" spc="-219" baseline="0">
           <a:solidFill>
             <a:srgbClr val="000000"/>
           </a:solidFill>
@@ -7826,7 +7897,7 @@
           <a:sym typeface="Helvetica Neue"/>
         </a:defRPr>
       </a:lvl3pPr>
-      <a:lvl4pPr marL="0" marR="0" indent="1371600" algn="l" defTabSz="1733930" rtl="0" latinLnBrk="0">
+      <a:lvl4pPr marL="0" marR="0" indent="1829166" algn="l" defTabSz="2312370" rtl="0" latinLnBrk="0">
         <a:lnSpc>
           <a:spcPct val="80000"/>
         </a:lnSpc>
@@ -7841,7 +7912,7 @@
         <a:buFontTx/>
         <a:buNone/>
         <a:tabLst/>
-        <a:defRPr sz="8200" b="1" i="0" u="none" strike="noStrike" cap="none" spc="-164" baseline="0">
+        <a:defRPr sz="10935" b="1" i="0" u="none" strike="noStrike" cap="none" spc="-219" baseline="0">
           <a:solidFill>
             <a:srgbClr val="000000"/>
           </a:solidFill>
@@ -7852,7 +7923,7 @@
           <a:sym typeface="Helvetica Neue"/>
         </a:defRPr>
       </a:lvl4pPr>
-      <a:lvl5pPr marL="0" marR="0" indent="1828800" algn="l" defTabSz="1733930" rtl="0" latinLnBrk="0">
+      <a:lvl5pPr marL="0" marR="0" indent="2438889" algn="l" defTabSz="2312370" rtl="0" latinLnBrk="0">
         <a:lnSpc>
           <a:spcPct val="80000"/>
         </a:lnSpc>
@@ -7867,7 +7938,7 @@
         <a:buFontTx/>
         <a:buNone/>
         <a:tabLst/>
-        <a:defRPr sz="8200" b="1" i="0" u="none" strike="noStrike" cap="none" spc="-164" baseline="0">
+        <a:defRPr sz="10935" b="1" i="0" u="none" strike="noStrike" cap="none" spc="-219" baseline="0">
           <a:solidFill>
             <a:srgbClr val="000000"/>
           </a:solidFill>
@@ -7878,7 +7949,7 @@
           <a:sym typeface="Helvetica Neue"/>
         </a:defRPr>
       </a:lvl5pPr>
-      <a:lvl6pPr marL="0" marR="0" indent="2286000" algn="l" defTabSz="1733930" rtl="0" latinLnBrk="0">
+      <a:lvl6pPr marL="0" marR="0" indent="3048608" algn="l" defTabSz="2312370" rtl="0" latinLnBrk="0">
         <a:lnSpc>
           <a:spcPct val="80000"/>
         </a:lnSpc>
@@ -7893,7 +7964,7 @@
         <a:buFontTx/>
         <a:buNone/>
         <a:tabLst/>
-        <a:defRPr sz="8200" b="1" i="0" u="none" strike="noStrike" cap="none" spc="-164" baseline="0">
+        <a:defRPr sz="10935" b="1" i="0" u="none" strike="noStrike" cap="none" spc="-219" baseline="0">
           <a:solidFill>
             <a:srgbClr val="000000"/>
           </a:solidFill>
@@ -7904,7 +7975,7 @@
           <a:sym typeface="Helvetica Neue"/>
         </a:defRPr>
       </a:lvl6pPr>
-      <a:lvl7pPr marL="0" marR="0" indent="2743200" algn="l" defTabSz="1733930" rtl="0" latinLnBrk="0">
+      <a:lvl7pPr marL="0" marR="0" indent="3658334" algn="l" defTabSz="2312370" rtl="0" latinLnBrk="0">
         <a:lnSpc>
           <a:spcPct val="80000"/>
         </a:lnSpc>
@@ -7919,7 +7990,7 @@
         <a:buFontTx/>
         <a:buNone/>
         <a:tabLst/>
-        <a:defRPr sz="8200" b="1" i="0" u="none" strike="noStrike" cap="none" spc="-164" baseline="0">
+        <a:defRPr sz="10935" b="1" i="0" u="none" strike="noStrike" cap="none" spc="-219" baseline="0">
           <a:solidFill>
             <a:srgbClr val="000000"/>
           </a:solidFill>
@@ -7930,7 +8001,7 @@
           <a:sym typeface="Helvetica Neue"/>
         </a:defRPr>
       </a:lvl7pPr>
-      <a:lvl8pPr marL="0" marR="0" indent="3200400" algn="l" defTabSz="1733930" rtl="0" latinLnBrk="0">
+      <a:lvl8pPr marL="0" marR="0" indent="4268053" algn="l" defTabSz="2312370" rtl="0" latinLnBrk="0">
         <a:lnSpc>
           <a:spcPct val="80000"/>
         </a:lnSpc>
@@ -7945,7 +8016,7 @@
         <a:buFontTx/>
         <a:buNone/>
         <a:tabLst/>
-        <a:defRPr sz="8200" b="1" i="0" u="none" strike="noStrike" cap="none" spc="-164" baseline="0">
+        <a:defRPr sz="10935" b="1" i="0" u="none" strike="noStrike" cap="none" spc="-219" baseline="0">
           <a:solidFill>
             <a:srgbClr val="000000"/>
           </a:solidFill>
@@ -7956,7 +8027,7 @@
           <a:sym typeface="Helvetica Neue"/>
         </a:defRPr>
       </a:lvl8pPr>
-      <a:lvl9pPr marL="0" marR="0" indent="3657600" algn="l" defTabSz="1733930" rtl="0" latinLnBrk="0">
+      <a:lvl9pPr marL="0" marR="0" indent="4877776" algn="l" defTabSz="2312370" rtl="0" latinLnBrk="0">
         <a:lnSpc>
           <a:spcPct val="80000"/>
         </a:lnSpc>
@@ -7971,7 +8042,7 @@
         <a:buFontTx/>
         <a:buNone/>
         <a:tabLst/>
-        <a:defRPr sz="8200" b="1" i="0" u="none" strike="noStrike" cap="none" spc="-164" baseline="0">
+        <a:defRPr sz="10935" b="1" i="0" u="none" strike="noStrike" cap="none" spc="-219" baseline="0">
           <a:solidFill>
             <a:srgbClr val="000000"/>
           </a:solidFill>
@@ -7984,7 +8055,7 @@
       </a:lvl9pPr>
     </p:titleStyle>
     <p:bodyStyle>
-      <a:lvl1pPr marL="0" marR="0" indent="0" algn="l" defTabSz="587022" rtl="0" latinLnBrk="0">
+      <a:lvl1pPr marL="0" marR="0" indent="0" algn="l" defTabSz="782854" rtl="0" latinLnBrk="0">
         <a:lnSpc>
           <a:spcPct val="100000"/>
         </a:lnSpc>
@@ -7999,7 +8070,7 @@
         <a:buFontTx/>
         <a:buNone/>
         <a:tabLst/>
-        <a:defRPr sz="3800" b="1" i="0" u="none" strike="noStrike" cap="none" spc="0" baseline="0">
+        <a:defRPr sz="5067" b="1" i="0" u="none" strike="noStrike" cap="none" spc="0" baseline="0">
           <a:solidFill>
             <a:srgbClr val="000000"/>
           </a:solidFill>
@@ -8010,7 +8081,7 @@
           <a:sym typeface="Helvetica Neue"/>
         </a:defRPr>
       </a:lvl1pPr>
-      <a:lvl2pPr marL="0" marR="0" indent="457200" algn="l" defTabSz="587022" rtl="0" latinLnBrk="0">
+      <a:lvl2pPr marL="0" marR="0" indent="609722" algn="l" defTabSz="782854" rtl="0" latinLnBrk="0">
         <a:lnSpc>
           <a:spcPct val="100000"/>
         </a:lnSpc>
@@ -8025,7 +8096,7 @@
         <a:buFontTx/>
         <a:buNone/>
         <a:tabLst/>
-        <a:defRPr sz="3800" b="1" i="0" u="none" strike="noStrike" cap="none" spc="0" baseline="0">
+        <a:defRPr sz="5067" b="1" i="0" u="none" strike="noStrike" cap="none" spc="0" baseline="0">
           <a:solidFill>
             <a:srgbClr val="000000"/>
           </a:solidFill>
@@ -8036,7 +8107,7 @@
           <a:sym typeface="Helvetica Neue"/>
         </a:defRPr>
       </a:lvl2pPr>
-      <a:lvl3pPr marL="0" marR="0" indent="914400" algn="l" defTabSz="587022" rtl="0" latinLnBrk="0">
+      <a:lvl3pPr marL="0" marR="0" indent="1219445" algn="l" defTabSz="782854" rtl="0" latinLnBrk="0">
         <a:lnSpc>
           <a:spcPct val="100000"/>
         </a:lnSpc>
@@ -8051,7 +8122,7 @@
         <a:buFontTx/>
         <a:buNone/>
         <a:tabLst/>
-        <a:defRPr sz="3800" b="1" i="0" u="none" strike="noStrike" cap="none" spc="0" baseline="0">
+        <a:defRPr sz="5067" b="1" i="0" u="none" strike="noStrike" cap="none" spc="0" baseline="0">
           <a:solidFill>
             <a:srgbClr val="000000"/>
           </a:solidFill>
@@ -8062,7 +8133,7 @@
           <a:sym typeface="Helvetica Neue"/>
         </a:defRPr>
       </a:lvl3pPr>
-      <a:lvl4pPr marL="0" marR="0" indent="1371600" algn="l" defTabSz="587022" rtl="0" latinLnBrk="0">
+      <a:lvl4pPr marL="0" marR="0" indent="1829166" algn="l" defTabSz="782854" rtl="0" latinLnBrk="0">
         <a:lnSpc>
           <a:spcPct val="100000"/>
         </a:lnSpc>
@@ -8077,7 +8148,7 @@
         <a:buFontTx/>
         <a:buNone/>
         <a:tabLst/>
-        <a:defRPr sz="3800" b="1" i="0" u="none" strike="noStrike" cap="none" spc="0" baseline="0">
+        <a:defRPr sz="5067" b="1" i="0" u="none" strike="noStrike" cap="none" spc="0" baseline="0">
           <a:solidFill>
             <a:srgbClr val="000000"/>
           </a:solidFill>
@@ -8088,7 +8159,7 @@
           <a:sym typeface="Helvetica Neue"/>
         </a:defRPr>
       </a:lvl4pPr>
-      <a:lvl5pPr marL="0" marR="0" indent="1828800" algn="l" defTabSz="587022" rtl="0" latinLnBrk="0">
+      <a:lvl5pPr marL="0" marR="0" indent="2438889" algn="l" defTabSz="782854" rtl="0" latinLnBrk="0">
         <a:lnSpc>
           <a:spcPct val="100000"/>
         </a:lnSpc>
@@ -8103,7 +8174,7 @@
         <a:buFontTx/>
         <a:buNone/>
         <a:tabLst/>
-        <a:defRPr sz="3800" b="1" i="0" u="none" strike="noStrike" cap="none" spc="0" baseline="0">
+        <a:defRPr sz="5067" b="1" i="0" u="none" strike="noStrike" cap="none" spc="0" baseline="0">
           <a:solidFill>
             <a:srgbClr val="000000"/>
           </a:solidFill>
@@ -8114,7 +8185,7 @@
           <a:sym typeface="Helvetica Neue"/>
         </a:defRPr>
       </a:lvl5pPr>
-      <a:lvl6pPr marL="0" marR="0" indent="2286000" algn="l" defTabSz="587022" rtl="0" latinLnBrk="0">
+      <a:lvl6pPr marL="0" marR="0" indent="3048608" algn="l" defTabSz="782854" rtl="0" latinLnBrk="0">
         <a:lnSpc>
           <a:spcPct val="100000"/>
         </a:lnSpc>
@@ -8129,7 +8200,7 @@
         <a:buFontTx/>
         <a:buNone/>
         <a:tabLst/>
-        <a:defRPr sz="3800" b="1" i="0" u="none" strike="noStrike" cap="none" spc="0" baseline="0">
+        <a:defRPr sz="5067" b="1" i="0" u="none" strike="noStrike" cap="none" spc="0" baseline="0">
           <a:solidFill>
             <a:srgbClr val="000000"/>
           </a:solidFill>
@@ -8140,7 +8211,7 @@
           <a:sym typeface="Helvetica Neue"/>
         </a:defRPr>
       </a:lvl6pPr>
-      <a:lvl7pPr marL="0" marR="0" indent="2743200" algn="l" defTabSz="587022" rtl="0" latinLnBrk="0">
+      <a:lvl7pPr marL="0" marR="0" indent="3658334" algn="l" defTabSz="782854" rtl="0" latinLnBrk="0">
         <a:lnSpc>
           <a:spcPct val="100000"/>
         </a:lnSpc>
@@ -8155,7 +8226,7 @@
         <a:buFontTx/>
         <a:buNone/>
         <a:tabLst/>
-        <a:defRPr sz="3800" b="1" i="0" u="none" strike="noStrike" cap="none" spc="0" baseline="0">
+        <a:defRPr sz="5067" b="1" i="0" u="none" strike="noStrike" cap="none" spc="0" baseline="0">
           <a:solidFill>
             <a:srgbClr val="000000"/>
           </a:solidFill>
@@ -8166,7 +8237,7 @@
           <a:sym typeface="Helvetica Neue"/>
         </a:defRPr>
       </a:lvl7pPr>
-      <a:lvl8pPr marL="0" marR="0" indent="3200400" algn="l" defTabSz="587022" rtl="0" latinLnBrk="0">
+      <a:lvl8pPr marL="0" marR="0" indent="4268053" algn="l" defTabSz="782854" rtl="0" latinLnBrk="0">
         <a:lnSpc>
           <a:spcPct val="100000"/>
         </a:lnSpc>
@@ -8181,7 +8252,7 @@
         <a:buFontTx/>
         <a:buNone/>
         <a:tabLst/>
-        <a:defRPr sz="3800" b="1" i="0" u="none" strike="noStrike" cap="none" spc="0" baseline="0">
+        <a:defRPr sz="5067" b="1" i="0" u="none" strike="noStrike" cap="none" spc="0" baseline="0">
           <a:solidFill>
             <a:srgbClr val="000000"/>
           </a:solidFill>
@@ -8192,7 +8263,7 @@
           <a:sym typeface="Helvetica Neue"/>
         </a:defRPr>
       </a:lvl8pPr>
-      <a:lvl9pPr marL="0" marR="0" indent="3657600" algn="l" defTabSz="587022" rtl="0" latinLnBrk="0">
+      <a:lvl9pPr marL="0" marR="0" indent="4877776" algn="l" defTabSz="782854" rtl="0" latinLnBrk="0">
         <a:lnSpc>
           <a:spcPct val="100000"/>
         </a:lnSpc>
@@ -8207,7 +8278,7 @@
         <a:buFontTx/>
         <a:buNone/>
         <a:tabLst/>
-        <a:defRPr sz="3800" b="1" i="0" u="none" strike="noStrike" cap="none" spc="0" baseline="0">
+        <a:defRPr sz="5067" b="1" i="0" u="none" strike="noStrike" cap="none" spc="0" baseline="0">
           <a:solidFill>
             <a:srgbClr val="000000"/>
           </a:solidFill>
@@ -8220,7 +8291,7 @@
       </a:lvl9pPr>
     </p:bodyStyle>
     <p:otherStyle>
-      <a:lvl1pPr marL="0" marR="0" indent="0" algn="ctr" defTabSz="415431" rtl="0" latinLnBrk="0">
+      <a:lvl1pPr marL="0" marR="0" indent="0" algn="ctr" defTabSz="554020" rtl="0" latinLnBrk="0">
         <a:lnSpc>
           <a:spcPct val="100000"/>
         </a:lnSpc>
@@ -8235,7 +8306,7 @@
         <a:buFontTx/>
         <a:buNone/>
         <a:tabLst/>
-        <a:defRPr sz="1200" b="0" i="0" u="none" strike="noStrike" cap="none" spc="0" baseline="0">
+        <a:defRPr sz="1600" b="0" i="0" u="none" strike="noStrike" cap="none" spc="0" baseline="0">
           <a:solidFill>
             <a:schemeClr val="tx1"/>
           </a:solidFill>
@@ -8246,7 +8317,7 @@
           <a:sym typeface="Helvetica Neue"/>
         </a:defRPr>
       </a:lvl1pPr>
-      <a:lvl2pPr marL="0" marR="0" indent="457200" algn="ctr" defTabSz="415431" rtl="0" latinLnBrk="0">
+      <a:lvl2pPr marL="0" marR="0" indent="609722" algn="ctr" defTabSz="554020" rtl="0" latinLnBrk="0">
         <a:lnSpc>
           <a:spcPct val="100000"/>
         </a:lnSpc>
@@ -8261,7 +8332,7 @@
         <a:buFontTx/>
         <a:buNone/>
         <a:tabLst/>
-        <a:defRPr sz="1200" b="0" i="0" u="none" strike="noStrike" cap="none" spc="0" baseline="0">
+        <a:defRPr sz="1600" b="0" i="0" u="none" strike="noStrike" cap="none" spc="0" baseline="0">
           <a:solidFill>
             <a:schemeClr val="tx1"/>
           </a:solidFill>
@@ -8272,7 +8343,7 @@
           <a:sym typeface="Helvetica Neue"/>
         </a:defRPr>
       </a:lvl2pPr>
-      <a:lvl3pPr marL="0" marR="0" indent="914400" algn="ctr" defTabSz="415431" rtl="0" latinLnBrk="0">
+      <a:lvl3pPr marL="0" marR="0" indent="1219445" algn="ctr" defTabSz="554020" rtl="0" latinLnBrk="0">
         <a:lnSpc>
           <a:spcPct val="100000"/>
         </a:lnSpc>
@@ -8287,7 +8358,7 @@
         <a:buFontTx/>
         <a:buNone/>
         <a:tabLst/>
-        <a:defRPr sz="1200" b="0" i="0" u="none" strike="noStrike" cap="none" spc="0" baseline="0">
+        <a:defRPr sz="1600" b="0" i="0" u="none" strike="noStrike" cap="none" spc="0" baseline="0">
           <a:solidFill>
             <a:schemeClr val="tx1"/>
           </a:solidFill>
@@ -8298,7 +8369,7 @@
           <a:sym typeface="Helvetica Neue"/>
         </a:defRPr>
       </a:lvl3pPr>
-      <a:lvl4pPr marL="0" marR="0" indent="1371600" algn="ctr" defTabSz="415431" rtl="0" latinLnBrk="0">
+      <a:lvl4pPr marL="0" marR="0" indent="1829166" algn="ctr" defTabSz="554020" rtl="0" latinLnBrk="0">
         <a:lnSpc>
           <a:spcPct val="100000"/>
         </a:lnSpc>
@@ -8313,7 +8384,7 @@
         <a:buFontTx/>
         <a:buNone/>
         <a:tabLst/>
-        <a:defRPr sz="1200" b="0" i="0" u="none" strike="noStrike" cap="none" spc="0" baseline="0">
+        <a:defRPr sz="1600" b="0" i="0" u="none" strike="noStrike" cap="none" spc="0" baseline="0">
           <a:solidFill>
             <a:schemeClr val="tx1"/>
           </a:solidFill>
@@ -8324,7 +8395,7 @@
           <a:sym typeface="Helvetica Neue"/>
         </a:defRPr>
       </a:lvl4pPr>
-      <a:lvl5pPr marL="0" marR="0" indent="1828800" algn="ctr" defTabSz="415431" rtl="0" latinLnBrk="0">
+      <a:lvl5pPr marL="0" marR="0" indent="2438889" algn="ctr" defTabSz="554020" rtl="0" latinLnBrk="0">
         <a:lnSpc>
           <a:spcPct val="100000"/>
         </a:lnSpc>
@@ -8339,7 +8410,7 @@
         <a:buFontTx/>
         <a:buNone/>
         <a:tabLst/>
-        <a:defRPr sz="1200" b="0" i="0" u="none" strike="noStrike" cap="none" spc="0" baseline="0">
+        <a:defRPr sz="1600" b="0" i="0" u="none" strike="noStrike" cap="none" spc="0" baseline="0">
           <a:solidFill>
             <a:schemeClr val="tx1"/>
           </a:solidFill>
@@ -8350,7 +8421,7 @@
           <a:sym typeface="Helvetica Neue"/>
         </a:defRPr>
       </a:lvl5pPr>
-      <a:lvl6pPr marL="0" marR="0" indent="2286000" algn="ctr" defTabSz="415431" rtl="0" latinLnBrk="0">
+      <a:lvl6pPr marL="0" marR="0" indent="3048608" algn="ctr" defTabSz="554020" rtl="0" latinLnBrk="0">
         <a:lnSpc>
           <a:spcPct val="100000"/>
         </a:lnSpc>
@@ -8365,7 +8436,7 @@
         <a:buFontTx/>
         <a:buNone/>
         <a:tabLst/>
-        <a:defRPr sz="1200" b="0" i="0" u="none" strike="noStrike" cap="none" spc="0" baseline="0">
+        <a:defRPr sz="1600" b="0" i="0" u="none" strike="noStrike" cap="none" spc="0" baseline="0">
           <a:solidFill>
             <a:schemeClr val="tx1"/>
           </a:solidFill>
@@ -8376,7 +8447,7 @@
           <a:sym typeface="Helvetica Neue"/>
         </a:defRPr>
       </a:lvl6pPr>
-      <a:lvl7pPr marL="0" marR="0" indent="2743200" algn="ctr" defTabSz="415431" rtl="0" latinLnBrk="0">
+      <a:lvl7pPr marL="0" marR="0" indent="3658334" algn="ctr" defTabSz="554020" rtl="0" latinLnBrk="0">
         <a:lnSpc>
           <a:spcPct val="100000"/>
         </a:lnSpc>
@@ -8391,7 +8462,7 @@
         <a:buFontTx/>
         <a:buNone/>
         <a:tabLst/>
-        <a:defRPr sz="1200" b="0" i="0" u="none" strike="noStrike" cap="none" spc="0" baseline="0">
+        <a:defRPr sz="1600" b="0" i="0" u="none" strike="noStrike" cap="none" spc="0" baseline="0">
           <a:solidFill>
             <a:schemeClr val="tx1"/>
           </a:solidFill>
@@ -8402,7 +8473,7 @@
           <a:sym typeface="Helvetica Neue"/>
         </a:defRPr>
       </a:lvl7pPr>
-      <a:lvl8pPr marL="0" marR="0" indent="3200400" algn="ctr" defTabSz="415431" rtl="0" latinLnBrk="0">
+      <a:lvl8pPr marL="0" marR="0" indent="4268053" algn="ctr" defTabSz="554020" rtl="0" latinLnBrk="0">
         <a:lnSpc>
           <a:spcPct val="100000"/>
         </a:lnSpc>
@@ -8417,7 +8488,7 @@
         <a:buFontTx/>
         <a:buNone/>
         <a:tabLst/>
-        <a:defRPr sz="1200" b="0" i="0" u="none" strike="noStrike" cap="none" spc="0" baseline="0">
+        <a:defRPr sz="1600" b="0" i="0" u="none" strike="noStrike" cap="none" spc="0" baseline="0">
           <a:solidFill>
             <a:schemeClr val="tx1"/>
           </a:solidFill>
@@ -8428,7 +8499,7 @@
           <a:sym typeface="Helvetica Neue"/>
         </a:defRPr>
       </a:lvl8pPr>
-      <a:lvl9pPr marL="0" marR="0" indent="3657600" algn="ctr" defTabSz="415431" rtl="0" latinLnBrk="0">
+      <a:lvl9pPr marL="0" marR="0" indent="4877776" algn="ctr" defTabSz="554020" rtl="0" latinLnBrk="0">
         <a:lnSpc>
           <a:spcPct val="100000"/>
         </a:lnSpc>
@@ -8443,7 +8514,7 @@
         <a:buFontTx/>
         <a:buNone/>
         <a:tabLst/>
-        <a:defRPr sz="1200" b="0" i="0" u="none" strike="noStrike" cap="none" spc="0" baseline="0">
+        <a:defRPr sz="1600" b="0" i="0" u="none" strike="noStrike" cap="none" spc="0" baseline="0">
           <a:solidFill>
             <a:schemeClr val="tx1"/>
           </a:solidFill>
@@ -8499,8 +8570,8 @@
         </p:nvSpPr>
         <p:spPr>
           <a:xfrm>
-            <a:off x="894080" y="519290"/>
-            <a:ext cx="11216640" cy="1885245"/>
+            <a:off x="1192143" y="519303"/>
+            <a:ext cx="14955977" cy="1885245"/>
           </a:xfrm>
           <a:prstGeom prst="rect">
             <a:avLst/>
@@ -8538,8 +8609,8 @@
         </p:nvSpPr>
         <p:spPr>
           <a:xfrm>
-            <a:off x="894080" y="2596444"/>
-            <a:ext cx="11216640" cy="6188570"/>
+            <a:off x="1192143" y="2596444"/>
+            <a:ext cx="14955977" cy="6188570"/>
           </a:xfrm>
           <a:prstGeom prst="rect">
             <a:avLst/>
@@ -8606,8 +8677,8 @@
         </p:nvSpPr>
         <p:spPr>
           <a:xfrm>
-            <a:off x="894080" y="9040143"/>
-            <a:ext cx="2926080" cy="519289"/>
+            <a:off x="1192143" y="9040156"/>
+            <a:ext cx="3901559" cy="519289"/>
           </a:xfrm>
           <a:prstGeom prst="rect">
             <a:avLst/>
@@ -8617,7 +8688,7 @@
           <a:bodyPr vert="horz" lIns="91440" tIns="45720" rIns="91440" bIns="45720" rtlCol="0" anchor="ctr"/>
           <a:lstStyle>
             <a:lvl1pPr algn="l">
-              <a:defRPr sz="1280">
+              <a:defRPr sz="1707">
                 <a:solidFill>
                   <a:schemeClr val="tx1">
                     <a:tint val="75000"/>
@@ -8629,7 +8700,7 @@
           <a:p>
             <a:fld id="{54D997E8-DDEE-43F1-8D9B-F8A1E11DE488}" type="datetime1">
               <a:rPr lang="en-US" smtClean="0"/>
-              <a:t>4/2/2022</a:t>
+              <a:t>4/3/2022</a:t>
             </a:fld>
             <a:endParaRPr lang="en-US"/>
           </a:p>
@@ -8653,8 +8724,8 @@
         </p:nvSpPr>
         <p:spPr>
           <a:xfrm>
-            <a:off x="4307840" y="9040143"/>
-            <a:ext cx="4389120" cy="519289"/>
+            <a:off x="5743962" y="9040156"/>
+            <a:ext cx="5852339" cy="519289"/>
           </a:xfrm>
           <a:prstGeom prst="rect">
             <a:avLst/>
@@ -8664,7 +8735,7 @@
           <a:bodyPr vert="horz" lIns="91440" tIns="45720" rIns="91440" bIns="45720" rtlCol="0" anchor="ctr"/>
           <a:lstStyle>
             <a:lvl1pPr algn="ctr">
-              <a:defRPr sz="1280">
+              <a:defRPr sz="1707">
                 <a:solidFill>
                   <a:schemeClr val="tx1">
                     <a:tint val="75000"/>
@@ -8696,8 +8767,8 @@
         </p:nvSpPr>
         <p:spPr>
           <a:xfrm>
-            <a:off x="9184640" y="9040143"/>
-            <a:ext cx="2926080" cy="519289"/>
+            <a:off x="12246562" y="9040156"/>
+            <a:ext cx="3901559" cy="519289"/>
           </a:xfrm>
           <a:prstGeom prst="rect">
             <a:avLst/>
@@ -8707,7 +8778,7 @@
           <a:bodyPr vert="horz" lIns="91440" tIns="45720" rIns="91440" bIns="45720" rtlCol="0" anchor="ctr"/>
           <a:lstStyle>
             <a:lvl1pPr algn="r">
-              <a:defRPr sz="1280">
+              <a:defRPr sz="1707">
                 <a:solidFill>
                   <a:schemeClr val="tx1">
                     <a:tint val="75000"/>
@@ -8751,7 +8822,7 @@
   <p:hf hdr="0" ftr="0" dt="0"/>
   <p:txStyles>
     <p:titleStyle>
-      <a:lvl1pPr algn="l" defTabSz="975390" rtl="0" eaLnBrk="1" latinLnBrk="0" hangingPunct="1">
+      <a:lvl1pPr algn="l" defTabSz="1300781" rtl="0" eaLnBrk="1" latinLnBrk="0" hangingPunct="1">
         <a:lnSpc>
           <a:spcPct val="90000"/>
         </a:lnSpc>
@@ -8759,7 +8830,7 @@
           <a:spcPct val="0"/>
         </a:spcBef>
         <a:buNone/>
-        <a:defRPr sz="4693" kern="1200">
+        <a:defRPr sz="6259" kern="1200">
           <a:solidFill>
             <a:srgbClr val="0070C0"/>
           </a:solidFill>
@@ -8770,16 +8841,16 @@
       </a:lvl1pPr>
     </p:titleStyle>
     <p:bodyStyle>
-      <a:lvl1pPr marL="243848" indent="-243848" algn="l" defTabSz="975390" rtl="0" eaLnBrk="1" latinLnBrk="0" hangingPunct="1">
+      <a:lvl1pPr marL="325195" indent="-325195" algn="l" defTabSz="1300781" rtl="0" eaLnBrk="1" latinLnBrk="0" hangingPunct="1">
         <a:lnSpc>
           <a:spcPct val="90000"/>
         </a:lnSpc>
         <a:spcBef>
-          <a:spcPts val="1067"/>
+          <a:spcPts val="1423"/>
         </a:spcBef>
         <a:buFont typeface="Arial" panose="020B0604020202020204" pitchFamily="34" charset="0"/>
         <a:buChar char="•"/>
-        <a:defRPr sz="2987" kern="1200">
+        <a:defRPr sz="3983" kern="1200">
           <a:solidFill>
             <a:schemeClr val="tx1"/>
           </a:solidFill>
@@ -8788,12 +8859,48 @@
           <a:cs typeface="+mn-cs"/>
         </a:defRPr>
       </a:lvl1pPr>
-      <a:lvl2pPr marL="731543" indent="-243848" algn="l" defTabSz="975390" rtl="0" eaLnBrk="1" latinLnBrk="0" hangingPunct="1">
+      <a:lvl2pPr marL="975583" indent="-325195" algn="l" defTabSz="1300781" rtl="0" eaLnBrk="1" latinLnBrk="0" hangingPunct="1">
         <a:lnSpc>
           <a:spcPct val="90000"/>
         </a:lnSpc>
         <a:spcBef>
-          <a:spcPts val="533"/>
+          <a:spcPts val="711"/>
+        </a:spcBef>
+        <a:buFont typeface="Arial" panose="020B0604020202020204" pitchFamily="34" charset="0"/>
+        <a:buChar char="•"/>
+        <a:defRPr sz="3415" kern="1200">
+          <a:solidFill>
+            <a:schemeClr val="tx1"/>
+          </a:solidFill>
+          <a:latin typeface="+mn-lt"/>
+          <a:ea typeface="+mn-ea"/>
+          <a:cs typeface="+mn-cs"/>
+        </a:defRPr>
+      </a:lvl2pPr>
+      <a:lvl3pPr marL="1625976" indent="-325195" algn="l" defTabSz="1300781" rtl="0" eaLnBrk="1" latinLnBrk="0" hangingPunct="1">
+        <a:lnSpc>
+          <a:spcPct val="90000"/>
+        </a:lnSpc>
+        <a:spcBef>
+          <a:spcPts val="711"/>
+        </a:spcBef>
+        <a:buFont typeface="Arial" panose="020B0604020202020204" pitchFamily="34" charset="0"/>
+        <a:buChar char="•"/>
+        <a:defRPr sz="2844" kern="1200">
+          <a:solidFill>
+            <a:schemeClr val="tx1"/>
+          </a:solidFill>
+          <a:latin typeface="+mn-lt"/>
+          <a:ea typeface="+mn-ea"/>
+          <a:cs typeface="+mn-cs"/>
+        </a:defRPr>
+      </a:lvl3pPr>
+      <a:lvl4pPr marL="2276366" indent="-325195" algn="l" defTabSz="1300781" rtl="0" eaLnBrk="1" latinLnBrk="0" hangingPunct="1">
+        <a:lnSpc>
+          <a:spcPct val="90000"/>
+        </a:lnSpc>
+        <a:spcBef>
+          <a:spcPts val="711"/>
         </a:spcBef>
         <a:buFont typeface="Arial" panose="020B0604020202020204" pitchFamily="34" charset="0"/>
         <a:buChar char="•"/>
@@ -8805,53 +8912,17 @@
           <a:ea typeface="+mn-ea"/>
           <a:cs typeface="+mn-cs"/>
         </a:defRPr>
-      </a:lvl2pPr>
-      <a:lvl3pPr marL="1219238" indent="-243848" algn="l" defTabSz="975390" rtl="0" eaLnBrk="1" latinLnBrk="0" hangingPunct="1">
+      </a:lvl4pPr>
+      <a:lvl5pPr marL="2926758" indent="-325195" algn="l" defTabSz="1300781" rtl="0" eaLnBrk="1" latinLnBrk="0" hangingPunct="1">
         <a:lnSpc>
           <a:spcPct val="90000"/>
         </a:lnSpc>
         <a:spcBef>
-          <a:spcPts val="533"/>
+          <a:spcPts val="711"/>
         </a:spcBef>
         <a:buFont typeface="Arial" panose="020B0604020202020204" pitchFamily="34" charset="0"/>
         <a:buChar char="•"/>
-        <a:defRPr sz="2133" kern="1200">
-          <a:solidFill>
-            <a:schemeClr val="tx1"/>
-          </a:solidFill>
-          <a:latin typeface="+mn-lt"/>
-          <a:ea typeface="+mn-ea"/>
-          <a:cs typeface="+mn-cs"/>
-        </a:defRPr>
-      </a:lvl3pPr>
-      <a:lvl4pPr marL="1706933" indent="-243848" algn="l" defTabSz="975390" rtl="0" eaLnBrk="1" latinLnBrk="0" hangingPunct="1">
-        <a:lnSpc>
-          <a:spcPct val="90000"/>
-        </a:lnSpc>
-        <a:spcBef>
-          <a:spcPts val="533"/>
-        </a:spcBef>
-        <a:buFont typeface="Arial" panose="020B0604020202020204" pitchFamily="34" charset="0"/>
-        <a:buChar char="•"/>
-        <a:defRPr sz="1920" kern="1200">
-          <a:solidFill>
-            <a:schemeClr val="tx1"/>
-          </a:solidFill>
-          <a:latin typeface="+mn-lt"/>
-          <a:ea typeface="+mn-ea"/>
-          <a:cs typeface="+mn-cs"/>
-        </a:defRPr>
-      </a:lvl4pPr>
-      <a:lvl5pPr marL="2194629" indent="-243848" algn="l" defTabSz="975390" rtl="0" eaLnBrk="1" latinLnBrk="0" hangingPunct="1">
-        <a:lnSpc>
-          <a:spcPct val="90000"/>
-        </a:lnSpc>
-        <a:spcBef>
-          <a:spcPts val="533"/>
-        </a:spcBef>
-        <a:buFont typeface="Arial" panose="020B0604020202020204" pitchFamily="34" charset="0"/>
-        <a:buChar char="•"/>
-        <a:defRPr sz="1920" kern="1200">
+        <a:defRPr sz="2560" kern="1200">
           <a:solidFill>
             <a:schemeClr val="tx1"/>
           </a:solidFill>
@@ -8860,16 +8931,16 @@
           <a:cs typeface="+mn-cs"/>
         </a:defRPr>
       </a:lvl5pPr>
-      <a:lvl6pPr marL="2682324" indent="-243848" algn="l" defTabSz="975390" rtl="0" eaLnBrk="1" latinLnBrk="0" hangingPunct="1">
+      <a:lvl6pPr marL="3577147" indent="-325195" algn="l" defTabSz="1300781" rtl="0" eaLnBrk="1" latinLnBrk="0" hangingPunct="1">
         <a:lnSpc>
           <a:spcPct val="90000"/>
         </a:lnSpc>
         <a:spcBef>
-          <a:spcPts val="533"/>
+          <a:spcPts val="711"/>
         </a:spcBef>
         <a:buFont typeface="Arial" panose="020B0604020202020204" pitchFamily="34" charset="0"/>
         <a:buChar char="•"/>
-        <a:defRPr sz="1920" kern="1200">
+        <a:defRPr sz="2560" kern="1200">
           <a:solidFill>
             <a:schemeClr val="tx1"/>
           </a:solidFill>
@@ -8878,16 +8949,16 @@
           <a:cs typeface="+mn-cs"/>
         </a:defRPr>
       </a:lvl6pPr>
-      <a:lvl7pPr marL="3170019" indent="-243848" algn="l" defTabSz="975390" rtl="0" eaLnBrk="1" latinLnBrk="0" hangingPunct="1">
+      <a:lvl7pPr marL="4227538" indent="-325195" algn="l" defTabSz="1300781" rtl="0" eaLnBrk="1" latinLnBrk="0" hangingPunct="1">
         <a:lnSpc>
           <a:spcPct val="90000"/>
         </a:lnSpc>
         <a:spcBef>
-          <a:spcPts val="533"/>
+          <a:spcPts val="711"/>
         </a:spcBef>
         <a:buFont typeface="Arial" panose="020B0604020202020204" pitchFamily="34" charset="0"/>
         <a:buChar char="•"/>
-        <a:defRPr sz="1920" kern="1200">
+        <a:defRPr sz="2560" kern="1200">
           <a:solidFill>
             <a:schemeClr val="tx1"/>
           </a:solidFill>
@@ -8896,16 +8967,16 @@
           <a:cs typeface="+mn-cs"/>
         </a:defRPr>
       </a:lvl7pPr>
-      <a:lvl8pPr marL="3657714" indent="-243848" algn="l" defTabSz="975390" rtl="0" eaLnBrk="1" latinLnBrk="0" hangingPunct="1">
+      <a:lvl8pPr marL="4877928" indent="-325195" algn="l" defTabSz="1300781" rtl="0" eaLnBrk="1" latinLnBrk="0" hangingPunct="1">
         <a:lnSpc>
           <a:spcPct val="90000"/>
         </a:lnSpc>
         <a:spcBef>
-          <a:spcPts val="533"/>
+          <a:spcPts val="711"/>
         </a:spcBef>
         <a:buFont typeface="Arial" panose="020B0604020202020204" pitchFamily="34" charset="0"/>
         <a:buChar char="•"/>
-        <a:defRPr sz="1920" kern="1200">
+        <a:defRPr sz="2560" kern="1200">
           <a:solidFill>
             <a:schemeClr val="tx1"/>
           </a:solidFill>
@@ -8914,16 +8985,16 @@
           <a:cs typeface="+mn-cs"/>
         </a:defRPr>
       </a:lvl8pPr>
-      <a:lvl9pPr marL="4145410" indent="-243848" algn="l" defTabSz="975390" rtl="0" eaLnBrk="1" latinLnBrk="0" hangingPunct="1">
+      <a:lvl9pPr marL="5528319" indent="-325195" algn="l" defTabSz="1300781" rtl="0" eaLnBrk="1" latinLnBrk="0" hangingPunct="1">
         <a:lnSpc>
           <a:spcPct val="90000"/>
         </a:lnSpc>
         <a:spcBef>
-          <a:spcPts val="533"/>
+          <a:spcPts val="711"/>
         </a:spcBef>
         <a:buFont typeface="Arial" panose="020B0604020202020204" pitchFamily="34" charset="0"/>
         <a:buChar char="•"/>
-        <a:defRPr sz="1920" kern="1200">
+        <a:defRPr sz="2560" kern="1200">
           <a:solidFill>
             <a:schemeClr val="tx1"/>
           </a:solidFill>
@@ -8937,8 +9008,8 @@
       <a:defPPr>
         <a:defRPr lang="en-US"/>
       </a:defPPr>
-      <a:lvl1pPr marL="0" algn="l" defTabSz="975390" rtl="0" eaLnBrk="1" latinLnBrk="0" hangingPunct="1">
-        <a:defRPr sz="1920" kern="1200">
+      <a:lvl1pPr marL="0" algn="l" defTabSz="1300781" rtl="0" eaLnBrk="1" latinLnBrk="0" hangingPunct="1">
+        <a:defRPr sz="2560" kern="1200">
           <a:solidFill>
             <a:schemeClr val="tx1"/>
           </a:solidFill>
@@ -8947,8 +9018,8 @@
           <a:cs typeface="+mn-cs"/>
         </a:defRPr>
       </a:lvl1pPr>
-      <a:lvl2pPr marL="487695" algn="l" defTabSz="975390" rtl="0" eaLnBrk="1" latinLnBrk="0" hangingPunct="1">
-        <a:defRPr sz="1920" kern="1200">
+      <a:lvl2pPr marL="650391" algn="l" defTabSz="1300781" rtl="0" eaLnBrk="1" latinLnBrk="0" hangingPunct="1">
+        <a:defRPr sz="2560" kern="1200">
           <a:solidFill>
             <a:schemeClr val="tx1"/>
           </a:solidFill>
@@ -8957,8 +9028,8 @@
           <a:cs typeface="+mn-cs"/>
         </a:defRPr>
       </a:lvl2pPr>
-      <a:lvl3pPr marL="975390" algn="l" defTabSz="975390" rtl="0" eaLnBrk="1" latinLnBrk="0" hangingPunct="1">
-        <a:defRPr sz="1920" kern="1200">
+      <a:lvl3pPr marL="1300781" algn="l" defTabSz="1300781" rtl="0" eaLnBrk="1" latinLnBrk="0" hangingPunct="1">
+        <a:defRPr sz="2560" kern="1200">
           <a:solidFill>
             <a:schemeClr val="tx1"/>
           </a:solidFill>
@@ -8967,8 +9038,8 @@
           <a:cs typeface="+mn-cs"/>
         </a:defRPr>
       </a:lvl3pPr>
-      <a:lvl4pPr marL="1463086" algn="l" defTabSz="975390" rtl="0" eaLnBrk="1" latinLnBrk="0" hangingPunct="1">
-        <a:defRPr sz="1920" kern="1200">
+      <a:lvl4pPr marL="1951172" algn="l" defTabSz="1300781" rtl="0" eaLnBrk="1" latinLnBrk="0" hangingPunct="1">
+        <a:defRPr sz="2560" kern="1200">
           <a:solidFill>
             <a:schemeClr val="tx1"/>
           </a:solidFill>
@@ -8977,8 +9048,8 @@
           <a:cs typeface="+mn-cs"/>
         </a:defRPr>
       </a:lvl4pPr>
-      <a:lvl5pPr marL="1950781" algn="l" defTabSz="975390" rtl="0" eaLnBrk="1" latinLnBrk="0" hangingPunct="1">
-        <a:defRPr sz="1920" kern="1200">
+      <a:lvl5pPr marL="2601561" algn="l" defTabSz="1300781" rtl="0" eaLnBrk="1" latinLnBrk="0" hangingPunct="1">
+        <a:defRPr sz="2560" kern="1200">
           <a:solidFill>
             <a:schemeClr val="tx1"/>
           </a:solidFill>
@@ -8987,8 +9058,8 @@
           <a:cs typeface="+mn-cs"/>
         </a:defRPr>
       </a:lvl5pPr>
-      <a:lvl6pPr marL="2438476" algn="l" defTabSz="975390" rtl="0" eaLnBrk="1" latinLnBrk="0" hangingPunct="1">
-        <a:defRPr sz="1920" kern="1200">
+      <a:lvl6pPr marL="3251952" algn="l" defTabSz="1300781" rtl="0" eaLnBrk="1" latinLnBrk="0" hangingPunct="1">
+        <a:defRPr sz="2560" kern="1200">
           <a:solidFill>
             <a:schemeClr val="tx1"/>
           </a:solidFill>
@@ -8997,8 +9068,8 @@
           <a:cs typeface="+mn-cs"/>
         </a:defRPr>
       </a:lvl6pPr>
-      <a:lvl7pPr marL="2926171" algn="l" defTabSz="975390" rtl="0" eaLnBrk="1" latinLnBrk="0" hangingPunct="1">
-        <a:defRPr sz="1920" kern="1200">
+      <a:lvl7pPr marL="3902342" algn="l" defTabSz="1300781" rtl="0" eaLnBrk="1" latinLnBrk="0" hangingPunct="1">
+        <a:defRPr sz="2560" kern="1200">
           <a:solidFill>
             <a:schemeClr val="tx1"/>
           </a:solidFill>
@@ -9007,8 +9078,8 @@
           <a:cs typeface="+mn-cs"/>
         </a:defRPr>
       </a:lvl7pPr>
-      <a:lvl8pPr marL="3413867" algn="l" defTabSz="975390" rtl="0" eaLnBrk="1" latinLnBrk="0" hangingPunct="1">
-        <a:defRPr sz="1920" kern="1200">
+      <a:lvl8pPr marL="4552734" algn="l" defTabSz="1300781" rtl="0" eaLnBrk="1" latinLnBrk="0" hangingPunct="1">
+        <a:defRPr sz="2560" kern="1200">
           <a:solidFill>
             <a:schemeClr val="tx1"/>
           </a:solidFill>
@@ -9017,8 +9088,8 @@
           <a:cs typeface="+mn-cs"/>
         </a:defRPr>
       </a:lvl8pPr>
-      <a:lvl9pPr marL="3901562" algn="l" defTabSz="975390" rtl="0" eaLnBrk="1" latinLnBrk="0" hangingPunct="1">
-        <a:defRPr sz="1920" kern="1200">
+      <a:lvl9pPr marL="5203123" algn="l" defTabSz="1300781" rtl="0" eaLnBrk="1" latinLnBrk="0" hangingPunct="1">
+        <a:defRPr sz="2560" kern="1200">
           <a:solidFill>
             <a:schemeClr val="tx1"/>
           </a:solidFill>
@@ -9061,15 +9132,17 @@
         </p:nvSpPr>
         <p:spPr>
           <a:xfrm>
-            <a:off x="643465" y="2159035"/>
-            <a:ext cx="11717870" cy="2479041"/>
+            <a:off x="1867711" y="1253015"/>
+            <a:ext cx="14614573" cy="2481981"/>
           </a:xfrm>
           <a:prstGeom prst="rect">
             <a:avLst/>
           </a:prstGeom>
         </p:spPr>
         <p:txBody>
-          <a:bodyPr/>
+          <a:bodyPr>
+            <a:normAutofit/>
+          </a:bodyPr>
           <a:lstStyle/>
           <a:p>
             <a:pPr>
@@ -9080,7 +9153,7 @@
               </a:defRPr>
             </a:pPr>
             <a:r>
-              <a:rPr dirty="0"/>
+              <a:rPr sz="6000" dirty="0"/>
               <a:t>CS 4530</a:t>
             </a:r>
           </a:p>
@@ -9093,15 +9166,15 @@
               </a:defRPr>
             </a:pPr>
             <a:r>
-              <a:rPr dirty="0"/>
+              <a:rPr sz="6000" dirty="0"/>
               <a:t>Fundamentals</a:t>
             </a:r>
             <a:r>
-              <a:rPr lang="en-US" dirty="0"/>
+              <a:rPr lang="en-US" sz="6000" dirty="0"/>
               <a:t> </a:t>
             </a:r>
             <a:r>
-              <a:rPr dirty="0"/>
+              <a:rPr sz="6000" dirty="0"/>
               <a:t>of Software Engineering</a:t>
             </a:r>
           </a:p>
@@ -9119,22 +9192,24 @@
         </p:nvSpPr>
         <p:spPr>
           <a:xfrm>
-            <a:off x="643466" y="5733117"/>
-            <a:ext cx="11717868" cy="1016001"/>
+            <a:off x="1867710" y="6018604"/>
+            <a:ext cx="14614573" cy="1354709"/>
           </a:xfrm>
           <a:prstGeom prst="rect">
             <a:avLst/>
           </a:prstGeom>
         </p:spPr>
         <p:txBody>
-          <a:bodyPr/>
+          <a:bodyPr>
+            <a:normAutofit/>
+          </a:bodyPr>
           <a:lstStyle/>
           <a:p>
             <a:pPr>
               <a:defRPr sz="2400"/>
             </a:pPr>
             <a:r>
-              <a:rPr lang="en-US" dirty="0"/>
+              <a:rPr lang="en-US" sz="3200" dirty="0"/>
               <a:t>Jonathan Bell, Adeel Bhutta, Ferdinand Vesely, Mitch Wand</a:t>
             </a:r>
           </a:p>
@@ -9143,7 +9218,7 @@
               <a:defRPr sz="2400"/>
             </a:pPr>
             <a:r>
-              <a:rPr lang="en-US" dirty="0"/>
+              <a:rPr lang="en-US" sz="3200" dirty="0"/>
               <a:t>Khoury College of Computer Sciences</a:t>
             </a:r>
           </a:p>
@@ -9157,8 +9232,8 @@
         </p:nvSpPr>
         <p:spPr>
           <a:xfrm>
-            <a:off x="643466" y="4604792"/>
-            <a:ext cx="11717868" cy="1016001"/>
+            <a:off x="1867710" y="4514124"/>
+            <a:ext cx="14614573" cy="1354709"/>
           </a:xfrm>
           <a:prstGeom prst="rect">
             <a:avLst/>
@@ -9168,13 +9243,13 @@
           </a:ln>
           <a:extLst>
             <a:ext uri="{C572A759-6A51-4108-AA02-DFA0A04FC94B}">
-              <ma14:wrappingTextBoxFlag xmlns:ma14="http://schemas.microsoft.com/office/mac/drawingml/2011/main" xmlns:a14="http://schemas.microsoft.com/office/drawing/2010/main" xmlns:m="http://schemas.openxmlformats.org/officeDocument/2006/math" xmlns="" val="1"/>
+              <ma14:wrappingTextBoxFlag xmlns="" xmlns:m="http://schemas.openxmlformats.org/officeDocument/2006/math" xmlns:a14="http://schemas.microsoft.com/office/drawing/2010/main" xmlns:ma14="http://schemas.microsoft.com/office/mac/drawingml/2011/main" val="1"/>
             </a:ext>
           </a:extLst>
         </p:spPr>
         <p:txBody>
-          <a:bodyPr lIns="27093" tIns="27093" rIns="27093" bIns="27093">
-            <a:normAutofit/>
+          <a:bodyPr lIns="36125" tIns="36125" rIns="36125" bIns="36125">
+            <a:normAutofit lnSpcReduction="10000"/>
           </a:bodyPr>
           <a:lstStyle>
             <a:lvl1pPr algn="l" defTabSz="587022">
@@ -9187,30 +9262,30 @@
           </a:lstStyle>
           <a:p>
             <a:r>
-              <a:rPr dirty="0"/>
+              <a:rPr sz="4400" dirty="0"/>
               <a:t>Lesson 1</a:t>
             </a:r>
             <a:r>
-              <a:rPr lang="en-US" dirty="0"/>
+              <a:rPr lang="en-US" sz="4400" dirty="0"/>
               <a:t>1</a:t>
             </a:r>
             <a:r>
-              <a:rPr dirty="0"/>
+              <a:rPr sz="4400" dirty="0"/>
               <a:t>: </a:t>
             </a:r>
             <a:r>
-              <a:rPr lang="en-US" dirty="0"/>
+              <a:rPr lang="en-US" sz="4400" dirty="0"/>
               <a:t>Code Smells, </a:t>
             </a:r>
             <a:r>
-              <a:rPr dirty="0"/>
+              <a:rPr sz="4400" dirty="0"/>
               <a:t>Refactoring</a:t>
             </a:r>
             <a:r>
-              <a:rPr lang="en-US" dirty="0"/>
+              <a:rPr lang="en-US" sz="4400" dirty="0"/>
               <a:t> and Technical Debt</a:t>
             </a:r>
-            <a:endParaRPr dirty="0"/>
+            <a:endParaRPr sz="4400" dirty="0"/>
           </a:p>
         </p:txBody>
       </p:sp>
@@ -9228,8 +9303,8 @@
         </p:nvSpPr>
         <p:spPr>
           <a:xfrm>
-            <a:off x="643465" y="8066550"/>
-            <a:ext cx="6096000" cy="400110"/>
+            <a:off x="1867710" y="7787513"/>
+            <a:ext cx="8128248" cy="523220"/>
           </a:xfrm>
           <a:prstGeom prst="rect">
             <a:avLst/>
@@ -9241,18 +9316,18 @@
           </a:bodyPr>
           <a:lstStyle/>
           <a:p>
-            <a:pPr algn="l" defTabSz="914400" hangingPunct="1"/>
-            <a:r>
-              <a:rPr lang="en-US" sz="2000" kern="1200" dirty="0">
+            <a:pPr algn="l" defTabSz="1219445" hangingPunct="1"/>
+            <a:r>
+              <a:rPr lang="en-US" sz="2800" kern="1200" dirty="0">
                 <a:solidFill>
                   <a:srgbClr val="5C5962"/>
                 </a:solidFill>
                 <a:latin typeface="Calibri" panose="020F0502020204030204"/>
               </a:rPr>
-              <a:t>© 2021 Released under the </a:t>
-            </a:r>
-            <a:r>
-              <a:rPr lang="en-US" sz="2000" kern="1200" dirty="0">
+              <a:t>© 2022 Released under the </a:t>
+            </a:r>
+            <a:r>
+              <a:rPr lang="en-US" sz="2800" kern="1200" dirty="0">
                 <a:solidFill>
                   <a:srgbClr val="D41B2C"/>
                 </a:solidFill>
@@ -9262,7 +9337,7 @@
               <a:t>CC BY-SA</a:t>
             </a:r>
             <a:r>
-              <a:rPr lang="en-US" sz="2000" kern="1200" dirty="0">
+              <a:rPr lang="en-US" sz="2800" kern="1200" dirty="0">
                 <a:solidFill>
                   <a:srgbClr val="5C5962"/>
                 </a:solidFill>
@@ -9270,7 +9345,7 @@
               </a:rPr>
               <a:t> license</a:t>
             </a:r>
-            <a:endParaRPr lang="en-US" sz="2000" kern="1200" dirty="0">
+            <a:endParaRPr lang="en-US" sz="2800" kern="1200" dirty="0">
               <a:solidFill>
                 <a:prstClr val="black"/>
               </a:solidFill>
@@ -9316,12 +9391,18 @@
           </p:nvPr>
         </p:nvSpPr>
         <p:spPr>
+          <a:xfrm>
+            <a:off x="857981" y="1483135"/>
+            <a:ext cx="15624301" cy="764354"/>
+          </a:xfrm>
           <a:prstGeom prst="rect">
             <a:avLst/>
           </a:prstGeom>
         </p:spPr>
         <p:txBody>
-          <a:bodyPr/>
+          <a:bodyPr>
+            <a:normAutofit/>
+          </a:bodyPr>
           <a:lstStyle>
             <a:lvl1pPr defTabSz="1369804">
               <a:defRPr sz="4740" spc="-94"/>
@@ -9329,6 +9410,7 @@
           </a:lstStyle>
           <a:p>
             <a:r>
+              <a:rPr sz="4400" dirty="0"/>
               <a:t>Observations</a:t>
             </a:r>
           </a:p>
@@ -9351,7 +9433,7 @@
         </p:spPr>
         <p:txBody>
           <a:bodyPr>
-            <a:normAutofit lnSpcReduction="10000"/>
+            <a:normAutofit fontScale="85000" lnSpcReduction="20000"/>
           </a:bodyPr>
           <a:lstStyle/>
           <a:p>
@@ -9375,17 +9457,19 @@
           </a:prstGeom>
         </p:spPr>
         <p:txBody>
-          <a:bodyPr/>
+          <a:bodyPr>
+            <a:normAutofit lnSpcReduction="10000"/>
+          </a:bodyPr>
           <a:lstStyle/>
           <a:p>
-            <a:pPr marL="397256" indent="-397256" defTabSz="1595215">
+            <a:pPr marL="529781" indent="-529781" defTabSz="2127380">
               <a:spcBef>
-                <a:spcPts val="900"/>
+                <a:spcPts val="1200"/>
               </a:spcBef>
               <a:defRPr sz="3128"/>
             </a:pPr>
             <a:r>
-              <a:rPr b="1">
+              <a:rPr b="1" dirty="0">
                 <a:solidFill>
                   <a:srgbClr val="011993"/>
                 </a:solidFill>
@@ -9393,30 +9477,32 @@
               <a:t>small incremental steps</a:t>
             </a:r>
             <a:r>
+              <a:rPr dirty="0"/>
               <a:t> that preserve program behavior </a:t>
             </a:r>
           </a:p>
           <a:p>
-            <a:pPr marL="397256" indent="-397256" defTabSz="1595215">
+            <a:pPr marL="529781" indent="-529781" defTabSz="2127380">
               <a:spcBef>
-                <a:spcPts val="900"/>
+                <a:spcPts val="1200"/>
               </a:spcBef>
               <a:defRPr sz="3128"/>
             </a:pPr>
-            <a:endParaRPr/>
-          </a:p>
-          <a:p>
-            <a:pPr marL="397256" indent="-397256" defTabSz="1595215">
+            <a:endParaRPr dirty="0"/>
+          </a:p>
+          <a:p>
+            <a:pPr marL="529781" indent="-529781" defTabSz="2127380">
               <a:spcBef>
-                <a:spcPts val="900"/>
+                <a:spcPts val="1200"/>
               </a:spcBef>
               <a:defRPr sz="3128"/>
             </a:pPr>
             <a:r>
+              <a:rPr dirty="0"/>
               <a:t>most steps are so simple that they can be </a:t>
             </a:r>
             <a:r>
-              <a:rPr b="1">
+              <a:rPr b="1" dirty="0">
                 <a:solidFill>
                   <a:srgbClr val="011993"/>
                 </a:solidFill>
@@ -9425,58 +9511,62 @@
             </a:r>
           </a:p>
           <a:p>
-            <a:pPr marL="958088" lvl="1" indent="-397256" defTabSz="1595215">
+            <a:pPr marL="1277707" lvl="1" indent="-529781" defTabSz="2127380">
               <a:spcBef>
-                <a:spcPts val="900"/>
+                <a:spcPts val="1200"/>
               </a:spcBef>
               <a:buChar char="-"/>
               <a:defRPr sz="3128"/>
             </a:pPr>
             <a:r>
+              <a:rPr dirty="0"/>
               <a:t>automation limited in complex cases</a:t>
             </a:r>
           </a:p>
           <a:p>
-            <a:pPr marL="397256" indent="-397256" defTabSz="1595215">
+            <a:pPr marL="529781" indent="-529781" defTabSz="2127380">
               <a:spcBef>
-                <a:spcPts val="900"/>
+                <a:spcPts val="1200"/>
               </a:spcBef>
               <a:defRPr sz="3128"/>
             </a:pPr>
-            <a:endParaRPr/>
-          </a:p>
-          <a:p>
-            <a:pPr marL="397256" indent="-397256" defTabSz="1595215">
+            <a:endParaRPr dirty="0"/>
+          </a:p>
+          <a:p>
+            <a:pPr marL="529781" indent="-529781" defTabSz="2127380">
               <a:spcBef>
-                <a:spcPts val="900"/>
+                <a:spcPts val="1200"/>
               </a:spcBef>
               <a:defRPr sz="3128"/>
             </a:pPr>
             <a:r>
+              <a:rPr dirty="0"/>
               <a:t>refactoring does not always proceed “in a straight line”</a:t>
             </a:r>
           </a:p>
           <a:p>
-            <a:pPr marL="958088" lvl="1" indent="-397256" defTabSz="1595215">
+            <a:pPr marL="1277707" lvl="1" indent="-529781" defTabSz="2127380">
               <a:spcBef>
-                <a:spcPts val="900"/>
+                <a:spcPts val="1200"/>
               </a:spcBef>
               <a:buChar char="-"/>
               <a:defRPr sz="3128"/>
             </a:pPr>
             <a:r>
+              <a:rPr dirty="0"/>
               <a:t>sometimes, undo a step you did earlier… </a:t>
             </a:r>
           </a:p>
           <a:p>
-            <a:pPr marL="958088" lvl="1" indent="-397256" defTabSz="1595215">
+            <a:pPr marL="1277707" lvl="1" indent="-529781" defTabSz="2127380">
               <a:spcBef>
-                <a:spcPts val="900"/>
+                <a:spcPts val="1200"/>
               </a:spcBef>
               <a:buChar char="-"/>
               <a:defRPr sz="3128"/>
             </a:pPr>
             <a:r>
+              <a:rPr dirty="0"/>
               <a:t>…when you have insights for a better design</a:t>
             </a:r>
           </a:p>
@@ -9519,12 +9609,18 @@
           </p:nvPr>
         </p:nvSpPr>
         <p:spPr>
+          <a:xfrm>
+            <a:off x="857980" y="1319362"/>
+            <a:ext cx="15624301" cy="764354"/>
+          </a:xfrm>
           <a:prstGeom prst="rect">
             <a:avLst/>
           </a:prstGeom>
         </p:spPr>
         <p:txBody>
-          <a:bodyPr/>
+          <a:bodyPr>
+            <a:normAutofit/>
+          </a:bodyPr>
           <a:lstStyle>
             <a:lvl1pPr defTabSz="1369804">
               <a:defRPr sz="4740" spc="-94"/>
@@ -9532,6 +9628,7 @@
           </a:lstStyle>
           <a:p>
             <a:r>
+              <a:rPr sz="4400" dirty="0"/>
               <a:t>When to refactor?</a:t>
             </a:r>
           </a:p>
@@ -9548,18 +9645,22 @@
           </p:nvPr>
         </p:nvSpPr>
         <p:spPr>
+          <a:xfrm>
+            <a:off x="857979" y="2083716"/>
+            <a:ext cx="15624301" cy="498550"/>
+          </a:xfrm>
           <a:prstGeom prst="rect">
             <a:avLst/>
           </a:prstGeom>
           <a:extLst>
             <a:ext uri="{C572A759-6A51-4108-AA02-DFA0A04FC94B}">
-              <ma14:wrappingTextBoxFlag xmlns:ma14="http://schemas.microsoft.com/office/mac/drawingml/2011/main" xmlns:a14="http://schemas.microsoft.com/office/drawing/2010/main" xmlns:m="http://schemas.openxmlformats.org/officeDocument/2006/math" xmlns="" val="1"/>
+              <ma14:wrappingTextBoxFlag xmlns="" xmlns:m="http://schemas.openxmlformats.org/officeDocument/2006/math" xmlns:a14="http://schemas.microsoft.com/office/drawing/2010/main" xmlns:ma14="http://schemas.microsoft.com/office/mac/drawingml/2011/main" val="1"/>
             </a:ext>
           </a:extLst>
         </p:spPr>
         <p:txBody>
           <a:bodyPr>
-            <a:normAutofit lnSpcReduction="10000"/>
+            <a:normAutofit fontScale="85000" lnSpcReduction="20000"/>
           </a:bodyPr>
           <a:lstStyle/>
           <a:p>
@@ -9581,68 +9682,75 @@
         </p:nvSpPr>
         <p:spPr>
           <a:xfrm>
-            <a:off x="643466" y="3485069"/>
-            <a:ext cx="11717868" cy="4832560"/>
+            <a:off x="857982" y="3021102"/>
+            <a:ext cx="15624301" cy="6443610"/>
           </a:xfrm>
           <a:prstGeom prst="rect">
             <a:avLst/>
           </a:prstGeom>
         </p:spPr>
         <p:txBody>
-          <a:bodyPr/>
+          <a:bodyPr>
+            <a:normAutofit/>
+          </a:bodyPr>
           <a:lstStyle/>
           <a:p>
-            <a:pPr marL="418845" indent="-418845" defTabSz="1681912">
+            <a:pPr marL="558572" indent="-558572" defTabSz="2242997">
               <a:spcBef>
-                <a:spcPts val="3100"/>
+                <a:spcPts val="4135"/>
               </a:spcBef>
               <a:defRPr sz="3298"/>
             </a:pPr>
             <a:r>
+              <a:rPr sz="3200" dirty="0"/>
               <a:t>Acknowledge that it will be difficult to get design right the first time</a:t>
             </a:r>
           </a:p>
           <a:p>
-            <a:pPr marL="418845" indent="-418845" defTabSz="1681912">
+            <a:pPr marL="558572" indent="-558572" defTabSz="2242997">
               <a:spcBef>
-                <a:spcPts val="3100"/>
+                <a:spcPts val="4135"/>
               </a:spcBef>
               <a:defRPr sz="3298"/>
             </a:pPr>
             <a:r>
+              <a:rPr sz="3200" dirty="0"/>
               <a:t>When adding new functionality, fixing a bug, doing code review, or any time</a:t>
             </a:r>
           </a:p>
           <a:p>
-            <a:pPr marL="418845" indent="-418845" defTabSz="1681912">
+            <a:pPr marL="558572" indent="-558572" defTabSz="2242997">
               <a:spcBef>
-                <a:spcPts val="3100"/>
+                <a:spcPts val="4135"/>
               </a:spcBef>
               <a:defRPr sz="3298"/>
             </a:pPr>
             <a:r>
+              <a:rPr sz="3200" dirty="0"/>
               <a:t>Refactoring evolves design in increments</a:t>
             </a:r>
           </a:p>
           <a:p>
-            <a:pPr marL="418845" indent="-418845" defTabSz="1681912">
+            <a:pPr marL="558572" indent="-558572" defTabSz="2242997">
               <a:spcBef>
-                <a:spcPts val="3100"/>
+                <a:spcPts val="4135"/>
               </a:spcBef>
               <a:defRPr sz="3298"/>
             </a:pPr>
             <a:r>
+              <a:rPr sz="3200" dirty="0"/>
               <a:t>Refactoring reduces technical debt</a:t>
             </a:r>
           </a:p>
           <a:p>
-            <a:pPr marL="418845" indent="-418845" defTabSz="1681912">
+            <a:pPr marL="558572" indent="-558572" defTabSz="2242997">
               <a:spcBef>
-                <a:spcPts val="3100"/>
+                <a:spcPts val="4135"/>
               </a:spcBef>
               <a:defRPr sz="3298"/>
             </a:pPr>
             <a:r>
+              <a:rPr sz="3200" dirty="0"/>
               <a:t>What do you refactor?</a:t>
             </a:r>
           </a:p>
@@ -9690,7 +9798,9 @@
           </a:prstGeom>
         </p:spPr>
         <p:txBody>
-          <a:bodyPr/>
+          <a:bodyPr>
+            <a:normAutofit/>
+          </a:bodyPr>
           <a:lstStyle>
             <a:lvl1pPr defTabSz="1369804">
               <a:defRPr sz="4740" spc="-94"/>
@@ -9698,6 +9808,7 @@
           </a:lstStyle>
           <a:p>
             <a:r>
+              <a:rPr sz="4400" dirty="0"/>
               <a:t>Code Smells</a:t>
             </a:r>
           </a:p>
@@ -9719,13 +9830,13 @@
           </a:prstGeom>
           <a:extLst>
             <a:ext uri="{C572A759-6A51-4108-AA02-DFA0A04FC94B}">
-              <ma14:wrappingTextBoxFlag xmlns:ma14="http://schemas.microsoft.com/office/mac/drawingml/2011/main" xmlns:a14="http://schemas.microsoft.com/office/drawing/2010/main" xmlns:m="http://schemas.openxmlformats.org/officeDocument/2006/math" xmlns="" val="1"/>
+              <ma14:wrappingTextBoxFlag xmlns="" xmlns:m="http://schemas.openxmlformats.org/officeDocument/2006/math" xmlns:a14="http://schemas.microsoft.com/office/drawing/2010/main" xmlns:ma14="http://schemas.microsoft.com/office/mac/drawingml/2011/main" val="1"/>
             </a:ext>
           </a:extLst>
         </p:spPr>
         <p:txBody>
           <a:bodyPr>
-            <a:normAutofit lnSpcReduction="10000"/>
+            <a:normAutofit fontScale="85000" lnSpcReduction="20000"/>
           </a:bodyPr>
           <a:lstStyle/>
           <a:p>
@@ -9743,8 +9854,8 @@
         </p:nvSpPr>
         <p:spPr>
           <a:xfrm>
-            <a:off x="-20744" y="4211120"/>
-            <a:ext cx="12122438" cy="2593851"/>
+            <a:off x="511782" y="3391625"/>
+            <a:ext cx="15624302" cy="3396942"/>
           </a:xfrm>
           <a:prstGeom prst="rect">
             <a:avLst/>
@@ -9754,17 +9865,17 @@
           </a:ln>
           <a:extLst>
             <a:ext uri="{C572A759-6A51-4108-AA02-DFA0A04FC94B}">
-              <ma14:wrappingTextBoxFlag xmlns:ma14="http://schemas.microsoft.com/office/mac/drawingml/2011/main" xmlns:a14="http://schemas.microsoft.com/office/drawing/2010/main" xmlns:m="http://schemas.openxmlformats.org/officeDocument/2006/math" xmlns="" val="1"/>
+              <ma14:wrappingTextBoxFlag xmlns="" xmlns:m="http://schemas.openxmlformats.org/officeDocument/2006/math" xmlns:a14="http://schemas.microsoft.com/office/drawing/2010/main" xmlns:ma14="http://schemas.microsoft.com/office/mac/drawingml/2011/main" val="1"/>
             </a:ext>
           </a:extLst>
         </p:spPr>
         <p:txBody>
-          <a:bodyPr lIns="27093" tIns="27093" rIns="27093" bIns="27093" anchor="ctr">
+          <a:bodyPr wrap="square" lIns="36125" tIns="36125" rIns="36125" bIns="36125" anchor="ctr">
             <a:spAutoFit/>
           </a:bodyPr>
           <a:lstStyle/>
           <a:p>
-            <a:pPr marL="454345" indent="-334151" algn="just">
+            <a:pPr marL="605916" indent="-445625" algn="just">
               <a:lnSpc>
                 <a:spcPct val="90000"/>
               </a:lnSpc>
@@ -9779,11 +9890,12 @@
               </a:defRPr>
             </a:pPr>
             <a:r>
+              <a:rPr sz="6400" dirty="0"/>
               <a:t>“We may fantasize about being International Men of Mystery, but our code needs to be mundane and clear”</a:t>
             </a:r>
           </a:p>
           <a:p>
-            <a:pPr marL="454345" indent="-334151" algn="just">
+            <a:pPr marL="605916" indent="-445625" algn="just">
               <a:lnSpc>
                 <a:spcPct val="90000"/>
               </a:lnSpc>
@@ -9795,6 +9907,7 @@
               </a:defRPr>
             </a:pPr>
             <a:r>
+              <a:rPr sz="4800" dirty="0"/>
               <a:t>- Martin Fowler on “Mysterious Name”</a:t>
             </a:r>
           </a:p>
@@ -9808,8 +9921,8 @@
         </p:nvSpPr>
         <p:spPr>
           <a:xfrm>
-            <a:off x="3108130" y="9265952"/>
-            <a:ext cx="6788540" cy="277098"/>
+            <a:off x="4161275" y="10713326"/>
+            <a:ext cx="9017712" cy="401187"/>
           </a:xfrm>
           <a:prstGeom prst="rect">
             <a:avLst/>
@@ -9819,17 +9932,18 @@
           </a:ln>
           <a:extLst>
             <a:ext uri="{C572A759-6A51-4108-AA02-DFA0A04FC94B}">
-              <ma14:wrappingTextBoxFlag xmlns:ma14="http://schemas.microsoft.com/office/mac/drawingml/2011/main" xmlns:a14="http://schemas.microsoft.com/office/drawing/2010/main" xmlns:m="http://schemas.openxmlformats.org/officeDocument/2006/math" xmlns="" val="1"/>
+              <ma14:wrappingTextBoxFlag xmlns="" xmlns:m="http://schemas.openxmlformats.org/officeDocument/2006/math" xmlns:a14="http://schemas.microsoft.com/office/drawing/2010/main" xmlns:ma14="http://schemas.microsoft.com/office/mac/drawingml/2011/main" val="1"/>
             </a:ext>
           </a:extLst>
         </p:spPr>
         <p:txBody>
-          <a:bodyPr wrap="none" lIns="27093" tIns="27093" rIns="27093" bIns="27093" anchor="ctr">
+          <a:bodyPr wrap="none" lIns="36125" tIns="36125" rIns="36125" bIns="36125" anchor="ctr">
             <a:spAutoFit/>
           </a:bodyPr>
           <a:lstStyle/>
           <a:p>
             <a:r>
+              <a:rPr sz="2133"/>
               <a:t>“Refactoring: Improving the Design of Existing Code,” Martin Fowler, 1992</a:t>
             </a:r>
           </a:p>
@@ -9877,7 +9991,9 @@
           </a:prstGeom>
         </p:spPr>
         <p:txBody>
-          <a:bodyPr/>
+          <a:bodyPr>
+            <a:normAutofit/>
+          </a:bodyPr>
           <a:lstStyle>
             <a:lvl1pPr defTabSz="1369804">
               <a:defRPr sz="4740" spc="-94"/>
@@ -9885,6 +10001,7 @@
           </a:lstStyle>
           <a:p>
             <a:r>
+              <a:rPr sz="4400" dirty="0"/>
               <a:t>Code Smells</a:t>
             </a:r>
           </a:p>
@@ -9906,17 +10023,18 @@
           </a:prstGeom>
           <a:extLst>
             <a:ext uri="{C572A759-6A51-4108-AA02-DFA0A04FC94B}">
-              <ma14:wrappingTextBoxFlag xmlns:ma14="http://schemas.microsoft.com/office/mac/drawingml/2011/main" xmlns:a14="http://schemas.microsoft.com/office/drawing/2010/main" xmlns:m="http://schemas.openxmlformats.org/officeDocument/2006/math" xmlns="" val="1"/>
+              <ma14:wrappingTextBoxFlag xmlns="" xmlns:m="http://schemas.openxmlformats.org/officeDocument/2006/math" xmlns:a14="http://schemas.microsoft.com/office/drawing/2010/main" xmlns:ma14="http://schemas.microsoft.com/office/mac/drawingml/2011/main" val="1"/>
             </a:ext>
           </a:extLst>
         </p:spPr>
         <p:txBody>
           <a:bodyPr>
-            <a:normAutofit lnSpcReduction="10000"/>
+            <a:normAutofit fontScale="85000" lnSpcReduction="20000"/>
           </a:bodyPr>
           <a:lstStyle/>
           <a:p>
             <a:r>
+              <a:rPr dirty="0"/>
               <a:t>Shotgun Surgery</a:t>
             </a:r>
           </a:p>
@@ -9930,8 +10048,8 @@
         </p:nvSpPr>
         <p:spPr>
           <a:xfrm>
-            <a:off x="-20744" y="4211120"/>
-            <a:ext cx="12122438" cy="2593851"/>
+            <a:off x="1138988" y="3953099"/>
+            <a:ext cx="14997095" cy="3396942"/>
           </a:xfrm>
           <a:prstGeom prst="rect">
             <a:avLst/>
@@ -9941,17 +10059,17 @@
           </a:ln>
           <a:extLst>
             <a:ext uri="{C572A759-6A51-4108-AA02-DFA0A04FC94B}">
-              <ma14:wrappingTextBoxFlag xmlns:ma14="http://schemas.microsoft.com/office/mac/drawingml/2011/main" xmlns:a14="http://schemas.microsoft.com/office/drawing/2010/main" xmlns:m="http://schemas.openxmlformats.org/officeDocument/2006/math" xmlns="" val="1"/>
+              <ma14:wrappingTextBoxFlag xmlns="" xmlns:m="http://schemas.openxmlformats.org/officeDocument/2006/math" xmlns:a14="http://schemas.microsoft.com/office/drawing/2010/main" xmlns:ma14="http://schemas.microsoft.com/office/mac/drawingml/2011/main" val="1"/>
             </a:ext>
           </a:extLst>
         </p:spPr>
         <p:txBody>
-          <a:bodyPr lIns="27093" tIns="27093" rIns="27093" bIns="27093" anchor="ctr">
+          <a:bodyPr wrap="square" lIns="36125" tIns="36125" rIns="36125" bIns="36125" anchor="ctr">
             <a:spAutoFit/>
           </a:bodyPr>
           <a:lstStyle/>
           <a:p>
-            <a:pPr marL="454345" indent="-334151" algn="just">
+            <a:pPr marL="605916" indent="-445625" algn="just">
               <a:lnSpc>
                 <a:spcPct val="90000"/>
               </a:lnSpc>
@@ -9966,11 +10084,12 @@
               </a:defRPr>
             </a:pPr>
             <a:r>
+              <a:rPr sz="6400" dirty="0"/>
               <a:t>“When the changes are all over the place, they are hard to find, and it’s easy to miss an important change.”</a:t>
             </a:r>
           </a:p>
           <a:p>
-            <a:pPr marL="454345" indent="-334151" algn="just">
+            <a:pPr marL="605916" indent="-445625" algn="just">
               <a:lnSpc>
                 <a:spcPct val="90000"/>
               </a:lnSpc>
@@ -9982,6 +10101,7 @@
               </a:defRPr>
             </a:pPr>
             <a:r>
+              <a:rPr sz="4800" dirty="0"/>
               <a:t>- Martin Fowler on “Shotgun Surgery”</a:t>
             </a:r>
           </a:p>
@@ -9995,8 +10115,8 @@
         </p:nvSpPr>
         <p:spPr>
           <a:xfrm>
-            <a:off x="3108130" y="9265952"/>
-            <a:ext cx="6788540" cy="277098"/>
+            <a:off x="4161275" y="10713326"/>
+            <a:ext cx="9017712" cy="401187"/>
           </a:xfrm>
           <a:prstGeom prst="rect">
             <a:avLst/>
@@ -10006,17 +10126,18 @@
           </a:ln>
           <a:extLst>
             <a:ext uri="{C572A759-6A51-4108-AA02-DFA0A04FC94B}">
-              <ma14:wrappingTextBoxFlag xmlns:ma14="http://schemas.microsoft.com/office/mac/drawingml/2011/main" xmlns:a14="http://schemas.microsoft.com/office/drawing/2010/main" xmlns:m="http://schemas.openxmlformats.org/officeDocument/2006/math" xmlns="" val="1"/>
+              <ma14:wrappingTextBoxFlag xmlns="" xmlns:m="http://schemas.openxmlformats.org/officeDocument/2006/math" xmlns:a14="http://schemas.microsoft.com/office/drawing/2010/main" xmlns:ma14="http://schemas.microsoft.com/office/mac/drawingml/2011/main" val="1"/>
             </a:ext>
           </a:extLst>
         </p:spPr>
         <p:txBody>
-          <a:bodyPr wrap="none" lIns="27093" tIns="27093" rIns="27093" bIns="27093" anchor="ctr">
+          <a:bodyPr wrap="none" lIns="36125" tIns="36125" rIns="36125" bIns="36125" anchor="ctr">
             <a:spAutoFit/>
           </a:bodyPr>
           <a:lstStyle/>
           <a:p>
             <a:r>
+              <a:rPr sz="2133"/>
               <a:t>“Refactoring: Improving the Design of Existing Code,” Martin Fowler, 1992</a:t>
             </a:r>
           </a:p>
@@ -10059,12 +10180,18 @@
           </p:nvPr>
         </p:nvSpPr>
         <p:spPr>
+          <a:xfrm>
+            <a:off x="857981" y="984936"/>
+            <a:ext cx="15624301" cy="764354"/>
+          </a:xfrm>
           <a:prstGeom prst="rect">
             <a:avLst/>
           </a:prstGeom>
         </p:spPr>
         <p:txBody>
-          <a:bodyPr/>
+          <a:bodyPr>
+            <a:normAutofit/>
+          </a:bodyPr>
           <a:lstStyle>
             <a:lvl1pPr defTabSz="1369804">
               <a:defRPr sz="4740" spc="-94"/>
@@ -10072,6 +10199,7 @@
           </a:lstStyle>
           <a:p>
             <a:r>
+              <a:rPr sz="4400" dirty="0"/>
               <a:t>Code Smells</a:t>
             </a:r>
           </a:p>
@@ -10088,22 +10216,27 @@
           </p:nvPr>
         </p:nvSpPr>
         <p:spPr>
+          <a:xfrm>
+            <a:off x="857981" y="1733757"/>
+            <a:ext cx="15624301" cy="498550"/>
+          </a:xfrm>
           <a:prstGeom prst="rect">
             <a:avLst/>
           </a:prstGeom>
           <a:extLst>
             <a:ext uri="{C572A759-6A51-4108-AA02-DFA0A04FC94B}">
-              <ma14:wrappingTextBoxFlag xmlns:ma14="http://schemas.microsoft.com/office/mac/drawingml/2011/main" xmlns:a14="http://schemas.microsoft.com/office/drawing/2010/main" xmlns:m="http://schemas.openxmlformats.org/officeDocument/2006/math" xmlns="" val="1"/>
+              <ma14:wrappingTextBoxFlag xmlns="" xmlns:m="http://schemas.openxmlformats.org/officeDocument/2006/math" xmlns:a14="http://schemas.microsoft.com/office/drawing/2010/main" xmlns:ma14="http://schemas.microsoft.com/office/mac/drawingml/2011/main" val="1"/>
             </a:ext>
           </a:extLst>
         </p:spPr>
         <p:txBody>
           <a:bodyPr>
-            <a:normAutofit lnSpcReduction="10000"/>
+            <a:normAutofit fontScale="85000" lnSpcReduction="20000"/>
           </a:bodyPr>
           <a:lstStyle/>
           <a:p>
             <a:r>
+              <a:rPr dirty="0"/>
               <a:t>A complete list (links to book!)</a:t>
             </a:r>
           </a:p>
@@ -10121,18 +10254,20 @@
         </p:nvSpPr>
         <p:spPr>
           <a:xfrm>
-            <a:off x="759274" y="3165662"/>
-            <a:ext cx="3617245" cy="5917958"/>
+            <a:off x="1012408" y="2595213"/>
+            <a:ext cx="4823141" cy="7890851"/>
           </a:xfrm>
           <a:prstGeom prst="rect">
             <a:avLst/>
           </a:prstGeom>
         </p:spPr>
         <p:txBody>
-          <a:bodyPr/>
+          <a:bodyPr>
+            <a:normAutofit/>
+          </a:bodyPr>
           <a:lstStyle/>
           <a:p>
-            <a:pPr marL="0" indent="0" defTabSz="457200">
+            <a:pPr marL="0" indent="0" defTabSz="609722">
               <a:lnSpc>
                 <a:spcPct val="100000"/>
               </a:lnSpc>
@@ -10152,19 +10287,19 @@
               </a:defRPr>
             </a:pPr>
             <a:r>
-              <a:rPr u="sng">
+              <a:rPr sz="3200" u="sng" dirty="0">
                 <a:hlinkClick r:id="rId2"/>
               </a:rPr>
               <a:t>Mysterious Name</a:t>
             </a:r>
-            <a:endParaRPr>
+            <a:endParaRPr sz="3200" dirty="0">
               <a:solidFill>
                 <a:srgbClr val="333333"/>
               </a:solidFill>
             </a:endParaRPr>
           </a:p>
           <a:p>
-            <a:pPr marL="0" indent="0" defTabSz="457200">
+            <a:pPr marL="0" indent="0" defTabSz="609722">
               <a:lnSpc>
                 <a:spcPct val="100000"/>
               </a:lnSpc>
@@ -10184,19 +10319,19 @@
               </a:defRPr>
             </a:pPr>
             <a:r>
-              <a:rPr u="sng">
+              <a:rPr sz="3200" u="sng" dirty="0">
                 <a:hlinkClick r:id="rId3"/>
               </a:rPr>
               <a:t>Duplicated Code</a:t>
             </a:r>
-            <a:endParaRPr>
+            <a:endParaRPr sz="3200" dirty="0">
               <a:solidFill>
                 <a:srgbClr val="333333"/>
               </a:solidFill>
             </a:endParaRPr>
           </a:p>
           <a:p>
-            <a:pPr marL="0" indent="0" defTabSz="457200">
+            <a:pPr marL="0" indent="0" defTabSz="609722">
               <a:lnSpc>
                 <a:spcPct val="100000"/>
               </a:lnSpc>
@@ -10216,19 +10351,19 @@
               </a:defRPr>
             </a:pPr>
             <a:r>
-              <a:rPr u="sng">
+              <a:rPr sz="3200" u="sng" dirty="0">
                 <a:hlinkClick r:id="rId4"/>
               </a:rPr>
               <a:t>Long Function</a:t>
             </a:r>
-            <a:endParaRPr>
+            <a:endParaRPr sz="3200" dirty="0">
               <a:solidFill>
                 <a:srgbClr val="333333"/>
               </a:solidFill>
             </a:endParaRPr>
           </a:p>
           <a:p>
-            <a:pPr marL="0" indent="0" defTabSz="457200">
+            <a:pPr marL="0" indent="0" defTabSz="609722">
               <a:lnSpc>
                 <a:spcPct val="100000"/>
               </a:lnSpc>
@@ -10248,19 +10383,19 @@
               </a:defRPr>
             </a:pPr>
             <a:r>
-              <a:rPr u="sng">
+              <a:rPr sz="3200" u="sng" dirty="0">
                 <a:hlinkClick r:id="rId5"/>
               </a:rPr>
               <a:t>Long Parameter List</a:t>
             </a:r>
-            <a:endParaRPr>
+            <a:endParaRPr sz="3200" dirty="0">
               <a:solidFill>
                 <a:srgbClr val="333333"/>
               </a:solidFill>
             </a:endParaRPr>
           </a:p>
           <a:p>
-            <a:pPr marL="0" indent="0" defTabSz="457200">
+            <a:pPr marL="0" indent="0" defTabSz="609722">
               <a:lnSpc>
                 <a:spcPct val="100000"/>
               </a:lnSpc>
@@ -10280,19 +10415,19 @@
               </a:defRPr>
             </a:pPr>
             <a:r>
-              <a:rPr u="sng">
+              <a:rPr sz="3200" u="sng" dirty="0">
                 <a:hlinkClick r:id="rId6"/>
               </a:rPr>
               <a:t>Global Data</a:t>
             </a:r>
-            <a:endParaRPr>
+            <a:endParaRPr sz="3200" dirty="0">
               <a:solidFill>
                 <a:srgbClr val="333333"/>
               </a:solidFill>
             </a:endParaRPr>
           </a:p>
           <a:p>
-            <a:pPr marL="0" indent="0" defTabSz="457200">
+            <a:pPr marL="0" indent="0" defTabSz="609722">
               <a:lnSpc>
                 <a:spcPct val="100000"/>
               </a:lnSpc>
@@ -10312,19 +10447,19 @@
               </a:defRPr>
             </a:pPr>
             <a:r>
-              <a:rPr u="sng">
+              <a:rPr sz="3200" u="sng" dirty="0">
                 <a:hlinkClick r:id="rId7"/>
               </a:rPr>
               <a:t>Mutable Data</a:t>
             </a:r>
-            <a:endParaRPr>
+            <a:endParaRPr sz="3200" dirty="0">
               <a:solidFill>
                 <a:srgbClr val="333333"/>
               </a:solidFill>
             </a:endParaRPr>
           </a:p>
           <a:p>
-            <a:pPr marL="0" indent="0" defTabSz="457200">
+            <a:pPr marL="0" indent="0" defTabSz="609722">
               <a:lnSpc>
                 <a:spcPct val="100000"/>
               </a:lnSpc>
@@ -10344,19 +10479,19 @@
               </a:defRPr>
             </a:pPr>
             <a:r>
-              <a:rPr u="sng">
+              <a:rPr sz="3200" u="sng" dirty="0">
                 <a:hlinkClick r:id="rId8"/>
               </a:rPr>
               <a:t>Divergent Change</a:t>
             </a:r>
-            <a:endParaRPr>
+            <a:endParaRPr sz="3200" dirty="0">
               <a:solidFill>
                 <a:srgbClr val="333333"/>
               </a:solidFill>
             </a:endParaRPr>
           </a:p>
           <a:p>
-            <a:pPr marL="0" indent="0" defTabSz="457200">
+            <a:pPr marL="0" indent="0" defTabSz="609722">
               <a:lnSpc>
                 <a:spcPct val="100000"/>
               </a:lnSpc>
@@ -10376,19 +10511,19 @@
               </a:defRPr>
             </a:pPr>
             <a:r>
-              <a:rPr u="sng">
+              <a:rPr sz="3200" u="sng" dirty="0">
                 <a:hlinkClick r:id="rId9"/>
               </a:rPr>
               <a:t>Shotgun Surgery</a:t>
             </a:r>
-            <a:endParaRPr>
+            <a:endParaRPr sz="3200" dirty="0">
               <a:solidFill>
                 <a:srgbClr val="333333"/>
               </a:solidFill>
             </a:endParaRPr>
           </a:p>
           <a:p>
-            <a:pPr marL="0" indent="0" defTabSz="457200">
+            <a:pPr marL="0" indent="0" defTabSz="609722">
               <a:lnSpc>
                 <a:spcPct val="100000"/>
               </a:lnSpc>
@@ -10408,19 +10543,19 @@
               </a:defRPr>
             </a:pPr>
             <a:r>
-              <a:rPr u="sng">
+              <a:rPr sz="3200" u="sng" dirty="0">
                 <a:hlinkClick r:id="rId10"/>
               </a:rPr>
               <a:t>Feature Envy</a:t>
             </a:r>
-            <a:endParaRPr>
+            <a:endParaRPr sz="3200" dirty="0">
               <a:solidFill>
                 <a:srgbClr val="333333"/>
               </a:solidFill>
             </a:endParaRPr>
           </a:p>
           <a:p>
-            <a:pPr marL="0" indent="0" defTabSz="457200">
+            <a:pPr marL="0" indent="0" defTabSz="609722">
               <a:lnSpc>
                 <a:spcPct val="100000"/>
               </a:lnSpc>
@@ -10440,19 +10575,19 @@
               </a:defRPr>
             </a:pPr>
             <a:r>
-              <a:rPr u="sng">
+              <a:rPr sz="3200" u="sng" dirty="0">
                 <a:hlinkClick r:id="rId11"/>
               </a:rPr>
               <a:t>Data Clumps</a:t>
             </a:r>
-            <a:endParaRPr>
+            <a:endParaRPr sz="3200" dirty="0">
               <a:solidFill>
                 <a:srgbClr val="333333"/>
               </a:solidFill>
             </a:endParaRPr>
           </a:p>
           <a:p>
-            <a:pPr marL="0" indent="0" defTabSz="457200">
+            <a:pPr marL="0" indent="0" defTabSz="609722">
               <a:lnSpc>
                 <a:spcPct val="100000"/>
               </a:lnSpc>
@@ -10472,19 +10607,19 @@
               </a:defRPr>
             </a:pPr>
             <a:r>
-              <a:rPr u="sng">
+              <a:rPr sz="3200" u="sng" dirty="0">
                 <a:hlinkClick r:id="rId12"/>
               </a:rPr>
               <a:t>Primitive Obsession</a:t>
             </a:r>
-            <a:endParaRPr>
+            <a:endParaRPr sz="3200" dirty="0">
               <a:solidFill>
                 <a:srgbClr val="333333"/>
               </a:solidFill>
             </a:endParaRPr>
           </a:p>
           <a:p>
-            <a:pPr marL="0" indent="0" defTabSz="457200">
+            <a:pPr marL="0" indent="0" defTabSz="609722">
               <a:lnSpc>
                 <a:spcPct val="100000"/>
               </a:lnSpc>
@@ -10504,7 +10639,7 @@
               </a:defRPr>
             </a:pPr>
             <a:r>
-              <a:rPr u="sng">
+              <a:rPr sz="3200" u="sng" dirty="0">
                 <a:hlinkClick r:id="rId13"/>
               </a:rPr>
               <a:t>Repeated Switches</a:t>
@@ -10520,8 +10655,8 @@
         </p:nvSpPr>
         <p:spPr>
           <a:xfrm>
-            <a:off x="3108130" y="9265952"/>
-            <a:ext cx="6788540" cy="277098"/>
+            <a:off x="4161275" y="10713326"/>
+            <a:ext cx="9017712" cy="401187"/>
           </a:xfrm>
           <a:prstGeom prst="rect">
             <a:avLst/>
@@ -10531,17 +10666,18 @@
           </a:ln>
           <a:extLst>
             <a:ext uri="{C572A759-6A51-4108-AA02-DFA0A04FC94B}">
-              <ma14:wrappingTextBoxFlag xmlns:ma14="http://schemas.microsoft.com/office/mac/drawingml/2011/main" xmlns:a14="http://schemas.microsoft.com/office/drawing/2010/main" xmlns:m="http://schemas.openxmlformats.org/officeDocument/2006/math" xmlns="" val="1"/>
+              <ma14:wrappingTextBoxFlag xmlns="" xmlns:m="http://schemas.openxmlformats.org/officeDocument/2006/math" xmlns:a14="http://schemas.microsoft.com/office/drawing/2010/main" xmlns:ma14="http://schemas.microsoft.com/office/mac/drawingml/2011/main" val="1"/>
             </a:ext>
           </a:extLst>
         </p:spPr>
         <p:txBody>
-          <a:bodyPr wrap="none" lIns="27093" tIns="27093" rIns="27093" bIns="27093" anchor="ctr">
+          <a:bodyPr wrap="none" lIns="36125" tIns="36125" rIns="36125" bIns="36125" anchor="ctr">
             <a:spAutoFit/>
           </a:bodyPr>
           <a:lstStyle/>
           <a:p>
             <a:r>
+              <a:rPr sz="2133"/>
               <a:t>“Refactoring: Improving the Design of Existing Code,” Martin Fowler, 1992</a:t>
             </a:r>
           </a:p>
@@ -10555,8 +10691,8 @@
         </p:nvSpPr>
         <p:spPr>
           <a:xfrm>
-            <a:off x="4735811" y="3170996"/>
-            <a:ext cx="7235790" cy="4664288"/>
+            <a:off x="6362734" y="2567633"/>
+            <a:ext cx="8062322" cy="5489823"/>
           </a:xfrm>
           <a:prstGeom prst="rect">
             <a:avLst/>
@@ -10566,17 +10702,17 @@
           </a:ln>
           <a:extLst>
             <a:ext uri="{C572A759-6A51-4108-AA02-DFA0A04FC94B}">
-              <ma14:wrappingTextBoxFlag xmlns:ma14="http://schemas.microsoft.com/office/mac/drawingml/2011/main" xmlns:a14="http://schemas.microsoft.com/office/drawing/2010/main" xmlns:m="http://schemas.openxmlformats.org/officeDocument/2006/math" xmlns="" val="1"/>
+              <ma14:wrappingTextBoxFlag xmlns="" xmlns:m="http://schemas.openxmlformats.org/officeDocument/2006/math" xmlns:a14="http://schemas.microsoft.com/office/drawing/2010/main" xmlns:ma14="http://schemas.microsoft.com/office/mac/drawingml/2011/main" val="1"/>
             </a:ext>
           </a:extLst>
         </p:spPr>
         <p:txBody>
-          <a:bodyPr wrap="none" lIns="27093" tIns="27093" rIns="27093" bIns="27093" anchor="ctr">
+          <a:bodyPr wrap="none" lIns="36125" tIns="36125" rIns="36125" bIns="36125" anchor="ctr">
             <a:spAutoFit/>
           </a:bodyPr>
           <a:lstStyle/>
           <a:p>
-            <a:pPr algn="l" defTabSz="457200">
+            <a:pPr algn="l" defTabSz="609722">
               <a:defRPr sz="2900">
                 <a:solidFill>
                   <a:srgbClr val="070707"/>
@@ -10588,14 +10724,14 @@
               </a:defRPr>
             </a:pPr>
             <a:r>
-              <a:rPr u="sng">
+              <a:rPr sz="3200" u="sng" dirty="0">
                 <a:hlinkClick r:id="rId14"/>
               </a:rPr>
               <a:t>Loops</a:t>
             </a:r>
           </a:p>
           <a:p>
-            <a:pPr algn="l" defTabSz="457200">
+            <a:pPr algn="l" defTabSz="609722">
               <a:defRPr sz="2900">
                 <a:solidFill>
                   <a:srgbClr val="070707"/>
@@ -10607,19 +10743,19 @@
               </a:defRPr>
             </a:pPr>
             <a:r>
-              <a:rPr u="sng">
+              <a:rPr sz="3200" u="sng" dirty="0">
                 <a:hlinkClick r:id="rId15"/>
               </a:rPr>
               <a:t>Lazy Element</a:t>
             </a:r>
-            <a:endParaRPr>
+            <a:endParaRPr sz="3200" dirty="0">
               <a:solidFill>
                 <a:srgbClr val="333333"/>
               </a:solidFill>
             </a:endParaRPr>
           </a:p>
           <a:p>
-            <a:pPr algn="l" defTabSz="457200">
+            <a:pPr algn="l" defTabSz="609722">
               <a:defRPr sz="2900">
                 <a:solidFill>
                   <a:srgbClr val="070707"/>
@@ -10631,19 +10767,19 @@
               </a:defRPr>
             </a:pPr>
             <a:r>
-              <a:rPr u="sng">
+              <a:rPr sz="3200" u="sng" dirty="0">
                 <a:hlinkClick r:id="rId16"/>
               </a:rPr>
               <a:t>Speculative Generality</a:t>
             </a:r>
-            <a:endParaRPr>
+            <a:endParaRPr sz="3200" dirty="0">
               <a:solidFill>
                 <a:srgbClr val="333333"/>
               </a:solidFill>
             </a:endParaRPr>
           </a:p>
           <a:p>
-            <a:pPr algn="l" defTabSz="457200">
+            <a:pPr algn="l" defTabSz="609722">
               <a:defRPr sz="2900">
                 <a:solidFill>
                   <a:srgbClr val="070707"/>
@@ -10655,19 +10791,19 @@
               </a:defRPr>
             </a:pPr>
             <a:r>
-              <a:rPr u="sng">
+              <a:rPr sz="3200" u="sng" dirty="0">
                 <a:hlinkClick r:id="rId17"/>
               </a:rPr>
               <a:t>Temporary Field</a:t>
             </a:r>
-            <a:endParaRPr>
+            <a:endParaRPr sz="3200" dirty="0">
               <a:solidFill>
                 <a:srgbClr val="333333"/>
               </a:solidFill>
             </a:endParaRPr>
           </a:p>
           <a:p>
-            <a:pPr algn="l" defTabSz="457200">
+            <a:pPr algn="l" defTabSz="609722">
               <a:defRPr sz="2900">
                 <a:solidFill>
                   <a:srgbClr val="070707"/>
@@ -10679,19 +10815,19 @@
               </a:defRPr>
             </a:pPr>
             <a:r>
-              <a:rPr u="sng">
+              <a:rPr sz="3200" u="sng" dirty="0">
                 <a:hlinkClick r:id="rId18"/>
               </a:rPr>
               <a:t>Message Chains</a:t>
             </a:r>
-            <a:endParaRPr>
+            <a:endParaRPr sz="3200" dirty="0">
               <a:solidFill>
                 <a:srgbClr val="333333"/>
               </a:solidFill>
             </a:endParaRPr>
           </a:p>
           <a:p>
-            <a:pPr algn="l" defTabSz="457200">
+            <a:pPr algn="l" defTabSz="609722">
               <a:defRPr sz="2900">
                 <a:solidFill>
                   <a:srgbClr val="070707"/>
@@ -10703,19 +10839,19 @@
               </a:defRPr>
             </a:pPr>
             <a:r>
-              <a:rPr u="sng">
+              <a:rPr sz="3200" u="sng" dirty="0">
                 <a:hlinkClick r:id="rId19"/>
               </a:rPr>
               <a:t>Middle Man</a:t>
             </a:r>
-            <a:endParaRPr>
+            <a:endParaRPr sz="3200" dirty="0">
               <a:solidFill>
                 <a:srgbClr val="333333"/>
               </a:solidFill>
             </a:endParaRPr>
           </a:p>
           <a:p>
-            <a:pPr algn="l" defTabSz="457200">
+            <a:pPr algn="l" defTabSz="609722">
               <a:defRPr sz="2900">
                 <a:solidFill>
                   <a:srgbClr val="070707"/>
@@ -10727,19 +10863,19 @@
               </a:defRPr>
             </a:pPr>
             <a:r>
-              <a:rPr u="sng">
+              <a:rPr sz="3200" u="sng" dirty="0">
                 <a:hlinkClick r:id="rId20"/>
               </a:rPr>
               <a:t>Insider Trading</a:t>
             </a:r>
-            <a:endParaRPr>
+            <a:endParaRPr sz="3200" dirty="0">
               <a:solidFill>
                 <a:srgbClr val="333333"/>
               </a:solidFill>
             </a:endParaRPr>
           </a:p>
           <a:p>
-            <a:pPr algn="l" defTabSz="457200">
+            <a:pPr algn="l" defTabSz="609722">
               <a:defRPr sz="2900">
                 <a:solidFill>
                   <a:srgbClr val="070707"/>
@@ -10751,19 +10887,19 @@
               </a:defRPr>
             </a:pPr>
             <a:r>
-              <a:rPr u="sng">
+              <a:rPr sz="3200" u="sng" dirty="0">
                 <a:hlinkClick r:id="rId21"/>
               </a:rPr>
               <a:t>Large Class</a:t>
             </a:r>
-            <a:endParaRPr>
+            <a:endParaRPr sz="3200" dirty="0">
               <a:solidFill>
                 <a:srgbClr val="333333"/>
               </a:solidFill>
             </a:endParaRPr>
           </a:p>
           <a:p>
-            <a:pPr algn="l" defTabSz="457200">
+            <a:pPr algn="l" defTabSz="609722">
               <a:defRPr sz="2900">
                 <a:solidFill>
                   <a:srgbClr val="070707"/>
@@ -10775,19 +10911,19 @@
               </a:defRPr>
             </a:pPr>
             <a:r>
-              <a:rPr u="sng">
+              <a:rPr sz="3200" u="sng" dirty="0">
                 <a:hlinkClick r:id="rId22"/>
               </a:rPr>
               <a:t>Alternative Classes with Different Interfaces</a:t>
             </a:r>
-            <a:endParaRPr>
+            <a:endParaRPr sz="3200" dirty="0">
               <a:solidFill>
                 <a:srgbClr val="333333"/>
               </a:solidFill>
             </a:endParaRPr>
           </a:p>
           <a:p>
-            <a:pPr algn="l" defTabSz="457200">
+            <a:pPr algn="l" defTabSz="609722">
               <a:defRPr sz="2900">
                 <a:solidFill>
                   <a:srgbClr val="070707"/>
@@ -10799,19 +10935,19 @@
               </a:defRPr>
             </a:pPr>
             <a:r>
-              <a:rPr u="sng">
+              <a:rPr sz="3200" u="sng" dirty="0">
                 <a:hlinkClick r:id="rId23"/>
               </a:rPr>
               <a:t>Data Class</a:t>
             </a:r>
-            <a:endParaRPr>
+            <a:endParaRPr sz="3200" dirty="0">
               <a:solidFill>
                 <a:srgbClr val="333333"/>
               </a:solidFill>
             </a:endParaRPr>
           </a:p>
           <a:p>
-            <a:pPr algn="l" defTabSz="457200">
+            <a:pPr algn="l" defTabSz="609722">
               <a:defRPr sz="2900">
                 <a:solidFill>
                   <a:srgbClr val="070707"/>
@@ -10823,7 +10959,7 @@
               </a:defRPr>
             </a:pPr>
             <a:r>
-              <a:rPr u="sng">
+              <a:rPr sz="3200" u="sng" dirty="0">
                 <a:hlinkClick r:id="rId24"/>
               </a:rPr>
               <a:t>Refused Bequest</a:t>
@@ -10868,12 +11004,18 @@
           </p:nvPr>
         </p:nvSpPr>
         <p:spPr>
+          <a:xfrm>
+            <a:off x="857981" y="1087372"/>
+            <a:ext cx="15624301" cy="764354"/>
+          </a:xfrm>
           <a:prstGeom prst="rect">
             <a:avLst/>
           </a:prstGeom>
         </p:spPr>
         <p:txBody>
-          <a:bodyPr/>
+          <a:bodyPr>
+            <a:normAutofit/>
+          </a:bodyPr>
           <a:lstStyle>
             <a:lvl1pPr defTabSz="1369804">
               <a:defRPr sz="4740" spc="-94"/>
@@ -10881,8 +11023,14 @@
           </a:lstStyle>
           <a:p>
             <a:r>
-              <a:t>“Local” Refactorings</a:t>
-            </a:r>
+              <a:rPr sz="4400" dirty="0"/>
+              <a:t>“Local” </a:t>
+            </a:r>
+            <a:r>
+              <a:rPr sz="4400" dirty="0" err="1"/>
+              <a:t>Refactorings</a:t>
+            </a:r>
+            <a:endParaRPr sz="4400" dirty="0"/>
           </a:p>
         </p:txBody>
       </p:sp>
@@ -10894,6 +11042,35 @@
           </p:cNvSpPr>
           <p:nvPr>
             <p:ph type="body" idx="21"/>
+          </p:nvPr>
+        </p:nvSpPr>
+        <p:spPr>
+          <a:xfrm>
+            <a:off x="857981" y="1870273"/>
+            <a:ext cx="15624301" cy="498550"/>
+          </a:xfrm>
+          <a:prstGeom prst="rect">
+            <a:avLst/>
+          </a:prstGeom>
+        </p:spPr>
+        <p:txBody>
+          <a:bodyPr>
+            <a:normAutofit fontScale="85000" lnSpcReduction="20000"/>
+          </a:bodyPr>
+          <a:lstStyle/>
+          <a:p>
+            <a:endParaRPr dirty="0"/>
+          </a:p>
+        </p:txBody>
+      </p:sp>
+      <p:sp>
+        <p:nvSpPr>
+          <p:cNvPr id="215" name="Slide bullet text"/>
+          <p:cNvSpPr txBox="1">
+            <a:spLocks noGrp="1"/>
+          </p:cNvSpPr>
+          <p:nvPr>
+            <p:ph type="body" idx="1"/>
           </p:nvPr>
         </p:nvSpPr>
         <p:spPr>
@@ -10902,31 +11079,6 @@
           </a:prstGeom>
         </p:spPr>
         <p:txBody>
-          <a:bodyPr>
-            <a:normAutofit lnSpcReduction="10000"/>
-          </a:bodyPr>
-          <a:lstStyle/>
-          <a:p>
-            <a:endParaRPr/>
-          </a:p>
-        </p:txBody>
-      </p:sp>
-      <p:sp>
-        <p:nvSpPr>
-          <p:cNvPr id="215" name="Slide bullet text"/>
-          <p:cNvSpPr txBox="1">
-            <a:spLocks noGrp="1"/>
-          </p:cNvSpPr>
-          <p:nvPr>
-            <p:ph type="body" idx="1"/>
-          </p:nvPr>
-        </p:nvSpPr>
-        <p:spPr>
-          <a:prstGeom prst="rect">
-            <a:avLst/>
-          </a:prstGeom>
-        </p:spPr>
-        <p:txBody>
           <a:bodyPr/>
           <a:lstStyle/>
           <a:p>
@@ -10938,11 +11090,17 @@
         <p:nvGraphicFramePr>
           <p:cNvPr id="216" name="Table"/>
           <p:cNvGraphicFramePr/>
-          <p:nvPr/>
+          <p:nvPr>
+            <p:extLst>
+              <p:ext uri="{D42A27DB-BD31-4B8C-83A1-F6EECF244321}">
+                <p14:modId xmlns:p14="http://schemas.microsoft.com/office/powerpoint/2010/main" val="2851607285"/>
+              </p:ext>
+            </p:extLst>
+          </p:nvPr>
         </p:nvGraphicFramePr>
         <p:xfrm>
-          <a:off x="1264355" y="3353230"/>
-          <a:ext cx="10476089" cy="5948680"/>
+          <a:off x="1098613" y="2368823"/>
+          <a:ext cx="14654735" cy="7311167"/>
         </p:xfrm>
         <a:graphic>
           <a:graphicData uri="http://schemas.openxmlformats.org/drawingml/2006/table">
@@ -10951,14 +11109,14 @@
                 <a:tableStyleId>{4C3C2611-4C71-4FC5-86AE-919BDF0F9419}</a:tableStyleId>
               </a:tblPr>
               <a:tblGrid>
-                <a:gridCol w="2462720">
+                <a:gridCol w="3445036">
                   <a:extLst>
                     <a:ext uri="{9D8B030D-6E8A-4147-A177-3AD203B41FA5}">
                       <a16:colId xmlns:a16="http://schemas.microsoft.com/office/drawing/2014/main" val="20000"/>
                     </a:ext>
                   </a:extLst>
                 </a:gridCol>
-                <a:gridCol w="8013369">
+                <a:gridCol w="11209699">
                   <a:extLst>
                     <a:ext uri="{9D8B030D-6E8A-4147-A177-3AD203B41FA5}">
                       <a16:colId xmlns:a16="http://schemas.microsoft.com/office/drawing/2014/main" val="20001"/>
@@ -10966,7 +11124,7 @@
                   </a:extLst>
                 </a:gridCol>
               </a:tblGrid>
-              <a:tr h="711200">
+              <a:tr h="0">
                 <a:tc>
                   <a:txBody>
                     <a:bodyPr/>
@@ -10976,7 +11134,7 @@
                         <a:defRPr sz="1800"/>
                       </a:pPr>
                       <a:r>
-                        <a:rPr sz="2200" b="1">
+                        <a:rPr sz="2800" b="1" dirty="0">
                           <a:latin typeface="Helvetica"/>
                           <a:ea typeface="Helvetica"/>
                           <a:cs typeface="Helvetica"/>
@@ -10986,7 +11144,7 @@
                       </a:r>
                     </a:p>
                   </a:txBody>
-                  <a:tcPr marL="50800" marR="50800" marT="50800" marB="50800" anchor="ctr" horzOverflow="overflow">
+                  <a:tcPr marL="67735" marR="67735" marT="67735" marB="67735" anchor="ctr" horzOverflow="overflow">
                     <a:lnL w="12700">
                       <a:miter lim="400000"/>
                     </a:lnL>
@@ -11019,7 +11177,7 @@
                         <a:defRPr sz="1800"/>
                       </a:pPr>
                       <a:r>
-                        <a:rPr sz="2000">
+                        <a:rPr sz="2400" dirty="0">
                           <a:latin typeface="Helvetica"/>
                           <a:ea typeface="Helvetica"/>
                           <a:cs typeface="Helvetica"/>
@@ -11030,7 +11188,7 @@
                       </a:r>
                     </a:p>
                   </a:txBody>
-                  <a:tcPr marL="50800" marR="50800" marT="50800" marB="50800" anchor="ctr" horzOverflow="overflow">
+                  <a:tcPr marL="67735" marR="67735" marT="67735" marB="67735" anchor="ctr" horzOverflow="overflow">
                     <a:lnL w="12700">
                       <a:solidFill>
                         <a:srgbClr val="3797C6"/>
@@ -11060,7 +11218,7 @@
                   </a:ext>
                 </a:extLst>
               </a:tr>
-              <a:tr h="1016000">
+              <a:tr h="1229528">
                 <a:tc>
                   <a:txBody>
                     <a:bodyPr/>
@@ -11070,7 +11228,7 @@
                         <a:defRPr sz="1800"/>
                       </a:pPr>
                       <a:r>
-                        <a:rPr sz="2200" b="1">
+                        <a:rPr sz="2800" b="1" dirty="0">
                           <a:latin typeface="Helvetica"/>
                           <a:ea typeface="Helvetica"/>
                           <a:cs typeface="Helvetica"/>
@@ -11080,7 +11238,7 @@
                       </a:r>
                     </a:p>
                   </a:txBody>
-                  <a:tcPr marL="50800" marR="50800" marT="50800" marB="50800" anchor="ctr" horzOverflow="overflow">
+                  <a:tcPr marL="67735" marR="67735" marT="67735" marB="67735" anchor="ctr" horzOverflow="overflow">
                     <a:lnL w="12700">
                       <a:miter lim="400000"/>
                     </a:lnL>
@@ -11116,7 +11274,7 @@
                         <a:defRPr sz="1800"/>
                       </a:pPr>
                       <a:r>
-                        <a:rPr sz="2000">
+                        <a:rPr sz="2400" dirty="0">
                           <a:latin typeface="Helvetica"/>
                           <a:ea typeface="Helvetica"/>
                           <a:cs typeface="Helvetica"/>
@@ -11128,7 +11286,7 @@
                       </a:r>
                     </a:p>
                   </a:txBody>
-                  <a:tcPr marL="50800" marR="50800" marT="50800" marB="50800" anchor="ctr" horzOverflow="overflow">
+                  <a:tcPr marL="67735" marR="67735" marT="67735" marB="67735" anchor="ctr" horzOverflow="overflow">
                     <a:lnL w="12700">
                       <a:solidFill>
                         <a:srgbClr val="3797C6"/>
@@ -11161,7 +11319,7 @@
                   </a:ext>
                 </a:extLst>
               </a:tr>
-              <a:tr h="711200">
+              <a:tr h="860216">
                 <a:tc>
                   <a:txBody>
                     <a:bodyPr/>
@@ -11171,7 +11329,7 @@
                         <a:defRPr sz="1800"/>
                       </a:pPr>
                       <a:r>
-                        <a:rPr sz="2200" b="1">
+                        <a:rPr sz="2800" b="1" dirty="0">
                           <a:latin typeface="Helvetica"/>
                           <a:ea typeface="Helvetica"/>
                           <a:cs typeface="Helvetica"/>
@@ -11181,7 +11339,7 @@
                       </a:r>
                     </a:p>
                   </a:txBody>
-                  <a:tcPr marL="50800" marR="50800" marT="50800" marB="50800" anchor="ctr" horzOverflow="overflow">
+                  <a:tcPr marL="67735" marR="67735" marT="67735" marB="67735" anchor="ctr" horzOverflow="overflow">
                     <a:lnL w="12700">
                       <a:miter lim="400000"/>
                     </a:lnL>
@@ -11217,7 +11375,7 @@
                         <a:defRPr sz="1800"/>
                       </a:pPr>
                       <a:r>
-                        <a:rPr sz="2000">
+                        <a:rPr sz="2400" dirty="0">
                           <a:latin typeface="Helvetica"/>
                           <a:ea typeface="Helvetica"/>
                           <a:cs typeface="Helvetica"/>
@@ -11228,7 +11386,7 @@
                       </a:r>
                     </a:p>
                   </a:txBody>
-                  <a:tcPr marL="50800" marR="50800" marT="50800" marB="50800" anchor="ctr" horzOverflow="overflow">
+                  <a:tcPr marL="67735" marR="67735" marT="67735" marB="67735" anchor="ctr" horzOverflow="overflow">
                     <a:lnL w="12700">
                       <a:solidFill>
                         <a:srgbClr val="3797C6"/>
@@ -11261,7 +11419,7 @@
                   </a:ext>
                 </a:extLst>
               </a:tr>
-              <a:tr h="431800">
+              <a:tr h="522830">
                 <a:tc>
                   <a:txBody>
                     <a:bodyPr/>
@@ -11271,7 +11429,7 @@
                         <a:defRPr sz="1800"/>
                       </a:pPr>
                       <a:r>
-                        <a:rPr sz="2200" b="1">
+                        <a:rPr sz="2800" b="1" dirty="0">
                           <a:latin typeface="Helvetica"/>
                           <a:ea typeface="Helvetica"/>
                           <a:cs typeface="Helvetica"/>
@@ -11281,7 +11439,7 @@
                       </a:r>
                     </a:p>
                   </a:txBody>
-                  <a:tcPr marL="50800" marR="50800" marT="50800" marB="50800" anchor="ctr" horzOverflow="overflow">
+                  <a:tcPr marL="67735" marR="67735" marT="67735" marB="67735" anchor="ctr" horzOverflow="overflow">
                     <a:lnL w="12700">
                       <a:miter lim="400000"/>
                     </a:lnL>
@@ -11317,7 +11475,7 @@
                         <a:defRPr sz="1800"/>
                       </a:pPr>
                       <a:r>
-                        <a:rPr sz="2000">
+                        <a:rPr sz="2400" dirty="0">
                           <a:latin typeface="Helvetica"/>
                           <a:ea typeface="Helvetica"/>
                           <a:cs typeface="Helvetica"/>
@@ -11327,7 +11485,7 @@
                       </a:r>
                     </a:p>
                   </a:txBody>
-                  <a:tcPr marL="50800" marR="50800" marT="50800" marB="50800" anchor="ctr" horzOverflow="overflow">
+                  <a:tcPr marL="67735" marR="67735" marT="67735" marB="67735" anchor="ctr" horzOverflow="overflow">
                     <a:lnL w="12700">
                       <a:solidFill>
                         <a:srgbClr val="3797C6"/>
@@ -11360,7 +11518,7 @@
                   </a:ext>
                 </a:extLst>
               </a:tr>
-              <a:tr h="431800">
+              <a:tr h="522830">
                 <a:tc>
                   <a:txBody>
                     <a:bodyPr/>
@@ -11370,7 +11528,7 @@
                         <a:defRPr sz="1800"/>
                       </a:pPr>
                       <a:r>
-                        <a:rPr sz="2200" b="1">
+                        <a:rPr sz="2800" b="1" dirty="0">
                           <a:latin typeface="Helvetica"/>
                           <a:ea typeface="Helvetica"/>
                           <a:cs typeface="Helvetica"/>
@@ -11380,7 +11538,7 @@
                       </a:r>
                     </a:p>
                   </a:txBody>
-                  <a:tcPr marL="50800" marR="50800" marT="50800" marB="50800" anchor="ctr" horzOverflow="overflow">
+                  <a:tcPr marL="67735" marR="67735" marT="67735" marB="67735" anchor="ctr" horzOverflow="overflow">
                     <a:lnL w="12700">
                       <a:miter lim="400000"/>
                     </a:lnL>
@@ -11416,7 +11574,7 @@
                         <a:defRPr sz="1800"/>
                       </a:pPr>
                       <a:r>
-                        <a:rPr sz="2000">
+                        <a:rPr sz="2400">
                           <a:latin typeface="Helvetica"/>
                           <a:ea typeface="Helvetica"/>
                           <a:cs typeface="Helvetica"/>
@@ -11426,7 +11584,7 @@
                       </a:r>
                     </a:p>
                   </a:txBody>
-                  <a:tcPr marL="50800" marR="50800" marT="50800" marB="50800" anchor="ctr" horzOverflow="overflow">
+                  <a:tcPr marL="67735" marR="67735" marT="67735" marB="67735" anchor="ctr" horzOverflow="overflow">
                     <a:lnL w="12700">
                       <a:solidFill>
                         <a:srgbClr val="3797C6"/>
@@ -11459,7 +11617,7 @@
                   </a:ext>
                 </a:extLst>
               </a:tr>
-              <a:tr h="762000">
+              <a:tr h="887571">
                 <a:tc>
                   <a:txBody>
                     <a:bodyPr/>
@@ -11469,7 +11627,7 @@
                         <a:defRPr sz="1800"/>
                       </a:pPr>
                       <a:r>
-                        <a:rPr sz="2200" b="1">
+                        <a:rPr sz="2800" b="1" dirty="0">
                           <a:latin typeface="Helvetica"/>
                           <a:ea typeface="Helvetica"/>
                           <a:cs typeface="Helvetica"/>
@@ -11479,7 +11637,7 @@
                       </a:r>
                     </a:p>
                   </a:txBody>
-                  <a:tcPr marL="50800" marR="50800" marT="50800" marB="50800" anchor="ctr" horzOverflow="overflow">
+                  <a:tcPr marL="67735" marR="67735" marT="67735" marB="67735" anchor="ctr" horzOverflow="overflow">
                     <a:lnL w="12700">
                       <a:miter lim="400000"/>
                     </a:lnL>
@@ -11515,7 +11673,7 @@
                         <a:defRPr sz="1800"/>
                       </a:pPr>
                       <a:r>
-                        <a:rPr sz="2000">
+                        <a:rPr sz="2400">
                           <a:latin typeface="Helvetica"/>
                           <a:ea typeface="Helvetica"/>
                           <a:cs typeface="Helvetica"/>
@@ -11525,7 +11683,7 @@
                       </a:r>
                     </a:p>
                   </a:txBody>
-                  <a:tcPr marL="50800" marR="50800" marT="50800" marB="50800" anchor="ctr" horzOverflow="overflow">
+                  <a:tcPr marL="67735" marR="67735" marT="67735" marB="67735" anchor="ctr" horzOverflow="overflow">
                     <a:lnL w="12700">
                       <a:solidFill>
                         <a:srgbClr val="3797C6"/>
@@ -11558,7 +11716,7 @@
                   </a:ext>
                 </a:extLst>
               </a:tr>
-              <a:tr h="762000">
+              <a:tr h="924072">
                 <a:tc>
                   <a:txBody>
                     <a:bodyPr/>
@@ -11568,7 +11726,7 @@
                         <a:defRPr sz="1800"/>
                       </a:pPr>
                       <a:r>
-                        <a:rPr sz="2200" b="1">
+                        <a:rPr sz="2800" b="1" dirty="0">
                           <a:latin typeface="Helvetica"/>
                           <a:ea typeface="Helvetica"/>
                           <a:cs typeface="Helvetica"/>
@@ -11578,7 +11736,7 @@
                       </a:r>
                     </a:p>
                   </a:txBody>
-                  <a:tcPr marL="50800" marR="50800" marT="50800" marB="50800" anchor="ctr" horzOverflow="overflow">
+                  <a:tcPr marL="67735" marR="67735" marT="67735" marB="67735" anchor="ctr" horzOverflow="overflow">
                     <a:lnL w="12700">
                       <a:miter lim="400000"/>
                     </a:lnL>
@@ -11614,7 +11772,7 @@
                         <a:defRPr sz="1800"/>
                       </a:pPr>
                       <a:r>
-                        <a:rPr sz="2000">
+                        <a:rPr sz="2400">
                           <a:latin typeface="Helvetica"/>
                           <a:ea typeface="Helvetica"/>
                           <a:cs typeface="Helvetica"/>
@@ -11624,7 +11782,7 @@
                       </a:r>
                     </a:p>
                   </a:txBody>
-                  <a:tcPr marL="50800" marR="50800" marT="50800" marB="50800" anchor="ctr" horzOverflow="overflow">
+                  <a:tcPr marL="67735" marR="67735" marT="67735" marB="67735" anchor="ctr" horzOverflow="overflow">
                     <a:lnL w="12700">
                       <a:solidFill>
                         <a:srgbClr val="3797C6"/>
@@ -11657,7 +11815,7 @@
                   </a:ext>
                 </a:extLst>
               </a:tr>
-              <a:tr h="1092200">
+              <a:tr h="1307075">
                 <a:tc>
                   <a:txBody>
                     <a:bodyPr/>
@@ -11667,7 +11825,7 @@
                         <a:defRPr sz="1800"/>
                       </a:pPr>
                       <a:r>
-                        <a:rPr sz="2200" b="1">
+                        <a:rPr sz="2800" b="1" dirty="0">
                           <a:latin typeface="Helvetica"/>
                           <a:ea typeface="Helvetica"/>
                           <a:cs typeface="Helvetica"/>
@@ -11677,7 +11835,7 @@
                       </a:r>
                     </a:p>
                   </a:txBody>
-                  <a:tcPr marL="50800" marR="50800" marT="50800" marB="50800" anchor="ctr" horzOverflow="overflow">
+                  <a:tcPr marL="67735" marR="67735" marT="67735" marB="67735" anchor="ctr" horzOverflow="overflow">
                     <a:lnL w="12700">
                       <a:miter lim="400000"/>
                     </a:lnL>
@@ -11710,7 +11868,7 @@
                         <a:defRPr sz="1800"/>
                       </a:pPr>
                       <a:r>
-                        <a:rPr sz="2000">
+                        <a:rPr sz="2400" dirty="0">
                           <a:latin typeface="Helvetica"/>
                           <a:ea typeface="Helvetica"/>
                           <a:cs typeface="Helvetica"/>
@@ -11721,7 +11879,7 @@
                       </a:r>
                     </a:p>
                   </a:txBody>
-                  <a:tcPr marL="50800" marR="50800" marT="50800" marB="50800" anchor="ctr" horzOverflow="overflow">
+                  <a:tcPr marL="67735" marR="67735" marT="67735" marB="67735" anchor="ctr" horzOverflow="overflow">
                     <a:lnL w="12700">
                       <a:solidFill>
                         <a:srgbClr val="3797C6"/>
@@ -11792,12 +11950,18 @@
           </p:nvPr>
         </p:nvSpPr>
         <p:spPr>
+          <a:xfrm>
+            <a:off x="857981" y="1338843"/>
+            <a:ext cx="15624301" cy="764354"/>
+          </a:xfrm>
           <a:prstGeom prst="rect">
             <a:avLst/>
           </a:prstGeom>
         </p:spPr>
         <p:txBody>
-          <a:bodyPr/>
+          <a:bodyPr>
+            <a:normAutofit/>
+          </a:bodyPr>
           <a:lstStyle>
             <a:lvl1pPr defTabSz="1369804">
               <a:defRPr sz="4740" spc="-94"/>
@@ -11805,8 +11969,14 @@
           </a:lstStyle>
           <a:p>
             <a:r>
-              <a:t>Type-Related Refactorings</a:t>
-            </a:r>
+              <a:rPr sz="4400" dirty="0"/>
+              <a:t>Type-Related </a:t>
+            </a:r>
+            <a:r>
+              <a:rPr sz="4400" dirty="0" err="1"/>
+              <a:t>Refactorings</a:t>
+            </a:r>
+            <a:endParaRPr sz="4400" dirty="0"/>
           </a:p>
         </p:txBody>
       </p:sp>
@@ -11827,7 +11997,7 @@
         </p:spPr>
         <p:txBody>
           <a:bodyPr>
-            <a:normAutofit lnSpcReduction="10000"/>
+            <a:normAutofit fontScale="85000" lnSpcReduction="20000"/>
           </a:bodyPr>
           <a:lstStyle/>
           <a:p>
@@ -11839,11 +12009,17 @@
         <p:nvGraphicFramePr>
           <p:cNvPr id="222" name="Table"/>
           <p:cNvGraphicFramePr/>
-          <p:nvPr/>
+          <p:nvPr>
+            <p:extLst>
+              <p:ext uri="{D42A27DB-BD31-4B8C-83A1-F6EECF244321}">
+                <p14:modId xmlns:p14="http://schemas.microsoft.com/office/powerpoint/2010/main" val="1276863844"/>
+              </p:ext>
+            </p:extLst>
+          </p:nvPr>
         </p:nvGraphicFramePr>
         <p:xfrm>
-          <a:off x="793214" y="4029091"/>
-          <a:ext cx="11418370" cy="3594100"/>
+          <a:off x="1266198" y="3364911"/>
+          <a:ext cx="14230475" cy="4359885"/>
         </p:xfrm>
         <a:graphic>
           <a:graphicData uri="http://schemas.openxmlformats.org/drawingml/2006/table">
@@ -11852,14 +12028,14 @@
                 <a:tableStyleId>{4C3C2611-4C71-4FC5-86AE-919BDF0F9419}</a:tableStyleId>
               </a:tblPr>
               <a:tblGrid>
-                <a:gridCol w="4900532">
+                <a:gridCol w="6107430">
                   <a:extLst>
                     <a:ext uri="{9D8B030D-6E8A-4147-A177-3AD203B41FA5}">
                       <a16:colId xmlns:a16="http://schemas.microsoft.com/office/drawing/2014/main" val="20000"/>
                     </a:ext>
                   </a:extLst>
                 </a:gridCol>
-                <a:gridCol w="6517838">
+                <a:gridCol w="8123045">
                   <a:extLst>
                     <a:ext uri="{9D8B030D-6E8A-4147-A177-3AD203B41FA5}">
                       <a16:colId xmlns:a16="http://schemas.microsoft.com/office/drawing/2014/main" val="20001"/>
@@ -11867,7 +12043,7 @@
                   </a:extLst>
                 </a:gridCol>
               </a:tblGrid>
-              <a:tr h="895350">
+              <a:tr h="1020160">
                 <a:tc>
                   <a:txBody>
                     <a:bodyPr/>
@@ -11895,11 +12071,12 @@
                         </a:defRPr>
                       </a:pPr>
                       <a:r>
+                        <a:rPr sz="3200"/>
                         <a:t>Generalize Declared Type</a:t>
                       </a:r>
                     </a:p>
                   </a:txBody>
-                  <a:tcPr marL="50800" marR="50800" marT="50800" marB="50800" anchor="ctr" horzOverflow="overflow">
+                  <a:tcPr marL="67735" marR="67735" marT="67735" marB="67735" anchor="ctr" horzOverflow="overflow">
                     <a:lnL w="12700">
                       <a:miter lim="400000"/>
                     </a:lnL>
@@ -11934,7 +12111,7 @@
                         <a:defRPr sz="1800"/>
                       </a:pPr>
                       <a:r>
-                        <a:rPr sz="2400">
+                        <a:rPr sz="3200">
                           <a:latin typeface="Helvetica Light"/>
                           <a:ea typeface="Helvetica Light"/>
                           <a:cs typeface="Helvetica Light"/>
@@ -11944,7 +12121,7 @@
                       </a:r>
                     </a:p>
                   </a:txBody>
-                  <a:tcPr marL="50800" marR="50800" marT="50800" marB="50800" anchor="ctr" horzOverflow="overflow">
+                  <a:tcPr marL="67735" marR="67735" marT="67735" marB="67735" anchor="ctr" horzOverflow="overflow">
                     <a:lnL w="12700">
                       <a:solidFill>
                         <a:srgbClr val="3797C6"/>
@@ -11976,7 +12153,7 @@
                   </a:ext>
                 </a:extLst>
               </a:tr>
-              <a:tr h="901700">
+              <a:tr h="1027395">
                 <a:tc>
                   <a:txBody>
                     <a:bodyPr/>
@@ -12000,11 +12177,12 @@
                         </a:defRPr>
                       </a:pPr>
                       <a:r>
+                        <a:rPr sz="3200"/>
                         <a:t>Extract Interface</a:t>
                       </a:r>
                     </a:p>
                   </a:txBody>
-                  <a:tcPr marL="50800" marR="50800" marT="50800" marB="50800" anchor="ctr" horzOverflow="overflow">
+                  <a:tcPr marL="67735" marR="67735" marT="67735" marB="67735" anchor="ctr" horzOverflow="overflow">
                     <a:lnL w="12700">
                       <a:miter lim="400000"/>
                     </a:lnL>
@@ -12042,7 +12220,7 @@
                         <a:defRPr sz="1800"/>
                       </a:pPr>
                       <a:r>
-                        <a:rPr sz="2400">
+                        <a:rPr sz="3200">
                           <a:latin typeface="Helvetica Light"/>
                           <a:ea typeface="Helvetica Light"/>
                           <a:cs typeface="Helvetica Light"/>
@@ -12052,7 +12230,7 @@
                       </a:r>
                     </a:p>
                   </a:txBody>
-                  <a:tcPr marL="50800" marR="50800" marT="50800" marB="50800" anchor="ctr" horzOverflow="overflow">
+                  <a:tcPr marL="67735" marR="67735" marT="67735" marB="67735" anchor="ctr" horzOverflow="overflow">
                     <a:lnL w="12700">
                       <a:solidFill>
                         <a:srgbClr val="3797C6"/>
@@ -12087,7 +12265,7 @@
                   </a:ext>
                 </a:extLst>
               </a:tr>
-              <a:tr h="901700">
+              <a:tr h="1027395">
                 <a:tc>
                   <a:txBody>
                     <a:bodyPr/>
@@ -12115,11 +12293,12 @@
                         </a:defRPr>
                       </a:pPr>
                       <a:r>
+                        <a:rPr sz="3200"/>
                         <a:t>Pull Up Members</a:t>
                       </a:r>
                     </a:p>
                   </a:txBody>
-                  <a:tcPr marL="50800" marR="50800" marT="50800" marB="50800" anchor="ctr" horzOverflow="overflow">
+                  <a:tcPr marL="67735" marR="67735" marT="67735" marB="67735" anchor="ctr" horzOverflow="overflow">
                     <a:lnL w="12700">
                       <a:miter lim="400000"/>
                     </a:lnL>
@@ -12157,7 +12336,7 @@
                         <a:defRPr sz="1800"/>
                       </a:pPr>
                       <a:r>
-                        <a:rPr sz="2400">
+                        <a:rPr sz="3200">
                           <a:latin typeface="Helvetica Light"/>
                           <a:ea typeface="Helvetica Light"/>
                           <a:cs typeface="Helvetica Light"/>
@@ -12167,7 +12346,7 @@
                       </a:r>
                     </a:p>
                   </a:txBody>
-                  <a:tcPr marL="50800" marR="50800" marT="50800" marB="50800" anchor="ctr" horzOverflow="overflow">
+                  <a:tcPr marL="67735" marR="67735" marT="67735" marB="67735" anchor="ctr" horzOverflow="overflow">
                     <a:lnL w="12700">
                       <a:solidFill>
                         <a:srgbClr val="3797C6"/>
@@ -12202,7 +12381,7 @@
                   </a:ext>
                 </a:extLst>
               </a:tr>
-              <a:tr h="895350">
+              <a:tr h="1020160">
                 <a:tc>
                   <a:txBody>
                     <a:bodyPr/>
@@ -12230,11 +12409,12 @@
                         </a:defRPr>
                       </a:pPr>
                       <a:r>
+                        <a:rPr sz="3200"/>
                         <a:t>Infer Generic Type Arguments</a:t>
                       </a:r>
                     </a:p>
                   </a:txBody>
-                  <a:tcPr marL="50800" marR="50800" marT="50800" marB="50800" anchor="ctr" horzOverflow="overflow">
+                  <a:tcPr marL="67735" marR="67735" marT="67735" marB="67735" anchor="ctr" horzOverflow="overflow">
                     <a:lnL w="12700">
                       <a:miter lim="400000"/>
                     </a:lnL>
@@ -12269,7 +12449,7 @@
                         <a:defRPr sz="1800"/>
                       </a:pPr>
                       <a:r>
-                        <a:rPr sz="2400">
+                        <a:rPr sz="3200" dirty="0">
                           <a:latin typeface="Helvetica Light"/>
                           <a:ea typeface="Helvetica Light"/>
                           <a:cs typeface="Helvetica Light"/>
@@ -12279,7 +12459,7 @@
                       </a:r>
                     </a:p>
                   </a:txBody>
-                  <a:tcPr marL="50800" marR="50800" marT="50800" marB="50800" anchor="ctr" horzOverflow="overflow">
+                  <a:tcPr marL="67735" marR="67735" marT="67735" marB="67735" anchor="ctr" horzOverflow="overflow">
                     <a:lnL w="12700">
                       <a:solidFill>
                         <a:srgbClr val="3797C6"/>
@@ -12352,12 +12532,18 @@
           </p:nvPr>
         </p:nvSpPr>
         <p:spPr>
+          <a:xfrm>
+            <a:off x="857981" y="1347537"/>
+            <a:ext cx="15624301" cy="1211750"/>
+          </a:xfrm>
           <a:prstGeom prst="rect">
             <a:avLst/>
           </a:prstGeom>
         </p:spPr>
         <p:txBody>
-          <a:bodyPr/>
+          <a:bodyPr>
+            <a:normAutofit/>
+          </a:bodyPr>
           <a:lstStyle>
             <a:lvl1pPr defTabSz="1369804">
               <a:defRPr sz="4740" spc="-94"/>
@@ -12365,7 +12551,16 @@
           </a:lstStyle>
           <a:p>
             <a:r>
-              <a:t>Automated Refactorings in VSC</a:t>
+              <a:rPr sz="4400" dirty="0"/>
+              <a:t>Automated </a:t>
+            </a:r>
+            <a:r>
+              <a:rPr sz="4400" dirty="0" err="1"/>
+              <a:t>Refactorings</a:t>
+            </a:r>
+            <a:r>
+              <a:rPr sz="4400" dirty="0"/>
+              <a:t> in VSC</a:t>
             </a:r>
           </a:p>
         </p:txBody>
@@ -12387,7 +12582,7 @@
         </p:spPr>
         <p:txBody>
           <a:bodyPr>
-            <a:normAutofit lnSpcReduction="10000"/>
+            <a:normAutofit fontScale="85000" lnSpcReduction="20000"/>
           </a:bodyPr>
           <a:lstStyle/>
           <a:p>
@@ -12434,8 +12629,8 @@
         </p:blipFill>
         <p:spPr>
           <a:xfrm>
-            <a:off x="3670300" y="3238500"/>
-            <a:ext cx="5664200" cy="4635500"/>
+            <a:off x="4893884" y="2692333"/>
+            <a:ext cx="7552497" cy="6180855"/>
           </a:xfrm>
           <a:prstGeom prst="rect">
             <a:avLst/>
@@ -12482,12 +12677,18 @@
           </p:nvPr>
         </p:nvSpPr>
         <p:spPr>
+          <a:xfrm>
+            <a:off x="857981" y="1524000"/>
+            <a:ext cx="15624301" cy="1035287"/>
+          </a:xfrm>
           <a:prstGeom prst="rect">
             <a:avLst/>
           </a:prstGeom>
         </p:spPr>
         <p:txBody>
-          <a:bodyPr/>
+          <a:bodyPr>
+            <a:normAutofit/>
+          </a:bodyPr>
           <a:lstStyle>
             <a:lvl1pPr defTabSz="1369804">
               <a:defRPr sz="4740" spc="-94"/>
@@ -12495,6 +12696,7 @@
           </a:lstStyle>
           <a:p>
             <a:r>
+              <a:rPr sz="4400" dirty="0"/>
               <a:t>Refactoring Risks</a:t>
             </a:r>
           </a:p>
@@ -12517,7 +12719,7 @@
         </p:spPr>
         <p:txBody>
           <a:bodyPr>
-            <a:normAutofit lnSpcReduction="10000"/>
+            <a:normAutofit fontScale="85000" lnSpcReduction="20000"/>
           </a:bodyPr>
           <a:lstStyle/>
           <a:p>
@@ -12608,12 +12810,18 @@
           </p:nvPr>
         </p:nvSpPr>
         <p:spPr>
+          <a:xfrm>
+            <a:off x="857981" y="1572126"/>
+            <a:ext cx="15624301" cy="987161"/>
+          </a:xfrm>
           <a:prstGeom prst="rect">
             <a:avLst/>
           </a:prstGeom>
         </p:spPr>
         <p:txBody>
-          <a:bodyPr/>
+          <a:bodyPr>
+            <a:normAutofit/>
+          </a:bodyPr>
           <a:lstStyle>
             <a:lvl1pPr defTabSz="1369804">
               <a:defRPr sz="4740" spc="-94"/>
@@ -12621,10 +12829,10 @@
           </a:lstStyle>
           <a:p>
             <a:r>
-              <a:rPr lang="en-US" dirty="0"/>
+              <a:rPr lang="en-US" sz="4400" dirty="0"/>
               <a:t>This leads us into Technical Debt</a:t>
             </a:r>
-            <a:endParaRPr dirty="0"/>
+            <a:endParaRPr sz="4400" dirty="0"/>
           </a:p>
         </p:txBody>
       </p:sp>
@@ -12645,7 +12853,7 @@
         </p:spPr>
         <p:txBody>
           <a:bodyPr>
-            <a:normAutofit lnSpcReduction="10000"/>
+            <a:normAutofit fontScale="85000" lnSpcReduction="20000"/>
           </a:bodyPr>
           <a:lstStyle/>
           <a:p>
@@ -12745,6 +12953,10 @@
           </p:nvPr>
         </p:nvSpPr>
         <p:spPr>
+          <a:xfrm>
+            <a:off x="1187116" y="1468516"/>
+            <a:ext cx="15295166" cy="765387"/>
+          </a:xfrm>
           <a:prstGeom prst="rect">
             <a:avLst/>
           </a:prstGeom>
@@ -12758,6 +12970,7 @@
           </a:lstStyle>
           <a:p>
             <a:r>
+              <a:rPr dirty="0"/>
               <a:t>Learning Goals</a:t>
             </a:r>
           </a:p>
@@ -12774,18 +12987,22 @@
           </p:nvPr>
         </p:nvSpPr>
         <p:spPr>
+          <a:xfrm>
+            <a:off x="1187116" y="2484778"/>
+            <a:ext cx="15295166" cy="595305"/>
+          </a:xfrm>
           <a:prstGeom prst="rect">
             <a:avLst/>
           </a:prstGeom>
           <a:extLst>
             <a:ext uri="{C572A759-6A51-4108-AA02-DFA0A04FC94B}">
-              <ma14:wrappingTextBoxFlag xmlns:ma14="http://schemas.microsoft.com/office/mac/drawingml/2011/main" xmlns:a14="http://schemas.microsoft.com/office/drawing/2010/main" xmlns:m="http://schemas.openxmlformats.org/officeDocument/2006/math" xmlns="" val="1"/>
+              <ma14:wrappingTextBoxFlag xmlns="" xmlns:m="http://schemas.openxmlformats.org/officeDocument/2006/math" xmlns:a14="http://schemas.microsoft.com/office/drawing/2010/main" xmlns:ma14="http://schemas.microsoft.com/office/mac/drawingml/2011/main" val="1"/>
             </a:ext>
           </a:extLst>
         </p:spPr>
         <p:txBody>
           <a:bodyPr>
-            <a:normAutofit lnSpcReduction="10000"/>
+            <a:normAutofit fontScale="92500" lnSpcReduction="10000"/>
           </a:bodyPr>
           <a:lstStyle>
             <a:lvl1pPr>
@@ -12815,40 +13032,46 @@
           </p:nvPr>
         </p:nvSpPr>
         <p:spPr>
+          <a:xfrm>
+            <a:off x="1491916" y="3485081"/>
+            <a:ext cx="13459326" cy="4403207"/>
+          </a:xfrm>
           <a:prstGeom prst="rect">
             <a:avLst/>
           </a:prstGeom>
         </p:spPr>
         <p:txBody>
-          <a:bodyPr/>
+          <a:bodyPr>
+            <a:normAutofit/>
+          </a:bodyPr>
           <a:lstStyle/>
           <a:p>
-            <a:pPr marL="514350" indent="-514350">
+            <a:pPr marL="685938" indent="-685938">
               <a:buFont typeface="+mj-lt"/>
               <a:buAutoNum type="arabicPeriod"/>
             </a:pPr>
             <a:r>
-              <a:rPr lang="en-US" dirty="0"/>
+              <a:rPr lang="en-US" sz="3600" dirty="0"/>
               <a:t>Some common code “smells” (anti-patterns).</a:t>
             </a:r>
           </a:p>
           <a:p>
-            <a:pPr marL="514350" indent="-514350">
+            <a:pPr marL="685938" indent="-685938">
               <a:buFont typeface="+mj-lt"/>
               <a:buAutoNum type="arabicPeriod"/>
             </a:pPr>
             <a:r>
-              <a:rPr lang="en-US" dirty="0"/>
+              <a:rPr lang="en-US" sz="3600" dirty="0"/>
               <a:t>“Refactoring”: restructuring of code to improve structure.</a:t>
             </a:r>
           </a:p>
           <a:p>
-            <a:pPr marL="514350" indent="-514350">
+            <a:pPr marL="685938" indent="-685938">
               <a:buFont typeface="+mj-lt"/>
               <a:buAutoNum type="arabicPeriod"/>
             </a:pPr>
             <a:r>
-              <a:rPr lang="en-US" dirty="0"/>
+              <a:rPr lang="en-US" sz="3600" dirty="0"/>
               <a:t>“Technical Debt”: generalization covering all internal problems in a code-base.</a:t>
             </a:r>
           </a:p>
@@ -12892,8 +13115,8 @@
         </p:nvSpPr>
         <p:spPr>
           <a:xfrm>
-            <a:off x="643466" y="759868"/>
-            <a:ext cx="11717868" cy="1372516"/>
+            <a:off x="857981" y="914400"/>
+            <a:ext cx="15624301" cy="303067"/>
           </a:xfrm>
           <a:prstGeom prst="rect">
             <a:avLst/>
@@ -12901,7 +13124,7 @@
         </p:spPr>
         <p:txBody>
           <a:bodyPr>
-            <a:normAutofit/>
+            <a:noAutofit/>
           </a:bodyPr>
           <a:lstStyle>
             <a:lvl1pPr defTabSz="1369804">
@@ -12929,8 +13152,8 @@
         </p:nvSpPr>
         <p:spPr>
           <a:xfrm>
-            <a:off x="643466" y="4441947"/>
-            <a:ext cx="6267687" cy="3751644"/>
+            <a:off x="857980" y="3422655"/>
+            <a:ext cx="8357171" cy="5002345"/>
           </a:xfrm>
           <a:prstGeom prst="rect">
             <a:avLst/>
@@ -12944,66 +13167,66 @@
           <a:p>
             <a:pPr>
               <a:spcBef>
-                <a:spcPts val="1200"/>
+                <a:spcPts val="1600"/>
               </a:spcBef>
             </a:pPr>
             <a:r>
-              <a:rPr lang="en-US" sz="3200" dirty="0"/>
+              <a:rPr lang="en-US" sz="3600" dirty="0"/>
               <a:t>Usual Scenarios:</a:t>
             </a:r>
           </a:p>
           <a:p>
             <a:pPr lvl="1">
               <a:spcBef>
-                <a:spcPts val="1200"/>
+                <a:spcPts val="1600"/>
               </a:spcBef>
             </a:pPr>
             <a:r>
-              <a:rPr lang="en-US" sz="3200" dirty="0"/>
+              <a:rPr lang="en-US" sz="3600" dirty="0"/>
               <a:t>Quick-and-Dirty if-then-else;</a:t>
             </a:r>
           </a:p>
           <a:p>
             <a:pPr lvl="1">
               <a:spcBef>
-                <a:spcPts val="1200"/>
+                <a:spcPts val="1600"/>
               </a:spcBef>
             </a:pPr>
             <a:r>
-              <a:rPr lang="en-US" sz="3200" dirty="0"/>
+              <a:rPr lang="en-US" sz="3600" dirty="0"/>
               <a:t>Hitting the Wall;</a:t>
             </a:r>
           </a:p>
           <a:p>
             <a:pPr lvl="1">
               <a:spcBef>
-                <a:spcPts val="1200"/>
+                <a:spcPts val="1600"/>
               </a:spcBef>
             </a:pPr>
             <a:r>
-              <a:rPr lang="en-US" sz="3200" dirty="0"/>
+              <a:rPr lang="en-US" sz="3600" dirty="0"/>
               <a:t>Crumbling Under the Load;</a:t>
             </a:r>
           </a:p>
           <a:p>
             <a:pPr lvl="1">
               <a:spcBef>
-                <a:spcPts val="1200"/>
+                <a:spcPts val="1600"/>
               </a:spcBef>
             </a:pPr>
             <a:r>
-              <a:rPr lang="en-US" sz="3200" dirty="0"/>
+              <a:rPr lang="en-US" sz="3600" dirty="0"/>
               <a:t>Death by a Thousand Cuts;</a:t>
             </a:r>
           </a:p>
           <a:p>
             <a:pPr lvl="1">
               <a:spcBef>
-                <a:spcPts val="1200"/>
+                <a:spcPts val="1600"/>
               </a:spcBef>
             </a:pPr>
             <a:r>
-              <a:rPr lang="en-US" sz="3200" dirty="0"/>
+              <a:rPr lang="en-US" sz="3600" dirty="0"/>
               <a:t>Tactical Investment.</a:t>
             </a:r>
           </a:p>
@@ -13040,8 +13263,8 @@
         </p:blipFill>
         <p:spPr bwMode="auto">
           <a:xfrm>
-            <a:off x="6752145" y="3540636"/>
-            <a:ext cx="5492813" cy="4641427"/>
+            <a:off x="9003147" y="3385010"/>
+            <a:ext cx="6454663" cy="5454190"/>
           </a:xfrm>
           <a:prstGeom prst="rect">
             <a:avLst/>
@@ -13065,8 +13288,8 @@
         </p:nvSpPr>
         <p:spPr>
           <a:xfrm>
-            <a:off x="4240331" y="8286942"/>
-            <a:ext cx="2511814" cy="486287"/>
+            <a:off x="4643295" y="7798185"/>
+            <a:ext cx="3349188" cy="617861"/>
           </a:xfrm>
           <a:prstGeom prst="rect">
             <a:avLst/>
@@ -13105,9 +13328,9 @@
           </a:bodyPr>
           <a:lstStyle/>
           <a:p>
-            <a:pPr defTabSz="975390" hangingPunct="1"/>
-            <a:r>
-              <a:rPr lang="en-US" sz="2560" b="1" kern="1200" dirty="0">
+            <a:pPr defTabSz="1300781" hangingPunct="1"/>
+            <a:r>
+              <a:rPr lang="en-US" sz="3415" b="1" kern="1200" dirty="0">
                 <a:solidFill>
                   <a:prstClr val="black"/>
                 </a:solidFill>
@@ -13134,8 +13357,8 @@
         </p:nvSpPr>
         <p:spPr>
           <a:xfrm>
-            <a:off x="643466" y="2400188"/>
-            <a:ext cx="11717868" cy="1691366"/>
+            <a:off x="857982" y="2165684"/>
+            <a:ext cx="15624301" cy="1664089"/>
           </a:xfrm>
           <a:prstGeom prst="rect">
             <a:avLst/>
@@ -13145,12 +13368,12 @@
           </a:ln>
           <a:extLst>
             <a:ext uri="{C572A759-6A51-4108-AA02-DFA0A04FC94B}">
-              <ma14:wrappingTextBoxFlag xmlns:ma14="http://schemas.microsoft.com/office/mac/drawingml/2011/main" xmlns:a14="http://schemas.microsoft.com/office/drawing/2010/main" xmlns:m="http://schemas.openxmlformats.org/officeDocument/2006/math" xmlns="" val="1"/>
+              <ma14:wrappingTextBoxFlag xmlns="" xmlns:m="http://schemas.openxmlformats.org/officeDocument/2006/math" xmlns:a14="http://schemas.microsoft.com/office/drawing/2010/main" xmlns:ma14="http://schemas.microsoft.com/office/mac/drawingml/2011/main" val="1"/>
             </a:ext>
           </a:extLst>
         </p:spPr>
         <p:txBody>
-          <a:bodyPr lIns="27093" tIns="27093" rIns="27093" bIns="27093">
+          <a:bodyPr lIns="36125" tIns="36125" rIns="36125" bIns="36125">
             <a:normAutofit/>
           </a:bodyPr>
           <a:lstStyle>
@@ -13392,7 +13615,7 @@
           <a:p>
             <a:pPr hangingPunct="1"/>
             <a:r>
-              <a:rPr lang="en-US" dirty="0"/>
+              <a:rPr lang="en-US" sz="3600" dirty="0"/>
               <a:t>Technical debt is a contingent liability whose impact is limited to internal system qualities—­primarily, but not only, maintainability and evolvability.</a:t>
             </a:r>
           </a:p>
@@ -13539,7 +13762,7 @@
           <a:lstStyle/>
           <a:p>
             <a:r>
-              <a:rPr lang="en-US" sz="3200" dirty="0"/>
+              <a:rPr lang="en-US" sz="4267" dirty="0"/>
               <a:t>Example of Debt</a:t>
             </a:r>
           </a:p>
@@ -13570,35 +13793,35 @@
           <a:p>
             <a:pPr fontAlgn="base"/>
             <a:r>
-              <a:rPr lang="en-US" sz="3200" dirty="0"/>
+              <a:rPr lang="en-US" sz="3600" dirty="0"/>
               <a:t>Code Smells;</a:t>
             </a:r>
           </a:p>
           <a:p>
             <a:pPr fontAlgn="base"/>
             <a:r>
-              <a:rPr lang="en-US" sz="3200" dirty="0"/>
+              <a:rPr lang="en-US" sz="3600" dirty="0"/>
               <a:t>Missing tests;</a:t>
             </a:r>
           </a:p>
           <a:p>
             <a:pPr fontAlgn="base"/>
             <a:r>
-              <a:rPr lang="en-US" sz="3200" dirty="0"/>
+              <a:rPr lang="en-US" sz="3600" dirty="0"/>
               <a:t>Missing documentation;</a:t>
             </a:r>
           </a:p>
           <a:p>
             <a:pPr fontAlgn="base"/>
             <a:r>
-              <a:rPr lang="en-US" sz="3200" dirty="0"/>
+              <a:rPr lang="en-US" sz="3600" dirty="0"/>
               <a:t>Dependency on old versions of third-party systems;</a:t>
             </a:r>
           </a:p>
           <a:p>
             <a:pPr fontAlgn="base"/>
             <a:r>
-              <a:rPr lang="en-US" sz="3200" dirty="0"/>
+              <a:rPr lang="en-US" sz="3600" dirty="0"/>
               <a:t>Inefficient and/or non-scalable algorithms.</a:t>
             </a:r>
           </a:p>
@@ -13628,7 +13851,7 @@
           <a:lstStyle/>
           <a:p>
             <a:r>
-              <a:rPr lang="en-US" sz="3200" dirty="0"/>
+              <a:rPr lang="en-US" sz="4267" dirty="0"/>
               <a:t>Example of Cost</a:t>
             </a:r>
           </a:p>
@@ -13658,31 +13881,31 @@
           <a:lstStyle/>
           <a:p>
             <a:r>
-              <a:rPr lang="en-US" sz="3200" dirty="0"/>
+              <a:rPr lang="en-US" sz="3600" dirty="0"/>
               <a:t>“Smelly” code is less flexible;</a:t>
             </a:r>
           </a:p>
           <a:p>
             <a:r>
-              <a:rPr lang="en-US" sz="3200" dirty="0"/>
+              <a:rPr lang="en-US" sz="3600" dirty="0"/>
               <a:t>Need to revert breaking change;</a:t>
             </a:r>
           </a:p>
           <a:p>
             <a:r>
-              <a:rPr lang="en-US" sz="3200" dirty="0"/>
+              <a:rPr lang="en-US" sz="3600" dirty="0"/>
               <a:t>Can’t figure out how to use;</a:t>
             </a:r>
           </a:p>
           <a:p>
             <a:r>
-              <a:rPr lang="en-US" sz="3200" dirty="0"/>
+              <a:rPr lang="en-US" sz="3600" dirty="0"/>
               <a:t>May have take over maintenance of old system;</a:t>
             </a:r>
           </a:p>
           <a:p>
             <a:r>
-              <a:rPr lang="en-US" sz="3200" dirty="0"/>
+              <a:rPr lang="en-US" sz="3600" dirty="0"/>
               <a:t>Lose potential customers.</a:t>
             </a:r>
           </a:p>
@@ -13709,7 +13932,7 @@
           <a:bodyPr/>
           <a:lstStyle/>
           <a:p>
-            <a:pPr defTabSz="975390" hangingPunct="1"/>
+            <a:pPr defTabSz="1300781" hangingPunct="1"/>
             <a:fld id="{20F37917-FD3A-4669-9018-DA04BCDD3D75}" type="slidenum">
               <a:rPr lang="en-US" kern="1200">
                 <a:solidFill>
@@ -13719,7 +13942,7 @@
                 </a:solidFill>
                 <a:latin typeface="Calibri" panose="020F0502020204030204"/>
               </a:rPr>
-              <a:pPr defTabSz="975390" hangingPunct="1"/>
+              <a:pPr defTabSz="1300781" hangingPunct="1"/>
               <a:t>21</a:t>
             </a:fld>
             <a:endParaRPr lang="en-US" kern="1200">
@@ -13749,8 +13972,8 @@
         </p:nvSpPr>
         <p:spPr>
           <a:xfrm>
-            <a:off x="643466" y="950524"/>
-            <a:ext cx="11717868" cy="1608763"/>
+            <a:off x="857981" y="950519"/>
+            <a:ext cx="15624301" cy="1616218"/>
           </a:xfrm>
           <a:prstGeom prst="rect">
             <a:avLst/>
@@ -13760,12 +13983,12 @@
           </a:ln>
           <a:extLst>
             <a:ext uri="{C572A759-6A51-4108-AA02-DFA0A04FC94B}">
-              <ma14:wrappingTextBoxFlag xmlns:ma14="http://schemas.microsoft.com/office/mac/drawingml/2011/main" xmlns:a14="http://schemas.microsoft.com/office/drawing/2010/main" xmlns:m="http://schemas.openxmlformats.org/officeDocument/2006/math" xmlns="" val="1"/>
+              <ma14:wrappingTextBoxFlag xmlns="" xmlns:m="http://schemas.openxmlformats.org/officeDocument/2006/math" xmlns:a14="http://schemas.microsoft.com/office/drawing/2010/main" xmlns:ma14="http://schemas.microsoft.com/office/mac/drawingml/2011/main" val="1"/>
             </a:ext>
           </a:extLst>
         </p:spPr>
         <p:txBody>
-          <a:bodyPr lIns="27093" tIns="27093" rIns="27093" bIns="27093" anchor="t">
+          <a:bodyPr lIns="36125" tIns="36125" rIns="36125" bIns="36125" anchor="t">
             <a:noAutofit/>
           </a:bodyPr>
           <a:lstStyle>
@@ -14005,33 +14228,15 @@
             </a:lvl9pPr>
           </a:lstStyle>
           <a:p>
-            <a:pPr marL="0" marR="0" lvl="0" indent="0" algn="l" defTabSz="1369804" rtl="0" eaLnBrk="1" fontAlgn="auto" latinLnBrk="0" hangingPunct="1">
+            <a:pPr hangingPunct="1">
               <a:lnSpc>
                 <a:spcPct val="100000"/>
               </a:lnSpc>
-              <a:spcAft>
-                <a:spcPts val="0"/>
-              </a:spcAft>
-              <a:buClrTx/>
-              <a:buSzTx/>
-              <a:buFontTx/>
-              <a:buNone/>
-              <a:tabLst/>
               <a:defRPr/>
             </a:pPr>
             <a:r>
-              <a:rPr kumimoji="0" lang="en-US" sz="4400" b="1" i="0" u="none" strike="noStrike" kern="0" cap="none" spc="-94" normalizeH="0" baseline="0" noProof="0" dirty="0">
-                <a:ln>
-                  <a:noFill/>
-                </a:ln>
-                <a:solidFill>
-                  <a:srgbClr val="000000"/>
-                </a:solidFill>
-                <a:effectLst/>
-                <a:uLnTx/>
-                <a:uFillTx/>
+              <a:rPr lang="en-US" sz="4400" dirty="0">
                 <a:latin typeface="Helvetica Neue"/>
-                <a:sym typeface="Helvetica Neue"/>
               </a:rPr>
               <a:t>Technical Debt is Sum of Internal Problems in Project Codebase</a:t>
             </a:r>
@@ -14361,8 +14566,8 @@
         </p:nvSpPr>
         <p:spPr>
           <a:xfrm>
-            <a:off x="894080" y="2133561"/>
-            <a:ext cx="10931127" cy="6188570"/>
+            <a:off x="1192155" y="2374231"/>
+            <a:ext cx="14575281" cy="7096483"/>
           </a:xfrm>
         </p:spPr>
         <p:txBody>
@@ -14372,60 +14577,60 @@
           <a:lstStyle/>
           <a:p>
             <a:r>
+              <a:rPr lang="en-US" sz="4000" dirty="0"/>
+              <a:t>Prototyping:</a:t>
+            </a:r>
+          </a:p>
+          <a:p>
+            <a:pPr lvl="1"/>
+            <a:r>
               <a:rPr lang="en-US" sz="3600" dirty="0"/>
-              <a:t>Prototyping:</a:t>
+              <a:t>If code will be discarded, or drastically rewritten, don’t waste time perfecting it.</a:t>
+            </a:r>
+          </a:p>
+          <a:p>
+            <a:r>
+              <a:rPr lang="en-US" sz="4000" dirty="0"/>
+              <a:t>Getting a product out the door:</a:t>
             </a:r>
           </a:p>
           <a:p>
             <a:pPr lvl="1"/>
             <a:r>
+              <a:rPr lang="en-US" sz="3600" dirty="0"/>
+              <a:t>Time is often crucial in a competitive environment.</a:t>
+            </a:r>
+          </a:p>
+          <a:p>
+            <a:r>
+              <a:rPr lang="en-US" sz="4000" dirty="0"/>
+              <a:t>Fixing a critical failure:</a:t>
+            </a:r>
+          </a:p>
+          <a:p>
+            <a:pPr lvl="1"/>
+            <a:r>
+              <a:rPr lang="en-US" sz="3600" dirty="0"/>
+              <a:t>People are waiting.</a:t>
+            </a:r>
+          </a:p>
+          <a:p>
+            <a:r>
+              <a:rPr lang="en-US" sz="4000" dirty="0"/>
+              <a:t>Maybe a simple algorithm is good enough:</a:t>
+            </a:r>
+          </a:p>
+          <a:p>
+            <a:pPr lvl="1"/>
+            <a:r>
+              <a:rPr lang="en-US" sz="3600" dirty="0"/>
+              <a:t>“Premature optimization is the root of all evil”</a:t>
+            </a:r>
+          </a:p>
+          <a:p>
+            <a:pPr lvl="2"/>
+            <a:r>
               <a:rPr lang="en-US" sz="3200" dirty="0"/>
-              <a:t>If code will be discarded, or drastically rewritten, don’t waste time perfecting it.</a:t>
-            </a:r>
-          </a:p>
-          <a:p>
-            <a:r>
-              <a:rPr lang="en-US" sz="3600" dirty="0"/>
-              <a:t>Getting a product out the door:</a:t>
-            </a:r>
-          </a:p>
-          <a:p>
-            <a:pPr lvl="1"/>
-            <a:r>
-              <a:rPr lang="en-US" sz="3200" dirty="0"/>
-              <a:t>Time is often crucial in a competitive environment.</a:t>
-            </a:r>
-          </a:p>
-          <a:p>
-            <a:r>
-              <a:rPr lang="en-US" sz="3600" dirty="0"/>
-              <a:t>Fixing a critical failure:</a:t>
-            </a:r>
-          </a:p>
-          <a:p>
-            <a:pPr lvl="1"/>
-            <a:r>
-              <a:rPr lang="en-US" sz="3200" dirty="0"/>
-              <a:t>People are waiting.</a:t>
-            </a:r>
-          </a:p>
-          <a:p>
-            <a:r>
-              <a:rPr lang="en-US" sz="3600" dirty="0"/>
-              <a:t>Maybe a simple algorithm is good enough:</a:t>
-            </a:r>
-          </a:p>
-          <a:p>
-            <a:pPr lvl="1"/>
-            <a:r>
-              <a:rPr lang="en-US" sz="3200" dirty="0"/>
-              <a:t>“Premature optimization is the root of all evil”</a:t>
-            </a:r>
-          </a:p>
-          <a:p>
-            <a:pPr lvl="2"/>
-            <a:r>
-              <a:rPr lang="en-US" sz="2800" dirty="0"/>
               <a:t>Tony Hoare, Donald Knuth</a:t>
             </a:r>
           </a:p>
@@ -14452,7 +14657,7 @@
           <a:bodyPr/>
           <a:lstStyle/>
           <a:p>
-            <a:pPr defTabSz="975390" hangingPunct="1"/>
+            <a:pPr defTabSz="1300781" hangingPunct="1"/>
             <a:fld id="{20F37917-FD3A-4669-9018-DA04BCDD3D75}" type="slidenum">
               <a:rPr lang="en-US" kern="1200">
                 <a:solidFill>
@@ -14462,7 +14667,7 @@
                 </a:solidFill>
                 <a:latin typeface="Calibri" panose="020F0502020204030204"/>
               </a:rPr>
-              <a:pPr defTabSz="975390" hangingPunct="1"/>
+              <a:pPr defTabSz="1300781" hangingPunct="1"/>
               <a:t>22</a:t>
             </a:fld>
             <a:endParaRPr lang="en-US" kern="1200">
@@ -14492,8 +14697,8 @@
         </p:nvSpPr>
         <p:spPr>
           <a:xfrm>
-            <a:off x="894080" y="1193411"/>
-            <a:ext cx="11717868" cy="1608763"/>
+            <a:off x="1192143" y="930442"/>
+            <a:ext cx="15624301" cy="1180114"/>
           </a:xfrm>
           <a:prstGeom prst="rect">
             <a:avLst/>
@@ -14503,12 +14708,12 @@
           </a:ln>
           <a:extLst>
             <a:ext uri="{C572A759-6A51-4108-AA02-DFA0A04FC94B}">
-              <ma14:wrappingTextBoxFlag xmlns:ma14="http://schemas.microsoft.com/office/mac/drawingml/2011/main" xmlns:a14="http://schemas.microsoft.com/office/drawing/2010/main" xmlns:m="http://schemas.openxmlformats.org/officeDocument/2006/math" xmlns="" val="1"/>
+              <ma14:wrappingTextBoxFlag xmlns="" xmlns:m="http://schemas.openxmlformats.org/officeDocument/2006/math" xmlns:a14="http://schemas.microsoft.com/office/drawing/2010/main" xmlns:ma14="http://schemas.microsoft.com/office/mac/drawingml/2011/main" val="1"/>
             </a:ext>
           </a:extLst>
         </p:spPr>
         <p:txBody>
-          <a:bodyPr lIns="27093" tIns="27093" rIns="27093" bIns="27093" anchor="t">
+          <a:bodyPr lIns="36125" tIns="36125" rIns="36125" bIns="36125" anchor="t">
             <a:noAutofit/>
           </a:bodyPr>
           <a:lstStyle>
@@ -14748,33 +14953,15 @@
             </a:lvl9pPr>
           </a:lstStyle>
           <a:p>
-            <a:pPr marL="0" marR="0" lvl="0" indent="0" algn="l" defTabSz="1369804" rtl="0" eaLnBrk="1" fontAlgn="auto" latinLnBrk="0" hangingPunct="1">
+            <a:pPr hangingPunct="1">
               <a:lnSpc>
                 <a:spcPct val="100000"/>
               </a:lnSpc>
-              <a:spcAft>
-                <a:spcPts val="0"/>
-              </a:spcAft>
-              <a:buClrTx/>
-              <a:buSzTx/>
-              <a:buFontTx/>
-              <a:buNone/>
-              <a:tabLst/>
               <a:defRPr/>
             </a:pPr>
             <a:r>
-              <a:rPr kumimoji="0" lang="en-US" sz="4400" b="1" i="0" u="none" strike="noStrike" kern="0" cap="none" spc="-94" normalizeH="0" baseline="0" noProof="0" dirty="0">
-                <a:ln>
-                  <a:noFill/>
-                </a:ln>
-                <a:solidFill>
-                  <a:srgbClr val="000000"/>
-                </a:solidFill>
-                <a:effectLst/>
-                <a:uLnTx/>
-                <a:uFillTx/>
+              <a:rPr lang="en-US" sz="4400" dirty="0">
                 <a:latin typeface="Helvetica Neue"/>
-                <a:sym typeface="Helvetica Neue"/>
               </a:rPr>
               <a:t>Good Reasons to Go Into Technical Debt</a:t>
             </a:r>
@@ -14830,7 +15017,7 @@
         <p:spPr/>
         <p:txBody>
           <a:bodyPr>
-            <a:normAutofit/>
+            <a:normAutofit fontScale="92500" lnSpcReduction="20000"/>
           </a:bodyPr>
           <a:lstStyle/>
           <a:p>
@@ -14915,7 +15102,7 @@
         <p:spPr/>
         <p:txBody>
           <a:bodyPr>
-            <a:normAutofit/>
+            <a:normAutofit fontScale="92500" lnSpcReduction="20000"/>
           </a:bodyPr>
           <a:lstStyle/>
           <a:p>
@@ -14944,7 +15131,7 @@
           <a:bodyPr/>
           <a:lstStyle/>
           <a:p>
-            <a:pPr defTabSz="975390" hangingPunct="1"/>
+            <a:pPr defTabSz="1300781" hangingPunct="1"/>
             <a:fld id="{20F37917-FD3A-4669-9018-DA04BCDD3D75}" type="slidenum">
               <a:rPr lang="en-US" kern="1200">
                 <a:solidFill>
@@ -14954,7 +15141,7 @@
                 </a:solidFill>
                 <a:latin typeface="Calibri" panose="020F0502020204030204"/>
               </a:rPr>
-              <a:pPr defTabSz="975390" hangingPunct="1"/>
+              <a:pPr defTabSz="1300781" hangingPunct="1"/>
               <a:t>23</a:t>
             </a:fld>
             <a:endParaRPr lang="en-US" kern="1200">
@@ -14985,8 +15172,8 @@
         </p:nvGrpSpPr>
         <p:grpSpPr>
           <a:xfrm>
-            <a:off x="7268005" y="3697582"/>
-            <a:ext cx="2967475" cy="3594021"/>
+            <a:off x="9690980" y="3304474"/>
+            <a:ext cx="3956754" cy="4792174"/>
             <a:chOff x="6813755" y="2323482"/>
             <a:chExt cx="2782008" cy="3369395"/>
           </a:xfrm>
@@ -15038,8 +15225,8 @@
             <a:bodyPr rtlCol="0" anchor="ctr"/>
             <a:lstStyle/>
             <a:p>
-              <a:pPr algn="l" defTabSz="975390" hangingPunct="1"/>
-              <a:endParaRPr lang="en-US" sz="1920" kern="1200" dirty="0">
+              <a:pPr algn="l" defTabSz="1300781" hangingPunct="1"/>
+              <a:endParaRPr lang="en-US" sz="2560" kern="1200" dirty="0">
                 <a:solidFill>
                   <a:prstClr val="black"/>
                 </a:solidFill>
@@ -15097,8 +15284,8 @@
             <a:bodyPr rtlCol="0" anchor="ctr"/>
             <a:lstStyle/>
             <a:p>
-              <a:pPr algn="l" defTabSz="975390" hangingPunct="1"/>
-              <a:endParaRPr lang="en-US" sz="1920" kern="1200" dirty="0">
+              <a:pPr algn="l" defTabSz="1300781" hangingPunct="1"/>
+              <a:endParaRPr lang="en-US" sz="2560" kern="1200" dirty="0">
                 <a:solidFill>
                   <a:prstClr val="black"/>
                 </a:solidFill>
@@ -15156,8 +15343,8 @@
             <a:bodyPr rtlCol="0" anchor="ctr"/>
             <a:lstStyle/>
             <a:p>
-              <a:pPr algn="l" defTabSz="975390" hangingPunct="1"/>
-              <a:endParaRPr lang="en-US" sz="1920" kern="1200" dirty="0">
+              <a:pPr algn="l" defTabSz="1300781" hangingPunct="1"/>
+              <a:endParaRPr lang="en-US" sz="2560" kern="1200" dirty="0">
                 <a:solidFill>
                   <a:prstClr val="black"/>
                 </a:solidFill>
@@ -15213,8 +15400,8 @@
             <a:bodyPr rtlCol="0" anchor="ctr"/>
             <a:lstStyle/>
             <a:p>
-              <a:pPr algn="l" defTabSz="975390" hangingPunct="1"/>
-              <a:endParaRPr lang="en-US" sz="1920" kern="1200" dirty="0">
+              <a:pPr algn="l" defTabSz="1300781" hangingPunct="1"/>
+              <a:endParaRPr lang="en-US" sz="2560" kern="1200" dirty="0">
                 <a:solidFill>
                   <a:prstClr val="black"/>
                 </a:solidFill>
@@ -15270,8 +15457,8 @@
             <a:bodyPr rtlCol="0" anchor="ctr"/>
             <a:lstStyle/>
             <a:p>
-              <a:pPr algn="l" defTabSz="975390" hangingPunct="1"/>
-              <a:endParaRPr lang="en-US" sz="1920" kern="1200" dirty="0">
+              <a:pPr algn="l" defTabSz="1300781" hangingPunct="1"/>
+              <a:endParaRPr lang="en-US" sz="2560" kern="1200" dirty="0">
                 <a:solidFill>
                   <a:prstClr val="black"/>
                 </a:solidFill>
@@ -15329,8 +15516,8 @@
             <a:bodyPr rtlCol="0" anchor="ctr"/>
             <a:lstStyle/>
             <a:p>
-              <a:pPr algn="l" defTabSz="975390" hangingPunct="1"/>
-              <a:endParaRPr lang="en-US" sz="1920" kern="1200" dirty="0">
+              <a:pPr algn="l" defTabSz="1300781" hangingPunct="1"/>
+              <a:endParaRPr lang="en-US" sz="2560" kern="1200" dirty="0">
                 <a:solidFill>
                   <a:prstClr val="black"/>
                 </a:solidFill>
@@ -15372,8 +15559,8 @@
         </p:blipFill>
         <p:spPr bwMode="auto">
           <a:xfrm>
-            <a:off x="10083431" y="5516722"/>
-            <a:ext cx="1625600" cy="1733973"/>
+            <a:off x="13444986" y="5730068"/>
+            <a:ext cx="2167533" cy="2312035"/>
           </a:xfrm>
           <a:prstGeom prst="rect">
             <a:avLst/>
@@ -15404,7 +15591,7 @@
         </p:nvSpPr>
         <p:spPr>
           <a:xfrm>
-            <a:off x="11704320" y="2178829"/>
+            <a:off x="15606236" y="1279396"/>
             <a:ext cx="0" cy="0"/>
           </a:xfrm>
           <a:prstGeom prst="rect">
@@ -15439,7 +15626,7 @@
           </a:fontRef>
         </p:style>
         <p:txBody>
-          <a:bodyPr rot="0" spcFirstLastPara="0" vertOverflow="overflow" horzOverflow="overflow" vert="horz" wrap="none" lIns="97536" tIns="48768" rIns="97536" bIns="48768" numCol="1" spcCol="0" rtlCol="0" fromWordArt="0" anchor="ctr" anchorCtr="0" forceAA="0" compatLnSpc="1">
+          <a:bodyPr rot="0" spcFirstLastPara="0" vertOverflow="overflow" horzOverflow="overflow" vert="horz" wrap="none" lIns="130052" tIns="65026" rIns="130052" bIns="65026" numCol="1" spcCol="0" rtlCol="0" fromWordArt="0" anchor="ctr" anchorCtr="0" forceAA="0" compatLnSpc="1">
             <a:prstTxWarp prst="textNoShape">
               <a:avLst/>
             </a:prstTxWarp>
@@ -15447,8 +15634,8 @@
           </a:bodyPr>
           <a:lstStyle/>
           <a:p>
-            <a:pPr algn="l" defTabSz="975390" hangingPunct="1"/>
-            <a:endParaRPr lang="en-US" sz="1920" kern="1200" dirty="0">
+            <a:pPr algn="l" defTabSz="1300781" hangingPunct="1"/>
+            <a:endParaRPr lang="en-US" sz="2560" kern="1200" dirty="0">
               <a:solidFill>
                 <a:prstClr val="black"/>
               </a:solidFill>
@@ -15473,8 +15660,8 @@
         </p:nvSpPr>
         <p:spPr>
           <a:xfrm>
-            <a:off x="894080" y="1444155"/>
-            <a:ext cx="11717868" cy="1608763"/>
+            <a:off x="1192144" y="1463370"/>
+            <a:ext cx="15624301" cy="981526"/>
           </a:xfrm>
           <a:prstGeom prst="rect">
             <a:avLst/>
@@ -15484,12 +15671,12 @@
           </a:ln>
           <a:extLst>
             <a:ext uri="{C572A759-6A51-4108-AA02-DFA0A04FC94B}">
-              <ma14:wrappingTextBoxFlag xmlns:ma14="http://schemas.microsoft.com/office/mac/drawingml/2011/main" xmlns:a14="http://schemas.microsoft.com/office/drawing/2010/main" xmlns:m="http://schemas.openxmlformats.org/officeDocument/2006/math" xmlns="" val="1"/>
+              <ma14:wrappingTextBoxFlag xmlns="" xmlns:m="http://schemas.openxmlformats.org/officeDocument/2006/math" xmlns:a14="http://schemas.microsoft.com/office/drawing/2010/main" xmlns:ma14="http://schemas.microsoft.com/office/mac/drawingml/2011/main" val="1"/>
             </a:ext>
           </a:extLst>
         </p:spPr>
         <p:txBody>
-          <a:bodyPr lIns="27093" tIns="27093" rIns="27093" bIns="27093" anchor="t">
+          <a:bodyPr lIns="36125" tIns="36125" rIns="36125" bIns="36125" anchor="t">
             <a:noAutofit/>
           </a:bodyPr>
           <a:lstStyle>
@@ -15729,33 +15916,15 @@
             </a:lvl9pPr>
           </a:lstStyle>
           <a:p>
-            <a:pPr marL="0" marR="0" lvl="0" indent="0" algn="l" defTabSz="1369804" rtl="0" eaLnBrk="1" fontAlgn="auto" latinLnBrk="0" hangingPunct="1">
+            <a:pPr hangingPunct="1">
               <a:lnSpc>
                 <a:spcPct val="100000"/>
               </a:lnSpc>
-              <a:spcAft>
-                <a:spcPts val="0"/>
-              </a:spcAft>
-              <a:buClrTx/>
-              <a:buSzTx/>
-              <a:buFontTx/>
-              <a:buNone/>
-              <a:tabLst/>
               <a:defRPr/>
             </a:pPr>
             <a:r>
-              <a:rPr kumimoji="0" lang="en-US" sz="4400" b="1" i="0" u="none" strike="noStrike" kern="0" cap="none" spc="-94" normalizeH="0" baseline="0" noProof="0" dirty="0">
-                <a:ln>
-                  <a:noFill/>
-                </a:ln>
-                <a:solidFill>
-                  <a:srgbClr val="000000"/>
-                </a:solidFill>
-                <a:effectLst/>
-                <a:uLnTx/>
-                <a:uFillTx/>
+              <a:rPr lang="en-US" sz="4400" dirty="0">
                 <a:latin typeface="Helvetica Neue"/>
-                <a:sym typeface="Helvetica Neue"/>
               </a:rPr>
               <a:t>Retire Technical Debt at Leisure</a:t>
             </a:r>
@@ -15846,8 +16015,8 @@
         </p:nvSpPr>
         <p:spPr>
           <a:xfrm>
-            <a:off x="894080" y="2133561"/>
-            <a:ext cx="11464608" cy="6188570"/>
+            <a:off x="1192143" y="2197767"/>
+            <a:ext cx="15286610" cy="7272947"/>
           </a:xfrm>
         </p:spPr>
         <p:txBody>
@@ -15915,7 +16084,7 @@
           <a:bodyPr/>
           <a:lstStyle/>
           <a:p>
-            <a:pPr defTabSz="975390" hangingPunct="1"/>
+            <a:pPr defTabSz="1300781" hangingPunct="1"/>
             <a:fld id="{86CB4B4D-7CA3-9044-876B-883B54F8677D}" type="slidenum">
               <a:rPr lang="en-US" kern="1200">
                 <a:solidFill>
@@ -15925,7 +16094,7 @@
                 </a:solidFill>
                 <a:latin typeface="Calibri" panose="020F0502020204030204"/>
               </a:rPr>
-              <a:pPr defTabSz="975390" hangingPunct="1"/>
+              <a:pPr defTabSz="1300781" hangingPunct="1"/>
               <a:t>24</a:t>
             </a:fld>
             <a:endParaRPr lang="en-US" kern="1200">
@@ -15980,12 +16149,18 @@
           </p:nvPr>
         </p:nvSpPr>
         <p:spPr>
+          <a:xfrm>
+            <a:off x="857981" y="1319362"/>
+            <a:ext cx="15624301" cy="764354"/>
+          </a:xfrm>
           <a:prstGeom prst="rect">
             <a:avLst/>
           </a:prstGeom>
         </p:spPr>
         <p:txBody>
-          <a:bodyPr/>
+          <a:bodyPr>
+            <a:normAutofit/>
+          </a:bodyPr>
           <a:lstStyle>
             <a:lvl1pPr defTabSz="1369804">
               <a:defRPr sz="4740" spc="-94"/>
@@ -15993,6 +16168,7 @@
           </a:lstStyle>
           <a:p>
             <a:r>
+              <a:rPr sz="4400" dirty="0"/>
               <a:t>Refactoring</a:t>
             </a:r>
           </a:p>
@@ -16009,34 +16185,9 @@
           </p:nvPr>
         </p:nvSpPr>
         <p:spPr>
-          <a:prstGeom prst="rect">
-            <a:avLst/>
-          </a:prstGeom>
-        </p:spPr>
-        <p:txBody>
-          <a:bodyPr>
-            <a:normAutofit lnSpcReduction="10000"/>
-          </a:bodyPr>
-          <a:lstStyle/>
-          <a:p>
-            <a:endParaRPr/>
-          </a:p>
-        </p:txBody>
-      </p:sp>
-      <p:sp>
-        <p:nvSpPr>
-          <p:cNvPr id="144" name="refactoring is the process of applying transformations (refactorings) to a program, with the goal of improving its design…"/>
-          <p:cNvSpPr txBox="1">
-            <a:spLocks noGrp="1"/>
-          </p:cNvSpPr>
-          <p:nvPr>
-            <p:ph type="body" idx="1"/>
-          </p:nvPr>
-        </p:nvSpPr>
-        <p:spPr>
           <a:xfrm>
-            <a:off x="643466" y="3485069"/>
-            <a:ext cx="11717868" cy="5612436"/>
+            <a:off x="857980" y="2303134"/>
+            <a:ext cx="15624301" cy="498550"/>
           </a:xfrm>
           <a:prstGeom prst="rect">
             <a:avLst/>
@@ -16044,18 +16195,47 @@
         </p:spPr>
         <p:txBody>
           <a:bodyPr>
+            <a:normAutofit fontScale="85000" lnSpcReduction="20000"/>
+          </a:bodyPr>
+          <a:lstStyle/>
+          <a:p>
+            <a:endParaRPr/>
+          </a:p>
+        </p:txBody>
+      </p:sp>
+      <p:sp>
+        <p:nvSpPr>
+          <p:cNvPr id="144" name="refactoring is the process of applying transformations (refactorings) to a program, with the goal of improving its design…"/>
+          <p:cNvSpPr txBox="1">
+            <a:spLocks noGrp="1"/>
+          </p:cNvSpPr>
+          <p:nvPr>
+            <p:ph type="body" idx="1"/>
+          </p:nvPr>
+        </p:nvSpPr>
+        <p:spPr>
+          <a:xfrm>
+            <a:off x="857982" y="3021102"/>
+            <a:ext cx="15624301" cy="7483476"/>
+          </a:xfrm>
+          <a:prstGeom prst="rect">
+            <a:avLst/>
+          </a:prstGeom>
+        </p:spPr>
+        <p:txBody>
+          <a:bodyPr>
             <a:noAutofit/>
           </a:bodyPr>
           <a:lstStyle/>
           <a:p>
-            <a:pPr marL="393192" indent="-393192" defTabSz="1491179">
+            <a:pPr marL="524362" indent="-524362" defTabSz="1988638">
               <a:spcBef>
-                <a:spcPts val="800"/>
+                <a:spcPts val="1067"/>
               </a:spcBef>
               <a:defRPr sz="2494"/>
             </a:pPr>
             <a:r>
-              <a:rPr sz="3200" b="1" dirty="0">
+              <a:rPr sz="3600" b="1" dirty="0">
                 <a:solidFill>
                   <a:srgbClr val="011993"/>
                 </a:solidFill>
@@ -16063,78 +16243,78 @@
               <a:t>refactoring</a:t>
             </a:r>
             <a:r>
-              <a:rPr sz="3200" dirty="0"/>
+              <a:rPr sz="3600" dirty="0"/>
               <a:t> is the process of applying transformations (</a:t>
             </a:r>
             <a:r>
-              <a:rPr sz="3200" dirty="0" err="1"/>
+              <a:rPr sz="3600" dirty="0" err="1"/>
               <a:t>refactorings</a:t>
             </a:r>
             <a:r>
-              <a:rPr sz="3200" dirty="0"/>
+              <a:rPr sz="3600" dirty="0"/>
               <a:t>) to a program, with the goal of improving its design</a:t>
             </a:r>
           </a:p>
           <a:p>
-            <a:pPr marL="393192" indent="-393192" defTabSz="1491179">
+            <a:pPr marL="524362" indent="-524362" defTabSz="1988638">
               <a:spcBef>
-                <a:spcPts val="800"/>
+                <a:spcPts val="1067"/>
               </a:spcBef>
               <a:defRPr sz="2494"/>
             </a:pPr>
             <a:r>
-              <a:rPr sz="3200" dirty="0"/>
+              <a:rPr sz="3600" dirty="0"/>
               <a:t>goals:</a:t>
             </a:r>
           </a:p>
           <a:p>
-            <a:pPr marL="917447" lvl="1" indent="-393192" defTabSz="1491179">
+            <a:pPr marL="1223508" lvl="1" indent="-524362" defTabSz="1988638">
               <a:spcBef>
-                <a:spcPts val="800"/>
+                <a:spcPts val="1067"/>
               </a:spcBef>
               <a:buChar char="-"/>
               <a:defRPr sz="2494"/>
             </a:pPr>
             <a:r>
-              <a:rPr sz="3200" dirty="0"/>
+              <a:rPr sz="3600" dirty="0"/>
               <a:t>keep program readable, understandable, and maintainable</a:t>
             </a:r>
           </a:p>
           <a:p>
-            <a:pPr marL="917447" lvl="1" indent="-393192" defTabSz="1491179">
+            <a:pPr marL="1223508" lvl="1" indent="-524362" defTabSz="1988638">
               <a:spcBef>
-                <a:spcPts val="800"/>
+                <a:spcPts val="1067"/>
               </a:spcBef>
               <a:buChar char="-"/>
               <a:defRPr sz="2494"/>
             </a:pPr>
             <a:r>
-              <a:rPr sz="3200" dirty="0"/>
+              <a:rPr sz="3600" dirty="0"/>
               <a:t>by eliminating small problems soon, you can avoid big trouble later</a:t>
             </a:r>
           </a:p>
           <a:p>
-            <a:pPr marL="393192" indent="-393192" defTabSz="1491179">
+            <a:pPr marL="524362" indent="-524362" defTabSz="1988638">
               <a:spcBef>
-                <a:spcPts val="800"/>
+                <a:spcPts val="1067"/>
               </a:spcBef>
               <a:defRPr sz="2494"/>
             </a:pPr>
             <a:r>
-              <a:rPr sz="3200" dirty="0"/>
+              <a:rPr sz="3600" dirty="0"/>
               <a:t>characteristics:</a:t>
             </a:r>
           </a:p>
           <a:p>
-            <a:pPr marL="917447" lvl="1" indent="-393192" defTabSz="1491179">
+            <a:pPr marL="1223508" lvl="1" indent="-524362" defTabSz="1988638">
               <a:spcBef>
-                <a:spcPts val="800"/>
+                <a:spcPts val="1067"/>
               </a:spcBef>
               <a:buChar char="-"/>
               <a:defRPr sz="2494"/>
             </a:pPr>
             <a:r>
-              <a:rPr sz="3200" b="1" dirty="0">
+              <a:rPr sz="3600" b="1" dirty="0">
                 <a:solidFill>
                   <a:srgbClr val="011993"/>
                 </a:solidFill>
@@ -16142,14 +16322,14 @@
               <a:t>behavior-preserving</a:t>
             </a:r>
             <a:r>
-              <a:rPr sz="3200" dirty="0"/>
+              <a:rPr sz="3600" dirty="0"/>
               <a:t>: make sure the program works after each step</a:t>
             </a:r>
           </a:p>
           <a:p>
-            <a:pPr marL="917447" lvl="1" indent="-393192" defTabSz="1491179">
+            <a:pPr marL="1223508" lvl="1" indent="-524362" defTabSz="1988638">
               <a:spcBef>
-                <a:spcPts val="800"/>
+                <a:spcPts val="1067"/>
               </a:spcBef>
               <a:buChar char="-"/>
               <a:defRPr sz="2494" b="1">
@@ -16159,7 +16339,7 @@
               </a:defRPr>
             </a:pPr>
             <a:r>
-              <a:rPr sz="3200" dirty="0"/>
+              <a:rPr sz="3600" dirty="0"/>
               <a:t>small steps</a:t>
             </a:r>
           </a:p>
@@ -16202,12 +16382,18 @@
           </p:nvPr>
         </p:nvSpPr>
         <p:spPr>
+          <a:xfrm>
+            <a:off x="857981" y="1087372"/>
+            <a:ext cx="15624301" cy="764354"/>
+          </a:xfrm>
           <a:prstGeom prst="rect">
             <a:avLst/>
           </a:prstGeom>
         </p:spPr>
         <p:txBody>
-          <a:bodyPr/>
+          <a:bodyPr>
+            <a:normAutofit/>
+          </a:bodyPr>
           <a:lstStyle>
             <a:lvl1pPr defTabSz="1369804">
               <a:defRPr sz="4740" spc="-94"/>
@@ -16215,10 +16401,10 @@
           </a:lstStyle>
           <a:p>
             <a:r>
-              <a:rPr lang="en-US" dirty="0"/>
+              <a:rPr lang="en-US" sz="4400" dirty="0"/>
               <a:t>Learning Objectives for this Lesson</a:t>
             </a:r>
-            <a:endParaRPr dirty="0"/>
+            <a:endParaRPr sz="4400" dirty="0"/>
           </a:p>
         </p:txBody>
       </p:sp>
@@ -16233,17 +16419,21 @@
           </p:nvPr>
         </p:nvSpPr>
         <p:spPr>
+          <a:xfrm>
+            <a:off x="857981" y="2169853"/>
+            <a:ext cx="15624301" cy="498550"/>
+          </a:xfrm>
           <a:prstGeom prst="rect">
             <a:avLst/>
           </a:prstGeom>
         </p:spPr>
         <p:txBody>
           <a:bodyPr>
-            <a:normAutofit lnSpcReduction="10000"/>
+            <a:normAutofit fontScale="85000" lnSpcReduction="20000"/>
           </a:bodyPr>
           <a:lstStyle/>
           <a:p>
-            <a:endParaRPr/>
+            <a:endParaRPr dirty="0"/>
           </a:p>
         </p:txBody>
       </p:sp>
@@ -16258,6 +16448,10 @@
           </p:nvPr>
         </p:nvSpPr>
         <p:spPr>
+          <a:xfrm>
+            <a:off x="857981" y="2986530"/>
+            <a:ext cx="15624301" cy="4403207"/>
+          </a:xfrm>
           <a:prstGeom prst="rect">
             <a:avLst/>
           </a:prstGeom>
@@ -16268,14 +16462,14 @@
           </a:bodyPr>
           <a:lstStyle/>
           <a:p>
-            <a:pPr marL="393192" indent="-393192" defTabSz="1491179">
+            <a:pPr marL="524362" indent="-524362" defTabSz="1988638">
               <a:spcBef>
-                <a:spcPts val="800"/>
+                <a:spcPts val="1067"/>
               </a:spcBef>
               <a:defRPr sz="2494"/>
             </a:pPr>
             <a:r>
-              <a:rPr lang="en-US" sz="3200" dirty="0">
+              <a:rPr lang="en-US" sz="3600" dirty="0">
                 <a:solidFill>
                   <a:schemeClr val="tx1">
                     <a:lumMod val="50000"/>
@@ -16286,14 +16480,14 @@
             </a:r>
           </a:p>
           <a:p>
-            <a:pPr marL="1002792" lvl="1" indent="-393192" defTabSz="1491179">
+            <a:pPr marL="1337326" lvl="1" indent="-524362" defTabSz="1988638">
               <a:spcBef>
-                <a:spcPts val="800"/>
+                <a:spcPts val="1067"/>
               </a:spcBef>
               <a:defRPr sz="2494"/>
             </a:pPr>
             <a:r>
-              <a:rPr lang="en-US" sz="3200" dirty="0">
+              <a:rPr lang="en-US" sz="3600" dirty="0">
                 <a:solidFill>
                   <a:schemeClr val="tx1">
                     <a:lumMod val="50000"/>
@@ -16304,14 +16498,14 @@
             </a:r>
           </a:p>
           <a:p>
-            <a:pPr marL="1002792" lvl="1" indent="-393192" defTabSz="1491179">
+            <a:pPr marL="1337326" lvl="1" indent="-524362" defTabSz="1988638">
               <a:spcBef>
-                <a:spcPts val="800"/>
+                <a:spcPts val="1067"/>
               </a:spcBef>
               <a:defRPr sz="2494"/>
             </a:pPr>
             <a:r>
-              <a:rPr lang="en-US" sz="3200" dirty="0">
+              <a:rPr lang="en-US" sz="3600" dirty="0">
                 <a:solidFill>
                   <a:schemeClr val="tx1">
                     <a:lumMod val="50000"/>
@@ -16322,14 +16516,14 @@
             </a:r>
           </a:p>
           <a:p>
-            <a:pPr marL="1002792" lvl="1" indent="-393192" defTabSz="1491179">
+            <a:pPr marL="1337326" lvl="1" indent="-524362" defTabSz="1988638">
               <a:spcBef>
-                <a:spcPts val="800"/>
+                <a:spcPts val="1067"/>
               </a:spcBef>
               <a:defRPr sz="2494"/>
             </a:pPr>
             <a:r>
-              <a:rPr lang="en-US" sz="3200" dirty="0">
+              <a:rPr lang="en-US" sz="3600" dirty="0">
                 <a:solidFill>
                   <a:schemeClr val="tx1">
                     <a:lumMod val="50000"/>
@@ -16340,14 +16534,14 @@
             </a:r>
           </a:p>
           <a:p>
-            <a:pPr marL="1002792" lvl="1" indent="-393192" defTabSz="1491179">
+            <a:pPr marL="1337326" lvl="1" indent="-524362" defTabSz="1988638">
               <a:spcBef>
-                <a:spcPts val="800"/>
+                <a:spcPts val="1067"/>
               </a:spcBef>
               <a:defRPr sz="2494"/>
             </a:pPr>
             <a:r>
-              <a:rPr lang="en-US" sz="3200" dirty="0">
+              <a:rPr lang="en-US" sz="3600" dirty="0">
                 <a:solidFill>
                   <a:schemeClr val="tx1">
                     <a:lumMod val="50000"/>
@@ -16358,9 +16552,9 @@
             </a:r>
           </a:p>
           <a:p>
-            <a:pPr marL="917447" lvl="1" indent="-393192" defTabSz="1491179">
+            <a:pPr marL="1223508" lvl="1" indent="-524362" defTabSz="1988638">
               <a:spcBef>
-                <a:spcPts val="800"/>
+                <a:spcPts val="1067"/>
               </a:spcBef>
               <a:buChar char="-"/>
               <a:defRPr sz="2494" b="1">
@@ -16369,7 +16563,7 @@
                 </a:solidFill>
               </a:defRPr>
             </a:pPr>
-            <a:endParaRPr sz="3200" dirty="0">
+            <a:endParaRPr sz="3600" dirty="0">
               <a:solidFill>
                 <a:schemeClr val="tx1">
                   <a:lumMod val="50000"/>
@@ -16421,12 +16615,18 @@
           </p:nvPr>
         </p:nvSpPr>
         <p:spPr>
+          <a:xfrm>
+            <a:off x="857980" y="1483135"/>
+            <a:ext cx="15624301" cy="764354"/>
+          </a:xfrm>
           <a:prstGeom prst="rect">
             <a:avLst/>
           </a:prstGeom>
         </p:spPr>
         <p:txBody>
-          <a:bodyPr/>
+          <a:bodyPr>
+            <a:normAutofit/>
+          </a:bodyPr>
           <a:lstStyle>
             <a:lvl1pPr defTabSz="1369804">
               <a:defRPr sz="4740" spc="-94"/>
@@ -16434,6 +16634,7 @@
           </a:lstStyle>
           <a:p>
             <a:r>
+              <a:rPr sz="4400" dirty="0"/>
               <a:t>History of Refactoring</a:t>
             </a:r>
           </a:p>
@@ -16456,7 +16657,7 @@
         </p:spPr>
         <p:txBody>
           <a:bodyPr>
-            <a:normAutofit lnSpcReduction="10000"/>
+            <a:normAutofit fontScale="85000" lnSpcReduction="20000"/>
           </a:bodyPr>
           <a:lstStyle/>
           <a:p>
@@ -16483,9 +16684,9 @@
           <a:bodyPr/>
           <a:lstStyle/>
           <a:p>
-            <a:pPr marL="406908" indent="-406908" defTabSz="1543197">
+            <a:pPr marL="542654" indent="-542654" defTabSz="2058010">
               <a:spcBef>
-                <a:spcPts val="800"/>
+                <a:spcPts val="1067"/>
               </a:spcBef>
               <a:defRPr sz="2937"/>
             </a:pPr>
@@ -16495,9 +16696,9 @@
             </a:r>
           </a:p>
           <a:p>
-            <a:pPr marL="949452" lvl="1" indent="-406908" defTabSz="1543197">
+            <a:pPr marL="1266190" lvl="1" indent="-542654" defTabSz="2058010">
               <a:spcBef>
-                <a:spcPts val="800"/>
+                <a:spcPts val="1067"/>
               </a:spcBef>
               <a:buChar char="-"/>
               <a:defRPr sz="2937"/>
@@ -16508,9 +16709,9 @@
             </a:r>
           </a:p>
           <a:p>
-            <a:pPr marL="949452" lvl="1" indent="-406908" defTabSz="1543197">
+            <a:pPr marL="1266190" lvl="1" indent="-542654" defTabSz="2058010">
               <a:spcBef>
-                <a:spcPts val="800"/>
+                <a:spcPts val="1067"/>
               </a:spcBef>
               <a:buChar char="-"/>
               <a:defRPr sz="2937"/>
@@ -16521,9 +16722,9 @@
             </a:r>
           </a:p>
           <a:p>
-            <a:pPr marL="0" indent="0" defTabSz="1543197">
+            <a:pPr marL="0" indent="0" defTabSz="2058010">
               <a:spcBef>
-                <a:spcPts val="800"/>
+                <a:spcPts val="1067"/>
               </a:spcBef>
               <a:buNone/>
               <a:defRPr sz="2937"/>
@@ -16531,9 +16732,9 @@
             <a:endParaRPr dirty="0"/>
           </a:p>
           <a:p>
-            <a:pPr marL="406908" indent="-406908" defTabSz="1543197">
+            <a:pPr marL="542654" indent="-542654" defTabSz="2058010">
               <a:spcBef>
-                <a:spcPts val="800"/>
+                <a:spcPts val="1067"/>
               </a:spcBef>
               <a:defRPr sz="2937"/>
             </a:pPr>
@@ -16543,9 +16744,9 @@
             </a:r>
           </a:p>
           <a:p>
-            <a:pPr marL="949452" lvl="1" indent="-406908" defTabSz="1543197">
+            <a:pPr marL="1266190" lvl="1" indent="-542654" defTabSz="2058010">
               <a:spcBef>
-                <a:spcPts val="800"/>
+                <a:spcPts val="1067"/>
               </a:spcBef>
               <a:buChar char="-"/>
               <a:defRPr sz="2937"/>
@@ -16556,9 +16757,9 @@
             </a:r>
           </a:p>
           <a:p>
-            <a:pPr marL="949452" lvl="1" indent="-406908" defTabSz="1543197">
+            <a:pPr marL="1266190" lvl="1" indent="-542654" defTabSz="2058010">
               <a:spcBef>
-                <a:spcPts val="800"/>
+                <a:spcPts val="1067"/>
               </a:spcBef>
               <a:buChar char="-"/>
               <a:defRPr sz="2937"/>
@@ -16620,6 +16821,7 @@
           </a:lstStyle>
           <a:p>
             <a:r>
+              <a:rPr dirty="0"/>
               <a:t>Refactoring</a:t>
             </a:r>
           </a:p>
@@ -16641,13 +16843,13 @@
           </a:prstGeom>
           <a:extLst>
             <a:ext uri="{C572A759-6A51-4108-AA02-DFA0A04FC94B}">
-              <ma14:wrappingTextBoxFlag xmlns:ma14="http://schemas.microsoft.com/office/mac/drawingml/2011/main" xmlns:a14="http://schemas.microsoft.com/office/drawing/2010/main" xmlns:m="http://schemas.openxmlformats.org/officeDocument/2006/math" xmlns="" val="1"/>
+              <ma14:wrappingTextBoxFlag xmlns="" xmlns:m="http://schemas.openxmlformats.org/officeDocument/2006/math" xmlns:a14="http://schemas.microsoft.com/office/drawing/2010/main" xmlns:ma14="http://schemas.microsoft.com/office/mac/drawingml/2011/main" val="1"/>
             </a:ext>
           </a:extLst>
         </p:spPr>
         <p:txBody>
           <a:bodyPr>
-            <a:normAutofit lnSpcReduction="10000"/>
+            <a:normAutofit fontScale="85000" lnSpcReduction="20000"/>
           </a:bodyPr>
           <a:lstStyle/>
           <a:p>
@@ -16688,8 +16890,8 @@
         </p:nvSpPr>
         <p:spPr>
           <a:xfrm>
-            <a:off x="4992036" y="4594029"/>
-            <a:ext cx="7829421" cy="3129937"/>
+            <a:off x="5935579" y="3673175"/>
+            <a:ext cx="11130740" cy="3460780"/>
           </a:xfrm>
           <a:prstGeom prst="rect">
             <a:avLst/>
@@ -16699,12 +16901,12 @@
           </a:ln>
           <a:extLst>
             <a:ext uri="{C572A759-6A51-4108-AA02-DFA0A04FC94B}">
-              <ma14:wrappingTextBoxFlag xmlns:ma14="http://schemas.microsoft.com/office/mac/drawingml/2011/main" xmlns:a14="http://schemas.microsoft.com/office/drawing/2010/main" xmlns:m="http://schemas.openxmlformats.org/officeDocument/2006/math" xmlns="" val="1"/>
+              <ma14:wrappingTextBoxFlag xmlns="" xmlns:m="http://schemas.openxmlformats.org/officeDocument/2006/math" xmlns:a14="http://schemas.microsoft.com/office/drawing/2010/main" xmlns:ma14="http://schemas.microsoft.com/office/mac/drawingml/2011/main" val="1"/>
             </a:ext>
           </a:extLst>
         </p:spPr>
         <p:txBody>
-          <a:bodyPr lIns="50800" tIns="50800" rIns="50800" bIns="50800" anchor="ctr">
+          <a:bodyPr wrap="square" lIns="67735" tIns="67735" rIns="67735" bIns="67735" anchor="ctr">
             <a:spAutoFit/>
           </a:bodyPr>
           <a:lstStyle>
@@ -16725,6 +16927,7 @@
           </a:lstStyle>
           <a:p>
             <a:r>
+              <a:rPr sz="6000" dirty="0"/>
               <a:t>“Any fool can write code that a computer can understand. Good programmers write code that humans can understand.”</a:t>
             </a:r>
           </a:p>
@@ -16746,8 +16949,8 @@
         </p:blipFill>
         <p:spPr>
           <a:xfrm>
-            <a:off x="114747" y="3321066"/>
-            <a:ext cx="4759196" cy="6344975"/>
+            <a:off x="857981" y="2983329"/>
+            <a:ext cx="4817959" cy="6423318"/>
           </a:xfrm>
           <a:prstGeom prst="rect">
             <a:avLst/>
@@ -16794,6 +16997,10 @@
           </p:nvPr>
         </p:nvSpPr>
         <p:spPr>
+          <a:xfrm>
+            <a:off x="857981" y="1388272"/>
+            <a:ext cx="15624301" cy="764354"/>
+          </a:xfrm>
           <a:prstGeom prst="rect">
             <a:avLst/>
           </a:prstGeom>
@@ -16807,6 +17014,7 @@
           </a:lstStyle>
           <a:p>
             <a:r>
+              <a:rPr dirty="0"/>
               <a:t>Fowler’s book</a:t>
             </a:r>
           </a:p>
@@ -16829,7 +17037,7 @@
         </p:spPr>
         <p:txBody>
           <a:bodyPr>
-            <a:normAutofit lnSpcReduction="10000"/>
+            <a:normAutofit fontScale="85000" lnSpcReduction="20000"/>
           </a:bodyPr>
           <a:lstStyle/>
           <a:p>
@@ -16848,100 +17056,133 @@
           </p:nvPr>
         </p:nvSpPr>
         <p:spPr>
+          <a:xfrm>
+            <a:off x="857982" y="3485081"/>
+            <a:ext cx="12938230" cy="4403207"/>
+          </a:xfrm>
           <a:prstGeom prst="rect">
             <a:avLst/>
           </a:prstGeom>
         </p:spPr>
         <p:txBody>
-          <a:bodyPr/>
+          <a:bodyPr>
+            <a:normAutofit/>
+          </a:bodyPr>
           <a:lstStyle/>
           <a:p>
-            <a:pPr marL="375665" indent="-375665" defTabSz="1508519">
+            <a:pPr marL="500988" indent="-500988" defTabSz="2011759">
               <a:spcBef>
-                <a:spcPts val="800"/>
+                <a:spcPts val="1067"/>
               </a:spcBef>
               <a:defRPr sz="2958"/>
             </a:pPr>
             <a:r>
+              <a:rPr sz="3200" dirty="0"/>
               <a:t>presents a </a:t>
             </a:r>
             <a:r>
-              <a:rPr b="1">
+              <a:rPr sz="3200" b="1" dirty="0">
                 <a:solidFill>
                   <a:srgbClr val="011993"/>
                 </a:solidFill>
               </a:rPr>
-              <a:t>catalogue of refactorings</a:t>
-            </a:r>
-            <a:r>
-              <a:t>, similar to the catalogue of design patterns in the GoF book</a:t>
-            </a:r>
-          </a:p>
-          <a:p>
-            <a:pPr marL="906018" lvl="1" indent="-375665" defTabSz="1508519">
+              <a:t>catalogue of </a:t>
+            </a:r>
+            <a:r>
+              <a:rPr sz="3200" b="1" dirty="0" err="1">
+                <a:solidFill>
+                  <a:srgbClr val="011993"/>
+                </a:solidFill>
+              </a:rPr>
+              <a:t>refactorings</a:t>
+            </a:r>
+            <a:r>
+              <a:rPr sz="3200" dirty="0"/>
+              <a:t>, similar to the catalogue of design patterns in the </a:t>
+            </a:r>
+            <a:r>
+              <a:rPr sz="3200" dirty="0" err="1"/>
+              <a:t>GoF</a:t>
+            </a:r>
+            <a:r>
+              <a:rPr sz="3200" dirty="0"/>
+              <a:t> book</a:t>
+            </a:r>
+          </a:p>
+          <a:p>
+            <a:pPr marL="1208264" lvl="1" indent="-500988" defTabSz="2011759">
               <a:spcBef>
-                <a:spcPts val="800"/>
+                <a:spcPts val="1067"/>
               </a:spcBef>
               <a:buChar char="-"/>
               <a:defRPr sz="2958"/>
             </a:pPr>
             <a:r>
+              <a:rPr sz="3200" dirty="0"/>
               <a:t>catalogues “bad smells” - indications that refactoring may be needed</a:t>
             </a:r>
           </a:p>
           <a:p>
-            <a:pPr marL="906018" lvl="1" indent="-375665" defTabSz="1508519">
+            <a:pPr marL="1208264" lvl="1" indent="-500988" defTabSz="2011759">
               <a:spcBef>
-                <a:spcPts val="800"/>
+                <a:spcPts val="1067"/>
               </a:spcBef>
               <a:buChar char="-"/>
               <a:defRPr sz="2958"/>
             </a:pPr>
             <a:r>
-              <a:t>explains when and how to apply refactorings</a:t>
-            </a:r>
-          </a:p>
-          <a:p>
-            <a:pPr marL="375665" indent="-375665" defTabSz="1508519">
+              <a:rPr sz="3200" dirty="0"/>
+              <a:t>explains when and how to apply </a:t>
+            </a:r>
+            <a:r>
+              <a:rPr sz="3200" dirty="0" err="1"/>
+              <a:t>refactorings</a:t>
+            </a:r>
+            <a:endParaRPr sz="3200" dirty="0"/>
+          </a:p>
+          <a:p>
+            <a:pPr marL="500988" indent="-500988" defTabSz="2011759">
               <a:spcBef>
-                <a:spcPts val="800"/>
+                <a:spcPts val="1067"/>
               </a:spcBef>
               <a:defRPr sz="2958"/>
             </a:pPr>
-            <a:endParaRPr/>
-          </a:p>
-          <a:p>
-            <a:pPr marL="375665" indent="-375665" defTabSz="1508519">
+            <a:r>
+              <a:rPr sz="3200" dirty="0"/>
+              <a:t>many of Fowler’s </a:t>
+            </a:r>
+            <a:r>
+              <a:rPr sz="3200" dirty="0" err="1"/>
+              <a:t>refactorings</a:t>
+            </a:r>
+            <a:r>
+              <a:rPr sz="3200" dirty="0"/>
+              <a:t> are the inverse of another refactoring</a:t>
+            </a:r>
+          </a:p>
+          <a:p>
+            <a:pPr marL="1208264" lvl="1" indent="-500988" defTabSz="2011759">
               <a:spcBef>
-                <a:spcPts val="800"/>
-              </a:spcBef>
-              <a:defRPr sz="2958"/>
-            </a:pPr>
-            <a:r>
-              <a:t>many of Fowler’s refactorings are the inverse of another refactoring</a:t>
-            </a:r>
-          </a:p>
-          <a:p>
-            <a:pPr marL="906018" lvl="1" indent="-375665" defTabSz="1508519">
-              <a:spcBef>
-                <a:spcPts val="800"/>
+                <a:spcPts val="1067"/>
               </a:spcBef>
               <a:buChar char="-"/>
               <a:defRPr sz="2958"/>
             </a:pPr>
             <a:r>
+              <a:rPr sz="3200" dirty="0"/>
               <a:t>often there is not a unique “best” solution</a:t>
             </a:r>
           </a:p>
           <a:p>
-            <a:pPr marL="906018" lvl="1" indent="-375665" defTabSz="1508519">
+            <a:pPr marL="1208264" lvl="1" indent="-500988" defTabSz="2011759">
               <a:spcBef>
-                <a:spcPts val="800"/>
+                <a:spcPts val="1067"/>
               </a:spcBef>
               <a:buChar char="-"/>
               <a:defRPr sz="2958"/>
             </a:pPr>
             <a:r>
+              <a:rPr sz="3200" dirty="0"/>
               <a:t>discussion of the tradeoffs</a:t>
             </a:r>
           </a:p>
@@ -16963,8 +17204,8 @@
         </p:blipFill>
         <p:spPr>
           <a:xfrm>
-            <a:off x="10462766" y="129256"/>
-            <a:ext cx="2645938" cy="2645938"/>
+            <a:off x="13565770" y="551811"/>
+            <a:ext cx="3528025" cy="3528025"/>
           </a:xfrm>
           <a:prstGeom prst="rect">
             <a:avLst/>
@@ -17011,12 +17252,18 @@
           </p:nvPr>
         </p:nvSpPr>
         <p:spPr>
+          <a:xfrm>
+            <a:off x="857981" y="1483135"/>
+            <a:ext cx="15624301" cy="764354"/>
+          </a:xfrm>
           <a:prstGeom prst="rect">
             <a:avLst/>
           </a:prstGeom>
         </p:spPr>
         <p:txBody>
-          <a:bodyPr/>
+          <a:bodyPr>
+            <a:normAutofit/>
+          </a:bodyPr>
           <a:lstStyle>
             <a:lvl1pPr defTabSz="1369804">
               <a:defRPr sz="4740" spc="-94"/>
@@ -17024,6 +17271,7 @@
           </a:lstStyle>
           <a:p>
             <a:r>
+              <a:rPr sz="4400" dirty="0"/>
               <a:t>Why Refactor?</a:t>
             </a:r>
           </a:p>
@@ -17046,7 +17294,7 @@
         </p:spPr>
         <p:txBody>
           <a:bodyPr>
-            <a:normAutofit lnSpcReduction="10000"/>
+            <a:normAutofit fontScale="85000" lnSpcReduction="20000"/>
           </a:bodyPr>
           <a:lstStyle/>
           <a:p>
@@ -17065,6 +17313,10 @@
           </p:nvPr>
         </p:nvSpPr>
         <p:spPr>
+          <a:xfrm>
+            <a:off x="857982" y="3485081"/>
+            <a:ext cx="13355324" cy="4403207"/>
+          </a:xfrm>
           <a:prstGeom prst="rect">
             <a:avLst/>
           </a:prstGeom>
@@ -17073,14 +17325,14 @@
           <a:bodyPr/>
           <a:lstStyle/>
           <a:p>
-            <a:pPr marL="457200" indent="-457200">
+            <a:pPr marL="609722" indent="-609722">
               <a:spcBef>
-                <a:spcPts val="1000"/>
+                <a:spcPts val="1333"/>
               </a:spcBef>
               <a:defRPr sz="3200"/>
             </a:pPr>
             <a:r>
-              <a:rPr>
+              <a:rPr dirty="0">
                 <a:solidFill>
                   <a:srgbClr val="011993"/>
                 </a:solidFill>
@@ -17088,27 +17340,28 @@
               <a:t>requirements have changed</a:t>
             </a:r>
             <a:r>
+              <a:rPr dirty="0"/>
               <a:t>, and a different design is needed</a:t>
             </a:r>
           </a:p>
           <a:p>
-            <a:pPr marL="457200" indent="-457200">
+            <a:pPr marL="609722" indent="-609722">
               <a:spcBef>
-                <a:spcPts val="1000"/>
+                <a:spcPts val="1333"/>
               </a:spcBef>
               <a:defRPr sz="3200"/>
             </a:pPr>
-            <a:endParaRPr/>
-          </a:p>
-          <a:p>
-            <a:pPr marL="457200" indent="-457200">
+            <a:endParaRPr dirty="0"/>
+          </a:p>
+          <a:p>
+            <a:pPr marL="609722" indent="-609722">
               <a:spcBef>
-                <a:spcPts val="1000"/>
+                <a:spcPts val="1333"/>
               </a:spcBef>
               <a:defRPr sz="3200"/>
             </a:pPr>
             <a:r>
-              <a:rPr>
+              <a:rPr dirty="0">
                 <a:solidFill>
                   <a:srgbClr val="011993"/>
                 </a:solidFill>
@@ -17116,38 +17369,41 @@
               <a:t>design needs to be more flexible</a:t>
             </a:r>
             <a:r>
+              <a:rPr dirty="0"/>
               <a:t> (so new features can be added)</a:t>
             </a:r>
           </a:p>
           <a:p>
-            <a:pPr marL="1123950" lvl="1" indent="-514350">
+            <a:pPr marL="1498902" lvl="1" indent="-685938">
               <a:spcBef>
-                <a:spcPts val="1000"/>
+                <a:spcPts val="1333"/>
               </a:spcBef>
               <a:buChar char="-"/>
               <a:defRPr sz="3200"/>
             </a:pPr>
             <a:r>
+              <a:rPr dirty="0"/>
               <a:t>design patterns are often a target for refactoring</a:t>
             </a:r>
           </a:p>
           <a:p>
-            <a:pPr marL="457200" indent="-457200">
+            <a:pPr marL="609722" indent="-609722">
               <a:spcBef>
-                <a:spcPts val="1000"/>
+                <a:spcPts val="1333"/>
               </a:spcBef>
               <a:defRPr sz="3200"/>
             </a:pPr>
-            <a:endParaRPr/>
-          </a:p>
-          <a:p>
-            <a:pPr marL="457200" indent="-457200">
+            <a:endParaRPr dirty="0"/>
+          </a:p>
+          <a:p>
+            <a:pPr marL="609722" indent="-609722">
               <a:spcBef>
-                <a:spcPts val="1000"/>
+                <a:spcPts val="1333"/>
               </a:spcBef>
               <a:defRPr sz="3200"/>
             </a:pPr>
             <a:r>
+              <a:rPr dirty="0"/>
               <a:t>address sloppiness by programmers</a:t>
             </a:r>
           </a:p>
@@ -17169,8 +17425,8 @@
         </p:blipFill>
         <p:spPr>
           <a:xfrm>
-            <a:off x="7245773" y="-189315"/>
-            <a:ext cx="5232401" cy="2286001"/>
+            <a:off x="9324442" y="-314040"/>
+            <a:ext cx="6976748" cy="3048094"/>
           </a:xfrm>
           <a:prstGeom prst="rect">
             <a:avLst/>
@@ -17217,12 +17473,18 @@
           </p:nvPr>
         </p:nvSpPr>
         <p:spPr>
+          <a:xfrm>
+            <a:off x="857981" y="1399194"/>
+            <a:ext cx="15624301" cy="764354"/>
+          </a:xfrm>
           <a:prstGeom prst="rect">
             <a:avLst/>
           </a:prstGeom>
         </p:spPr>
         <p:txBody>
-          <a:bodyPr/>
+          <a:bodyPr>
+            <a:normAutofit/>
+          </a:bodyPr>
           <a:lstStyle>
             <a:lvl1pPr defTabSz="1369804">
               <a:defRPr sz="4740" spc="-94"/>
@@ -17230,6 +17492,7 @@
           </a:lstStyle>
           <a:p>
             <a:r>
+              <a:rPr sz="4400" dirty="0"/>
               <a:t>Example Refactoring</a:t>
             </a:r>
           </a:p>
@@ -17251,13 +17514,13 @@
           </a:prstGeom>
           <a:extLst>
             <a:ext uri="{C572A759-6A51-4108-AA02-DFA0A04FC94B}">
-              <ma14:wrappingTextBoxFlag xmlns:ma14="http://schemas.microsoft.com/office/mac/drawingml/2011/main" xmlns:a14="http://schemas.microsoft.com/office/drawing/2010/main" xmlns:m="http://schemas.openxmlformats.org/officeDocument/2006/math" xmlns="" val="1"/>
+              <ma14:wrappingTextBoxFlag xmlns="" xmlns:m="http://schemas.openxmlformats.org/officeDocument/2006/math" xmlns:a14="http://schemas.microsoft.com/office/drawing/2010/main" xmlns:ma14="http://schemas.microsoft.com/office/mac/drawingml/2011/main" val="1"/>
             </a:ext>
           </a:extLst>
         </p:spPr>
         <p:txBody>
           <a:bodyPr>
-            <a:normAutofit lnSpcReduction="10000"/>
+            <a:normAutofit fontScale="85000" lnSpcReduction="20000"/>
           </a:bodyPr>
           <a:lstStyle/>
           <a:p>
@@ -17275,8 +17538,8 @@
         </p:nvSpPr>
         <p:spPr>
           <a:xfrm>
-            <a:off x="912505" y="4303606"/>
-            <a:ext cx="4639631" cy="3000588"/>
+            <a:off x="1216718" y="4352949"/>
+            <a:ext cx="6244517" cy="3520053"/>
           </a:xfrm>
           <a:prstGeom prst="rect">
             <a:avLst/>
@@ -17286,17 +17549,17 @@
           </a:ln>
           <a:extLst>
             <a:ext uri="{C572A759-6A51-4108-AA02-DFA0A04FC94B}">
-              <ma14:wrappingTextBoxFlag xmlns:ma14="http://schemas.microsoft.com/office/mac/drawingml/2011/main" xmlns:a14="http://schemas.microsoft.com/office/drawing/2010/main" xmlns:m="http://schemas.openxmlformats.org/officeDocument/2006/math" xmlns="" val="1"/>
+              <ma14:wrappingTextBoxFlag xmlns="" xmlns:m="http://schemas.openxmlformats.org/officeDocument/2006/math" xmlns:a14="http://schemas.microsoft.com/office/drawing/2010/main" xmlns:ma14="http://schemas.microsoft.com/office/mac/drawingml/2011/main" val="1"/>
             </a:ext>
           </a:extLst>
         </p:spPr>
         <p:txBody>
-          <a:bodyPr wrap="none" lIns="27093" tIns="27093" rIns="27093" bIns="27093" anchor="ctr">
+          <a:bodyPr wrap="none" lIns="36125" tIns="36125" rIns="36125" bIns="36125" anchor="ctr">
             <a:spAutoFit/>
           </a:bodyPr>
           <a:lstStyle/>
           <a:p>
-            <a:pPr algn="l" defTabSz="325120">
+            <a:pPr algn="l" defTabSz="433580">
               <a:defRPr sz="2400">
                 <a:solidFill>
                   <a:srgbClr val="000000"/>
@@ -17308,7 +17571,7 @@
               </a:defRPr>
             </a:pPr>
             <a:r>
-              <a:rPr b="1">
+              <a:rPr sz="3200" b="1">
                 <a:solidFill>
                   <a:srgbClr val="011480"/>
                 </a:solidFill>
@@ -17316,11 +17579,12 @@
               <a:t>if </a:t>
             </a:r>
             <a:r>
+              <a:rPr sz="3200"/>
               <a:t>(isSpecialDeal()) {</a:t>
             </a:r>
           </a:p>
           <a:p>
-            <a:pPr algn="l" defTabSz="325120">
+            <a:pPr algn="l" defTabSz="433580">
               <a:defRPr sz="2400">
                 <a:solidFill>
                   <a:srgbClr val="000000"/>
@@ -17332,10 +17596,11 @@
               </a:defRPr>
             </a:pPr>
             <a:r>
+              <a:rPr sz="3200"/>
               <a:t>    total = price * </a:t>
             </a:r>
             <a:r>
-              <a:rPr>
+              <a:rPr sz="3200">
                 <a:solidFill>
                   <a:srgbClr val="0433FF"/>
                 </a:solidFill>
@@ -17343,11 +17608,12 @@
               <a:t>0.95</a:t>
             </a:r>
             <a:r>
+              <a:rPr sz="3200"/>
               <a:t>;</a:t>
             </a:r>
           </a:p>
           <a:p>
-            <a:pPr algn="l" defTabSz="325120">
+            <a:pPr algn="l" defTabSz="433580">
               <a:defRPr sz="2400">
                 <a:solidFill>
                   <a:srgbClr val="000000"/>
@@ -17359,11 +17625,12 @@
               </a:defRPr>
             </a:pPr>
             <a:r>
+              <a:rPr sz="3200"/>
               <a:t>    send()</a:t>
             </a:r>
           </a:p>
           <a:p>
-            <a:pPr algn="l" defTabSz="325120">
+            <a:pPr algn="l" defTabSz="433580">
               <a:defRPr sz="2400" b="1">
                 <a:solidFill>
                   <a:srgbClr val="011480"/>
@@ -17375,7 +17642,7 @@
               </a:defRPr>
             </a:pPr>
             <a:r>
-              <a:rPr b="0">
+              <a:rPr sz="3200">
                 <a:solidFill>
                   <a:srgbClr val="000000"/>
                 </a:solidFill>
@@ -17383,10 +17650,11 @@
               <a:t>} </a:t>
             </a:r>
             <a:r>
+              <a:rPr sz="3200"/>
               <a:t>else </a:t>
             </a:r>
             <a:r>
-              <a:rPr b="0">
+              <a:rPr sz="3200">
                 <a:solidFill>
                   <a:srgbClr val="000000"/>
                 </a:solidFill>
@@ -17395,7 +17663,7 @@
             </a:r>
           </a:p>
           <a:p>
-            <a:pPr algn="l" defTabSz="325120">
+            <a:pPr algn="l" defTabSz="433580">
               <a:defRPr sz="2400">
                 <a:solidFill>
                   <a:srgbClr val="000000"/>
@@ -17407,10 +17675,11 @@
               </a:defRPr>
             </a:pPr>
             <a:r>
+              <a:rPr sz="3200"/>
               <a:t>    total = price * </a:t>
             </a:r>
             <a:r>
-              <a:rPr>
+              <a:rPr sz="3200">
                 <a:solidFill>
                   <a:srgbClr val="0433FF"/>
                 </a:solidFill>
@@ -17418,11 +17687,12 @@
               <a:t>0.98</a:t>
             </a:r>
             <a:r>
+              <a:rPr sz="3200"/>
               <a:t>;</a:t>
             </a:r>
           </a:p>
           <a:p>
-            <a:pPr algn="l" defTabSz="325120">
+            <a:pPr algn="l" defTabSz="433580">
               <a:defRPr sz="2400">
                 <a:solidFill>
                   <a:srgbClr val="000000"/>
@@ -17434,11 +17704,12 @@
               </a:defRPr>
             </a:pPr>
             <a:r>
+              <a:rPr sz="3200"/>
               <a:t>    send()</a:t>
             </a:r>
           </a:p>
           <a:p>
-            <a:pPr algn="l" defTabSz="325120">
+            <a:pPr algn="l" defTabSz="433580">
               <a:defRPr sz="2400">
                 <a:solidFill>
                   <a:srgbClr val="000000"/>
@@ -17450,6 +17721,7 @@
               </a:defRPr>
             </a:pPr>
             <a:r>
+              <a:rPr sz="3200"/>
               <a:t>}</a:t>
             </a:r>
           </a:p>
@@ -17463,8 +17735,8 @@
         </p:nvSpPr>
         <p:spPr>
           <a:xfrm>
-            <a:off x="7364105" y="4392506"/>
-            <a:ext cx="4639632" cy="2263988"/>
+            <a:off x="9819111" y="4226620"/>
+            <a:ext cx="6244517" cy="3027611"/>
           </a:xfrm>
           <a:prstGeom prst="rect">
             <a:avLst/>
@@ -17474,17 +17746,17 @@
           </a:ln>
           <a:extLst>
             <a:ext uri="{C572A759-6A51-4108-AA02-DFA0A04FC94B}">
-              <ma14:wrappingTextBoxFlag xmlns:ma14="http://schemas.microsoft.com/office/mac/drawingml/2011/main" xmlns:a14="http://schemas.microsoft.com/office/drawing/2010/main" xmlns:m="http://schemas.openxmlformats.org/officeDocument/2006/math" xmlns="" val="1"/>
+              <ma14:wrappingTextBoxFlag xmlns="" xmlns:m="http://schemas.openxmlformats.org/officeDocument/2006/math" xmlns:a14="http://schemas.microsoft.com/office/drawing/2010/main" xmlns:ma14="http://schemas.microsoft.com/office/mac/drawingml/2011/main" val="1"/>
             </a:ext>
           </a:extLst>
         </p:spPr>
         <p:txBody>
-          <a:bodyPr wrap="none" lIns="27093" tIns="27093" rIns="27093" bIns="27093" anchor="ctr">
+          <a:bodyPr wrap="none" lIns="36125" tIns="36125" rIns="36125" bIns="36125" anchor="ctr">
             <a:spAutoFit/>
           </a:bodyPr>
           <a:lstStyle/>
           <a:p>
-            <a:pPr algn="l" defTabSz="325120">
+            <a:pPr algn="l" defTabSz="433580">
               <a:defRPr sz="2400">
                 <a:solidFill>
                   <a:srgbClr val="000000"/>
@@ -17496,7 +17768,7 @@
               </a:defRPr>
             </a:pPr>
             <a:r>
-              <a:rPr b="1">
+              <a:rPr sz="3200" b="1">
                 <a:solidFill>
                   <a:srgbClr val="011480"/>
                 </a:solidFill>
@@ -17504,11 +17776,12 @@
               <a:t>if </a:t>
             </a:r>
             <a:r>
+              <a:rPr sz="3200"/>
               <a:t>(isSpecialDeal()) {</a:t>
             </a:r>
           </a:p>
           <a:p>
-            <a:pPr algn="l" defTabSz="325120">
+            <a:pPr algn="l" defTabSz="433580">
               <a:defRPr sz="2400">
                 <a:solidFill>
                   <a:srgbClr val="000000"/>
@@ -17520,10 +17793,11 @@
               </a:defRPr>
             </a:pPr>
             <a:r>
+              <a:rPr sz="3200"/>
               <a:t>    total = price * </a:t>
             </a:r>
             <a:r>
-              <a:rPr>
+              <a:rPr sz="3200">
                 <a:solidFill>
                   <a:srgbClr val="0433FF"/>
                 </a:solidFill>
@@ -17531,11 +17805,12 @@
               <a:t>0.95</a:t>
             </a:r>
             <a:r>
+              <a:rPr sz="3200"/>
               <a:t>;</a:t>
             </a:r>
           </a:p>
           <a:p>
-            <a:pPr algn="l" defTabSz="325120">
+            <a:pPr algn="l" defTabSz="433580">
               <a:defRPr sz="2400" b="1">
                 <a:solidFill>
                   <a:srgbClr val="011480"/>
@@ -17547,7 +17822,7 @@
               </a:defRPr>
             </a:pPr>
             <a:r>
-              <a:rPr b="0">
+              <a:rPr sz="3200">
                 <a:solidFill>
                   <a:srgbClr val="000000"/>
                 </a:solidFill>
@@ -17555,10 +17830,11 @@
               <a:t>} </a:t>
             </a:r>
             <a:r>
+              <a:rPr sz="3200"/>
               <a:t>else </a:t>
             </a:r>
             <a:r>
-              <a:rPr b="0">
+              <a:rPr sz="3200">
                 <a:solidFill>
                   <a:srgbClr val="000000"/>
                 </a:solidFill>
@@ -17567,7 +17843,7 @@
             </a:r>
           </a:p>
           <a:p>
-            <a:pPr algn="l" defTabSz="325120">
+            <a:pPr algn="l" defTabSz="433580">
               <a:defRPr sz="2400">
                 <a:solidFill>
                   <a:srgbClr val="000000"/>
@@ -17579,10 +17855,11 @@
               </a:defRPr>
             </a:pPr>
             <a:r>
+              <a:rPr sz="3200"/>
               <a:t>    total = price * </a:t>
             </a:r>
             <a:r>
-              <a:rPr>
+              <a:rPr sz="3200">
                 <a:solidFill>
                   <a:srgbClr val="0433FF"/>
                 </a:solidFill>
@@ -17590,11 +17867,12 @@
               <a:t>0.98</a:t>
             </a:r>
             <a:r>
+              <a:rPr sz="3200"/>
               <a:t>;</a:t>
             </a:r>
           </a:p>
           <a:p>
-            <a:pPr algn="l" defTabSz="325120">
+            <a:pPr algn="l" defTabSz="433580">
               <a:defRPr sz="2400">
                 <a:solidFill>
                   <a:srgbClr val="000000"/>
@@ -17606,11 +17884,12 @@
               </a:defRPr>
             </a:pPr>
             <a:r>
+              <a:rPr sz="3200"/>
               <a:t>}</a:t>
             </a:r>
           </a:p>
           <a:p>
-            <a:pPr algn="l" defTabSz="325120">
+            <a:pPr algn="l" defTabSz="433580">
               <a:defRPr sz="2400">
                 <a:solidFill>
                   <a:srgbClr val="000000"/>
@@ -17622,6 +17901,7 @@
               </a:defRPr>
             </a:pPr>
             <a:r>
+              <a:rPr sz="3200"/>
               <a:t>send()</a:t>
             </a:r>
           </a:p>
@@ -17635,8 +17915,8 @@
         </p:nvSpPr>
         <p:spPr>
           <a:xfrm>
-            <a:off x="1851147" y="3939174"/>
-            <a:ext cx="1809506" cy="376652"/>
+            <a:off x="2460767" y="3625791"/>
+            <a:ext cx="2427767" cy="503843"/>
           </a:xfrm>
           <a:prstGeom prst="rect">
             <a:avLst/>
@@ -17646,12 +17926,12 @@
           </a:ln>
           <a:extLst>
             <a:ext uri="{C572A759-6A51-4108-AA02-DFA0A04FC94B}">
-              <ma14:wrappingTextBoxFlag xmlns:ma14="http://schemas.microsoft.com/office/mac/drawingml/2011/main" xmlns:a14="http://schemas.microsoft.com/office/drawing/2010/main" xmlns:m="http://schemas.openxmlformats.org/officeDocument/2006/math" xmlns="" val="1"/>
+              <ma14:wrappingTextBoxFlag xmlns="" xmlns:m="http://schemas.openxmlformats.org/officeDocument/2006/math" xmlns:a14="http://schemas.microsoft.com/office/drawing/2010/main" xmlns:ma14="http://schemas.microsoft.com/office/mac/drawingml/2011/main" val="1"/>
             </a:ext>
           </a:extLst>
         </p:spPr>
         <p:txBody>
-          <a:bodyPr wrap="none" lIns="27093" tIns="27093" rIns="27093" bIns="27093" anchor="ctr">
+          <a:bodyPr wrap="none" lIns="36125" tIns="36125" rIns="36125" bIns="36125" anchor="ctr">
             <a:spAutoFit/>
           </a:bodyPr>
           <a:lstStyle>
@@ -17665,6 +17945,7 @@
           </a:lstStyle>
           <a:p>
             <a:r>
+              <a:rPr sz="2800"/>
               <a:t>Original Code</a:t>
             </a:r>
           </a:p>
@@ -17678,8 +17959,8 @@
         </p:nvSpPr>
         <p:spPr>
           <a:xfrm>
-            <a:off x="8448054" y="3939174"/>
-            <a:ext cx="2230092" cy="376652"/>
+            <a:off x="11275222" y="3625791"/>
+            <a:ext cx="2951949" cy="503843"/>
           </a:xfrm>
           <a:prstGeom prst="rect">
             <a:avLst/>
@@ -17689,12 +17970,12 @@
           </a:ln>
           <a:extLst>
             <a:ext uri="{C572A759-6A51-4108-AA02-DFA0A04FC94B}">
-              <ma14:wrappingTextBoxFlag xmlns:ma14="http://schemas.microsoft.com/office/mac/drawingml/2011/main" xmlns:a14="http://schemas.microsoft.com/office/drawing/2010/main" xmlns:m="http://schemas.openxmlformats.org/officeDocument/2006/math" xmlns="" val="1"/>
+              <ma14:wrappingTextBoxFlag xmlns="" xmlns:m="http://schemas.openxmlformats.org/officeDocument/2006/math" xmlns:a14="http://schemas.microsoft.com/office/drawing/2010/main" xmlns:ma14="http://schemas.microsoft.com/office/mac/drawingml/2011/main" val="1"/>
             </a:ext>
           </a:extLst>
         </p:spPr>
         <p:txBody>
-          <a:bodyPr wrap="none" lIns="27093" tIns="27093" rIns="27093" bIns="27093" anchor="ctr">
+          <a:bodyPr wrap="none" lIns="36125" tIns="36125" rIns="36125" bIns="36125" anchor="ctr">
             <a:spAutoFit/>
           </a:bodyPr>
           <a:lstStyle>
@@ -17708,6 +17989,7 @@
           </a:lstStyle>
           <a:p>
             <a:r>
+              <a:rPr sz="2800"/>
               <a:t>Refactored Code</a:t>
             </a:r>
           </a:p>
